--- a/GR5243 pro4.pptx
+++ b/GR5243 pro4.pptx
@@ -6,7 +6,7 @@
     <p:sldMasterId id="2147483649" r:id="rId2"/>
   </p:sldMasterIdLst>
   <p:notesMasterIdLst>
-    <p:notesMasterId r:id="rId16"/>
+    <p:notesMasterId r:id="rId20"/>
   </p:notesMasterIdLst>
   <p:sldIdLst>
     <p:sldId id="298" r:id="rId3"/>
@@ -17,11 +17,15 @@
     <p:sldId id="309" r:id="rId8"/>
     <p:sldId id="306" r:id="rId9"/>
     <p:sldId id="300" r:id="rId10"/>
-    <p:sldId id="305" r:id="rId11"/>
-    <p:sldId id="310" r:id="rId12"/>
-    <p:sldId id="302" r:id="rId13"/>
-    <p:sldId id="303" r:id="rId14"/>
-    <p:sldId id="301" r:id="rId15"/>
+    <p:sldId id="312" r:id="rId11"/>
+    <p:sldId id="305" r:id="rId12"/>
+    <p:sldId id="310" r:id="rId13"/>
+    <p:sldId id="311" r:id="rId14"/>
+    <p:sldId id="313" r:id="rId15"/>
+    <p:sldId id="314" r:id="rId16"/>
+    <p:sldId id="302" r:id="rId17"/>
+    <p:sldId id="303" r:id="rId18"/>
+    <p:sldId id="301" r:id="rId19"/>
   </p:sldIdLst>
   <p:sldSz cx="9144000" cy="6858000" type="screen4x3"/>
   <p:notesSz cx="7010400" cy="9296400"/>
@@ -6483,6 +6487,826 @@
           <p:cNvPr id="2" name="Content Placeholder 1">
             <a:extLst>
               <a:ext uri="{FF2B5EF4-FFF2-40B4-BE49-F238E27FC236}">
+                <a16:creationId xmlns:a16="http://schemas.microsoft.com/office/drawing/2014/main" id="{A247519D-0913-4560-AD64-C44951BC3363}"/>
+              </a:ext>
+            </a:extLst>
+          </p:cNvPr>
+          <p:cNvSpPr>
+            <a:spLocks noGrp="1"/>
+          </p:cNvSpPr>
+          <p:nvPr>
+            <p:ph/>
+          </p:nvPr>
+        </p:nvSpPr>
+        <p:spPr/>
+        <p:txBody>
+          <a:bodyPr/>
+          <a:lstStyle/>
+          <a:p>
+            <a:r>
+              <a:rPr lang="en-US" sz="3600" dirty="0">
+                <a:solidFill>
+                  <a:schemeClr val="accent1"/>
+                </a:solidFill>
+              </a:rPr>
+              <a:t>Correction: S</a:t>
+            </a:r>
+            <a:r>
+              <a:rPr lang="en-US" dirty="0">
+                <a:solidFill>
+                  <a:schemeClr val="accent1"/>
+                </a:solidFill>
+              </a:rPr>
+              <a:t>tatistical Learning Model (Cont.)</a:t>
+            </a:r>
+          </a:p>
+          <a:p>
+            <a:endParaRPr lang="en-US" dirty="0">
+              <a:solidFill>
+                <a:schemeClr val="accent1"/>
+              </a:solidFill>
+            </a:endParaRPr>
+          </a:p>
+          <a:p>
+            <a:pPr lvl="2"/>
+            <a:r>
+              <a:rPr lang="en-US" altLang="zh-CN" dirty="0"/>
+              <a:t>Feature 2</a:t>
+            </a:r>
+            <a:r>
+              <a:rPr lang="zh-CN" altLang="en-US" dirty="0"/>
+              <a:t>： </a:t>
+            </a:r>
+            <a:r>
+              <a:rPr lang="en-US" dirty="0"/>
+              <a:t>String similarity score:</a:t>
+            </a:r>
+          </a:p>
+          <a:p>
+            <a:pPr lvl="2"/>
+            <a:endParaRPr lang="en-US" dirty="0"/>
+          </a:p>
+        </p:txBody>
+      </p:sp>
+      <p:grpSp>
+        <p:nvGrpSpPr>
+          <p:cNvPr id="7" name="Group 6">
+            <a:extLst>
+              <a:ext uri="{FF2B5EF4-FFF2-40B4-BE49-F238E27FC236}">
+                <a16:creationId xmlns:a16="http://schemas.microsoft.com/office/drawing/2014/main" id="{BDCE716A-16D6-432D-9C88-45EE28CFABE4}"/>
+              </a:ext>
+            </a:extLst>
+          </p:cNvPr>
+          <p:cNvGrpSpPr/>
+          <p:nvPr/>
+        </p:nvGrpSpPr>
+        <p:grpSpPr>
+          <a:xfrm>
+            <a:off x="770529" y="2362200"/>
+            <a:ext cx="2857500" cy="3043456"/>
+            <a:chOff x="3124200" y="1752600"/>
+            <a:chExt cx="2400300" cy="2556503"/>
+          </a:xfrm>
+        </p:grpSpPr>
+        <p:grpSp>
+          <p:nvGrpSpPr>
+            <p:cNvPr id="5" name="Group 4">
+              <a:extLst>
+                <a:ext uri="{FF2B5EF4-FFF2-40B4-BE49-F238E27FC236}">
+                  <a16:creationId xmlns:a16="http://schemas.microsoft.com/office/drawing/2014/main" id="{3D82CF4F-0009-4718-AE68-82A4257F6A84}"/>
+                </a:ext>
+              </a:extLst>
+            </p:cNvPr>
+            <p:cNvGrpSpPr/>
+            <p:nvPr/>
+          </p:nvGrpSpPr>
+          <p:grpSpPr>
+            <a:xfrm>
+              <a:off x="3124200" y="1752600"/>
+              <a:ext cx="2400300" cy="2133600"/>
+              <a:chOff x="2705100" y="1676400"/>
+              <a:chExt cx="3733800" cy="3033600"/>
+            </a:xfrm>
+          </p:grpSpPr>
+          <p:pic>
+            <p:nvPicPr>
+              <p:cNvPr id="3" name="Picture 2">
+                <a:extLst>
+                  <a:ext uri="{FF2B5EF4-FFF2-40B4-BE49-F238E27FC236}">
+                    <a16:creationId xmlns:a16="http://schemas.microsoft.com/office/drawing/2014/main" id="{6ED13E9B-4D61-4353-81B5-824A713095D7}"/>
+                  </a:ext>
+                </a:extLst>
+              </p:cNvPr>
+              <p:cNvPicPr>
+                <a:picLocks noChangeAspect="1"/>
+              </p:cNvPicPr>
+              <p:nvPr/>
+            </p:nvPicPr>
+            <p:blipFill>
+              <a:blip r:embed="rId2"/>
+              <a:stretch>
+                <a:fillRect/>
+              </a:stretch>
+            </p:blipFill>
+            <p:spPr>
+              <a:xfrm>
+                <a:off x="2705100" y="1676400"/>
+                <a:ext cx="3733800" cy="784246"/>
+              </a:xfrm>
+              <a:prstGeom prst="rect">
+                <a:avLst/>
+              </a:prstGeom>
+            </p:spPr>
+          </p:pic>
+          <p:pic>
+            <p:nvPicPr>
+              <p:cNvPr id="4" name="Picture 3">
+                <a:extLst>
+                  <a:ext uri="{FF2B5EF4-FFF2-40B4-BE49-F238E27FC236}">
+                    <a16:creationId xmlns:a16="http://schemas.microsoft.com/office/drawing/2014/main" id="{CE160FD3-E2FB-4C67-88E8-97526000358B}"/>
+                  </a:ext>
+                </a:extLst>
+              </p:cNvPr>
+              <p:cNvPicPr>
+                <a:picLocks noChangeAspect="1"/>
+              </p:cNvPicPr>
+              <p:nvPr/>
+            </p:nvPicPr>
+            <p:blipFill>
+              <a:blip r:embed="rId3"/>
+              <a:stretch>
+                <a:fillRect/>
+              </a:stretch>
+            </p:blipFill>
+            <p:spPr>
+              <a:xfrm>
+                <a:off x="2705100" y="2362200"/>
+                <a:ext cx="3733800" cy="2347800"/>
+              </a:xfrm>
+              <a:prstGeom prst="rect">
+                <a:avLst/>
+              </a:prstGeom>
+            </p:spPr>
+          </p:pic>
+        </p:grpSp>
+        <p:pic>
+          <p:nvPicPr>
+            <p:cNvPr id="6" name="Picture 5">
+              <a:extLst>
+                <a:ext uri="{FF2B5EF4-FFF2-40B4-BE49-F238E27FC236}">
+                  <a16:creationId xmlns:a16="http://schemas.microsoft.com/office/drawing/2014/main" id="{3FD86E2C-4FB8-444E-B6CB-D0BCF3A4B323}"/>
+                </a:ext>
+              </a:extLst>
+            </p:cNvPr>
+            <p:cNvPicPr>
+              <a:picLocks noChangeAspect="1"/>
+            </p:cNvPicPr>
+            <p:nvPr/>
+          </p:nvPicPr>
+          <p:blipFill>
+            <a:blip r:embed="rId4"/>
+            <a:stretch>
+              <a:fillRect/>
+            </a:stretch>
+          </p:blipFill>
+          <p:spPr>
+            <a:xfrm>
+              <a:off x="3124200" y="3821034"/>
+              <a:ext cx="2400300" cy="488069"/>
+            </a:xfrm>
+            <a:prstGeom prst="rect">
+              <a:avLst/>
+            </a:prstGeom>
+          </p:spPr>
+        </p:pic>
+      </p:grpSp>
+      <p:grpSp>
+        <p:nvGrpSpPr>
+          <p:cNvPr id="11" name="Group 10">
+            <a:extLst>
+              <a:ext uri="{FF2B5EF4-FFF2-40B4-BE49-F238E27FC236}">
+                <a16:creationId xmlns:a16="http://schemas.microsoft.com/office/drawing/2014/main" id="{F21B6F9C-ACCB-4769-85D6-A24F94DF9F08}"/>
+              </a:ext>
+            </a:extLst>
+          </p:cNvPr>
+          <p:cNvGrpSpPr/>
+          <p:nvPr/>
+        </p:nvGrpSpPr>
+        <p:grpSpPr>
+          <a:xfrm>
+            <a:off x="5029200" y="2470666"/>
+            <a:ext cx="3067680" cy="1658579"/>
+            <a:chOff x="4854633" y="2358811"/>
+            <a:chExt cx="3067680" cy="1658579"/>
+          </a:xfrm>
+        </p:grpSpPr>
+        <p:pic>
+          <p:nvPicPr>
+            <p:cNvPr id="9" name="Picture 8">
+              <a:extLst>
+                <a:ext uri="{FF2B5EF4-FFF2-40B4-BE49-F238E27FC236}">
+                  <a16:creationId xmlns:a16="http://schemas.microsoft.com/office/drawing/2014/main" id="{FF68A088-BC4A-4DAE-B571-D71C105D6935}"/>
+                </a:ext>
+              </a:extLst>
+            </p:cNvPr>
+            <p:cNvPicPr>
+              <a:picLocks noChangeAspect="1"/>
+            </p:cNvPicPr>
+            <p:nvPr/>
+          </p:nvPicPr>
+          <p:blipFill>
+            <a:blip r:embed="rId5"/>
+            <a:stretch>
+              <a:fillRect/>
+            </a:stretch>
+          </p:blipFill>
+          <p:spPr>
+            <a:xfrm>
+              <a:off x="4854633" y="2358811"/>
+              <a:ext cx="3067679" cy="1408540"/>
+            </a:xfrm>
+            <a:prstGeom prst="rect">
+              <a:avLst/>
+            </a:prstGeom>
+          </p:spPr>
+        </p:pic>
+        <p:pic>
+          <p:nvPicPr>
+            <p:cNvPr id="10" name="Picture 9">
+              <a:extLst>
+                <a:ext uri="{FF2B5EF4-FFF2-40B4-BE49-F238E27FC236}">
+                  <a16:creationId xmlns:a16="http://schemas.microsoft.com/office/drawing/2014/main" id="{DD47BCC8-6EFB-4A75-A064-83AACC67091A}"/>
+                </a:ext>
+              </a:extLst>
+            </p:cNvPr>
+            <p:cNvPicPr>
+              <a:picLocks noChangeAspect="1"/>
+            </p:cNvPicPr>
+            <p:nvPr/>
+          </p:nvPicPr>
+          <p:blipFill>
+            <a:blip r:embed="rId6"/>
+            <a:stretch>
+              <a:fillRect/>
+            </a:stretch>
+          </p:blipFill>
+          <p:spPr>
+            <a:xfrm>
+              <a:off x="4981379" y="3767351"/>
+              <a:ext cx="2940934" cy="250039"/>
+            </a:xfrm>
+            <a:prstGeom prst="rect">
+              <a:avLst/>
+            </a:prstGeom>
+          </p:spPr>
+        </p:pic>
+      </p:grpSp>
+      <p:sp>
+        <p:nvSpPr>
+          <p:cNvPr id="13" name="Arrow: Down 12">
+            <a:extLst>
+              <a:ext uri="{FF2B5EF4-FFF2-40B4-BE49-F238E27FC236}">
+                <a16:creationId xmlns:a16="http://schemas.microsoft.com/office/drawing/2014/main" id="{FF8FCB9E-86A3-4E56-A2DB-979F685E6436}"/>
+              </a:ext>
+            </a:extLst>
+          </p:cNvPr>
+          <p:cNvSpPr/>
+          <p:nvPr/>
+        </p:nvSpPr>
+        <p:spPr>
+          <a:xfrm>
+            <a:off x="3299914" y="2174422"/>
+            <a:ext cx="152400" cy="223157"/>
+          </a:xfrm>
+          <a:prstGeom prst="downArrow">
+            <a:avLst/>
+          </a:prstGeom>
+          <a:ln>
+            <a:solidFill>
+              <a:srgbClr val="FF0000"/>
+            </a:solidFill>
+          </a:ln>
+        </p:spPr>
+        <p:style>
+          <a:lnRef idx="2">
+            <a:schemeClr val="accent1">
+              <a:shade val="50000"/>
+            </a:schemeClr>
+          </a:lnRef>
+          <a:fillRef idx="1">
+            <a:schemeClr val="accent1"/>
+          </a:fillRef>
+          <a:effectRef idx="0">
+            <a:schemeClr val="accent1"/>
+          </a:effectRef>
+          <a:fontRef idx="minor">
+            <a:schemeClr val="lt1"/>
+          </a:fontRef>
+        </p:style>
+        <p:txBody>
+          <a:bodyPr rtlCol="0" anchor="ctr"/>
+          <a:lstStyle/>
+          <a:p>
+            <a:pPr algn="ctr"/>
+            <a:endParaRPr lang="en-US"/>
+          </a:p>
+        </p:txBody>
+      </p:sp>
+      <p:sp>
+        <p:nvSpPr>
+          <p:cNvPr id="14" name="TextBox 13">
+            <a:extLst>
+              <a:ext uri="{FF2B5EF4-FFF2-40B4-BE49-F238E27FC236}">
+                <a16:creationId xmlns:a16="http://schemas.microsoft.com/office/drawing/2014/main" id="{BCCF970A-3425-4434-B04A-FDB352BF1E84}"/>
+              </a:ext>
+            </a:extLst>
+          </p:cNvPr>
+          <p:cNvSpPr txBox="1"/>
+          <p:nvPr/>
+        </p:nvSpPr>
+        <p:spPr>
+          <a:xfrm>
+            <a:off x="1524000" y="2057400"/>
+            <a:ext cx="1274708" cy="369332"/>
+          </a:xfrm>
+          <a:prstGeom prst="rect">
+            <a:avLst/>
+          </a:prstGeom>
+          <a:noFill/>
+        </p:spPr>
+        <p:txBody>
+          <a:bodyPr wrap="none" rtlCol="0">
+            <a:spAutoFit/>
+          </a:bodyPr>
+          <a:lstStyle/>
+          <a:p>
+            <a:r>
+              <a:rPr lang="en-US" dirty="0"/>
+              <a:t>C-2 paper:</a:t>
+            </a:r>
+          </a:p>
+        </p:txBody>
+      </p:sp>
+      <p:sp>
+        <p:nvSpPr>
+          <p:cNvPr id="15" name="TextBox 14">
+            <a:extLst>
+              <a:ext uri="{FF2B5EF4-FFF2-40B4-BE49-F238E27FC236}">
+                <a16:creationId xmlns:a16="http://schemas.microsoft.com/office/drawing/2014/main" id="{5240C373-3040-40BA-AEEC-44489D5F2BEA}"/>
+              </a:ext>
+            </a:extLst>
+          </p:cNvPr>
+          <p:cNvSpPr txBox="1"/>
+          <p:nvPr/>
+        </p:nvSpPr>
+        <p:spPr>
+          <a:xfrm>
+            <a:off x="5943600" y="2101334"/>
+            <a:ext cx="1697901" cy="369332"/>
+          </a:xfrm>
+          <a:prstGeom prst="rect">
+            <a:avLst/>
+          </a:prstGeom>
+          <a:noFill/>
+        </p:spPr>
+        <p:txBody>
+          <a:bodyPr wrap="none" rtlCol="0">
+            <a:spAutoFit/>
+          </a:bodyPr>
+          <a:lstStyle/>
+          <a:p>
+            <a:r>
+              <a:rPr lang="en-US" dirty="0"/>
+              <a:t>Original paper:</a:t>
+            </a:r>
+          </a:p>
+        </p:txBody>
+      </p:sp>
+      <mc:AlternateContent xmlns:mc="http://schemas.openxmlformats.org/markup-compatibility/2006">
+        <mc:Choice xmlns:a14="http://schemas.microsoft.com/office/drawing/2010/main" Requires="a14">
+          <p:sp>
+            <p:nvSpPr>
+              <p:cNvPr id="16" name="TextBox 15">
+                <a:extLst>
+                  <a:ext uri="{FF2B5EF4-FFF2-40B4-BE49-F238E27FC236}">
+                    <a16:creationId xmlns:a16="http://schemas.microsoft.com/office/drawing/2014/main" id="{D742327A-31EF-4A5D-8D40-A284CF8349C6}"/>
+                  </a:ext>
+                </a:extLst>
+              </p:cNvPr>
+              <p:cNvSpPr txBox="1"/>
+              <p:nvPr/>
+            </p:nvSpPr>
+            <p:spPr>
+              <a:xfrm>
+                <a:off x="5029200" y="4217617"/>
+                <a:ext cx="3124200" cy="1200329"/>
+              </a:xfrm>
+              <a:prstGeom prst="rect">
+                <a:avLst/>
+              </a:prstGeom>
+              <a:noFill/>
+            </p:spPr>
+            <p:txBody>
+              <a:bodyPr wrap="square" rtlCol="0">
+                <a:spAutoFit/>
+              </a:bodyPr>
+              <a:lstStyle/>
+              <a:p>
+                <a:r>
+                  <a:rPr lang="en-US" dirty="0"/>
+                  <a:t>“</a:t>
+                </a:r>
+                <a14:m>
+                  <m:oMath xmlns:m="http://schemas.openxmlformats.org/officeDocument/2006/math">
+                    <m:sSub>
+                      <m:sSubPr>
+                        <m:ctrlPr>
+                          <a:rPr lang="en-US" i="1" smtClean="0">
+                            <a:latin typeface="Cambria Math" panose="02040503050406030204" pitchFamily="18" charset="0"/>
+                          </a:rPr>
+                        </m:ctrlPr>
+                      </m:sSubPr>
+                      <m:e>
+                        <m:r>
+                          <m:rPr>
+                            <m:nor/>
+                          </m:rPr>
+                          <a:rPr lang="en-US" dirty="0" smtClean="0"/>
+                          <m:t>α</m:t>
+                        </m:r>
+                      </m:e>
+                      <m:sub>
+                        <m:r>
+                          <a:rPr lang="en-US" b="0" i="1" smtClean="0">
+                            <a:latin typeface="Cambria Math" panose="02040503050406030204" pitchFamily="18" charset="0"/>
+                          </a:rPr>
+                          <m:t>1</m:t>
+                        </m:r>
+                      </m:sub>
+                    </m:sSub>
+                    <m:r>
+                      <a:rPr lang="en-US" b="0" i="1" smtClean="0">
+                        <a:latin typeface="Cambria Math" panose="02040503050406030204" pitchFamily="18" charset="0"/>
+                      </a:rPr>
+                      <m:t>,</m:t>
+                    </m:r>
+                    <m:sSub>
+                      <m:sSubPr>
+                        <m:ctrlPr>
+                          <a:rPr lang="en-US" i="1" smtClean="0">
+                            <a:latin typeface="Cambria Math" panose="02040503050406030204" pitchFamily="18" charset="0"/>
+                          </a:rPr>
+                        </m:ctrlPr>
+                      </m:sSubPr>
+                      <m:e>
+                        <m:r>
+                          <m:rPr>
+                            <m:nor/>
+                          </m:rPr>
+                          <a:rPr lang="en-US" dirty="0" smtClean="0"/>
+                          <m:t>α</m:t>
+                        </m:r>
+                      </m:e>
+                      <m:sub>
+                        <m:r>
+                          <a:rPr lang="en-US" b="0" i="1" dirty="0" smtClean="0">
+                            <a:latin typeface="Cambria Math" panose="02040503050406030204" pitchFamily="18" charset="0"/>
+                          </a:rPr>
+                          <m:t>2</m:t>
+                        </m:r>
+                      </m:sub>
+                    </m:sSub>
+                    <m:r>
+                      <a:rPr lang="en-US" b="0" i="1" smtClean="0">
+                        <a:latin typeface="Cambria Math" panose="02040503050406030204" pitchFamily="18" charset="0"/>
+                      </a:rPr>
+                      <m:t>,</m:t>
+                    </m:r>
+                    <m:sSub>
+                      <m:sSubPr>
+                        <m:ctrlPr>
+                          <a:rPr lang="en-US" i="1" smtClean="0">
+                            <a:latin typeface="Cambria Math" panose="02040503050406030204" pitchFamily="18" charset="0"/>
+                          </a:rPr>
+                        </m:ctrlPr>
+                      </m:sSubPr>
+                      <m:e>
+                        <m:r>
+                          <m:rPr>
+                            <m:nor/>
+                          </m:rPr>
+                          <a:rPr lang="en-US" dirty="0" smtClean="0"/>
+                          <m:t>α</m:t>
+                        </m:r>
+                      </m:e>
+                      <m:sub>
+                        <m:r>
+                          <a:rPr lang="en-US" b="0" i="1" dirty="0" smtClean="0">
+                            <a:latin typeface="Cambria Math" panose="02040503050406030204" pitchFamily="18" charset="0"/>
+                          </a:rPr>
+                          <m:t>3</m:t>
+                        </m:r>
+                      </m:sub>
+                    </m:sSub>
+                    <m:r>
+                      <a:rPr lang="en-US" b="0" i="1" smtClean="0">
+                        <a:latin typeface="Cambria Math" panose="02040503050406030204" pitchFamily="18" charset="0"/>
+                      </a:rPr>
+                      <m:t>,</m:t>
+                    </m:r>
+                    <m:sSub>
+                      <m:sSubPr>
+                        <m:ctrlPr>
+                          <a:rPr lang="en-US" i="1" smtClean="0">
+                            <a:latin typeface="Cambria Math" panose="02040503050406030204" pitchFamily="18" charset="0"/>
+                          </a:rPr>
+                        </m:ctrlPr>
+                      </m:sSubPr>
+                      <m:e>
+                        <m:r>
+                          <m:rPr>
+                            <m:nor/>
+                          </m:rPr>
+                          <a:rPr lang="en-US" dirty="0" smtClean="0"/>
+                          <m:t>α</m:t>
+                        </m:r>
+                      </m:e>
+                      <m:sub>
+                        <m:r>
+                          <a:rPr lang="en-US" b="0" i="1" dirty="0" smtClean="0">
+                            <a:latin typeface="Cambria Math" panose="02040503050406030204" pitchFamily="18" charset="0"/>
+                          </a:rPr>
+                          <m:t>4</m:t>
+                        </m:r>
+                      </m:sub>
+                    </m:sSub>
+                    <m:r>
+                      <a:rPr lang="en-US" b="0" i="1" smtClean="0">
+                        <a:latin typeface="Cambria Math" panose="02040503050406030204" pitchFamily="18" charset="0"/>
+                      </a:rPr>
+                      <m:t> </m:t>
+                    </m:r>
+                  </m:oMath>
+                </a14:m>
+                <a:r>
+                  <a:rPr lang="en-US" dirty="0"/>
+                  <a:t>are weights and </a:t>
+                </a:r>
+                <a14:m>
+                  <m:oMath xmlns:m="http://schemas.openxmlformats.org/officeDocument/2006/math">
+                    <m:sSub>
+                      <m:sSubPr>
+                        <m:ctrlPr>
+                          <a:rPr lang="en-US" i="1" smtClean="0">
+                            <a:latin typeface="Cambria Math" panose="02040503050406030204" pitchFamily="18" charset="0"/>
+                          </a:rPr>
+                        </m:ctrlPr>
+                      </m:sSubPr>
+                      <m:e>
+                        <m:r>
+                          <m:rPr>
+                            <m:nor/>
+                          </m:rPr>
+                          <a:rPr lang="en-US" dirty="0" smtClean="0"/>
+                          <m:t>α</m:t>
+                        </m:r>
+                      </m:e>
+                      <m:sub>
+                        <m:r>
+                          <a:rPr lang="en-US" b="0" i="1" smtClean="0">
+                            <a:latin typeface="Cambria Math" panose="02040503050406030204" pitchFamily="18" charset="0"/>
+                          </a:rPr>
+                          <m:t>1</m:t>
+                        </m:r>
+                      </m:sub>
+                    </m:sSub>
+                    <m:r>
+                      <a:rPr lang="en-US" b="0" i="1" smtClean="0">
+                        <a:latin typeface="Cambria Math" panose="02040503050406030204" pitchFamily="18" charset="0"/>
+                      </a:rPr>
+                      <m:t>+</m:t>
+                    </m:r>
+                    <m:sSub>
+                      <m:sSubPr>
+                        <m:ctrlPr>
+                          <a:rPr lang="en-US" i="1" smtClean="0">
+                            <a:latin typeface="Cambria Math" panose="02040503050406030204" pitchFamily="18" charset="0"/>
+                          </a:rPr>
+                        </m:ctrlPr>
+                      </m:sSubPr>
+                      <m:e>
+                        <m:r>
+                          <m:rPr>
+                            <m:nor/>
+                          </m:rPr>
+                          <a:rPr lang="en-US" dirty="0" smtClean="0"/>
+                          <m:t>α</m:t>
+                        </m:r>
+                      </m:e>
+                      <m:sub>
+                        <m:r>
+                          <a:rPr lang="en-US" b="0" i="1" dirty="0" smtClean="0">
+                            <a:latin typeface="Cambria Math" panose="02040503050406030204" pitchFamily="18" charset="0"/>
+                          </a:rPr>
+                          <m:t>2</m:t>
+                        </m:r>
+                      </m:sub>
+                    </m:sSub>
+                    <m:r>
+                      <a:rPr lang="en-US" b="0" i="1" dirty="0" smtClean="0">
+                        <a:latin typeface="Cambria Math" panose="02040503050406030204" pitchFamily="18" charset="0"/>
+                      </a:rPr>
+                      <m:t>+</m:t>
+                    </m:r>
+                    <m:sSub>
+                      <m:sSubPr>
+                        <m:ctrlPr>
+                          <a:rPr lang="en-US" i="1" smtClean="0">
+                            <a:latin typeface="Cambria Math" panose="02040503050406030204" pitchFamily="18" charset="0"/>
+                          </a:rPr>
+                        </m:ctrlPr>
+                      </m:sSubPr>
+                      <m:e>
+                        <m:r>
+                          <m:rPr>
+                            <m:nor/>
+                          </m:rPr>
+                          <a:rPr lang="en-US" dirty="0" smtClean="0"/>
+                          <m:t>α</m:t>
+                        </m:r>
+                      </m:e>
+                      <m:sub>
+                        <m:r>
+                          <a:rPr lang="en-US" b="0" i="1" dirty="0" smtClean="0">
+                            <a:latin typeface="Cambria Math" panose="02040503050406030204" pitchFamily="18" charset="0"/>
+                          </a:rPr>
+                          <m:t>3</m:t>
+                        </m:r>
+                      </m:sub>
+                    </m:sSub>
+                    <m:r>
+                      <a:rPr lang="en-US" b="0" i="1" dirty="0" smtClean="0">
+                        <a:latin typeface="Cambria Math" panose="02040503050406030204" pitchFamily="18" charset="0"/>
+                      </a:rPr>
+                      <m:t>+</m:t>
+                    </m:r>
+                    <m:sSub>
+                      <m:sSubPr>
+                        <m:ctrlPr>
+                          <a:rPr lang="en-US" i="1" smtClean="0">
+                            <a:latin typeface="Cambria Math" panose="02040503050406030204" pitchFamily="18" charset="0"/>
+                          </a:rPr>
+                        </m:ctrlPr>
+                      </m:sSubPr>
+                      <m:e>
+                        <m:r>
+                          <m:rPr>
+                            <m:nor/>
+                          </m:rPr>
+                          <a:rPr lang="en-US" dirty="0" smtClean="0"/>
+                          <m:t>α</m:t>
+                        </m:r>
+                      </m:e>
+                      <m:sub>
+                        <m:r>
+                          <a:rPr lang="en-US" b="0" i="1" dirty="0" smtClean="0">
+                            <a:latin typeface="Cambria Math" panose="02040503050406030204" pitchFamily="18" charset="0"/>
+                          </a:rPr>
+                          <m:t>4</m:t>
+                        </m:r>
+                      </m:sub>
+                    </m:sSub>
+                    <m:r>
+                      <a:rPr lang="en-US" b="0" i="1" dirty="0" smtClean="0">
+                        <a:latin typeface="Cambria Math" panose="02040503050406030204" pitchFamily="18" charset="0"/>
+                      </a:rPr>
+                      <m:t> </m:t>
+                    </m:r>
+                  </m:oMath>
+                </a14:m>
+                <a:r>
+                  <a:rPr lang="en-US" dirty="0"/>
+                  <a:t>= 1. Therefore, the similarity of the two strings, S ∈ [0, 1]” </a:t>
+                </a:r>
+              </a:p>
+            </p:txBody>
+          </p:sp>
+        </mc:Choice>
+        <mc:Fallback>
+          <p:sp>
+            <p:nvSpPr>
+              <p:cNvPr id="16" name="TextBox 15">
+                <a:extLst>
+                  <a:ext uri="{FF2B5EF4-FFF2-40B4-BE49-F238E27FC236}">
+                    <a16:creationId xmlns:a16="http://schemas.microsoft.com/office/drawing/2014/main" id="{D742327A-31EF-4A5D-8D40-A284CF8349C6}"/>
+                  </a:ext>
+                </a:extLst>
+              </p:cNvPr>
+              <p:cNvSpPr txBox="1">
+                <a:spLocks noRot="1" noChangeAspect="1" noMove="1" noResize="1" noEditPoints="1" noAdjustHandles="1" noChangeArrowheads="1" noChangeShapeType="1" noTextEdit="1"/>
+              </p:cNvSpPr>
+              <p:nvPr/>
+            </p:nvSpPr>
+            <p:spPr>
+              <a:xfrm>
+                <a:off x="5029200" y="4217617"/>
+                <a:ext cx="3124200" cy="1200329"/>
+              </a:xfrm>
+              <a:prstGeom prst="rect">
+                <a:avLst/>
+              </a:prstGeom>
+              <a:blipFill>
+                <a:blip r:embed="rId7"/>
+                <a:stretch>
+                  <a:fillRect l="-1559" t="-3046" b="-7107"/>
+                </a:stretch>
+              </a:blipFill>
+            </p:spPr>
+            <p:txBody>
+              <a:bodyPr/>
+              <a:lstStyle/>
+              <a:p>
+                <a:r>
+                  <a:rPr lang="en-US">
+                    <a:noFill/>
+                  </a:rPr>
+                  <a:t> </a:t>
+                </a:r>
+              </a:p>
+            </p:txBody>
+          </p:sp>
+        </mc:Fallback>
+      </mc:AlternateContent>
+      <p:sp>
+        <p:nvSpPr>
+          <p:cNvPr id="17" name="TextBox 16">
+            <a:extLst>
+              <a:ext uri="{FF2B5EF4-FFF2-40B4-BE49-F238E27FC236}">
+                <a16:creationId xmlns:a16="http://schemas.microsoft.com/office/drawing/2014/main" id="{9898967C-1E7F-4C94-8E2E-229FDB4221B5}"/>
+              </a:ext>
+            </a:extLst>
+          </p:cNvPr>
+          <p:cNvSpPr txBox="1"/>
+          <p:nvPr/>
+        </p:nvSpPr>
+        <p:spPr>
+          <a:xfrm>
+            <a:off x="5029200" y="5503626"/>
+            <a:ext cx="3220079" cy="923330"/>
+          </a:xfrm>
+          <a:prstGeom prst="rect">
+            <a:avLst/>
+          </a:prstGeom>
+          <a:noFill/>
+        </p:spPr>
+        <p:txBody>
+          <a:bodyPr wrap="square" rtlCol="0">
+            <a:spAutoFit/>
+          </a:bodyPr>
+          <a:lstStyle/>
+          <a:p>
+            <a:r>
+              <a:rPr lang="en-US" dirty="0"/>
+              <a:t>“We heuristically set equal weights for most of our experiments”</a:t>
+            </a:r>
+          </a:p>
+        </p:txBody>
+      </p:sp>
+    </p:spTree>
+    <p:extLst>
+      <p:ext uri="{BB962C8B-B14F-4D97-AF65-F5344CB8AC3E}">
+        <p14:creationId xmlns:p14="http://schemas.microsoft.com/office/powerpoint/2010/main" val="3770384378"/>
+      </p:ext>
+    </p:extLst>
+  </p:cSld>
+  <p:clrMapOvr>
+    <a:masterClrMapping/>
+  </p:clrMapOvr>
+</p:sld>
+</file>
+
+<file path=ppt/slides/slide11.xml><?xml version="1.0" encoding="utf-8"?>
+<p:sld xmlns:a="http://schemas.openxmlformats.org/drawingml/2006/main" xmlns:r="http://schemas.openxmlformats.org/officeDocument/2006/relationships" xmlns:p="http://schemas.openxmlformats.org/presentationml/2006/main">
+  <p:cSld>
+    <p:spTree>
+      <p:nvGrpSpPr>
+        <p:cNvPr id="1" name=""/>
+        <p:cNvGrpSpPr/>
+        <p:nvPr/>
+      </p:nvGrpSpPr>
+      <p:grpSpPr>
+        <a:xfrm>
+          <a:off x="0" y="0"/>
+          <a:ext cx="0" cy="0"/>
+          <a:chOff x="0" y="0"/>
+          <a:chExt cx="0" cy="0"/>
+        </a:xfrm>
+      </p:grpSpPr>
+      <p:sp>
+        <p:nvSpPr>
+          <p:cNvPr id="2" name="Content Placeholder 1">
+            <a:extLst>
+              <a:ext uri="{FF2B5EF4-FFF2-40B4-BE49-F238E27FC236}">
                 <a16:creationId xmlns:a16="http://schemas.microsoft.com/office/drawing/2014/main" id="{A64A1706-8061-4E9A-B8C9-BAD0F3874118}"/>
               </a:ext>
             </a:extLst>
@@ -6524,7 +7348,7 @@
             </a:endParaRPr>
           </a:p>
           <a:p>
-            <a:pPr lvl="2"/>
+            <a:pPr lvl="3"/>
             <a:r>
               <a:rPr lang="en-US" dirty="0"/>
               <a:t>LCS: </a:t>
@@ -6557,7 +7381,7 @@
         </p:nvGrpSpPr>
         <p:grpSpPr>
           <a:xfrm>
-            <a:off x="1219200" y="1676400"/>
+            <a:off x="1118795" y="1828800"/>
             <a:ext cx="7733071" cy="3754092"/>
             <a:chOff x="877529" y="1796179"/>
             <a:chExt cx="5370871" cy="2607340"/>
@@ -6622,6 +7446,383 @@
           </p:spPr>
         </p:pic>
       </p:grpSp>
+      <p:sp>
+        <p:nvSpPr>
+          <p:cNvPr id="7" name="Arrow: Down 6">
+            <a:extLst>
+              <a:ext uri="{FF2B5EF4-FFF2-40B4-BE49-F238E27FC236}">
+                <a16:creationId xmlns:a16="http://schemas.microsoft.com/office/drawing/2014/main" id="{254C7B10-61E8-41EA-A789-27C7B87C6129}"/>
+              </a:ext>
+            </a:extLst>
+          </p:cNvPr>
+          <p:cNvSpPr/>
+          <p:nvPr/>
+        </p:nvSpPr>
+        <p:spPr>
+          <a:xfrm rot="5400000">
+            <a:off x="4454978" y="2382843"/>
+            <a:ext cx="152400" cy="223157"/>
+          </a:xfrm>
+          <a:prstGeom prst="downArrow">
+            <a:avLst/>
+          </a:prstGeom>
+          <a:ln>
+            <a:solidFill>
+              <a:srgbClr val="FF0000"/>
+            </a:solidFill>
+          </a:ln>
+        </p:spPr>
+        <p:style>
+          <a:lnRef idx="2">
+            <a:schemeClr val="accent1">
+              <a:shade val="50000"/>
+            </a:schemeClr>
+          </a:lnRef>
+          <a:fillRef idx="1">
+            <a:schemeClr val="accent1"/>
+          </a:fillRef>
+          <a:effectRef idx="0">
+            <a:schemeClr val="accent1"/>
+          </a:effectRef>
+          <a:fontRef idx="minor">
+            <a:schemeClr val="lt1"/>
+          </a:fontRef>
+        </p:style>
+        <p:txBody>
+          <a:bodyPr rtlCol="0" anchor="ctr"/>
+          <a:lstStyle/>
+          <a:p>
+            <a:pPr algn="ctr"/>
+            <a:endParaRPr lang="en-US"/>
+          </a:p>
+        </p:txBody>
+      </p:sp>
+      <p:sp>
+        <p:nvSpPr>
+          <p:cNvPr id="8" name="Arrow: Down 7">
+            <a:extLst>
+              <a:ext uri="{FF2B5EF4-FFF2-40B4-BE49-F238E27FC236}">
+                <a16:creationId xmlns:a16="http://schemas.microsoft.com/office/drawing/2014/main" id="{9CDFC08A-F757-4F9E-A53D-88B54CDB13CD}"/>
+              </a:ext>
+            </a:extLst>
+          </p:cNvPr>
+          <p:cNvSpPr/>
+          <p:nvPr/>
+        </p:nvSpPr>
+        <p:spPr>
+          <a:xfrm rot="5400000">
+            <a:off x="4343399" y="4536622"/>
+            <a:ext cx="152400" cy="223157"/>
+          </a:xfrm>
+          <a:prstGeom prst="downArrow">
+            <a:avLst/>
+          </a:prstGeom>
+          <a:ln>
+            <a:solidFill>
+              <a:srgbClr val="FF0000"/>
+            </a:solidFill>
+          </a:ln>
+        </p:spPr>
+        <p:style>
+          <a:lnRef idx="2">
+            <a:schemeClr val="accent1">
+              <a:shade val="50000"/>
+            </a:schemeClr>
+          </a:lnRef>
+          <a:fillRef idx="1">
+            <a:schemeClr val="accent1"/>
+          </a:fillRef>
+          <a:effectRef idx="0">
+            <a:schemeClr val="accent1"/>
+          </a:effectRef>
+          <a:fontRef idx="minor">
+            <a:schemeClr val="lt1"/>
+          </a:fontRef>
+        </p:style>
+        <p:txBody>
+          <a:bodyPr rtlCol="0" anchor="ctr"/>
+          <a:lstStyle/>
+          <a:p>
+            <a:pPr algn="ctr"/>
+            <a:endParaRPr lang="en-US"/>
+          </a:p>
+        </p:txBody>
+      </p:sp>
+      <mc:AlternateContent xmlns:mc="http://schemas.openxmlformats.org/markup-compatibility/2006">
+        <mc:Choice xmlns:a14="http://schemas.microsoft.com/office/drawing/2010/main" Requires="a14">
+          <p:sp>
+            <p:nvSpPr>
+              <p:cNvPr id="9" name="TextBox 8">
+                <a:extLst>
+                  <a:ext uri="{FF2B5EF4-FFF2-40B4-BE49-F238E27FC236}">
+                    <a16:creationId xmlns:a16="http://schemas.microsoft.com/office/drawing/2014/main" id="{3EAF5192-83E4-49BD-8215-3B9E72B357DB}"/>
+                  </a:ext>
+                </a:extLst>
+              </p:cNvPr>
+              <p:cNvSpPr txBox="1"/>
+              <p:nvPr/>
+            </p:nvSpPr>
+            <p:spPr>
+              <a:xfrm>
+                <a:off x="4786259" y="2309755"/>
+                <a:ext cx="2112438" cy="369332"/>
+              </a:xfrm>
+              <a:prstGeom prst="rect">
+                <a:avLst/>
+              </a:prstGeom>
+              <a:noFill/>
+            </p:spPr>
+            <p:txBody>
+              <a:bodyPr wrap="none" rtlCol="0">
+                <a:spAutoFit/>
+              </a:bodyPr>
+              <a:lstStyle/>
+              <a:p>
+                <a:r>
+                  <a:rPr lang="en-US" b="0" dirty="0"/>
+                  <a:t>lcs</a:t>
+                </a:r>
+                <a14:m>
+                  <m:oMath xmlns:m="http://schemas.openxmlformats.org/officeDocument/2006/math">
+                    <m:r>
+                      <a:rPr lang="en-US" b="0" i="1" smtClean="0">
+                        <a:latin typeface="Cambria Math" panose="02040503050406030204" pitchFamily="18" charset="0"/>
+                      </a:rPr>
+                      <m:t>,</m:t>
+                    </m:r>
+                  </m:oMath>
+                </a14:m>
+                <a:r>
+                  <a:rPr lang="en-US" dirty="0"/>
+                  <a:t> </a:t>
+                </a:r>
+                <a14:m>
+                  <m:oMath xmlns:m="http://schemas.openxmlformats.org/officeDocument/2006/math">
+                    <m:sSub>
+                      <m:sSubPr>
+                        <m:ctrlPr>
+                          <a:rPr lang="en-US" i="1" smtClean="0">
+                            <a:latin typeface="Cambria Math" panose="02040503050406030204" pitchFamily="18" charset="0"/>
+                          </a:rPr>
+                        </m:ctrlPr>
+                      </m:sSubPr>
+                      <m:e>
+                        <m:r>
+                          <m:rPr>
+                            <m:nor/>
+                          </m:rPr>
+                          <a:rPr lang="en-US" dirty="0" smtClean="0"/>
+                          <m:t>mclcs</m:t>
+                        </m:r>
+                      </m:e>
+                      <m:sub>
+                        <m:r>
+                          <a:rPr lang="en-US" b="0" i="1" smtClean="0">
+                            <a:latin typeface="Cambria Math" panose="02040503050406030204" pitchFamily="18" charset="0"/>
+                          </a:rPr>
+                          <m:t>1</m:t>
+                        </m:r>
+                      </m:sub>
+                    </m:sSub>
+                    <m:r>
+                      <a:rPr lang="en-US" b="0" i="1" smtClean="0">
+                        <a:latin typeface="Cambria Math" panose="02040503050406030204" pitchFamily="18" charset="0"/>
+                      </a:rPr>
+                      <m:t>,</m:t>
+                    </m:r>
+                    <m:sSub>
+                      <m:sSubPr>
+                        <m:ctrlPr>
+                          <a:rPr lang="en-US" i="1" smtClean="0">
+                            <a:latin typeface="Cambria Math" panose="02040503050406030204" pitchFamily="18" charset="0"/>
+                          </a:rPr>
+                        </m:ctrlPr>
+                      </m:sSubPr>
+                      <m:e>
+                        <m:r>
+                          <m:rPr>
+                            <m:nor/>
+                          </m:rPr>
+                          <a:rPr lang="en-US"/>
+                          <m:t>mclcs</m:t>
+                        </m:r>
+                      </m:e>
+                      <m:sub>
+                        <m:r>
+                          <a:rPr lang="en-US" b="0" i="1" dirty="0" smtClean="0">
+                            <a:latin typeface="Cambria Math" panose="02040503050406030204" pitchFamily="18" charset="0"/>
+                          </a:rPr>
+                          <m:t>𝑧</m:t>
+                        </m:r>
+                      </m:sub>
+                    </m:sSub>
+                  </m:oMath>
+                </a14:m>
+                <a:endParaRPr lang="en-US" dirty="0"/>
+              </a:p>
+            </p:txBody>
+          </p:sp>
+        </mc:Choice>
+        <mc:Fallback>
+          <p:sp>
+            <p:nvSpPr>
+              <p:cNvPr id="9" name="TextBox 8">
+                <a:extLst>
+                  <a:ext uri="{FF2B5EF4-FFF2-40B4-BE49-F238E27FC236}">
+                    <a16:creationId xmlns:a16="http://schemas.microsoft.com/office/drawing/2014/main" id="{3EAF5192-83E4-49BD-8215-3B9E72B357DB}"/>
+                  </a:ext>
+                </a:extLst>
+              </p:cNvPr>
+              <p:cNvSpPr txBox="1">
+                <a:spLocks noRot="1" noChangeAspect="1" noMove="1" noResize="1" noEditPoints="1" noAdjustHandles="1" noChangeArrowheads="1" noChangeShapeType="1" noTextEdit="1"/>
+              </p:cNvSpPr>
+              <p:nvPr/>
+            </p:nvSpPr>
+            <p:spPr>
+              <a:xfrm>
+                <a:off x="4786259" y="2309755"/>
+                <a:ext cx="2112438" cy="369332"/>
+              </a:xfrm>
+              <a:prstGeom prst="rect">
+                <a:avLst/>
+              </a:prstGeom>
+              <a:blipFill>
+                <a:blip r:embed="rId3"/>
+                <a:stretch>
+                  <a:fillRect l="-2305" t="-10000" b="-26667"/>
+                </a:stretch>
+              </a:blipFill>
+            </p:spPr>
+            <p:txBody>
+              <a:bodyPr/>
+              <a:lstStyle/>
+              <a:p>
+                <a:r>
+                  <a:rPr lang="en-US">
+                    <a:noFill/>
+                  </a:rPr>
+                  <a:t> </a:t>
+                </a:r>
+              </a:p>
+            </p:txBody>
+          </p:sp>
+        </mc:Fallback>
+      </mc:AlternateContent>
+      <mc:AlternateContent xmlns:mc="http://schemas.openxmlformats.org/markup-compatibility/2006">
+        <mc:Choice xmlns:a14="http://schemas.microsoft.com/office/drawing/2010/main" Requires="a14">
+          <p:sp>
+            <p:nvSpPr>
+              <p:cNvPr id="10" name="TextBox 9">
+                <a:extLst>
+                  <a:ext uri="{FF2B5EF4-FFF2-40B4-BE49-F238E27FC236}">
+                    <a16:creationId xmlns:a16="http://schemas.microsoft.com/office/drawing/2014/main" id="{23A1F844-061C-43DA-91DA-7D82F85CDBCC}"/>
+                  </a:ext>
+                </a:extLst>
+              </p:cNvPr>
+              <p:cNvSpPr txBox="1"/>
+              <p:nvPr/>
+            </p:nvSpPr>
+            <p:spPr>
+              <a:xfrm>
+                <a:off x="4724400" y="4463534"/>
+                <a:ext cx="960135" cy="369332"/>
+              </a:xfrm>
+              <a:prstGeom prst="rect">
+                <a:avLst/>
+              </a:prstGeom>
+              <a:noFill/>
+            </p:spPr>
+            <p:txBody>
+              <a:bodyPr wrap="none" rtlCol="0">
+                <a:spAutoFit/>
+              </a:bodyPr>
+              <a:lstStyle/>
+              <a:p>
+                <a14:m>
+                  <m:oMathPara xmlns:m="http://schemas.openxmlformats.org/officeDocument/2006/math">
+                    <m:oMathParaPr>
+                      <m:jc m:val="centerGroup"/>
+                    </m:oMathParaPr>
+                    <m:oMath xmlns:m="http://schemas.openxmlformats.org/officeDocument/2006/math">
+                      <m:sSub>
+                        <m:sSubPr>
+                          <m:ctrlPr>
+                            <a:rPr lang="en-US" i="1" smtClean="0">
+                              <a:latin typeface="Cambria Math" panose="02040503050406030204" pitchFamily="18" charset="0"/>
+                            </a:rPr>
+                          </m:ctrlPr>
+                        </m:sSubPr>
+                        <m:e>
+                          <m:r>
+                            <m:rPr>
+                              <m:nor/>
+                            </m:rPr>
+                            <a:rPr lang="en-US"/>
+                            <m:t>mclcs</m:t>
+                          </m:r>
+                        </m:e>
+                        <m:sub>
+                          <m:r>
+                            <a:rPr lang="en-US" b="0" i="1" dirty="0" smtClean="0">
+                              <a:latin typeface="Cambria Math" panose="02040503050406030204" pitchFamily="18" charset="0"/>
+                            </a:rPr>
+                            <m:t>𝑛</m:t>
+                          </m:r>
+                        </m:sub>
+                      </m:sSub>
+                    </m:oMath>
+                  </m:oMathPara>
+                </a14:m>
+                <a:endParaRPr lang="en-US" dirty="0"/>
+              </a:p>
+            </p:txBody>
+          </p:sp>
+        </mc:Choice>
+        <mc:Fallback>
+          <p:sp>
+            <p:nvSpPr>
+              <p:cNvPr id="10" name="TextBox 9">
+                <a:extLst>
+                  <a:ext uri="{FF2B5EF4-FFF2-40B4-BE49-F238E27FC236}">
+                    <a16:creationId xmlns:a16="http://schemas.microsoft.com/office/drawing/2014/main" id="{23A1F844-061C-43DA-91DA-7D82F85CDBCC}"/>
+                  </a:ext>
+                </a:extLst>
+              </p:cNvPr>
+              <p:cNvSpPr txBox="1">
+                <a:spLocks noRot="1" noChangeAspect="1" noMove="1" noResize="1" noEditPoints="1" noAdjustHandles="1" noChangeArrowheads="1" noChangeShapeType="1" noTextEdit="1"/>
+              </p:cNvSpPr>
+              <p:nvPr/>
+            </p:nvSpPr>
+            <p:spPr>
+              <a:xfrm>
+                <a:off x="4724400" y="4463534"/>
+                <a:ext cx="960135" cy="369332"/>
+              </a:xfrm>
+              <a:prstGeom prst="rect">
+                <a:avLst/>
+              </a:prstGeom>
+              <a:blipFill>
+                <a:blip r:embed="rId4"/>
+                <a:stretch>
+                  <a:fillRect/>
+                </a:stretch>
+              </a:blipFill>
+            </p:spPr>
+            <p:txBody>
+              <a:bodyPr/>
+              <a:lstStyle/>
+              <a:p>
+                <a:r>
+                  <a:rPr lang="en-US">
+                    <a:noFill/>
+                  </a:rPr>
+                  <a:t> </a:t>
+                </a:r>
+              </a:p>
+            </p:txBody>
+          </p:sp>
+        </mc:Fallback>
+      </mc:AlternateContent>
     </p:spTree>
     <p:extLst>
       <p:ext uri="{BB962C8B-B14F-4D97-AF65-F5344CB8AC3E}">
@@ -6635,7 +7836,991 @@
 </p:sld>
 </file>
 
-<file path=ppt/slides/slide11.xml><?xml version="1.0" encoding="utf-8"?>
+<file path=ppt/slides/slide12.xml><?xml version="1.0" encoding="utf-8"?>
+<p:sld xmlns:a="http://schemas.openxmlformats.org/drawingml/2006/main" xmlns:r="http://schemas.openxmlformats.org/officeDocument/2006/relationships" xmlns:p="http://schemas.openxmlformats.org/presentationml/2006/main">
+  <p:cSld>
+    <p:spTree>
+      <p:nvGrpSpPr>
+        <p:cNvPr id="1" name=""/>
+        <p:cNvGrpSpPr/>
+        <p:nvPr/>
+      </p:nvGrpSpPr>
+      <p:grpSpPr>
+        <a:xfrm>
+          <a:off x="0" y="0"/>
+          <a:ext cx="0" cy="0"/>
+          <a:chOff x="0" y="0"/>
+          <a:chExt cx="0" cy="0"/>
+        </a:xfrm>
+      </p:grpSpPr>
+      <p:sp>
+        <p:nvSpPr>
+          <p:cNvPr id="2" name="Content Placeholder 1">
+            <a:extLst>
+              <a:ext uri="{FF2B5EF4-FFF2-40B4-BE49-F238E27FC236}">
+                <a16:creationId xmlns:a16="http://schemas.microsoft.com/office/drawing/2014/main" id="{4FB05D8E-39BC-4B84-8F56-C99E7B484A9A}"/>
+              </a:ext>
+            </a:extLst>
+          </p:cNvPr>
+          <p:cNvSpPr>
+            <a:spLocks noGrp="1"/>
+          </p:cNvSpPr>
+          <p:nvPr>
+            <p:ph/>
+          </p:nvPr>
+        </p:nvSpPr>
+        <p:spPr/>
+        <p:txBody>
+          <a:bodyPr/>
+          <a:lstStyle/>
+          <a:p>
+            <a:r>
+              <a:rPr lang="en-US" sz="3600" dirty="0">
+                <a:solidFill>
+                  <a:schemeClr val="accent1"/>
+                </a:solidFill>
+              </a:rPr>
+              <a:t>Correction: S</a:t>
+            </a:r>
+            <a:r>
+              <a:rPr lang="en-US" dirty="0">
+                <a:solidFill>
+                  <a:schemeClr val="accent1"/>
+                </a:solidFill>
+              </a:rPr>
+              <a:t>tatistical Learning Model (Cont.)</a:t>
+            </a:r>
+          </a:p>
+          <a:p>
+            <a:endParaRPr lang="en-US" dirty="0"/>
+          </a:p>
+          <a:p>
+            <a:pPr lvl="2"/>
+            <a:r>
+              <a:rPr lang="en-US" altLang="zh-CN" dirty="0"/>
+              <a:t>Feature 3</a:t>
+            </a:r>
+            <a:r>
+              <a:rPr lang="zh-CN" altLang="en-US" dirty="0"/>
+              <a:t>： </a:t>
+            </a:r>
+            <a:r>
+              <a:rPr lang="en-US" altLang="zh-CN" dirty="0"/>
+              <a:t>Language popularity score:</a:t>
+            </a:r>
+            <a:endParaRPr lang="en-US" dirty="0"/>
+          </a:p>
+        </p:txBody>
+      </p:sp>
+      <p:pic>
+        <p:nvPicPr>
+          <p:cNvPr id="3" name="Picture 2">
+            <a:extLst>
+              <a:ext uri="{FF2B5EF4-FFF2-40B4-BE49-F238E27FC236}">
+                <a16:creationId xmlns:a16="http://schemas.microsoft.com/office/drawing/2014/main" id="{29220ECB-8194-41CA-A813-2B7E1FC18A70}"/>
+              </a:ext>
+            </a:extLst>
+          </p:cNvPr>
+          <p:cNvPicPr>
+            <a:picLocks noChangeAspect="1"/>
+          </p:cNvPicPr>
+          <p:nvPr/>
+        </p:nvPicPr>
+        <p:blipFill>
+          <a:blip r:embed="rId2"/>
+          <a:stretch>
+            <a:fillRect/>
+          </a:stretch>
+        </p:blipFill>
+        <p:spPr>
+          <a:xfrm>
+            <a:off x="2819400" y="1828800"/>
+            <a:ext cx="3505200" cy="833241"/>
+          </a:xfrm>
+          <a:prstGeom prst="rect">
+            <a:avLst/>
+          </a:prstGeom>
+        </p:spPr>
+      </p:pic>
+      <p:sp>
+        <p:nvSpPr>
+          <p:cNvPr id="5" name="TextBox 4">
+            <a:extLst>
+              <a:ext uri="{FF2B5EF4-FFF2-40B4-BE49-F238E27FC236}">
+                <a16:creationId xmlns:a16="http://schemas.microsoft.com/office/drawing/2014/main" id="{2111A81A-FC3F-4D8B-AFA1-23185CC8BEC9}"/>
+              </a:ext>
+            </a:extLst>
+          </p:cNvPr>
+          <p:cNvSpPr txBox="1"/>
+          <p:nvPr/>
+        </p:nvSpPr>
+        <p:spPr>
+          <a:xfrm>
+            <a:off x="457200" y="3019639"/>
+            <a:ext cx="1274708" cy="369332"/>
+          </a:xfrm>
+          <a:prstGeom prst="rect">
+            <a:avLst/>
+          </a:prstGeom>
+          <a:noFill/>
+        </p:spPr>
+        <p:txBody>
+          <a:bodyPr wrap="none" rtlCol="0">
+            <a:spAutoFit/>
+          </a:bodyPr>
+          <a:lstStyle/>
+          <a:p>
+            <a:r>
+              <a:rPr lang="en-US" dirty="0"/>
+              <a:t>Dictionary:</a:t>
+            </a:r>
+          </a:p>
+        </p:txBody>
+      </p:sp>
+      <p:pic>
+        <p:nvPicPr>
+          <p:cNvPr id="6" name="Picture 5">
+            <a:extLst>
+              <a:ext uri="{FF2B5EF4-FFF2-40B4-BE49-F238E27FC236}">
+                <a16:creationId xmlns:a16="http://schemas.microsoft.com/office/drawing/2014/main" id="{90BEAE15-A4A4-4867-B6C9-F9748B4B5C02}"/>
+              </a:ext>
+            </a:extLst>
+          </p:cNvPr>
+          <p:cNvPicPr>
+            <a:picLocks noChangeAspect="1"/>
+          </p:cNvPicPr>
+          <p:nvPr/>
+        </p:nvPicPr>
+        <p:blipFill>
+          <a:blip r:embed="rId3"/>
+          <a:stretch>
+            <a:fillRect/>
+          </a:stretch>
+        </p:blipFill>
+        <p:spPr>
+          <a:xfrm>
+            <a:off x="914400" y="3443748"/>
+            <a:ext cx="1585912" cy="2576512"/>
+          </a:xfrm>
+          <a:prstGeom prst="rect">
+            <a:avLst/>
+          </a:prstGeom>
+        </p:spPr>
+      </p:pic>
+      <p:pic>
+        <p:nvPicPr>
+          <p:cNvPr id="7" name="Picture 6">
+            <a:extLst>
+              <a:ext uri="{FF2B5EF4-FFF2-40B4-BE49-F238E27FC236}">
+                <a16:creationId xmlns:a16="http://schemas.microsoft.com/office/drawing/2014/main" id="{D27AED64-85B8-4AF9-AA6D-7FA8790BBE9C}"/>
+              </a:ext>
+            </a:extLst>
+          </p:cNvPr>
+          <p:cNvPicPr>
+            <a:picLocks noChangeAspect="1"/>
+          </p:cNvPicPr>
+          <p:nvPr/>
+        </p:nvPicPr>
+        <p:blipFill>
+          <a:blip r:embed="rId4"/>
+          <a:stretch>
+            <a:fillRect/>
+          </a:stretch>
+        </p:blipFill>
+        <p:spPr>
+          <a:xfrm>
+            <a:off x="3414712" y="3443748"/>
+            <a:ext cx="4343400" cy="2392706"/>
+          </a:xfrm>
+          <a:prstGeom prst="rect">
+            <a:avLst/>
+          </a:prstGeom>
+        </p:spPr>
+      </p:pic>
+      <p:sp>
+        <p:nvSpPr>
+          <p:cNvPr id="8" name="TextBox 7">
+            <a:extLst>
+              <a:ext uri="{FF2B5EF4-FFF2-40B4-BE49-F238E27FC236}">
+                <a16:creationId xmlns:a16="http://schemas.microsoft.com/office/drawing/2014/main" id="{C7BEA1E8-FE76-47E3-B1B2-53F8D08C69B7}"/>
+              </a:ext>
+            </a:extLst>
+          </p:cNvPr>
+          <p:cNvSpPr txBox="1"/>
+          <p:nvPr/>
+        </p:nvSpPr>
+        <p:spPr>
+          <a:xfrm>
+            <a:off x="3124200" y="3019639"/>
+            <a:ext cx="1146468" cy="369332"/>
+          </a:xfrm>
+          <a:prstGeom prst="rect">
+            <a:avLst/>
+          </a:prstGeom>
+          <a:noFill/>
+        </p:spPr>
+        <p:txBody>
+          <a:bodyPr wrap="none" rtlCol="0">
+            <a:spAutoFit/>
+          </a:bodyPr>
+          <a:lstStyle/>
+          <a:p>
+            <a:r>
+              <a:rPr lang="en-US" dirty="0"/>
+              <a:t>Example:</a:t>
+            </a:r>
+          </a:p>
+        </p:txBody>
+      </p:sp>
+    </p:spTree>
+    <p:extLst>
+      <p:ext uri="{BB962C8B-B14F-4D97-AF65-F5344CB8AC3E}">
+        <p14:creationId xmlns:p14="http://schemas.microsoft.com/office/powerpoint/2010/main" val="2910859696"/>
+      </p:ext>
+    </p:extLst>
+  </p:cSld>
+  <p:clrMapOvr>
+    <a:masterClrMapping/>
+  </p:clrMapOvr>
+</p:sld>
+</file>
+
+<file path=ppt/slides/slide13.xml><?xml version="1.0" encoding="utf-8"?>
+<p:sld xmlns:a="http://schemas.openxmlformats.org/drawingml/2006/main" xmlns:r="http://schemas.openxmlformats.org/officeDocument/2006/relationships" xmlns:p="http://schemas.openxmlformats.org/presentationml/2006/main">
+  <p:cSld>
+    <p:spTree>
+      <p:nvGrpSpPr>
+        <p:cNvPr id="1" name=""/>
+        <p:cNvGrpSpPr/>
+        <p:nvPr/>
+      </p:nvGrpSpPr>
+      <p:grpSpPr>
+        <a:xfrm>
+          <a:off x="0" y="0"/>
+          <a:ext cx="0" cy="0"/>
+          <a:chOff x="0" y="0"/>
+          <a:chExt cx="0" cy="0"/>
+        </a:xfrm>
+      </p:grpSpPr>
+      <p:sp>
+        <p:nvSpPr>
+          <p:cNvPr id="2" name="Content Placeholder 1">
+            <a:extLst>
+              <a:ext uri="{FF2B5EF4-FFF2-40B4-BE49-F238E27FC236}">
+                <a16:creationId xmlns:a16="http://schemas.microsoft.com/office/drawing/2014/main" id="{E0BC4DD2-EF35-4D11-BF54-76B0FD6F6627}"/>
+              </a:ext>
+            </a:extLst>
+          </p:cNvPr>
+          <p:cNvSpPr>
+            <a:spLocks noGrp="1"/>
+          </p:cNvSpPr>
+          <p:nvPr>
+            <p:ph/>
+          </p:nvPr>
+        </p:nvSpPr>
+        <p:spPr/>
+        <p:txBody>
+          <a:bodyPr/>
+          <a:lstStyle/>
+          <a:p>
+            <a:r>
+              <a:rPr lang="en-US" sz="3600" dirty="0">
+                <a:solidFill>
+                  <a:schemeClr val="accent1"/>
+                </a:solidFill>
+              </a:rPr>
+              <a:t>Correction: S</a:t>
+            </a:r>
+            <a:r>
+              <a:rPr lang="en-US" dirty="0">
+                <a:solidFill>
+                  <a:schemeClr val="accent1"/>
+                </a:solidFill>
+              </a:rPr>
+              <a:t>tatistical Learning Model (Cont.)</a:t>
+            </a:r>
+          </a:p>
+          <a:p>
+            <a:endParaRPr lang="en-US" dirty="0"/>
+          </a:p>
+          <a:p>
+            <a:pPr lvl="2"/>
+            <a:r>
+              <a:rPr lang="en-US" altLang="zh-CN" dirty="0"/>
+              <a:t>Feature 4</a:t>
+            </a:r>
+            <a:r>
+              <a:rPr lang="zh-CN" altLang="en-US" dirty="0"/>
+              <a:t>： </a:t>
+            </a:r>
+            <a:r>
+              <a:rPr lang="en-US" dirty="0"/>
+              <a:t>Lexicon </a:t>
+            </a:r>
+            <a:r>
+              <a:rPr lang="en-US" dirty="0" err="1"/>
+              <a:t>existance</a:t>
+            </a:r>
+            <a:r>
+              <a:rPr lang="zh-CN" altLang="en-US" dirty="0"/>
+              <a:t>：</a:t>
+            </a:r>
+            <a:endParaRPr lang="en-US" altLang="zh-CN" dirty="0"/>
+          </a:p>
+          <a:p>
+            <a:pPr lvl="2"/>
+            <a:endParaRPr lang="en-US" altLang="zh-CN" dirty="0"/>
+          </a:p>
+          <a:p>
+            <a:pPr lvl="2"/>
+            <a:endParaRPr lang="en-US" altLang="zh-CN" dirty="0"/>
+          </a:p>
+          <a:p>
+            <a:pPr lvl="2"/>
+            <a:endParaRPr lang="en-US" altLang="zh-CN" dirty="0"/>
+          </a:p>
+          <a:p>
+            <a:pPr lvl="2"/>
+            <a:r>
+              <a:rPr lang="en-US" altLang="zh-CN" dirty="0"/>
+              <a:t>A</a:t>
+            </a:r>
+            <a:r>
+              <a:rPr lang="zh-CN" altLang="en-US" dirty="0"/>
+              <a:t> </a:t>
+            </a:r>
+            <a:r>
+              <a:rPr lang="en-US" altLang="zh-CN" dirty="0"/>
+              <a:t>lexicon</a:t>
+            </a:r>
+            <a:r>
+              <a:rPr lang="zh-CN" altLang="en-US" dirty="0"/>
+              <a:t> </a:t>
+            </a:r>
+            <a:r>
+              <a:rPr lang="en-US" altLang="zh-CN" dirty="0"/>
+              <a:t>is corresponding to a topic, so we</a:t>
+            </a:r>
+            <a:r>
+              <a:rPr lang="zh-CN" altLang="en-US" dirty="0"/>
+              <a:t> </a:t>
+            </a:r>
+            <a:r>
+              <a:rPr lang="en-US" altLang="zh-CN" dirty="0"/>
+              <a:t>created our lexicon</a:t>
+            </a:r>
+            <a:r>
+              <a:rPr lang="zh-CN" altLang="en-US" dirty="0"/>
+              <a:t> </a:t>
+            </a:r>
+            <a:r>
+              <a:rPr lang="en-US" altLang="zh-CN" dirty="0"/>
+              <a:t>by</a:t>
+            </a:r>
+            <a:r>
+              <a:rPr lang="zh-CN" altLang="en-US" dirty="0"/>
+              <a:t> </a:t>
+            </a:r>
+            <a:r>
+              <a:rPr lang="en-US" altLang="zh-CN" dirty="0"/>
+              <a:t>the</a:t>
+            </a:r>
+            <a:r>
+              <a:rPr lang="zh-CN" altLang="en-US" dirty="0"/>
+              <a:t> </a:t>
+            </a:r>
+            <a:r>
+              <a:rPr lang="en-US" altLang="zh-CN" dirty="0"/>
+              <a:t>different</a:t>
+            </a:r>
+            <a:r>
+              <a:rPr lang="zh-CN" altLang="en-US" dirty="0"/>
+              <a:t> </a:t>
+            </a:r>
+            <a:r>
+              <a:rPr lang="en-US" altLang="zh-CN" dirty="0"/>
+              <a:t>report groups. </a:t>
+            </a:r>
+          </a:p>
+          <a:p>
+            <a:pPr lvl="2"/>
+            <a:endParaRPr lang="en-US" dirty="0"/>
+          </a:p>
+        </p:txBody>
+      </p:sp>
+      <p:pic>
+        <p:nvPicPr>
+          <p:cNvPr id="3" name="Picture 2">
+            <a:extLst>
+              <a:ext uri="{FF2B5EF4-FFF2-40B4-BE49-F238E27FC236}">
+                <a16:creationId xmlns:a16="http://schemas.microsoft.com/office/drawing/2014/main" id="{67D4EDE4-00D0-40F5-9DD9-910489D643FE}"/>
+              </a:ext>
+            </a:extLst>
+          </p:cNvPr>
+          <p:cNvPicPr>
+            <a:picLocks noChangeAspect="1"/>
+          </p:cNvPicPr>
+          <p:nvPr/>
+        </p:nvPicPr>
+        <p:blipFill>
+          <a:blip r:embed="rId2"/>
+          <a:stretch>
+            <a:fillRect/>
+          </a:stretch>
+        </p:blipFill>
+        <p:spPr>
+          <a:xfrm>
+            <a:off x="2362200" y="1676400"/>
+            <a:ext cx="4367211" cy="1157287"/>
+          </a:xfrm>
+          <a:prstGeom prst="rect">
+            <a:avLst/>
+          </a:prstGeom>
+        </p:spPr>
+      </p:pic>
+      <p:sp>
+        <p:nvSpPr>
+          <p:cNvPr id="7" name="TextBox 6">
+            <a:extLst>
+              <a:ext uri="{FF2B5EF4-FFF2-40B4-BE49-F238E27FC236}">
+                <a16:creationId xmlns:a16="http://schemas.microsoft.com/office/drawing/2014/main" id="{CD56D6F6-A53F-437F-8D5D-D064D8664793}"/>
+              </a:ext>
+            </a:extLst>
+          </p:cNvPr>
+          <p:cNvSpPr txBox="1"/>
+          <p:nvPr/>
+        </p:nvSpPr>
+        <p:spPr>
+          <a:xfrm>
+            <a:off x="712135" y="3824126"/>
+            <a:ext cx="1082348" cy="369332"/>
+          </a:xfrm>
+          <a:prstGeom prst="rect">
+            <a:avLst/>
+          </a:prstGeom>
+          <a:noFill/>
+        </p:spPr>
+        <p:txBody>
+          <a:bodyPr wrap="none" rtlCol="0">
+            <a:spAutoFit/>
+          </a:bodyPr>
+          <a:lstStyle/>
+          <a:p>
+            <a:r>
+              <a:rPr lang="en-US" dirty="0"/>
+              <a:t>Group 1:</a:t>
+            </a:r>
+          </a:p>
+        </p:txBody>
+      </p:sp>
+      <p:sp>
+        <p:nvSpPr>
+          <p:cNvPr id="9" name="TextBox 8">
+            <a:extLst>
+              <a:ext uri="{FF2B5EF4-FFF2-40B4-BE49-F238E27FC236}">
+                <a16:creationId xmlns:a16="http://schemas.microsoft.com/office/drawing/2014/main" id="{6D7D94D5-0ACA-409A-B813-AD2ECA3BE4A8}"/>
+              </a:ext>
+            </a:extLst>
+          </p:cNvPr>
+          <p:cNvSpPr txBox="1"/>
+          <p:nvPr/>
+        </p:nvSpPr>
+        <p:spPr>
+          <a:xfrm>
+            <a:off x="2362200" y="3839648"/>
+            <a:ext cx="1082348" cy="369332"/>
+          </a:xfrm>
+          <a:prstGeom prst="rect">
+            <a:avLst/>
+          </a:prstGeom>
+          <a:noFill/>
+        </p:spPr>
+        <p:txBody>
+          <a:bodyPr wrap="none" rtlCol="0">
+            <a:spAutoFit/>
+          </a:bodyPr>
+          <a:lstStyle/>
+          <a:p>
+            <a:r>
+              <a:rPr lang="en-US" dirty="0"/>
+              <a:t>Group 2:</a:t>
+            </a:r>
+          </a:p>
+        </p:txBody>
+      </p:sp>
+      <p:sp>
+        <p:nvSpPr>
+          <p:cNvPr id="11" name="TextBox 10">
+            <a:extLst>
+              <a:ext uri="{FF2B5EF4-FFF2-40B4-BE49-F238E27FC236}">
+                <a16:creationId xmlns:a16="http://schemas.microsoft.com/office/drawing/2014/main" id="{56DBD9A8-CDED-4535-AFB6-A0C0B073CA29}"/>
+              </a:ext>
+            </a:extLst>
+          </p:cNvPr>
+          <p:cNvSpPr txBox="1"/>
+          <p:nvPr/>
+        </p:nvSpPr>
+        <p:spPr>
+          <a:xfrm>
+            <a:off x="4071890" y="3824126"/>
+            <a:ext cx="1082348" cy="369332"/>
+          </a:xfrm>
+          <a:prstGeom prst="rect">
+            <a:avLst/>
+          </a:prstGeom>
+          <a:noFill/>
+        </p:spPr>
+        <p:txBody>
+          <a:bodyPr wrap="none" rtlCol="0">
+            <a:spAutoFit/>
+          </a:bodyPr>
+          <a:lstStyle/>
+          <a:p>
+            <a:r>
+              <a:rPr lang="en-US" dirty="0"/>
+              <a:t>Group 3:</a:t>
+            </a:r>
+          </a:p>
+        </p:txBody>
+      </p:sp>
+      <p:sp>
+        <p:nvSpPr>
+          <p:cNvPr id="12" name="TextBox 11">
+            <a:extLst>
+              <a:ext uri="{FF2B5EF4-FFF2-40B4-BE49-F238E27FC236}">
+                <a16:creationId xmlns:a16="http://schemas.microsoft.com/office/drawing/2014/main" id="{7E68C94F-E926-4031-B8A2-8C8011CF6678}"/>
+              </a:ext>
+            </a:extLst>
+          </p:cNvPr>
+          <p:cNvSpPr txBox="1"/>
+          <p:nvPr/>
+        </p:nvSpPr>
+        <p:spPr>
+          <a:xfrm>
+            <a:off x="5660160" y="3839648"/>
+            <a:ext cx="1082348" cy="369332"/>
+          </a:xfrm>
+          <a:prstGeom prst="rect">
+            <a:avLst/>
+          </a:prstGeom>
+          <a:noFill/>
+        </p:spPr>
+        <p:txBody>
+          <a:bodyPr wrap="none" rtlCol="0">
+            <a:spAutoFit/>
+          </a:bodyPr>
+          <a:lstStyle/>
+          <a:p>
+            <a:r>
+              <a:rPr lang="en-US" dirty="0"/>
+              <a:t>Group 4:</a:t>
+            </a:r>
+          </a:p>
+        </p:txBody>
+      </p:sp>
+      <p:sp>
+        <p:nvSpPr>
+          <p:cNvPr id="13" name="TextBox 12">
+            <a:extLst>
+              <a:ext uri="{FF2B5EF4-FFF2-40B4-BE49-F238E27FC236}">
+                <a16:creationId xmlns:a16="http://schemas.microsoft.com/office/drawing/2014/main" id="{2856068D-D313-48C6-9C17-5496160EFE96}"/>
+              </a:ext>
+            </a:extLst>
+          </p:cNvPr>
+          <p:cNvSpPr txBox="1"/>
+          <p:nvPr/>
+        </p:nvSpPr>
+        <p:spPr>
+          <a:xfrm>
+            <a:off x="7162800" y="3821668"/>
+            <a:ext cx="1082348" cy="369332"/>
+          </a:xfrm>
+          <a:prstGeom prst="rect">
+            <a:avLst/>
+          </a:prstGeom>
+          <a:noFill/>
+        </p:spPr>
+        <p:txBody>
+          <a:bodyPr wrap="none" rtlCol="0">
+            <a:spAutoFit/>
+          </a:bodyPr>
+          <a:lstStyle/>
+          <a:p>
+            <a:r>
+              <a:rPr lang="en-US" dirty="0"/>
+              <a:t>Group </a:t>
+            </a:r>
+            <a:r>
+              <a:rPr lang="en-US" altLang="zh-CN" dirty="0"/>
+              <a:t>5</a:t>
+            </a:r>
+            <a:r>
+              <a:rPr lang="en-US" dirty="0"/>
+              <a:t>:</a:t>
+            </a:r>
+          </a:p>
+        </p:txBody>
+      </p:sp>
+      <p:pic>
+        <p:nvPicPr>
+          <p:cNvPr id="14" name="Picture 13">
+            <a:extLst>
+              <a:ext uri="{FF2B5EF4-FFF2-40B4-BE49-F238E27FC236}">
+                <a16:creationId xmlns:a16="http://schemas.microsoft.com/office/drawing/2014/main" id="{768721FD-3718-434F-B805-B09B5566993F}"/>
+              </a:ext>
+            </a:extLst>
+          </p:cNvPr>
+          <p:cNvPicPr>
+            <a:picLocks noChangeAspect="1"/>
+          </p:cNvPicPr>
+          <p:nvPr/>
+        </p:nvPicPr>
+        <p:blipFill>
+          <a:blip r:embed="rId3"/>
+          <a:stretch>
+            <a:fillRect/>
+          </a:stretch>
+        </p:blipFill>
+        <p:spPr>
+          <a:xfrm>
+            <a:off x="712135" y="4256447"/>
+            <a:ext cx="1344094" cy="1763353"/>
+          </a:xfrm>
+          <a:prstGeom prst="rect">
+            <a:avLst/>
+          </a:prstGeom>
+        </p:spPr>
+      </p:pic>
+      <p:pic>
+        <p:nvPicPr>
+          <p:cNvPr id="15" name="Picture 14">
+            <a:extLst>
+              <a:ext uri="{FF2B5EF4-FFF2-40B4-BE49-F238E27FC236}">
+                <a16:creationId xmlns:a16="http://schemas.microsoft.com/office/drawing/2014/main" id="{485B276A-A5F8-47DD-9194-F6314C1C7A7D}"/>
+              </a:ext>
+            </a:extLst>
+          </p:cNvPr>
+          <p:cNvPicPr>
+            <a:picLocks noChangeAspect="1"/>
+          </p:cNvPicPr>
+          <p:nvPr/>
+        </p:nvPicPr>
+        <p:blipFill rotWithShape="1">
+          <a:blip r:embed="rId4"/>
+          <a:srcRect r="7766"/>
+          <a:stretch/>
+        </p:blipFill>
+        <p:spPr>
+          <a:xfrm>
+            <a:off x="2362201" y="4254385"/>
+            <a:ext cx="1582773" cy="1765416"/>
+          </a:xfrm>
+          <a:prstGeom prst="rect">
+            <a:avLst/>
+          </a:prstGeom>
+        </p:spPr>
+      </p:pic>
+      <p:pic>
+        <p:nvPicPr>
+          <p:cNvPr id="16" name="Picture 15">
+            <a:extLst>
+              <a:ext uri="{FF2B5EF4-FFF2-40B4-BE49-F238E27FC236}">
+                <a16:creationId xmlns:a16="http://schemas.microsoft.com/office/drawing/2014/main" id="{12E2C709-40F0-4B83-B875-8E2D2FE5E694}"/>
+              </a:ext>
+            </a:extLst>
+          </p:cNvPr>
+          <p:cNvPicPr>
+            <a:picLocks noChangeAspect="1"/>
+          </p:cNvPicPr>
+          <p:nvPr/>
+        </p:nvPicPr>
+        <p:blipFill>
+          <a:blip r:embed="rId5"/>
+          <a:stretch>
+            <a:fillRect/>
+          </a:stretch>
+        </p:blipFill>
+        <p:spPr>
+          <a:xfrm>
+            <a:off x="4076700" y="4254384"/>
+            <a:ext cx="1409792" cy="1765416"/>
+          </a:xfrm>
+          <a:prstGeom prst="rect">
+            <a:avLst/>
+          </a:prstGeom>
+        </p:spPr>
+      </p:pic>
+      <p:pic>
+        <p:nvPicPr>
+          <p:cNvPr id="17" name="Picture 16">
+            <a:extLst>
+              <a:ext uri="{FF2B5EF4-FFF2-40B4-BE49-F238E27FC236}">
+                <a16:creationId xmlns:a16="http://schemas.microsoft.com/office/drawing/2014/main" id="{C91C7BE7-8F26-4CB4-8860-F5F01F74F2F3}"/>
+              </a:ext>
+            </a:extLst>
+          </p:cNvPr>
+          <p:cNvPicPr>
+            <a:picLocks noChangeAspect="1"/>
+          </p:cNvPicPr>
+          <p:nvPr/>
+        </p:nvPicPr>
+        <p:blipFill>
+          <a:blip r:embed="rId6"/>
+          <a:stretch>
+            <a:fillRect/>
+          </a:stretch>
+        </p:blipFill>
+        <p:spPr>
+          <a:xfrm>
+            <a:off x="5660160" y="4254384"/>
+            <a:ext cx="1511400" cy="1765416"/>
+          </a:xfrm>
+          <a:prstGeom prst="rect">
+            <a:avLst/>
+          </a:prstGeom>
+        </p:spPr>
+      </p:pic>
+      <p:pic>
+        <p:nvPicPr>
+          <p:cNvPr id="18" name="Picture 17">
+            <a:extLst>
+              <a:ext uri="{FF2B5EF4-FFF2-40B4-BE49-F238E27FC236}">
+                <a16:creationId xmlns:a16="http://schemas.microsoft.com/office/drawing/2014/main" id="{AC8D7646-F376-44BD-BD2C-1B81C4C3F94F}"/>
+              </a:ext>
+            </a:extLst>
+          </p:cNvPr>
+          <p:cNvPicPr>
+            <a:picLocks noChangeAspect="1"/>
+          </p:cNvPicPr>
+          <p:nvPr/>
+        </p:nvPicPr>
+        <p:blipFill>
+          <a:blip r:embed="rId7"/>
+          <a:stretch>
+            <a:fillRect/>
+          </a:stretch>
+        </p:blipFill>
+        <p:spPr>
+          <a:xfrm>
+            <a:off x="7238999" y="4254384"/>
+            <a:ext cx="1436771" cy="1765416"/>
+          </a:xfrm>
+          <a:prstGeom prst="rect">
+            <a:avLst/>
+          </a:prstGeom>
+        </p:spPr>
+      </p:pic>
+    </p:spTree>
+    <p:extLst>
+      <p:ext uri="{BB962C8B-B14F-4D97-AF65-F5344CB8AC3E}">
+        <p14:creationId xmlns:p14="http://schemas.microsoft.com/office/powerpoint/2010/main" val="747484285"/>
+      </p:ext>
+    </p:extLst>
+  </p:cSld>
+  <p:clrMapOvr>
+    <a:masterClrMapping/>
+  </p:clrMapOvr>
+</p:sld>
+</file>
+
+<file path=ppt/slides/slide14.xml><?xml version="1.0" encoding="utf-8"?>
+<p:sld xmlns:a="http://schemas.openxmlformats.org/drawingml/2006/main" xmlns:r="http://schemas.openxmlformats.org/officeDocument/2006/relationships" xmlns:p="http://schemas.openxmlformats.org/presentationml/2006/main">
+  <p:cSld>
+    <p:spTree>
+      <p:nvGrpSpPr>
+        <p:cNvPr id="1" name=""/>
+        <p:cNvGrpSpPr/>
+        <p:nvPr/>
+      </p:nvGrpSpPr>
+      <p:grpSpPr>
+        <a:xfrm>
+          <a:off x="0" y="0"/>
+          <a:ext cx="0" cy="0"/>
+          <a:chOff x="0" y="0"/>
+          <a:chExt cx="0" cy="0"/>
+        </a:xfrm>
+      </p:grpSpPr>
+      <p:sp>
+        <p:nvSpPr>
+          <p:cNvPr id="2" name="Content Placeholder 1">
+            <a:extLst>
+              <a:ext uri="{FF2B5EF4-FFF2-40B4-BE49-F238E27FC236}">
+                <a16:creationId xmlns:a16="http://schemas.microsoft.com/office/drawing/2014/main" id="{56039E5D-8C8D-44CD-9608-09B2FFA80CF3}"/>
+              </a:ext>
+            </a:extLst>
+          </p:cNvPr>
+          <p:cNvSpPr>
+            <a:spLocks noGrp="1"/>
+          </p:cNvSpPr>
+          <p:nvPr>
+            <p:ph/>
+          </p:nvPr>
+        </p:nvSpPr>
+        <p:spPr/>
+        <p:txBody>
+          <a:bodyPr/>
+          <a:lstStyle/>
+          <a:p>
+            <a:r>
+              <a:rPr lang="en-US" sz="3600" dirty="0">
+                <a:solidFill>
+                  <a:schemeClr val="accent1"/>
+                </a:solidFill>
+              </a:rPr>
+              <a:t>Correction: S</a:t>
+            </a:r>
+            <a:r>
+              <a:rPr lang="en-US" dirty="0">
+                <a:solidFill>
+                  <a:schemeClr val="accent1"/>
+                </a:solidFill>
+              </a:rPr>
+              <a:t>tatistical Learning Model (Cont.)</a:t>
+            </a:r>
+          </a:p>
+          <a:p>
+            <a:endParaRPr lang="en-US" dirty="0"/>
+          </a:p>
+          <a:p>
+            <a:pPr lvl="2"/>
+            <a:r>
+              <a:rPr lang="en-US" altLang="zh-CN" dirty="0"/>
+              <a:t>Feature 5</a:t>
+            </a:r>
+            <a:r>
+              <a:rPr lang="zh-CN" altLang="en-US" dirty="0"/>
+              <a:t>： </a:t>
+            </a:r>
+            <a:r>
+              <a:rPr lang="en-US" dirty="0"/>
+              <a:t>Exact-context popularity</a:t>
+            </a:r>
+            <a:r>
+              <a:rPr lang="zh-CN" altLang="en-US" dirty="0"/>
+              <a:t>：</a:t>
+            </a:r>
+            <a:endParaRPr lang="en-US" altLang="zh-CN" dirty="0"/>
+          </a:p>
+          <a:p>
+            <a:pPr lvl="2"/>
+            <a:endParaRPr lang="en-US" dirty="0"/>
+          </a:p>
+        </p:txBody>
+      </p:sp>
+      <p:pic>
+        <p:nvPicPr>
+          <p:cNvPr id="3" name="Picture 2">
+            <a:extLst>
+              <a:ext uri="{FF2B5EF4-FFF2-40B4-BE49-F238E27FC236}">
+                <a16:creationId xmlns:a16="http://schemas.microsoft.com/office/drawing/2014/main" id="{A600DE13-9F1A-4008-93DB-8DAED069EFB0}"/>
+              </a:ext>
+            </a:extLst>
+          </p:cNvPr>
+          <p:cNvPicPr>
+            <a:picLocks noChangeAspect="1"/>
+          </p:cNvPicPr>
+          <p:nvPr/>
+        </p:nvPicPr>
+        <p:blipFill>
+          <a:blip r:embed="rId2"/>
+          <a:stretch>
+            <a:fillRect/>
+          </a:stretch>
+        </p:blipFill>
+        <p:spPr>
+          <a:xfrm>
+            <a:off x="2147989" y="1676400"/>
+            <a:ext cx="4848022" cy="1166812"/>
+          </a:xfrm>
+          <a:prstGeom prst="rect">
+            <a:avLst/>
+          </a:prstGeom>
+        </p:spPr>
+      </p:pic>
+      <p:pic>
+        <p:nvPicPr>
+          <p:cNvPr id="4" name="Picture 3">
+            <a:extLst>
+              <a:ext uri="{FF2B5EF4-FFF2-40B4-BE49-F238E27FC236}">
+                <a16:creationId xmlns:a16="http://schemas.microsoft.com/office/drawing/2014/main" id="{131DEC0B-F137-4147-BB02-5CC2199A1F96}"/>
+              </a:ext>
+            </a:extLst>
+          </p:cNvPr>
+          <p:cNvPicPr>
+            <a:picLocks noChangeAspect="1"/>
+          </p:cNvPicPr>
+          <p:nvPr/>
+        </p:nvPicPr>
+        <p:blipFill>
+          <a:blip r:embed="rId3"/>
+          <a:stretch>
+            <a:fillRect/>
+          </a:stretch>
+        </p:blipFill>
+        <p:spPr>
+          <a:xfrm>
+            <a:off x="457200" y="3782186"/>
+            <a:ext cx="3733800" cy="2034902"/>
+          </a:xfrm>
+          <a:prstGeom prst="rect">
+            <a:avLst/>
+          </a:prstGeom>
+        </p:spPr>
+      </p:pic>
+      <p:sp>
+        <p:nvSpPr>
+          <p:cNvPr id="5" name="TextBox 4">
+            <a:extLst>
+              <a:ext uri="{FF2B5EF4-FFF2-40B4-BE49-F238E27FC236}">
+                <a16:creationId xmlns:a16="http://schemas.microsoft.com/office/drawing/2014/main" id="{B57B03ED-BA44-4719-B26E-986BB16C9DD1}"/>
+              </a:ext>
+            </a:extLst>
+          </p:cNvPr>
+          <p:cNvSpPr txBox="1"/>
+          <p:nvPr/>
+        </p:nvSpPr>
+        <p:spPr>
+          <a:xfrm>
+            <a:off x="381000" y="3288445"/>
+            <a:ext cx="2082621" cy="369332"/>
+          </a:xfrm>
+          <a:prstGeom prst="rect">
+            <a:avLst/>
+          </a:prstGeom>
+          <a:noFill/>
+        </p:spPr>
+        <p:txBody>
+          <a:bodyPr wrap="none" rtlCol="0">
+            <a:spAutoFit/>
+          </a:bodyPr>
+          <a:lstStyle/>
+          <a:p>
+            <a:r>
+              <a:rPr lang="en-US" altLang="zh-CN" dirty="0"/>
+              <a:t>5-gram dictionary</a:t>
+            </a:r>
+            <a:r>
+              <a:rPr lang="zh-CN" altLang="en-US" dirty="0"/>
+              <a:t>：</a:t>
+            </a:r>
+            <a:endParaRPr lang="en-US" dirty="0"/>
+          </a:p>
+        </p:txBody>
+      </p:sp>
+    </p:spTree>
+    <p:extLst>
+      <p:ext uri="{BB962C8B-B14F-4D97-AF65-F5344CB8AC3E}">
+        <p14:creationId xmlns:p14="http://schemas.microsoft.com/office/powerpoint/2010/main" val="2188915367"/>
+      </p:ext>
+    </p:extLst>
+  </p:cSld>
+  <p:clrMapOvr>
+    <a:masterClrMapping/>
+  </p:clrMapOvr>
+</p:sld>
+</file>
+
+<file path=ppt/slides/slide15.xml><?xml version="1.0" encoding="utf-8"?>
 <p:sld xmlns:a="http://schemas.openxmlformats.org/drawingml/2006/main" xmlns:r="http://schemas.openxmlformats.org/officeDocument/2006/relationships" xmlns:p="http://schemas.openxmlformats.org/presentationml/2006/main">
   <p:cSld>
     <p:spTree>
@@ -6714,7 +8899,7 @@
 </p:sld>
 </file>
 
-<file path=ppt/slides/slide12.xml><?xml version="1.0" encoding="utf-8"?>
+<file path=ppt/slides/slide16.xml><?xml version="1.0" encoding="utf-8"?>
 <p:sld xmlns:a="http://schemas.openxmlformats.org/drawingml/2006/main" xmlns:r="http://schemas.openxmlformats.org/officeDocument/2006/relationships" xmlns:p="http://schemas.openxmlformats.org/presentationml/2006/main">
   <p:cSld>
     <p:spTree>
@@ -6769,7 +8954,7 @@
 </p:sld>
 </file>
 
-<file path=ppt/slides/slide13.xml><?xml version="1.0" encoding="utf-8"?>
+<file path=ppt/slides/slide17.xml><?xml version="1.0" encoding="utf-8"?>
 <p:sld xmlns:a="http://schemas.openxmlformats.org/drawingml/2006/main" xmlns:r="http://schemas.openxmlformats.org/officeDocument/2006/relationships" xmlns:p="http://schemas.openxmlformats.org/presentationml/2006/main">
   <p:cSld>
     <p:spTree>
@@ -10455,7 +12640,13 @@
                           <a:rPr lang="en-US" b="0" i="1" smtClean="0">
                             <a:latin typeface="Cambria Math" panose="02040503050406030204" pitchFamily="18" charset="0"/>
                           </a:rPr>
-                          <m:t>1,2</m:t>
+                          <m:t>1,</m:t>
+                        </m:r>
+                        <m:r>
+                          <a:rPr lang="en-US" b="0" i="1" smtClean="0">
+                            <a:latin typeface="Cambria Math" panose="02040503050406030204" pitchFamily="18" charset="0"/>
+                          </a:rPr>
+                          <m:t>3</m:t>
                         </m:r>
                       </m:sub>
                     </m:sSub>
@@ -11290,201 +13481,390 @@
           <a:chExt cx="0" cy="0"/>
         </a:xfrm>
       </p:grpSpPr>
-      <p:sp>
-        <p:nvSpPr>
-          <p:cNvPr id="2" name="Content Placeholder 1">
+      <mc:AlternateContent xmlns:mc="http://schemas.openxmlformats.org/markup-compatibility/2006">
+        <mc:Choice xmlns:a14="http://schemas.microsoft.com/office/drawing/2010/main" Requires="a14">
+          <p:sp>
+            <p:nvSpPr>
+              <p:cNvPr id="2" name="Content Placeholder 1">
+                <a:extLst>
+                  <a:ext uri="{FF2B5EF4-FFF2-40B4-BE49-F238E27FC236}">
+                    <a16:creationId xmlns:a16="http://schemas.microsoft.com/office/drawing/2014/main" id="{FE6F39BB-E5AC-4114-A3E9-9BDB888ACDFA}"/>
+                  </a:ext>
+                </a:extLst>
+              </p:cNvPr>
+              <p:cNvSpPr>
+                <a:spLocks noGrp="1"/>
+              </p:cNvSpPr>
+              <p:nvPr>
+                <p:ph/>
+              </p:nvPr>
+            </p:nvSpPr>
+            <p:spPr/>
+            <p:txBody>
+              <a:bodyPr/>
+              <a:lstStyle/>
+              <a:p>
+                <a:r>
+                  <a:rPr lang="en-US" sz="3600" dirty="0">
+                    <a:solidFill>
+                      <a:schemeClr val="accent1"/>
+                    </a:solidFill>
+                  </a:rPr>
+                  <a:t>Correction: S</a:t>
+                </a:r>
+                <a:r>
+                  <a:rPr lang="en-US" dirty="0">
+                    <a:solidFill>
+                      <a:schemeClr val="accent1"/>
+                    </a:solidFill>
+                  </a:rPr>
+                  <a:t>tatistical Learning Model (C-2)</a:t>
+                </a:r>
+              </a:p>
+              <a:p>
+                <a:endParaRPr lang="en-US" sz="3600" dirty="0">
+                  <a:solidFill>
+                    <a:schemeClr val="accent1"/>
+                  </a:solidFill>
+                </a:endParaRPr>
+              </a:p>
+              <a:p>
+                <a:r>
+                  <a:rPr lang="en-US" altLang="zh-CN" b="1" dirty="0"/>
+                  <a:t>Idea</a:t>
+                </a:r>
+                <a:r>
+                  <a:rPr lang="en-US" b="1" dirty="0"/>
+                  <a:t>:</a:t>
+                </a:r>
+              </a:p>
+              <a:p>
+                <a:pPr lvl="1"/>
+                <a:r>
+                  <a:rPr lang="en-US" altLang="zh-CN" dirty="0"/>
+                  <a:t>Using a</a:t>
+                </a:r>
+                <a:r>
+                  <a:rPr lang="en-US" dirty="0"/>
+                  <a:t> regression model with six feature scores to predict the class of candidates.</a:t>
+                </a:r>
+                <a:endParaRPr lang="en-US" b="1" dirty="0"/>
+              </a:p>
+              <a:p>
+                <a:r>
+                  <a:rPr lang="en-US" b="1" dirty="0"/>
+                  <a:t>Concepts:</a:t>
+                </a:r>
+              </a:p>
+              <a:p>
+                <a:pPr lvl="1"/>
+                <a:r>
+                  <a:rPr lang="en-US" dirty="0"/>
+                  <a:t>Candidate Search</a:t>
+                </a:r>
+              </a:p>
+              <a:p>
+                <a:pPr marL="457200" lvl="1" indent="0">
+                  <a:buNone/>
+                </a:pPr>
+                <a:endParaRPr lang="en-US" b="1" dirty="0"/>
+              </a:p>
+              <a:p>
+                <a:pPr lvl="2"/>
+                <a:r>
+                  <a:rPr lang="en-US" dirty="0"/>
+                  <a:t>δ is chosen to ensure that every </a:t>
+                </a:r>
+                <a14:m>
+                  <m:oMath xmlns:m="http://schemas.openxmlformats.org/officeDocument/2006/math">
+                    <m:sSub>
+                      <m:sSubPr>
+                        <m:ctrlPr>
+                          <a:rPr lang="en-US" i="1" smtClean="0">
+                            <a:latin typeface="Cambria Math" panose="02040503050406030204" pitchFamily="18" charset="0"/>
+                          </a:rPr>
+                        </m:ctrlPr>
+                      </m:sSubPr>
+                      <m:e>
+                        <m:r>
+                          <a:rPr lang="en-US" i="1">
+                            <a:latin typeface="Cambria Math" panose="02040503050406030204" pitchFamily="18" charset="0"/>
+                          </a:rPr>
+                          <m:t>𝑊</m:t>
+                        </m:r>
+                      </m:e>
+                      <m:sub>
+                        <m:r>
+                          <a:rPr lang="en-US" b="0" i="1" smtClean="0">
+                            <a:latin typeface="Cambria Math" panose="02040503050406030204" pitchFamily="18" charset="0"/>
+                          </a:rPr>
+                          <m:t>𝑒</m:t>
+                        </m:r>
+                      </m:sub>
+                    </m:sSub>
+                    <m:r>
+                      <a:rPr lang="en-US" b="0" i="1" smtClean="0">
+                        <a:latin typeface="Cambria Math" panose="02040503050406030204" pitchFamily="18" charset="0"/>
+                      </a:rPr>
+                      <m:t> </m:t>
+                    </m:r>
+                  </m:oMath>
+                </a14:m>
+                <a:r>
+                  <a:rPr lang="en-US" dirty="0"/>
+                  <a:t>has at least 10 candidates </a:t>
+                </a:r>
+                <a14:m>
+                  <m:oMath xmlns:m="http://schemas.openxmlformats.org/officeDocument/2006/math">
+                    <m:sSub>
+                      <m:sSubPr>
+                        <m:ctrlPr>
+                          <a:rPr lang="en-US" i="1" smtClean="0">
+                            <a:latin typeface="Cambria Math" panose="02040503050406030204" pitchFamily="18" charset="0"/>
+                          </a:rPr>
+                        </m:ctrlPr>
+                      </m:sSubPr>
+                      <m:e>
+                        <m:r>
+                          <a:rPr lang="en-US" i="1">
+                            <a:latin typeface="Cambria Math" panose="02040503050406030204" pitchFamily="18" charset="0"/>
+                          </a:rPr>
+                          <m:t>𝑊</m:t>
+                        </m:r>
+                      </m:e>
+                      <m:sub>
+                        <m:r>
+                          <a:rPr lang="en-US" b="0" i="1" smtClean="0">
+                            <a:latin typeface="Cambria Math" panose="02040503050406030204" pitchFamily="18" charset="0"/>
+                          </a:rPr>
+                          <m:t>𝑐</m:t>
+                        </m:r>
+                      </m:sub>
+                    </m:sSub>
+                    <m:r>
+                      <a:rPr lang="en-US" b="0" i="1" smtClean="0">
+                        <a:latin typeface="Cambria Math" panose="02040503050406030204" pitchFamily="18" charset="0"/>
+                      </a:rPr>
+                      <m:t> </m:t>
+                    </m:r>
+                  </m:oMath>
+                </a14:m>
+                <a:endParaRPr lang="en-US" dirty="0"/>
+              </a:p>
+              <a:p>
+                <a:pPr lvl="2"/>
+                <a:r>
+                  <a:rPr lang="en-US" dirty="0"/>
+                  <a:t>The candidates are chosen from dictionary created from ground truth</a:t>
+                </a:r>
+              </a:p>
+              <a:p>
+                <a:pPr lvl="2"/>
+                <a:endParaRPr lang="en-US" dirty="0"/>
+              </a:p>
+              <a:p>
+                <a:pPr lvl="2"/>
+                <a:endParaRPr lang="en-US" b="1" dirty="0"/>
+              </a:p>
+              <a:p>
+                <a:pPr marL="914400" lvl="2" indent="0">
+                  <a:buNone/>
+                </a:pPr>
+                <a:endParaRPr lang="en-US" b="1" dirty="0"/>
+              </a:p>
+              <a:p>
+                <a:endParaRPr lang="en-US" b="1" dirty="0"/>
+              </a:p>
+              <a:p>
+                <a:pPr marL="457200" lvl="1" indent="0">
+                  <a:buNone/>
+                </a:pPr>
+                <a:endParaRPr lang="en-US" sz="3200" dirty="0"/>
+              </a:p>
+            </p:txBody>
+          </p:sp>
+        </mc:Choice>
+        <mc:Fallback>
+          <p:sp>
+            <p:nvSpPr>
+              <p:cNvPr id="2" name="Content Placeholder 1">
+                <a:extLst>
+                  <a:ext uri="{FF2B5EF4-FFF2-40B4-BE49-F238E27FC236}">
+                    <a16:creationId xmlns:a16="http://schemas.microsoft.com/office/drawing/2014/main" id="{FE6F39BB-E5AC-4114-A3E9-9BDB888ACDFA}"/>
+                  </a:ext>
+                </a:extLst>
+              </p:cNvPr>
+              <p:cNvSpPr>
+                <a:spLocks noGrp="1" noRot="1" noChangeAspect="1" noMove="1" noResize="1" noEditPoints="1" noAdjustHandles="1" noChangeArrowheads="1" noChangeShapeType="1" noTextEdit="1"/>
+              </p:cNvSpPr>
+              <p:nvPr>
+                <p:ph/>
+              </p:nvPr>
+            </p:nvSpPr>
+            <p:spPr>
+              <a:blipFill>
+                <a:blip r:embed="rId2"/>
+                <a:stretch>
+                  <a:fillRect/>
+                </a:stretch>
+              </a:blipFill>
+            </p:spPr>
+            <p:txBody>
+              <a:bodyPr/>
+              <a:lstStyle/>
+              <a:p>
+                <a:r>
+                  <a:rPr lang="en-US">
+                    <a:noFill/>
+                  </a:rPr>
+                  <a:t> </a:t>
+                </a:r>
+              </a:p>
+            </p:txBody>
+          </p:sp>
+        </mc:Fallback>
+      </mc:AlternateContent>
+      <p:grpSp>
+        <p:nvGrpSpPr>
+          <p:cNvPr id="10" name="Group 9">
             <a:extLst>
               <a:ext uri="{FF2B5EF4-FFF2-40B4-BE49-F238E27FC236}">
-                <a16:creationId xmlns:a16="http://schemas.microsoft.com/office/drawing/2014/main" id="{FE6F39BB-E5AC-4114-A3E9-9BDB888ACDFA}"/>
+                <a16:creationId xmlns:a16="http://schemas.microsoft.com/office/drawing/2014/main" id="{E738625C-AA4B-404A-8CF2-14FB991DB683}"/>
               </a:ext>
             </a:extLst>
           </p:cNvPr>
-          <p:cNvSpPr>
-            <a:spLocks noGrp="1"/>
-          </p:cNvSpPr>
-          <p:nvPr>
-            <p:ph/>
-          </p:nvPr>
-        </p:nvSpPr>
-        <p:spPr/>
-        <p:txBody>
-          <a:bodyPr/>
-          <a:lstStyle/>
-          <a:p>
-            <a:r>
-              <a:rPr lang="en-US" sz="3600" dirty="0">
-                <a:solidFill>
-                  <a:schemeClr val="accent1"/>
-                </a:solidFill>
-              </a:rPr>
-              <a:t>Correction: S</a:t>
-            </a:r>
-            <a:r>
-              <a:rPr lang="en-US" dirty="0">
-                <a:solidFill>
-                  <a:schemeClr val="accent1"/>
-                </a:solidFill>
-              </a:rPr>
-              <a:t>tatistical Learning Model (C-2)</a:t>
-            </a:r>
-          </a:p>
-          <a:p>
-            <a:endParaRPr lang="en-US" sz="3600" dirty="0">
+          <p:cNvGrpSpPr/>
+          <p:nvPr/>
+        </p:nvGrpSpPr>
+        <p:grpSpPr>
+          <a:xfrm>
+            <a:off x="2971800" y="3353067"/>
+            <a:ext cx="4872678" cy="1105483"/>
+            <a:chOff x="2438400" y="3998349"/>
+            <a:chExt cx="4843571" cy="962942"/>
+          </a:xfrm>
+        </p:grpSpPr>
+        <p:pic>
+          <p:nvPicPr>
+            <p:cNvPr id="5" name="Picture 4">
+              <a:extLst>
+                <a:ext uri="{FF2B5EF4-FFF2-40B4-BE49-F238E27FC236}">
+                  <a16:creationId xmlns:a16="http://schemas.microsoft.com/office/drawing/2014/main" id="{6AFFF668-9BA1-414C-9B3E-F5DB9A5D8EFF}"/>
+                </a:ext>
+              </a:extLst>
+            </p:cNvPr>
+            <p:cNvPicPr>
+              <a:picLocks noChangeAspect="1"/>
+            </p:cNvPicPr>
+            <p:nvPr/>
+          </p:nvPicPr>
+          <p:blipFill>
+            <a:blip r:embed="rId3"/>
+            <a:stretch>
+              <a:fillRect/>
+            </a:stretch>
+          </p:blipFill>
+          <p:spPr>
+            <a:xfrm>
+              <a:off x="2438400" y="4426104"/>
+              <a:ext cx="3186112" cy="535187"/>
+            </a:xfrm>
+            <a:prstGeom prst="rect">
+              <a:avLst/>
+            </a:prstGeom>
+          </p:spPr>
+        </p:pic>
+        <p:sp>
+          <p:nvSpPr>
+            <p:cNvPr id="6" name="Arrow: Down 5">
+              <a:extLst>
+                <a:ext uri="{FF2B5EF4-FFF2-40B4-BE49-F238E27FC236}">
+                  <a16:creationId xmlns:a16="http://schemas.microsoft.com/office/drawing/2014/main" id="{95B3CE34-6BCB-43D2-B3D2-EB7E001A3030}"/>
+                </a:ext>
+              </a:extLst>
+            </p:cNvPr>
+            <p:cNvSpPr/>
+            <p:nvPr/>
+          </p:nvSpPr>
+          <p:spPr>
+            <a:xfrm>
+              <a:off x="4006645" y="4387156"/>
+              <a:ext cx="152400" cy="223157"/>
+            </a:xfrm>
+            <a:prstGeom prst="downArrow">
+              <a:avLst/>
+            </a:prstGeom>
+            <a:ln>
               <a:solidFill>
-                <a:schemeClr val="accent1"/>
+                <a:srgbClr val="FF0000"/>
               </a:solidFill>
-            </a:endParaRPr>
-          </a:p>
-          <a:p>
-            <a:r>
-              <a:rPr lang="en-US" altLang="zh-CN" b="1" dirty="0"/>
-              <a:t>Idea</a:t>
-            </a:r>
-            <a:r>
-              <a:rPr lang="en-US" b="1" dirty="0"/>
-              <a:t>:</a:t>
-            </a:r>
-          </a:p>
-          <a:p>
-            <a:pPr lvl="1"/>
-            <a:r>
-              <a:rPr lang="en-US" altLang="zh-CN" dirty="0"/>
-              <a:t>Using a</a:t>
-            </a:r>
-            <a:r>
-              <a:rPr lang="en-US" dirty="0"/>
-              <a:t> regression model with six feature scores to predict the class of candidates.</a:t>
-            </a:r>
-            <a:endParaRPr lang="en-US" b="1" dirty="0"/>
-          </a:p>
-          <a:p>
-            <a:r>
-              <a:rPr lang="en-US" b="1" dirty="0"/>
-              <a:t>Concepts:</a:t>
-            </a:r>
-          </a:p>
-          <a:p>
-            <a:pPr lvl="1"/>
-            <a:r>
-              <a:rPr lang="en-US" altLang="zh-CN" dirty="0"/>
-              <a:t>Feature scores</a:t>
-            </a:r>
-            <a:r>
-              <a:rPr lang="zh-CN" altLang="en-US" dirty="0"/>
-              <a:t>（</a:t>
-            </a:r>
-            <a:r>
-              <a:rPr lang="en-US" dirty="0"/>
-              <a:t>some kinds of measurement of similarity between two strings):</a:t>
-            </a:r>
-          </a:p>
-          <a:p>
-            <a:pPr lvl="2"/>
-            <a:r>
-              <a:rPr lang="en-US" dirty="0" err="1"/>
-              <a:t>Levenshtein</a:t>
-            </a:r>
-            <a:r>
-              <a:rPr lang="en-US" dirty="0"/>
-              <a:t> edit distance score:</a:t>
-            </a:r>
-          </a:p>
-          <a:p>
-            <a:pPr lvl="3"/>
-            <a:endParaRPr lang="en-US" dirty="0"/>
-          </a:p>
-          <a:p>
-            <a:endParaRPr lang="en-US" b="1" dirty="0"/>
-          </a:p>
-          <a:p>
-            <a:pPr marL="457200" lvl="1" indent="0">
-              <a:buNone/>
-            </a:pPr>
-            <a:endParaRPr lang="en-US" sz="3200" dirty="0"/>
-          </a:p>
-        </p:txBody>
-      </p:sp>
-      <p:pic>
-        <p:nvPicPr>
-          <p:cNvPr id="3" name="Picture 2">
-            <a:extLst>
-              <a:ext uri="{FF2B5EF4-FFF2-40B4-BE49-F238E27FC236}">
-                <a16:creationId xmlns:a16="http://schemas.microsoft.com/office/drawing/2014/main" id="{3C15A500-3964-497F-B4B7-07EC96EB942A}"/>
-              </a:ext>
-            </a:extLst>
-          </p:cNvPr>
-          <p:cNvPicPr>
-            <a:picLocks noChangeAspect="1"/>
-          </p:cNvPicPr>
-          <p:nvPr/>
-        </p:nvPicPr>
-        <p:blipFill>
-          <a:blip r:embed="rId2"/>
-          <a:stretch>
-            <a:fillRect/>
-          </a:stretch>
-        </p:blipFill>
-        <p:spPr>
-          <a:xfrm>
-            <a:off x="2590800" y="4800600"/>
-            <a:ext cx="4129088" cy="1000144"/>
-          </a:xfrm>
-          <a:prstGeom prst="rect">
-            <a:avLst/>
-          </a:prstGeom>
-        </p:spPr>
-      </p:pic>
-      <p:sp>
-        <p:nvSpPr>
-          <p:cNvPr id="4" name="Arrow: Down 3">
-            <a:extLst>
-              <a:ext uri="{FF2B5EF4-FFF2-40B4-BE49-F238E27FC236}">
-                <a16:creationId xmlns:a16="http://schemas.microsoft.com/office/drawing/2014/main" id="{83C79C40-3233-42FA-95E9-4118F6953134}"/>
-              </a:ext>
-            </a:extLst>
-          </p:cNvPr>
-          <p:cNvSpPr/>
-          <p:nvPr/>
-        </p:nvSpPr>
-        <p:spPr>
-          <a:xfrm>
-            <a:off x="5181600" y="4788310"/>
-            <a:ext cx="152400" cy="223157"/>
-          </a:xfrm>
-          <a:prstGeom prst="downArrow">
-            <a:avLst/>
-          </a:prstGeom>
-          <a:ln>
-            <a:solidFill>
-              <a:srgbClr val="FF0000"/>
-            </a:solidFill>
-          </a:ln>
-        </p:spPr>
-        <p:style>
-          <a:lnRef idx="2">
-            <a:schemeClr val="accent1">
-              <a:shade val="50000"/>
-            </a:schemeClr>
-          </a:lnRef>
-          <a:fillRef idx="1">
-            <a:schemeClr val="accent1"/>
-          </a:fillRef>
-          <a:effectRef idx="0">
-            <a:schemeClr val="accent1"/>
-          </a:effectRef>
-          <a:fontRef idx="minor">
-            <a:schemeClr val="lt1"/>
-          </a:fontRef>
-        </p:style>
-        <p:txBody>
-          <a:bodyPr rtlCol="0" anchor="ctr"/>
-          <a:lstStyle/>
-          <a:p>
-            <a:pPr algn="ctr"/>
-            <a:endParaRPr lang="en-US"/>
-          </a:p>
-        </p:txBody>
-      </p:sp>
+            </a:ln>
+          </p:spPr>
+          <p:style>
+            <a:lnRef idx="2">
+              <a:schemeClr val="accent1">
+                <a:shade val="50000"/>
+              </a:schemeClr>
+            </a:lnRef>
+            <a:fillRef idx="1">
+              <a:schemeClr val="accent1"/>
+            </a:fillRef>
+            <a:effectRef idx="0">
+              <a:schemeClr val="accent1"/>
+            </a:effectRef>
+            <a:fontRef idx="minor">
+              <a:schemeClr val="lt1"/>
+            </a:fontRef>
+          </p:style>
+          <p:txBody>
+            <a:bodyPr rtlCol="0" anchor="ctr"/>
+            <a:lstStyle/>
+            <a:p>
+              <a:pPr algn="ctr"/>
+              <a:endParaRPr lang="en-US"/>
+            </a:p>
+          </p:txBody>
+        </p:sp>
+        <p:sp>
+          <p:nvSpPr>
+            <p:cNvPr id="7" name="TextBox 6">
+              <a:extLst>
+                <a:ext uri="{FF2B5EF4-FFF2-40B4-BE49-F238E27FC236}">
+                  <a16:creationId xmlns:a16="http://schemas.microsoft.com/office/drawing/2014/main" id="{FA33A31F-74CA-458C-B47B-249F867E650A}"/>
+                </a:ext>
+              </a:extLst>
+            </p:cNvPr>
+            <p:cNvSpPr txBox="1"/>
+            <p:nvPr/>
+          </p:nvSpPr>
+          <p:spPr>
+            <a:xfrm>
+              <a:off x="3877551" y="3998349"/>
+              <a:ext cx="3404420" cy="369332"/>
+            </a:xfrm>
+            <a:prstGeom prst="rect">
+              <a:avLst/>
+            </a:prstGeom>
+            <a:noFill/>
+          </p:spPr>
+          <p:txBody>
+            <a:bodyPr wrap="square" rtlCol="0">
+              <a:spAutoFit/>
+            </a:bodyPr>
+            <a:lstStyle/>
+            <a:p>
+              <a:r>
+                <a:rPr lang="en-US" dirty="0" err="1"/>
+                <a:t>Damerau-Levenshtein</a:t>
+              </a:r>
+              <a:r>
+                <a:rPr lang="en-US" dirty="0"/>
+                <a:t> distance</a:t>
+              </a:r>
+            </a:p>
+          </p:txBody>
+        </p:sp>
+      </p:grpSp>
     </p:spTree>
     <p:extLst>
       <p:ext uri="{BB962C8B-B14F-4D97-AF65-F5344CB8AC3E}">
@@ -11520,7 +13900,7 @@
           <p:cNvPr id="2" name="Content Placeholder 1">
             <a:extLst>
               <a:ext uri="{FF2B5EF4-FFF2-40B4-BE49-F238E27FC236}">
-                <a16:creationId xmlns:a16="http://schemas.microsoft.com/office/drawing/2014/main" id="{A247519D-0913-4560-AD64-C44951BC3363}"/>
+                <a16:creationId xmlns:a16="http://schemas.microsoft.com/office/drawing/2014/main" id="{5AAFBC28-5799-46E6-A5E4-C246C406ED5D}"/>
               </a:ext>
             </a:extLst>
           </p:cNvPr>
@@ -11550,7 +13930,7 @@
                   <a:schemeClr val="accent1"/>
                 </a:solidFill>
               </a:rPr>
-              <a:t>tatistical Learning Model (Cont.)</a:t>
+              <a:t>tatistical Learning Model (C-2)</a:t>
             </a:r>
           </a:p>
           <a:p>
@@ -11561,237 +13941,128 @@
             </a:endParaRPr>
           </a:p>
           <a:p>
+            <a:pPr lvl="1"/>
+            <a:r>
+              <a:rPr lang="en-US" altLang="zh-CN" dirty="0"/>
+              <a:t>Feature scores</a:t>
+            </a:r>
+            <a:r>
+              <a:rPr lang="zh-CN" altLang="en-US" dirty="0"/>
+              <a:t>（</a:t>
+            </a:r>
+            <a:r>
+              <a:rPr lang="en-US" dirty="0"/>
+              <a:t>some kinds of measurement of similarity between two strings):</a:t>
+            </a:r>
+          </a:p>
+          <a:p>
             <a:pPr lvl="2"/>
             <a:r>
+              <a:rPr lang="en-US" altLang="zh-CN" dirty="0"/>
+              <a:t>Feature 1</a:t>
+            </a:r>
+            <a:r>
+              <a:rPr lang="zh-CN" altLang="en-US" dirty="0"/>
+              <a:t>： </a:t>
+            </a:r>
+            <a:r>
+              <a:rPr lang="en-US" dirty="0" err="1"/>
+              <a:t>Levenshtein</a:t>
+            </a:r>
+            <a:r>
               <a:rPr lang="en-US" dirty="0"/>
-              <a:t>String similarity score:</a:t>
+              <a:t> edit distance score:</a:t>
             </a:r>
           </a:p>
           <a:p>
             <a:pPr lvl="2"/>
             <a:endParaRPr lang="en-US" dirty="0"/>
           </a:p>
+          <a:p>
+            <a:pPr lvl="2"/>
+            <a:endParaRPr lang="en-US" dirty="0"/>
+          </a:p>
+          <a:p>
+            <a:pPr lvl="2"/>
+            <a:endParaRPr lang="en-US" dirty="0"/>
+          </a:p>
+          <a:p>
+            <a:pPr lvl="2"/>
+            <a:r>
+              <a:rPr lang="en-US" dirty="0">
+                <a:highlight>
+                  <a:srgbClr val="FFFF00"/>
+                </a:highlight>
+              </a:rPr>
+              <a:t>δ is chosen by CV to max the average scores for the ground truth</a:t>
+            </a:r>
+          </a:p>
+          <a:p>
+            <a:pPr lvl="2"/>
+            <a:endParaRPr lang="en-US" dirty="0"/>
+          </a:p>
+          <a:p>
+            <a:pPr lvl="2"/>
+            <a:endParaRPr lang="en-US" dirty="0"/>
+          </a:p>
+          <a:p>
+            <a:pPr lvl="2"/>
+            <a:endParaRPr lang="en-US" dirty="0"/>
+          </a:p>
+          <a:p>
+            <a:pPr marL="914400" lvl="2" indent="0">
+              <a:buNone/>
+            </a:pPr>
+            <a:endParaRPr lang="en-US" dirty="0"/>
+          </a:p>
+          <a:p>
+            <a:pPr lvl="2"/>
+            <a:endParaRPr lang="en-US" dirty="0"/>
+          </a:p>
+          <a:p>
+            <a:endParaRPr lang="en-US" dirty="0"/>
+          </a:p>
+          <a:p>
+            <a:endParaRPr lang="en-US" dirty="0"/>
+          </a:p>
         </p:txBody>
       </p:sp>
-      <p:grpSp>
-        <p:nvGrpSpPr>
-          <p:cNvPr id="7" name="Group 6">
+      <p:pic>
+        <p:nvPicPr>
+          <p:cNvPr id="3" name="Picture 2">
             <a:extLst>
               <a:ext uri="{FF2B5EF4-FFF2-40B4-BE49-F238E27FC236}">
-                <a16:creationId xmlns:a16="http://schemas.microsoft.com/office/drawing/2014/main" id="{BDCE716A-16D6-432D-9C88-45EE28CFABE4}"/>
+                <a16:creationId xmlns:a16="http://schemas.microsoft.com/office/drawing/2014/main" id="{70EDDD02-BE51-497E-9B70-5046679FA7B7}"/>
               </a:ext>
             </a:extLst>
           </p:cNvPr>
-          <p:cNvGrpSpPr/>
+          <p:cNvPicPr>
+            <a:picLocks noChangeAspect="1"/>
+          </p:cNvPicPr>
           <p:nvPr/>
-        </p:nvGrpSpPr>
-        <p:grpSpPr>
+        </p:nvPicPr>
+        <p:blipFill>
+          <a:blip r:embed="rId2"/>
+          <a:stretch>
+            <a:fillRect/>
+          </a:stretch>
+        </p:blipFill>
+        <p:spPr>
           <a:xfrm>
-            <a:off x="770529" y="2362200"/>
-            <a:ext cx="2857500" cy="3043456"/>
-            <a:chOff x="3124200" y="1752600"/>
-            <a:chExt cx="2400300" cy="2556503"/>
+            <a:off x="2286000" y="3031126"/>
+            <a:ext cx="4129088" cy="1000144"/>
           </a:xfrm>
-        </p:grpSpPr>
-        <p:grpSp>
-          <p:nvGrpSpPr>
-            <p:cNvPr id="5" name="Group 4">
-              <a:extLst>
-                <a:ext uri="{FF2B5EF4-FFF2-40B4-BE49-F238E27FC236}">
-                  <a16:creationId xmlns:a16="http://schemas.microsoft.com/office/drawing/2014/main" id="{3D82CF4F-0009-4718-AE68-82A4257F6A84}"/>
-                </a:ext>
-              </a:extLst>
-            </p:cNvPr>
-            <p:cNvGrpSpPr/>
-            <p:nvPr/>
-          </p:nvGrpSpPr>
-          <p:grpSpPr>
-            <a:xfrm>
-              <a:off x="3124200" y="1752600"/>
-              <a:ext cx="2400300" cy="2133600"/>
-              <a:chOff x="2705100" y="1676400"/>
-              <a:chExt cx="3733800" cy="3033600"/>
-            </a:xfrm>
-          </p:grpSpPr>
-          <p:pic>
-            <p:nvPicPr>
-              <p:cNvPr id="3" name="Picture 2">
-                <a:extLst>
-                  <a:ext uri="{FF2B5EF4-FFF2-40B4-BE49-F238E27FC236}">
-                    <a16:creationId xmlns:a16="http://schemas.microsoft.com/office/drawing/2014/main" id="{6ED13E9B-4D61-4353-81B5-824A713095D7}"/>
-                  </a:ext>
-                </a:extLst>
-              </p:cNvPr>
-              <p:cNvPicPr>
-                <a:picLocks noChangeAspect="1"/>
-              </p:cNvPicPr>
-              <p:nvPr/>
-            </p:nvPicPr>
-            <p:blipFill>
-              <a:blip r:embed="rId2"/>
-              <a:stretch>
-                <a:fillRect/>
-              </a:stretch>
-            </p:blipFill>
-            <p:spPr>
-              <a:xfrm>
-                <a:off x="2705100" y="1676400"/>
-                <a:ext cx="3733800" cy="784246"/>
-              </a:xfrm>
-              <a:prstGeom prst="rect">
-                <a:avLst/>
-              </a:prstGeom>
-            </p:spPr>
-          </p:pic>
-          <p:pic>
-            <p:nvPicPr>
-              <p:cNvPr id="4" name="Picture 3">
-                <a:extLst>
-                  <a:ext uri="{FF2B5EF4-FFF2-40B4-BE49-F238E27FC236}">
-                    <a16:creationId xmlns:a16="http://schemas.microsoft.com/office/drawing/2014/main" id="{CE160FD3-E2FB-4C67-88E8-97526000358B}"/>
-                  </a:ext>
-                </a:extLst>
-              </p:cNvPr>
-              <p:cNvPicPr>
-                <a:picLocks noChangeAspect="1"/>
-              </p:cNvPicPr>
-              <p:nvPr/>
-            </p:nvPicPr>
-            <p:blipFill>
-              <a:blip r:embed="rId3"/>
-              <a:stretch>
-                <a:fillRect/>
-              </a:stretch>
-            </p:blipFill>
-            <p:spPr>
-              <a:xfrm>
-                <a:off x="2705100" y="2362200"/>
-                <a:ext cx="3733800" cy="2347800"/>
-              </a:xfrm>
-              <a:prstGeom prst="rect">
-                <a:avLst/>
-              </a:prstGeom>
-            </p:spPr>
-          </p:pic>
-        </p:grpSp>
-        <p:pic>
-          <p:nvPicPr>
-            <p:cNvPr id="6" name="Picture 5">
-              <a:extLst>
-                <a:ext uri="{FF2B5EF4-FFF2-40B4-BE49-F238E27FC236}">
-                  <a16:creationId xmlns:a16="http://schemas.microsoft.com/office/drawing/2014/main" id="{3FD86E2C-4FB8-444E-B6CB-D0BCF3A4B323}"/>
-                </a:ext>
-              </a:extLst>
-            </p:cNvPr>
-            <p:cNvPicPr>
-              <a:picLocks noChangeAspect="1"/>
-            </p:cNvPicPr>
-            <p:nvPr/>
-          </p:nvPicPr>
-          <p:blipFill>
-            <a:blip r:embed="rId4"/>
-            <a:stretch>
-              <a:fillRect/>
-            </a:stretch>
-          </p:blipFill>
-          <p:spPr>
-            <a:xfrm>
-              <a:off x="3124200" y="3821034"/>
-              <a:ext cx="2400300" cy="488069"/>
-            </a:xfrm>
-            <a:prstGeom prst="rect">
-              <a:avLst/>
-            </a:prstGeom>
-          </p:spPr>
-        </p:pic>
-      </p:grpSp>
-      <p:grpSp>
-        <p:nvGrpSpPr>
-          <p:cNvPr id="11" name="Group 10">
+          <a:prstGeom prst="rect">
+            <a:avLst/>
+          </a:prstGeom>
+        </p:spPr>
+      </p:pic>
+      <p:sp>
+        <p:nvSpPr>
+          <p:cNvPr id="4" name="Arrow: Down 3">
             <a:extLst>
               <a:ext uri="{FF2B5EF4-FFF2-40B4-BE49-F238E27FC236}">
-                <a16:creationId xmlns:a16="http://schemas.microsoft.com/office/drawing/2014/main" id="{F21B6F9C-ACCB-4769-85D6-A24F94DF9F08}"/>
-              </a:ext>
-            </a:extLst>
-          </p:cNvPr>
-          <p:cNvGrpSpPr/>
-          <p:nvPr/>
-        </p:nvGrpSpPr>
-        <p:grpSpPr>
-          <a:xfrm>
-            <a:off x="4953000" y="2936413"/>
-            <a:ext cx="3067680" cy="1658579"/>
-            <a:chOff x="4854633" y="2358811"/>
-            <a:chExt cx="3067680" cy="1658579"/>
-          </a:xfrm>
-        </p:grpSpPr>
-        <p:pic>
-          <p:nvPicPr>
-            <p:cNvPr id="9" name="Picture 8">
-              <a:extLst>
-                <a:ext uri="{FF2B5EF4-FFF2-40B4-BE49-F238E27FC236}">
-                  <a16:creationId xmlns:a16="http://schemas.microsoft.com/office/drawing/2014/main" id="{FF68A088-BC4A-4DAE-B571-D71C105D6935}"/>
-                </a:ext>
-              </a:extLst>
-            </p:cNvPr>
-            <p:cNvPicPr>
-              <a:picLocks noChangeAspect="1"/>
-            </p:cNvPicPr>
-            <p:nvPr/>
-          </p:nvPicPr>
-          <p:blipFill>
-            <a:blip r:embed="rId5"/>
-            <a:stretch>
-              <a:fillRect/>
-            </a:stretch>
-          </p:blipFill>
-          <p:spPr>
-            <a:xfrm>
-              <a:off x="4854633" y="2358811"/>
-              <a:ext cx="3067679" cy="1408540"/>
-            </a:xfrm>
-            <a:prstGeom prst="rect">
-              <a:avLst/>
-            </a:prstGeom>
-          </p:spPr>
-        </p:pic>
-        <p:pic>
-          <p:nvPicPr>
-            <p:cNvPr id="10" name="Picture 9">
-              <a:extLst>
-                <a:ext uri="{FF2B5EF4-FFF2-40B4-BE49-F238E27FC236}">
-                  <a16:creationId xmlns:a16="http://schemas.microsoft.com/office/drawing/2014/main" id="{DD47BCC8-6EFB-4A75-A064-83AACC67091A}"/>
-                </a:ext>
-              </a:extLst>
-            </p:cNvPr>
-            <p:cNvPicPr>
-              <a:picLocks noChangeAspect="1"/>
-            </p:cNvPicPr>
-            <p:nvPr/>
-          </p:nvPicPr>
-          <p:blipFill>
-            <a:blip r:embed="rId6"/>
-            <a:stretch>
-              <a:fillRect/>
-            </a:stretch>
-          </p:blipFill>
-          <p:spPr>
-            <a:xfrm>
-              <a:off x="4981379" y="3767351"/>
-              <a:ext cx="2940934" cy="250039"/>
-            </a:xfrm>
-            <a:prstGeom prst="rect">
-              <a:avLst/>
-            </a:prstGeom>
-          </p:spPr>
-        </p:pic>
-      </p:grpSp>
-      <p:sp>
-        <p:nvSpPr>
-          <p:cNvPr id="13" name="Arrow: Down 12">
-            <a:extLst>
-              <a:ext uri="{FF2B5EF4-FFF2-40B4-BE49-F238E27FC236}">
-                <a16:creationId xmlns:a16="http://schemas.microsoft.com/office/drawing/2014/main" id="{FF8FCB9E-86A3-4E56-A2DB-979F685E6436}"/>
+                <a16:creationId xmlns:a16="http://schemas.microsoft.com/office/drawing/2014/main" id="{338FAA38-E158-4596-92D8-01DBF9CE4B67}"/>
               </a:ext>
             </a:extLst>
           </p:cNvPr>
@@ -11800,7 +14071,7 @@
         </p:nvSpPr>
         <p:spPr>
           <a:xfrm>
-            <a:off x="3299914" y="2174422"/>
+            <a:off x="4953000" y="2968688"/>
             <a:ext cx="152400" cy="223157"/>
           </a:xfrm>
           <a:prstGeom prst="downArrow">
@@ -11839,10 +14110,10 @@
       </p:sp>
       <p:sp>
         <p:nvSpPr>
-          <p:cNvPr id="14" name="TextBox 13">
+          <p:cNvPr id="5" name="TextBox 4">
             <a:extLst>
               <a:ext uri="{FF2B5EF4-FFF2-40B4-BE49-F238E27FC236}">
-                <a16:creationId xmlns:a16="http://schemas.microsoft.com/office/drawing/2014/main" id="{BCCF970A-3425-4434-B04A-FDB352BF1E84}"/>
+                <a16:creationId xmlns:a16="http://schemas.microsoft.com/office/drawing/2014/main" id="{4099D268-D07A-40DA-B058-96E14E028668}"/>
               </a:ext>
             </a:extLst>
           </p:cNvPr>
@@ -11851,8 +14122,8 @@
         </p:nvSpPr>
         <p:spPr>
           <a:xfrm>
-            <a:off x="1524000" y="2057400"/>
-            <a:ext cx="1274708" cy="369332"/>
+            <a:off x="4114800" y="2584608"/>
+            <a:ext cx="2351926" cy="369332"/>
           </a:xfrm>
           <a:prstGeom prst="rect">
             <a:avLst/>
@@ -11866,402 +14137,110 @@
           <a:lstStyle/>
           <a:p>
             <a:r>
+              <a:rPr lang="en-US" dirty="0" err="1"/>
+              <a:t>Levenshtein</a:t>
+            </a:r>
+            <a:r>
               <a:rPr lang="en-US" dirty="0"/>
-              <a:t>C-2 paper:</a:t>
+              <a:t> distance</a:t>
             </a:r>
           </a:p>
         </p:txBody>
       </p:sp>
-      <p:sp>
-        <p:nvSpPr>
-          <p:cNvPr id="15" name="TextBox 14">
+      <p:grpSp>
+        <p:nvGrpSpPr>
+          <p:cNvPr id="8" name="Group 7">
             <a:extLst>
               <a:ext uri="{FF2B5EF4-FFF2-40B4-BE49-F238E27FC236}">
-                <a16:creationId xmlns:a16="http://schemas.microsoft.com/office/drawing/2014/main" id="{5240C373-3040-40BA-AEEC-44489D5F2BEA}"/>
+                <a16:creationId xmlns:a16="http://schemas.microsoft.com/office/drawing/2014/main" id="{AFA08FC2-6D0D-4F15-B803-F6A8A4951C26}"/>
               </a:ext>
             </a:extLst>
           </p:cNvPr>
-          <p:cNvSpPr txBox="1"/>
+          <p:cNvGrpSpPr/>
           <p:nvPr/>
-        </p:nvSpPr>
-        <p:spPr>
+        </p:nvGrpSpPr>
+        <p:grpSpPr>
           <a:xfrm>
-            <a:off x="5943600" y="2101334"/>
-            <a:ext cx="1697901" cy="369332"/>
+            <a:off x="846887" y="4734464"/>
+            <a:ext cx="6535826" cy="1399073"/>
+            <a:chOff x="1066800" y="4186535"/>
+            <a:chExt cx="6535826" cy="1399073"/>
           </a:xfrm>
-          <a:prstGeom prst="rect">
-            <a:avLst/>
-          </a:prstGeom>
-          <a:noFill/>
-        </p:spPr>
-        <p:txBody>
-          <a:bodyPr wrap="none" rtlCol="0">
-            <a:spAutoFit/>
-          </a:bodyPr>
-          <a:lstStyle/>
-          <a:p>
-            <a:r>
-              <a:rPr lang="en-US" dirty="0"/>
-              <a:t>Original paper:</a:t>
-            </a:r>
-          </a:p>
-        </p:txBody>
-      </p:sp>
-      <mc:AlternateContent xmlns:mc="http://schemas.openxmlformats.org/markup-compatibility/2006">
-        <mc:Choice xmlns:a14="http://schemas.microsoft.com/office/drawing/2010/main" Requires="a14">
-          <p:sp>
-            <p:nvSpPr>
-              <p:cNvPr id="16" name="TextBox 15">
-                <a:extLst>
-                  <a:ext uri="{FF2B5EF4-FFF2-40B4-BE49-F238E27FC236}">
-                    <a16:creationId xmlns:a16="http://schemas.microsoft.com/office/drawing/2014/main" id="{D742327A-31EF-4A5D-8D40-A284CF8349C6}"/>
-                  </a:ext>
-                </a:extLst>
-              </p:cNvPr>
-              <p:cNvSpPr txBox="1"/>
-              <p:nvPr/>
-            </p:nvSpPr>
-            <p:spPr>
-              <a:xfrm>
-                <a:off x="5181600" y="4953000"/>
-                <a:ext cx="3124200" cy="1200329"/>
-              </a:xfrm>
-              <a:prstGeom prst="rect">
-                <a:avLst/>
-              </a:prstGeom>
-              <a:noFill/>
-            </p:spPr>
-            <p:txBody>
-              <a:bodyPr wrap="square" rtlCol="0">
-                <a:spAutoFit/>
-              </a:bodyPr>
-              <a:lstStyle/>
-              <a:p>
-                <a14:m>
-                  <m:oMath xmlns:m="http://schemas.openxmlformats.org/officeDocument/2006/math">
-                    <m:sSub>
-                      <m:sSubPr>
-                        <m:ctrlPr>
-                          <a:rPr lang="en-US" i="1" smtClean="0">
-                            <a:latin typeface="Cambria Math" panose="02040503050406030204" pitchFamily="18" charset="0"/>
-                          </a:rPr>
-                        </m:ctrlPr>
-                      </m:sSubPr>
-                      <m:e>
-                        <m:r>
-                          <m:rPr>
-                            <m:nor/>
-                          </m:rPr>
-                          <a:rPr lang="en-US" dirty="0" smtClean="0"/>
-                          <m:t>α</m:t>
-                        </m:r>
-                      </m:e>
-                      <m:sub>
-                        <m:r>
-                          <a:rPr lang="en-US" b="0" i="1" smtClean="0">
-                            <a:latin typeface="Cambria Math" panose="02040503050406030204" pitchFamily="18" charset="0"/>
-                          </a:rPr>
-                          <m:t>1</m:t>
-                        </m:r>
-                      </m:sub>
-                    </m:sSub>
-                    <m:r>
-                      <a:rPr lang="en-US" b="0" i="1" smtClean="0">
-                        <a:latin typeface="Cambria Math" panose="02040503050406030204" pitchFamily="18" charset="0"/>
-                      </a:rPr>
-                      <m:t>,</m:t>
-                    </m:r>
-                    <m:sSub>
-                      <m:sSubPr>
-                        <m:ctrlPr>
-                          <a:rPr lang="en-US" i="1" smtClean="0">
-                            <a:latin typeface="Cambria Math" panose="02040503050406030204" pitchFamily="18" charset="0"/>
-                          </a:rPr>
-                        </m:ctrlPr>
-                      </m:sSubPr>
-                      <m:e>
-                        <m:r>
-                          <m:rPr>
-                            <m:nor/>
-                          </m:rPr>
-                          <a:rPr lang="en-US" dirty="0" smtClean="0"/>
-                          <m:t>α</m:t>
-                        </m:r>
-                      </m:e>
-                      <m:sub>
-                        <m:r>
-                          <a:rPr lang="en-US" b="0" i="1" dirty="0" smtClean="0">
-                            <a:latin typeface="Cambria Math" panose="02040503050406030204" pitchFamily="18" charset="0"/>
-                          </a:rPr>
-                          <m:t>2</m:t>
-                        </m:r>
-                      </m:sub>
-                    </m:sSub>
-                    <m:r>
-                      <a:rPr lang="en-US" b="0" i="1" smtClean="0">
-                        <a:latin typeface="Cambria Math" panose="02040503050406030204" pitchFamily="18" charset="0"/>
-                      </a:rPr>
-                      <m:t>,</m:t>
-                    </m:r>
-                    <m:sSub>
-                      <m:sSubPr>
-                        <m:ctrlPr>
-                          <a:rPr lang="en-US" i="1" smtClean="0">
-                            <a:latin typeface="Cambria Math" panose="02040503050406030204" pitchFamily="18" charset="0"/>
-                          </a:rPr>
-                        </m:ctrlPr>
-                      </m:sSubPr>
-                      <m:e>
-                        <m:r>
-                          <m:rPr>
-                            <m:nor/>
-                          </m:rPr>
-                          <a:rPr lang="en-US" dirty="0" smtClean="0"/>
-                          <m:t>α</m:t>
-                        </m:r>
-                      </m:e>
-                      <m:sub>
-                        <m:r>
-                          <a:rPr lang="en-US" b="0" i="1" dirty="0" smtClean="0">
-                            <a:latin typeface="Cambria Math" panose="02040503050406030204" pitchFamily="18" charset="0"/>
-                          </a:rPr>
-                          <m:t>3</m:t>
-                        </m:r>
-                      </m:sub>
-                    </m:sSub>
-                    <m:r>
-                      <a:rPr lang="en-US" b="0" i="1" smtClean="0">
-                        <a:latin typeface="Cambria Math" panose="02040503050406030204" pitchFamily="18" charset="0"/>
-                      </a:rPr>
-                      <m:t>,</m:t>
-                    </m:r>
-                    <m:sSub>
-                      <m:sSubPr>
-                        <m:ctrlPr>
-                          <a:rPr lang="en-US" i="1" smtClean="0">
-                            <a:latin typeface="Cambria Math" panose="02040503050406030204" pitchFamily="18" charset="0"/>
-                          </a:rPr>
-                        </m:ctrlPr>
-                      </m:sSubPr>
-                      <m:e>
-                        <m:r>
-                          <m:rPr>
-                            <m:nor/>
-                          </m:rPr>
-                          <a:rPr lang="en-US" dirty="0" smtClean="0"/>
-                          <m:t>α</m:t>
-                        </m:r>
-                      </m:e>
-                      <m:sub>
-                        <m:r>
-                          <a:rPr lang="en-US" b="0" i="1" dirty="0" smtClean="0">
-                            <a:latin typeface="Cambria Math" panose="02040503050406030204" pitchFamily="18" charset="0"/>
-                          </a:rPr>
-                          <m:t>4</m:t>
-                        </m:r>
-                      </m:sub>
-                    </m:sSub>
-                    <m:r>
-                      <a:rPr lang="en-US" b="0" i="1" smtClean="0">
-                        <a:latin typeface="Cambria Math" panose="02040503050406030204" pitchFamily="18" charset="0"/>
-                      </a:rPr>
-                      <m:t> </m:t>
-                    </m:r>
-                  </m:oMath>
-                </a14:m>
-                <a:r>
-                  <a:rPr lang="en-US" dirty="0"/>
-                  <a:t>are weights and </a:t>
-                </a:r>
-                <a14:m>
-                  <m:oMath xmlns:m="http://schemas.openxmlformats.org/officeDocument/2006/math">
-                    <m:sSub>
-                      <m:sSubPr>
-                        <m:ctrlPr>
-                          <a:rPr lang="en-US" i="1" smtClean="0">
-                            <a:latin typeface="Cambria Math" panose="02040503050406030204" pitchFamily="18" charset="0"/>
-                          </a:rPr>
-                        </m:ctrlPr>
-                      </m:sSubPr>
-                      <m:e>
-                        <m:r>
-                          <m:rPr>
-                            <m:nor/>
-                          </m:rPr>
-                          <a:rPr lang="en-US" dirty="0" smtClean="0"/>
-                          <m:t>α</m:t>
-                        </m:r>
-                      </m:e>
-                      <m:sub>
-                        <m:r>
-                          <a:rPr lang="en-US" b="0" i="1" smtClean="0">
-                            <a:latin typeface="Cambria Math" panose="02040503050406030204" pitchFamily="18" charset="0"/>
-                          </a:rPr>
-                          <m:t>1</m:t>
-                        </m:r>
-                      </m:sub>
-                    </m:sSub>
-                    <m:r>
-                      <a:rPr lang="en-US" b="0" i="1" smtClean="0">
-                        <a:latin typeface="Cambria Math" panose="02040503050406030204" pitchFamily="18" charset="0"/>
-                      </a:rPr>
-                      <m:t>+</m:t>
-                    </m:r>
-                    <m:sSub>
-                      <m:sSubPr>
-                        <m:ctrlPr>
-                          <a:rPr lang="en-US" i="1" smtClean="0">
-                            <a:latin typeface="Cambria Math" panose="02040503050406030204" pitchFamily="18" charset="0"/>
-                          </a:rPr>
-                        </m:ctrlPr>
-                      </m:sSubPr>
-                      <m:e>
-                        <m:r>
-                          <m:rPr>
-                            <m:nor/>
-                          </m:rPr>
-                          <a:rPr lang="en-US" dirty="0" smtClean="0"/>
-                          <m:t>α</m:t>
-                        </m:r>
-                      </m:e>
-                      <m:sub>
-                        <m:r>
-                          <a:rPr lang="en-US" b="0" i="1" dirty="0" smtClean="0">
-                            <a:latin typeface="Cambria Math" panose="02040503050406030204" pitchFamily="18" charset="0"/>
-                          </a:rPr>
-                          <m:t>2</m:t>
-                        </m:r>
-                      </m:sub>
-                    </m:sSub>
-                    <m:r>
-                      <a:rPr lang="en-US" b="0" i="1" dirty="0" smtClean="0">
-                        <a:latin typeface="Cambria Math" panose="02040503050406030204" pitchFamily="18" charset="0"/>
-                      </a:rPr>
-                      <m:t>+</m:t>
-                    </m:r>
-                    <m:sSub>
-                      <m:sSubPr>
-                        <m:ctrlPr>
-                          <a:rPr lang="en-US" i="1" smtClean="0">
-                            <a:latin typeface="Cambria Math" panose="02040503050406030204" pitchFamily="18" charset="0"/>
-                          </a:rPr>
-                        </m:ctrlPr>
-                      </m:sSubPr>
-                      <m:e>
-                        <m:r>
-                          <m:rPr>
-                            <m:nor/>
-                          </m:rPr>
-                          <a:rPr lang="en-US" dirty="0" smtClean="0"/>
-                          <m:t>α</m:t>
-                        </m:r>
-                      </m:e>
-                      <m:sub>
-                        <m:r>
-                          <a:rPr lang="en-US" b="0" i="1" dirty="0" smtClean="0">
-                            <a:latin typeface="Cambria Math" panose="02040503050406030204" pitchFamily="18" charset="0"/>
-                          </a:rPr>
-                          <m:t>3</m:t>
-                        </m:r>
-                      </m:sub>
-                    </m:sSub>
-                    <m:r>
-                      <a:rPr lang="en-US" b="0" i="1" dirty="0" smtClean="0">
-                        <a:latin typeface="Cambria Math" panose="02040503050406030204" pitchFamily="18" charset="0"/>
-                      </a:rPr>
-                      <m:t>+</m:t>
-                    </m:r>
-                    <m:sSub>
-                      <m:sSubPr>
-                        <m:ctrlPr>
-                          <a:rPr lang="en-US" i="1" smtClean="0">
-                            <a:latin typeface="Cambria Math" panose="02040503050406030204" pitchFamily="18" charset="0"/>
-                          </a:rPr>
-                        </m:ctrlPr>
-                      </m:sSubPr>
-                      <m:e>
-                        <m:r>
-                          <m:rPr>
-                            <m:nor/>
-                          </m:rPr>
-                          <a:rPr lang="en-US" dirty="0" smtClean="0"/>
-                          <m:t>α</m:t>
-                        </m:r>
-                      </m:e>
-                      <m:sub>
-                        <m:r>
-                          <a:rPr lang="en-US" b="0" i="1" dirty="0" smtClean="0">
-                            <a:latin typeface="Cambria Math" panose="02040503050406030204" pitchFamily="18" charset="0"/>
-                          </a:rPr>
-                          <m:t>4</m:t>
-                        </m:r>
-                      </m:sub>
-                    </m:sSub>
-                    <m:r>
-                      <a:rPr lang="en-US" b="0" i="1" dirty="0" smtClean="0">
-                        <a:latin typeface="Cambria Math" panose="02040503050406030204" pitchFamily="18" charset="0"/>
-                      </a:rPr>
-                      <m:t> </m:t>
-                    </m:r>
-                  </m:oMath>
-                </a14:m>
-                <a:r>
-                  <a:rPr lang="en-US" dirty="0"/>
-                  <a:t>= 1. Therefore, the similarity of the two strings, S ∈ [0, 1]</a:t>
-                </a:r>
-              </a:p>
-            </p:txBody>
-          </p:sp>
-        </mc:Choice>
-        <mc:Fallback>
-          <p:sp>
-            <p:nvSpPr>
-              <p:cNvPr id="16" name="TextBox 15">
-                <a:extLst>
-                  <a:ext uri="{FF2B5EF4-FFF2-40B4-BE49-F238E27FC236}">
-                    <a16:creationId xmlns:a16="http://schemas.microsoft.com/office/drawing/2014/main" id="{D742327A-31EF-4A5D-8D40-A284CF8349C6}"/>
-                  </a:ext>
-                </a:extLst>
-              </p:cNvPr>
-              <p:cNvSpPr txBox="1">
-                <a:spLocks noRot="1" noChangeAspect="1" noMove="1" noResize="1" noEditPoints="1" noAdjustHandles="1" noChangeArrowheads="1" noChangeShapeType="1" noTextEdit="1"/>
-              </p:cNvSpPr>
-              <p:nvPr/>
-            </p:nvSpPr>
-            <p:spPr>
-              <a:xfrm>
-                <a:off x="5181600" y="4953000"/>
-                <a:ext cx="3124200" cy="1200329"/>
-              </a:xfrm>
-              <a:prstGeom prst="rect">
-                <a:avLst/>
-              </a:prstGeom>
-              <a:blipFill>
-                <a:blip r:embed="rId7"/>
-                <a:stretch>
-                  <a:fillRect l="-1559" t="-3061" r="-1170" b="-7143"/>
-                </a:stretch>
-              </a:blipFill>
-            </p:spPr>
-            <p:txBody>
-              <a:bodyPr/>
-              <a:lstStyle/>
-              <a:p>
-                <a:r>
-                  <a:rPr lang="en-US">
-                    <a:noFill/>
-                  </a:rPr>
-                  <a:t> </a:t>
-                </a:r>
-              </a:p>
-            </p:txBody>
-          </p:sp>
-        </mc:Fallback>
-      </mc:AlternateContent>
+        </p:grpSpPr>
+        <p:pic>
+          <p:nvPicPr>
+            <p:cNvPr id="6" name="Picture 5">
+              <a:extLst>
+                <a:ext uri="{FF2B5EF4-FFF2-40B4-BE49-F238E27FC236}">
+                  <a16:creationId xmlns:a16="http://schemas.microsoft.com/office/drawing/2014/main" id="{4594120B-11CC-4C4E-93EF-31F56910D29C}"/>
+                </a:ext>
+              </a:extLst>
+            </p:cNvPr>
+            <p:cNvPicPr>
+              <a:picLocks noChangeAspect="1"/>
+            </p:cNvPicPr>
+            <p:nvPr/>
+          </p:nvPicPr>
+          <p:blipFill>
+            <a:blip r:embed="rId3"/>
+            <a:stretch>
+              <a:fillRect/>
+            </a:stretch>
+          </p:blipFill>
+          <p:spPr>
+            <a:xfrm>
+              <a:off x="1541374" y="4648200"/>
+              <a:ext cx="6061252" cy="937408"/>
+            </a:xfrm>
+            <a:prstGeom prst="rect">
+              <a:avLst/>
+            </a:prstGeom>
+          </p:spPr>
+        </p:pic>
+        <p:sp>
+          <p:nvSpPr>
+            <p:cNvPr id="7" name="TextBox 6">
+              <a:extLst>
+                <a:ext uri="{FF2B5EF4-FFF2-40B4-BE49-F238E27FC236}">
+                  <a16:creationId xmlns:a16="http://schemas.microsoft.com/office/drawing/2014/main" id="{9D498D0D-B4DB-4165-A64F-AB3EF9CF0988}"/>
+                </a:ext>
+              </a:extLst>
+            </p:cNvPr>
+            <p:cNvSpPr txBox="1"/>
+            <p:nvPr/>
+          </p:nvSpPr>
+          <p:spPr>
+            <a:xfrm>
+              <a:off x="1066800" y="4186535"/>
+              <a:ext cx="5697626" cy="461665"/>
+            </a:xfrm>
+            <a:prstGeom prst="rect">
+              <a:avLst/>
+            </a:prstGeom>
+            <a:noFill/>
+          </p:spPr>
+          <p:txBody>
+            <a:bodyPr wrap="square" rtlCol="0">
+              <a:spAutoFit/>
+            </a:bodyPr>
+            <a:lstStyle/>
+            <a:p>
+              <a:r>
+                <a:rPr lang="en-US" sz="2400" dirty="0"/>
+                <a:t>Difference between two edit distance</a:t>
+              </a:r>
+              <a:r>
+                <a:rPr lang="en-US" dirty="0"/>
+                <a:t>:</a:t>
+              </a:r>
+            </a:p>
+          </p:txBody>
+        </p:sp>
+      </p:grpSp>
     </p:spTree>
     <p:extLst>
       <p:ext uri="{BB962C8B-B14F-4D97-AF65-F5344CB8AC3E}">
-        <p14:creationId xmlns:p14="http://schemas.microsoft.com/office/powerpoint/2010/main" val="3770384378"/>
+        <p14:creationId xmlns:p14="http://schemas.microsoft.com/office/powerpoint/2010/main" val="3270182050"/>
       </p:ext>
     </p:extLst>
   </p:cSld>

--- a/GR5243 pro4.pptx
+++ b/GR5243 pro4.pptx
@@ -6,26 +6,31 @@
     <p:sldMasterId id="2147483649" r:id="rId2"/>
   </p:sldMasterIdLst>
   <p:notesMasterIdLst>
-    <p:notesMasterId r:id="rId20"/>
+    <p:notesMasterId r:id="rId25"/>
   </p:notesMasterIdLst>
   <p:sldIdLst>
     <p:sldId id="298" r:id="rId3"/>
-    <p:sldId id="299" r:id="rId4"/>
-    <p:sldId id="304" r:id="rId5"/>
-    <p:sldId id="307" r:id="rId6"/>
-    <p:sldId id="308" r:id="rId7"/>
-    <p:sldId id="309" r:id="rId8"/>
-    <p:sldId id="306" r:id="rId9"/>
-    <p:sldId id="300" r:id="rId10"/>
-    <p:sldId id="312" r:id="rId11"/>
-    <p:sldId id="305" r:id="rId12"/>
-    <p:sldId id="310" r:id="rId13"/>
-    <p:sldId id="311" r:id="rId14"/>
-    <p:sldId id="313" r:id="rId15"/>
-    <p:sldId id="314" r:id="rId16"/>
-    <p:sldId id="302" r:id="rId17"/>
-    <p:sldId id="303" r:id="rId18"/>
-    <p:sldId id="301" r:id="rId19"/>
+    <p:sldId id="317" r:id="rId4"/>
+    <p:sldId id="299" r:id="rId5"/>
+    <p:sldId id="304" r:id="rId6"/>
+    <p:sldId id="307" r:id="rId7"/>
+    <p:sldId id="308" r:id="rId8"/>
+    <p:sldId id="309" r:id="rId9"/>
+    <p:sldId id="306" r:id="rId10"/>
+    <p:sldId id="300" r:id="rId11"/>
+    <p:sldId id="312" r:id="rId12"/>
+    <p:sldId id="305" r:id="rId13"/>
+    <p:sldId id="310" r:id="rId14"/>
+    <p:sldId id="311" r:id="rId15"/>
+    <p:sldId id="313" r:id="rId16"/>
+    <p:sldId id="314" r:id="rId17"/>
+    <p:sldId id="315" r:id="rId18"/>
+    <p:sldId id="316" r:id="rId19"/>
+    <p:sldId id="318" r:id="rId20"/>
+    <p:sldId id="302" r:id="rId21"/>
+    <p:sldId id="303" r:id="rId22"/>
+    <p:sldId id="301" r:id="rId23"/>
+    <p:sldId id="319" r:id="rId24"/>
   </p:sldIdLst>
   <p:sldSz cx="9144000" cy="6858000" type="screen4x3"/>
   <p:notesSz cx="7010400" cy="9296400"/>
@@ -332,7 +337,7 @@
             </a:extLst>
           </p:cNvPr>
           <p:cNvSpPr>
-            <a:spLocks noRot="1" noChangeArrowheads="1" noTextEdit="1"/>
+            <a:spLocks noGrp="1" noRot="1" noChangeAspect="1" noChangeArrowheads="1" noTextEdit="1"/>
           </p:cNvSpPr>
           <p:nvPr>
             <p:ph type="sldImg" idx="2"/>
@@ -897,7 +902,7 @@
             </a:extLst>
           </p:cNvPr>
           <p:cNvSpPr>
-            <a:spLocks noRot="1" noChangeArrowheads="1" noTextEdit="1"/>
+            <a:spLocks noGrp="1" noRot="1" noChangeAspect="1" noChangeArrowheads="1" noTextEdit="1"/>
           </p:cNvSpPr>
           <p:nvPr>
             <p:ph type="sldImg"/>
@@ -6487,6 +6492,374 @@
           <p:cNvPr id="2" name="Content Placeholder 1">
             <a:extLst>
               <a:ext uri="{FF2B5EF4-FFF2-40B4-BE49-F238E27FC236}">
+                <a16:creationId xmlns:a16="http://schemas.microsoft.com/office/drawing/2014/main" id="{5AAFBC28-5799-46E6-A5E4-C246C406ED5D}"/>
+              </a:ext>
+            </a:extLst>
+          </p:cNvPr>
+          <p:cNvSpPr>
+            <a:spLocks noGrp="1"/>
+          </p:cNvSpPr>
+          <p:nvPr>
+            <p:ph/>
+          </p:nvPr>
+        </p:nvSpPr>
+        <p:spPr/>
+        <p:txBody>
+          <a:bodyPr/>
+          <a:lstStyle/>
+          <a:p>
+            <a:r>
+              <a:rPr lang="en-US" sz="3600" dirty="0">
+                <a:solidFill>
+                  <a:schemeClr val="accent1"/>
+                </a:solidFill>
+              </a:rPr>
+              <a:t>Correction: S</a:t>
+            </a:r>
+            <a:r>
+              <a:rPr lang="en-US" dirty="0">
+                <a:solidFill>
+                  <a:schemeClr val="accent1"/>
+                </a:solidFill>
+              </a:rPr>
+              <a:t>tatistical Learning Model (C-2)</a:t>
+            </a:r>
+          </a:p>
+          <a:p>
+            <a:endParaRPr lang="en-US" dirty="0">
+              <a:solidFill>
+                <a:schemeClr val="accent1"/>
+              </a:solidFill>
+            </a:endParaRPr>
+          </a:p>
+          <a:p>
+            <a:pPr lvl="1"/>
+            <a:r>
+              <a:rPr lang="en-US" altLang="zh-CN" dirty="0"/>
+              <a:t>Feature scores</a:t>
+            </a:r>
+            <a:r>
+              <a:rPr lang="zh-CN" altLang="en-US" dirty="0"/>
+              <a:t>（</a:t>
+            </a:r>
+            <a:r>
+              <a:rPr lang="en-US" dirty="0"/>
+              <a:t>some kinds of measurement of similarity between two strings):</a:t>
+            </a:r>
+          </a:p>
+          <a:p>
+            <a:pPr lvl="2"/>
+            <a:r>
+              <a:rPr lang="en-US" altLang="zh-CN" dirty="0"/>
+              <a:t>Feature 1</a:t>
+            </a:r>
+            <a:r>
+              <a:rPr lang="zh-CN" altLang="en-US" dirty="0"/>
+              <a:t>： </a:t>
+            </a:r>
+            <a:r>
+              <a:rPr lang="en-US" dirty="0" err="1"/>
+              <a:t>Levenshtein</a:t>
+            </a:r>
+            <a:r>
+              <a:rPr lang="en-US" dirty="0"/>
+              <a:t> edit distance score:</a:t>
+            </a:r>
+          </a:p>
+          <a:p>
+            <a:pPr lvl="2"/>
+            <a:endParaRPr lang="en-US" dirty="0"/>
+          </a:p>
+          <a:p>
+            <a:pPr lvl="2"/>
+            <a:endParaRPr lang="en-US" dirty="0"/>
+          </a:p>
+          <a:p>
+            <a:pPr lvl="2"/>
+            <a:endParaRPr lang="en-US" dirty="0"/>
+          </a:p>
+          <a:p>
+            <a:pPr lvl="2"/>
+            <a:r>
+              <a:rPr lang="en-US" dirty="0"/>
+              <a:t>δ is set as the same as δ in candidates search so that this score will in [0,1] interval.</a:t>
+            </a:r>
+          </a:p>
+          <a:p>
+            <a:pPr lvl="2"/>
+            <a:endParaRPr lang="en-US" dirty="0"/>
+          </a:p>
+          <a:p>
+            <a:pPr lvl="2"/>
+            <a:endParaRPr lang="en-US" dirty="0"/>
+          </a:p>
+          <a:p>
+            <a:pPr lvl="2"/>
+            <a:endParaRPr lang="en-US" dirty="0"/>
+          </a:p>
+          <a:p>
+            <a:pPr marL="914400" lvl="2" indent="0">
+              <a:buNone/>
+            </a:pPr>
+            <a:endParaRPr lang="en-US" dirty="0"/>
+          </a:p>
+          <a:p>
+            <a:pPr lvl="2"/>
+            <a:endParaRPr lang="en-US" dirty="0"/>
+          </a:p>
+          <a:p>
+            <a:endParaRPr lang="en-US" dirty="0"/>
+          </a:p>
+          <a:p>
+            <a:endParaRPr lang="en-US" dirty="0"/>
+          </a:p>
+        </p:txBody>
+      </p:sp>
+      <p:pic>
+        <p:nvPicPr>
+          <p:cNvPr id="3" name="Picture 2">
+            <a:extLst>
+              <a:ext uri="{FF2B5EF4-FFF2-40B4-BE49-F238E27FC236}">
+                <a16:creationId xmlns:a16="http://schemas.microsoft.com/office/drawing/2014/main" id="{70EDDD02-BE51-497E-9B70-5046679FA7B7}"/>
+              </a:ext>
+            </a:extLst>
+          </p:cNvPr>
+          <p:cNvPicPr>
+            <a:picLocks noChangeAspect="1"/>
+          </p:cNvPicPr>
+          <p:nvPr/>
+        </p:nvPicPr>
+        <p:blipFill>
+          <a:blip r:embed="rId2"/>
+          <a:stretch>
+            <a:fillRect/>
+          </a:stretch>
+        </p:blipFill>
+        <p:spPr>
+          <a:xfrm>
+            <a:off x="2286000" y="3031126"/>
+            <a:ext cx="4129088" cy="1000144"/>
+          </a:xfrm>
+          <a:prstGeom prst="rect">
+            <a:avLst/>
+          </a:prstGeom>
+        </p:spPr>
+      </p:pic>
+      <p:sp>
+        <p:nvSpPr>
+          <p:cNvPr id="4" name="Arrow: Down 3">
+            <a:extLst>
+              <a:ext uri="{FF2B5EF4-FFF2-40B4-BE49-F238E27FC236}">
+                <a16:creationId xmlns:a16="http://schemas.microsoft.com/office/drawing/2014/main" id="{338FAA38-E158-4596-92D8-01DBF9CE4B67}"/>
+              </a:ext>
+            </a:extLst>
+          </p:cNvPr>
+          <p:cNvSpPr/>
+          <p:nvPr/>
+        </p:nvSpPr>
+        <p:spPr>
+          <a:xfrm>
+            <a:off x="4953000" y="2968688"/>
+            <a:ext cx="152400" cy="223157"/>
+          </a:xfrm>
+          <a:prstGeom prst="downArrow">
+            <a:avLst/>
+          </a:prstGeom>
+          <a:ln>
+            <a:solidFill>
+              <a:srgbClr val="FF0000"/>
+            </a:solidFill>
+          </a:ln>
+        </p:spPr>
+        <p:style>
+          <a:lnRef idx="2">
+            <a:schemeClr val="accent1">
+              <a:shade val="50000"/>
+            </a:schemeClr>
+          </a:lnRef>
+          <a:fillRef idx="1">
+            <a:schemeClr val="accent1"/>
+          </a:fillRef>
+          <a:effectRef idx="0">
+            <a:schemeClr val="accent1"/>
+          </a:effectRef>
+          <a:fontRef idx="minor">
+            <a:schemeClr val="lt1"/>
+          </a:fontRef>
+        </p:style>
+        <p:txBody>
+          <a:bodyPr rtlCol="0" anchor="ctr"/>
+          <a:lstStyle/>
+          <a:p>
+            <a:pPr algn="ctr"/>
+            <a:endParaRPr lang="en-US"/>
+          </a:p>
+        </p:txBody>
+      </p:sp>
+      <p:sp>
+        <p:nvSpPr>
+          <p:cNvPr id="5" name="TextBox 4">
+            <a:extLst>
+              <a:ext uri="{FF2B5EF4-FFF2-40B4-BE49-F238E27FC236}">
+                <a16:creationId xmlns:a16="http://schemas.microsoft.com/office/drawing/2014/main" id="{4099D268-D07A-40DA-B058-96E14E028668}"/>
+              </a:ext>
+            </a:extLst>
+          </p:cNvPr>
+          <p:cNvSpPr txBox="1"/>
+          <p:nvPr/>
+        </p:nvSpPr>
+        <p:spPr>
+          <a:xfrm>
+            <a:off x="4114800" y="2584608"/>
+            <a:ext cx="2351926" cy="369332"/>
+          </a:xfrm>
+          <a:prstGeom prst="rect">
+            <a:avLst/>
+          </a:prstGeom>
+          <a:noFill/>
+        </p:spPr>
+        <p:txBody>
+          <a:bodyPr wrap="none" rtlCol="0">
+            <a:spAutoFit/>
+          </a:bodyPr>
+          <a:lstStyle/>
+          <a:p>
+            <a:r>
+              <a:rPr lang="en-US" dirty="0" err="1"/>
+              <a:t>Levenshtein</a:t>
+            </a:r>
+            <a:r>
+              <a:rPr lang="en-US" dirty="0"/>
+              <a:t> distance</a:t>
+            </a:r>
+          </a:p>
+        </p:txBody>
+      </p:sp>
+      <p:grpSp>
+        <p:nvGrpSpPr>
+          <p:cNvPr id="8" name="Group 7">
+            <a:extLst>
+              <a:ext uri="{FF2B5EF4-FFF2-40B4-BE49-F238E27FC236}">
+                <a16:creationId xmlns:a16="http://schemas.microsoft.com/office/drawing/2014/main" id="{AFA08FC2-6D0D-4F15-B803-F6A8A4951C26}"/>
+              </a:ext>
+            </a:extLst>
+          </p:cNvPr>
+          <p:cNvGrpSpPr/>
+          <p:nvPr/>
+        </p:nvGrpSpPr>
+        <p:grpSpPr>
+          <a:xfrm>
+            <a:off x="846887" y="4734464"/>
+            <a:ext cx="6535826" cy="1399073"/>
+            <a:chOff x="1066800" y="4186535"/>
+            <a:chExt cx="6535826" cy="1399073"/>
+          </a:xfrm>
+        </p:grpSpPr>
+        <p:pic>
+          <p:nvPicPr>
+            <p:cNvPr id="6" name="Picture 5">
+              <a:extLst>
+                <a:ext uri="{FF2B5EF4-FFF2-40B4-BE49-F238E27FC236}">
+                  <a16:creationId xmlns:a16="http://schemas.microsoft.com/office/drawing/2014/main" id="{4594120B-11CC-4C4E-93EF-31F56910D29C}"/>
+                </a:ext>
+              </a:extLst>
+            </p:cNvPr>
+            <p:cNvPicPr>
+              <a:picLocks noChangeAspect="1"/>
+            </p:cNvPicPr>
+            <p:nvPr/>
+          </p:nvPicPr>
+          <p:blipFill>
+            <a:blip r:embed="rId3"/>
+            <a:stretch>
+              <a:fillRect/>
+            </a:stretch>
+          </p:blipFill>
+          <p:spPr>
+            <a:xfrm>
+              <a:off x="1541374" y="4648200"/>
+              <a:ext cx="6061252" cy="937408"/>
+            </a:xfrm>
+            <a:prstGeom prst="rect">
+              <a:avLst/>
+            </a:prstGeom>
+          </p:spPr>
+        </p:pic>
+        <p:sp>
+          <p:nvSpPr>
+            <p:cNvPr id="7" name="TextBox 6">
+              <a:extLst>
+                <a:ext uri="{FF2B5EF4-FFF2-40B4-BE49-F238E27FC236}">
+                  <a16:creationId xmlns:a16="http://schemas.microsoft.com/office/drawing/2014/main" id="{9D498D0D-B4DB-4165-A64F-AB3EF9CF0988}"/>
+                </a:ext>
+              </a:extLst>
+            </p:cNvPr>
+            <p:cNvSpPr txBox="1"/>
+            <p:nvPr/>
+          </p:nvSpPr>
+          <p:spPr>
+            <a:xfrm>
+              <a:off x="1066800" y="4186535"/>
+              <a:ext cx="5697626" cy="461665"/>
+            </a:xfrm>
+            <a:prstGeom prst="rect">
+              <a:avLst/>
+            </a:prstGeom>
+            <a:noFill/>
+          </p:spPr>
+          <p:txBody>
+            <a:bodyPr wrap="square" rtlCol="0">
+              <a:spAutoFit/>
+            </a:bodyPr>
+            <a:lstStyle/>
+            <a:p>
+              <a:r>
+                <a:rPr lang="en-US" sz="2400" dirty="0"/>
+                <a:t>Difference between two edit distance</a:t>
+              </a:r>
+              <a:r>
+                <a:rPr lang="en-US" dirty="0"/>
+                <a:t>:</a:t>
+              </a:r>
+            </a:p>
+          </p:txBody>
+        </p:sp>
+      </p:grpSp>
+    </p:spTree>
+    <p:extLst>
+      <p:ext uri="{BB962C8B-B14F-4D97-AF65-F5344CB8AC3E}">
+        <p14:creationId xmlns:p14="http://schemas.microsoft.com/office/powerpoint/2010/main" val="3270182050"/>
+      </p:ext>
+    </p:extLst>
+  </p:cSld>
+  <p:clrMapOvr>
+    <a:masterClrMapping/>
+  </p:clrMapOvr>
+</p:sld>
+</file>
+
+<file path=ppt/slides/slide11.xml><?xml version="1.0" encoding="utf-8"?>
+<p:sld xmlns:a="http://schemas.openxmlformats.org/drawingml/2006/main" xmlns:r="http://schemas.openxmlformats.org/officeDocument/2006/relationships" xmlns:p="http://schemas.openxmlformats.org/presentationml/2006/main">
+  <p:cSld>
+    <p:spTree>
+      <p:nvGrpSpPr>
+        <p:cNvPr id="1" name=""/>
+        <p:cNvGrpSpPr/>
+        <p:nvPr/>
+      </p:nvGrpSpPr>
+      <p:grpSpPr>
+        <a:xfrm>
+          <a:off x="0" y="0"/>
+          <a:ext cx="0" cy="0"/>
+          <a:chOff x="0" y="0"/>
+          <a:chExt cx="0" cy="0"/>
+        </a:xfrm>
+      </p:grpSpPr>
+      <p:sp>
+        <p:nvSpPr>
+          <p:cNvPr id="2" name="Content Placeholder 1">
+            <a:extLst>
+              <a:ext uri="{FF2B5EF4-FFF2-40B4-BE49-F238E27FC236}">
                 <a16:creationId xmlns:a16="http://schemas.microsoft.com/office/drawing/2014/main" id="{A247519D-0913-4560-AD64-C44951BC3363}"/>
               </a:ext>
             </a:extLst>
@@ -6882,8 +7255,8 @@
           </a:p>
         </p:txBody>
       </p:sp>
-      <mc:AlternateContent xmlns:mc="http://schemas.openxmlformats.org/markup-compatibility/2006">
-        <mc:Choice xmlns:a14="http://schemas.microsoft.com/office/drawing/2010/main" Requires="a14">
+      <mc:AlternateContent xmlns:mc="http://schemas.openxmlformats.org/markup-compatibility/2006" xmlns:a14="http://schemas.microsoft.com/office/drawing/2010/main">
+        <mc:Choice Requires="a14">
           <p:sp>
             <p:nvSpPr>
               <p:cNvPr id="16" name="TextBox 15">
@@ -7192,7 +7565,7 @@
             </p:txBody>
           </p:sp>
         </mc:Choice>
-        <mc:Fallback>
+        <mc:Fallback xmlns="">
           <p:sp>
             <p:nvSpPr>
               <p:cNvPr id="16" name="TextBox 15">
@@ -7285,7 +7658,7 @@
 </p:sld>
 </file>
 
-<file path=ppt/slides/slide11.xml><?xml version="1.0" encoding="utf-8"?>
+<file path=ppt/slides/slide12.xml><?xml version="1.0" encoding="utf-8"?>
 <p:sld xmlns:a="http://schemas.openxmlformats.org/drawingml/2006/main" xmlns:r="http://schemas.openxmlformats.org/officeDocument/2006/relationships" xmlns:p="http://schemas.openxmlformats.org/presentationml/2006/main">
   <p:cSld>
     <p:spTree>
@@ -7548,8 +7921,8 @@
           </a:p>
         </p:txBody>
       </p:sp>
-      <mc:AlternateContent xmlns:mc="http://schemas.openxmlformats.org/markup-compatibility/2006">
-        <mc:Choice xmlns:a14="http://schemas.microsoft.com/office/drawing/2010/main" Requires="a14">
+      <mc:AlternateContent xmlns:mc="http://schemas.openxmlformats.org/markup-compatibility/2006" xmlns:a14="http://schemas.microsoft.com/office/drawing/2010/main">
+        <mc:Choice Requires="a14">
           <p:sp>
             <p:nvSpPr>
               <p:cNvPr id="9" name="TextBox 8">
@@ -7663,7 +8036,7 @@
             </p:txBody>
           </p:sp>
         </mc:Choice>
-        <mc:Fallback>
+        <mc:Fallback xmlns="">
           <p:sp>
             <p:nvSpPr>
               <p:cNvPr id="9" name="TextBox 8">
@@ -7708,8 +8081,8 @@
           </p:sp>
         </mc:Fallback>
       </mc:AlternateContent>
-      <mc:AlternateContent xmlns:mc="http://schemas.openxmlformats.org/markup-compatibility/2006">
-        <mc:Choice xmlns:a14="http://schemas.microsoft.com/office/drawing/2010/main" Requires="a14">
+      <mc:AlternateContent xmlns:mc="http://schemas.openxmlformats.org/markup-compatibility/2006" xmlns:a14="http://schemas.microsoft.com/office/drawing/2010/main">
+        <mc:Choice Requires="a14">
           <p:sp>
             <p:nvSpPr>
               <p:cNvPr id="10" name="TextBox 9">
@@ -7738,6 +8111,7 @@
               </a:bodyPr>
               <a:lstStyle/>
               <a:p>
+                <a:pPr/>
                 <a14:m>
                   <m:oMathPara xmlns:m="http://schemas.openxmlformats.org/officeDocument/2006/math">
                     <m:oMathParaPr>
@@ -7778,7 +8152,7 @@
             </p:txBody>
           </p:sp>
         </mc:Choice>
-        <mc:Fallback>
+        <mc:Fallback xmlns="">
           <p:sp>
             <p:nvSpPr>
               <p:cNvPr id="10" name="TextBox 9">
@@ -7836,7 +8210,7 @@
 </p:sld>
 </file>
 
-<file path=ppt/slides/slide12.xml><?xml version="1.0" encoding="utf-8"?>
+<file path=ppt/slides/slide13.xml><?xml version="1.0" encoding="utf-8"?>
 <p:sld xmlns:a="http://schemas.openxmlformats.org/drawingml/2006/main" xmlns:r="http://schemas.openxmlformats.org/officeDocument/2006/relationships" xmlns:p="http://schemas.openxmlformats.org/presentationml/2006/main">
   <p:cSld>
     <p:spTree>
@@ -8085,7 +8459,7 @@
 </p:sld>
 </file>
 
-<file path=ppt/slides/slide13.xml><?xml version="1.0" encoding="utf-8"?>
+<file path=ppt/slides/slide14.xml><?xml version="1.0" encoding="utf-8"?>
 <p:sld xmlns:a="http://schemas.openxmlformats.org/drawingml/2006/main" xmlns:r="http://schemas.openxmlformats.org/officeDocument/2006/relationships" xmlns:p="http://schemas.openxmlformats.org/presentationml/2006/main">
   <p:cSld>
     <p:spTree>
@@ -8623,7 +8997,7 @@
 </p:sld>
 </file>
 
-<file path=ppt/slides/slide14.xml><?xml version="1.0" encoding="utf-8"?>
+<file path=ppt/slides/slide15.xml><?xml version="1.0" encoding="utf-8"?>
 <p:sld xmlns:a="http://schemas.openxmlformats.org/drawingml/2006/main" xmlns:r="http://schemas.openxmlformats.org/officeDocument/2006/relationships" xmlns:p="http://schemas.openxmlformats.org/presentationml/2006/main">
   <p:cSld>
     <p:spTree>
@@ -8807,6 +9181,41 @@
           </a:p>
         </p:txBody>
       </p:sp>
+      <p:sp>
+        <p:nvSpPr>
+          <p:cNvPr id="6" name="TextBox 5">
+            <a:extLst>
+              <a:ext uri="{FF2B5EF4-FFF2-40B4-BE49-F238E27FC236}">
+                <a16:creationId xmlns:a16="http://schemas.microsoft.com/office/drawing/2014/main" id="{778BD31F-CC44-41EA-B629-02BA1DF470C4}"/>
+              </a:ext>
+            </a:extLst>
+          </p:cNvPr>
+          <p:cNvSpPr txBox="1"/>
+          <p:nvPr/>
+        </p:nvSpPr>
+        <p:spPr>
+          <a:xfrm>
+            <a:off x="4343401" y="3429000"/>
+            <a:ext cx="4495800" cy="1477328"/>
+          </a:xfrm>
+          <a:prstGeom prst="rect">
+            <a:avLst/>
+          </a:prstGeom>
+          <a:noFill/>
+        </p:spPr>
+        <p:txBody>
+          <a:bodyPr wrap="square" rtlCol="0">
+            <a:spAutoFit/>
+          </a:bodyPr>
+          <a:lstStyle/>
+          <a:p>
+            <a:r>
+              <a:rPr lang="en-US" dirty="0"/>
+              <a:t>Not suitable for parallel processing: 5-gram need at least four successive correct words before or after error word to ensure we can find the 5-gram in dictionary given by ground truth.</a:t>
+            </a:r>
+          </a:p>
+        </p:txBody>
+      </p:sp>
     </p:spTree>
     <p:extLst>
       <p:ext uri="{BB962C8B-B14F-4D97-AF65-F5344CB8AC3E}">
@@ -8820,7 +9229,459 @@
 </p:sld>
 </file>
 
-<file path=ppt/slides/slide15.xml><?xml version="1.0" encoding="utf-8"?>
+<file path=ppt/slides/slide16.xml><?xml version="1.0" encoding="utf-8"?>
+<p:sld xmlns:a="http://schemas.openxmlformats.org/drawingml/2006/main" xmlns:r="http://schemas.openxmlformats.org/officeDocument/2006/relationships" xmlns:p="http://schemas.openxmlformats.org/presentationml/2006/main">
+  <p:cSld>
+    <p:spTree>
+      <p:nvGrpSpPr>
+        <p:cNvPr id="1" name=""/>
+        <p:cNvGrpSpPr/>
+        <p:nvPr/>
+      </p:nvGrpSpPr>
+      <p:grpSpPr>
+        <a:xfrm>
+          <a:off x="0" y="0"/>
+          <a:ext cx="0" cy="0"/>
+          <a:chOff x="0" y="0"/>
+          <a:chExt cx="0" cy="0"/>
+        </a:xfrm>
+      </p:grpSpPr>
+      <p:sp>
+        <p:nvSpPr>
+          <p:cNvPr id="2" name="Content Placeholder 1">
+            <a:extLst>
+              <a:ext uri="{FF2B5EF4-FFF2-40B4-BE49-F238E27FC236}">
+                <a16:creationId xmlns:a16="http://schemas.microsoft.com/office/drawing/2014/main" id="{4C011001-BE31-4433-AE2F-81C88D20F1EA}"/>
+              </a:ext>
+            </a:extLst>
+          </p:cNvPr>
+          <p:cNvSpPr>
+            <a:spLocks noGrp="1"/>
+          </p:cNvSpPr>
+          <p:nvPr>
+            <p:ph/>
+          </p:nvPr>
+        </p:nvSpPr>
+        <p:spPr/>
+        <p:txBody>
+          <a:bodyPr/>
+          <a:lstStyle/>
+          <a:p>
+            <a:r>
+              <a:rPr lang="en-US" sz="3600" dirty="0">
+                <a:solidFill>
+                  <a:schemeClr val="accent1"/>
+                </a:solidFill>
+              </a:rPr>
+              <a:t>Correction: S</a:t>
+            </a:r>
+            <a:r>
+              <a:rPr lang="en-US" dirty="0">
+                <a:solidFill>
+                  <a:schemeClr val="accent1"/>
+                </a:solidFill>
+              </a:rPr>
+              <a:t>tatistical Learning Model (Cont.)</a:t>
+            </a:r>
+          </a:p>
+          <a:p>
+            <a:endParaRPr lang="en-US" dirty="0">
+              <a:solidFill>
+                <a:schemeClr val="accent1"/>
+              </a:solidFill>
+            </a:endParaRPr>
+          </a:p>
+          <a:p>
+            <a:pPr lvl="2"/>
+            <a:r>
+              <a:rPr lang="en-US" altLang="zh-CN" dirty="0"/>
+              <a:t>Feature 6</a:t>
+            </a:r>
+            <a:r>
+              <a:rPr lang="zh-CN" altLang="en-US" dirty="0"/>
+              <a:t>： </a:t>
+            </a:r>
+            <a:r>
+              <a:rPr lang="en-US" dirty="0"/>
+              <a:t>Relaxed-context popularity</a:t>
+            </a:r>
+            <a:r>
+              <a:rPr lang="zh-CN" altLang="en-US" dirty="0"/>
+              <a:t>：</a:t>
+            </a:r>
+            <a:endParaRPr lang="en-US" altLang="zh-CN" dirty="0"/>
+          </a:p>
+          <a:p>
+            <a:pPr lvl="2"/>
+            <a:endParaRPr lang="en-US" altLang="zh-CN" dirty="0"/>
+          </a:p>
+          <a:p>
+            <a:pPr lvl="2"/>
+            <a:endParaRPr lang="en-US" dirty="0"/>
+          </a:p>
+        </p:txBody>
+      </p:sp>
+      <p:pic>
+        <p:nvPicPr>
+          <p:cNvPr id="3" name="Picture 2">
+            <a:extLst>
+              <a:ext uri="{FF2B5EF4-FFF2-40B4-BE49-F238E27FC236}">
+                <a16:creationId xmlns:a16="http://schemas.microsoft.com/office/drawing/2014/main" id="{6CCA25C4-F9CC-4481-8B09-E567F69C93E5}"/>
+              </a:ext>
+            </a:extLst>
+          </p:cNvPr>
+          <p:cNvPicPr>
+            <a:picLocks noChangeAspect="1"/>
+          </p:cNvPicPr>
+          <p:nvPr/>
+        </p:nvPicPr>
+        <p:blipFill>
+          <a:blip r:embed="rId2"/>
+          <a:stretch>
+            <a:fillRect/>
+          </a:stretch>
+        </p:blipFill>
+        <p:spPr>
+          <a:xfrm>
+            <a:off x="1447800" y="1676400"/>
+            <a:ext cx="6223172" cy="1943100"/>
+          </a:xfrm>
+          <a:prstGeom prst="rect">
+            <a:avLst/>
+          </a:prstGeom>
+        </p:spPr>
+      </p:pic>
+      <p:sp>
+        <p:nvSpPr>
+          <p:cNvPr id="4" name="TextBox 3">
+            <a:extLst>
+              <a:ext uri="{FF2B5EF4-FFF2-40B4-BE49-F238E27FC236}">
+                <a16:creationId xmlns:a16="http://schemas.microsoft.com/office/drawing/2014/main" id="{0CAD72D6-0A66-4094-B1AE-C305BB17BC39}"/>
+              </a:ext>
+            </a:extLst>
+          </p:cNvPr>
+          <p:cNvSpPr txBox="1"/>
+          <p:nvPr/>
+        </p:nvSpPr>
+        <p:spPr>
+          <a:xfrm>
+            <a:off x="1371600" y="4495800"/>
+            <a:ext cx="6299372" cy="646331"/>
+          </a:xfrm>
+          <a:prstGeom prst="rect">
+            <a:avLst/>
+          </a:prstGeom>
+          <a:noFill/>
+        </p:spPr>
+        <p:txBody>
+          <a:bodyPr wrap="square" rtlCol="0">
+            <a:spAutoFit/>
+          </a:bodyPr>
+          <a:lstStyle/>
+          <a:p>
+            <a:r>
+              <a:rPr lang="en-US" dirty="0"/>
+              <a:t>In 5-gram case, need to find the frequency of whole 4*5=20 relaxed 5-gram.</a:t>
+            </a:r>
+          </a:p>
+        </p:txBody>
+      </p:sp>
+    </p:spTree>
+    <p:extLst>
+      <p:ext uri="{BB962C8B-B14F-4D97-AF65-F5344CB8AC3E}">
+        <p14:creationId xmlns:p14="http://schemas.microsoft.com/office/powerpoint/2010/main" val="3086052986"/>
+      </p:ext>
+    </p:extLst>
+  </p:cSld>
+  <p:clrMapOvr>
+    <a:masterClrMapping/>
+  </p:clrMapOvr>
+</p:sld>
+</file>
+
+<file path=ppt/slides/slide17.xml><?xml version="1.0" encoding="utf-8"?>
+<p:sld xmlns:a="http://schemas.openxmlformats.org/drawingml/2006/main" xmlns:r="http://schemas.openxmlformats.org/officeDocument/2006/relationships" xmlns:p="http://schemas.openxmlformats.org/presentationml/2006/main">
+  <p:cSld>
+    <p:spTree>
+      <p:nvGrpSpPr>
+        <p:cNvPr id="1" name=""/>
+        <p:cNvGrpSpPr/>
+        <p:nvPr/>
+      </p:nvGrpSpPr>
+      <p:grpSpPr>
+        <a:xfrm>
+          <a:off x="0" y="0"/>
+          <a:ext cx="0" cy="0"/>
+          <a:chOff x="0" y="0"/>
+          <a:chExt cx="0" cy="0"/>
+        </a:xfrm>
+      </p:grpSpPr>
+      <p:sp>
+        <p:nvSpPr>
+          <p:cNvPr id="2" name="Content Placeholder 1">
+            <a:extLst>
+              <a:ext uri="{FF2B5EF4-FFF2-40B4-BE49-F238E27FC236}">
+                <a16:creationId xmlns:a16="http://schemas.microsoft.com/office/drawing/2014/main" id="{9AEE5B7F-2828-4FA3-8223-9D0FB7A8284D}"/>
+              </a:ext>
+            </a:extLst>
+          </p:cNvPr>
+          <p:cNvSpPr>
+            <a:spLocks noGrp="1"/>
+          </p:cNvSpPr>
+          <p:nvPr>
+            <p:ph/>
+          </p:nvPr>
+        </p:nvSpPr>
+        <p:spPr/>
+        <p:txBody>
+          <a:bodyPr/>
+          <a:lstStyle/>
+          <a:p>
+            <a:r>
+              <a:rPr lang="en-US" sz="3600" dirty="0">
+                <a:solidFill>
+                  <a:schemeClr val="accent1"/>
+                </a:solidFill>
+              </a:rPr>
+              <a:t>Correction: S</a:t>
+            </a:r>
+            <a:r>
+              <a:rPr lang="en-US" dirty="0">
+                <a:solidFill>
+                  <a:schemeClr val="accent1"/>
+                </a:solidFill>
+              </a:rPr>
+              <a:t>tatistical Learning Model (Cont.)</a:t>
+            </a:r>
+          </a:p>
+          <a:p>
+            <a:endParaRPr lang="en-US" dirty="0"/>
+          </a:p>
+          <a:p>
+            <a:r>
+              <a:rPr lang="en-US" altLang="zh-CN" dirty="0"/>
+              <a:t>Regression model:</a:t>
+            </a:r>
+          </a:p>
+          <a:p>
+            <a:pPr lvl="1"/>
+            <a:r>
+              <a:rPr lang="en-US" dirty="0"/>
+              <a:t>AdaBoost with weighted loss function to deal with unbalanced label problem</a:t>
+            </a:r>
+          </a:p>
+          <a:p>
+            <a:pPr lvl="1"/>
+            <a:endParaRPr lang="en-US" dirty="0"/>
+          </a:p>
+        </p:txBody>
+      </p:sp>
+      <p:pic>
+        <p:nvPicPr>
+          <p:cNvPr id="3" name="Picture 2">
+            <a:extLst>
+              <a:ext uri="{FF2B5EF4-FFF2-40B4-BE49-F238E27FC236}">
+                <a16:creationId xmlns:a16="http://schemas.microsoft.com/office/drawing/2014/main" id="{A933839E-0EE0-444A-B1D2-5F61E13052A1}"/>
+              </a:ext>
+            </a:extLst>
+          </p:cNvPr>
+          <p:cNvPicPr>
+            <a:picLocks noChangeAspect="1"/>
+          </p:cNvPicPr>
+          <p:nvPr/>
+        </p:nvPicPr>
+        <p:blipFill>
+          <a:blip r:embed="rId2"/>
+          <a:stretch>
+            <a:fillRect/>
+          </a:stretch>
+        </p:blipFill>
+        <p:spPr>
+          <a:xfrm>
+            <a:off x="2293144" y="2799735"/>
+            <a:ext cx="4557712" cy="889930"/>
+          </a:xfrm>
+          <a:prstGeom prst="rect">
+            <a:avLst/>
+          </a:prstGeom>
+        </p:spPr>
+      </p:pic>
+      <p:sp>
+        <p:nvSpPr>
+          <p:cNvPr id="4" name="TextBox 3">
+            <a:extLst>
+              <a:ext uri="{FF2B5EF4-FFF2-40B4-BE49-F238E27FC236}">
+                <a16:creationId xmlns:a16="http://schemas.microsoft.com/office/drawing/2014/main" id="{81D995EE-7608-474A-A304-C7F4DA363083}"/>
+              </a:ext>
+            </a:extLst>
+          </p:cNvPr>
+          <p:cNvSpPr txBox="1"/>
+          <p:nvPr/>
+        </p:nvSpPr>
+        <p:spPr>
+          <a:xfrm>
+            <a:off x="1829101" y="4114800"/>
+            <a:ext cx="5485797" cy="923330"/>
+          </a:xfrm>
+          <a:prstGeom prst="rect">
+            <a:avLst/>
+          </a:prstGeom>
+          <a:noFill/>
+        </p:spPr>
+        <p:txBody>
+          <a:bodyPr wrap="none" rtlCol="0">
+            <a:spAutoFit/>
+          </a:bodyPr>
+          <a:lstStyle/>
+          <a:p>
+            <a:r>
+              <a:rPr lang="en-US" dirty="0"/>
+              <a:t>“We count the number of samples with label 1 and</a:t>
+            </a:r>
+          </a:p>
+          <a:p>
+            <a:r>
+              <a:rPr lang="en-US" dirty="0"/>
+              <a:t>0, respectively. Then, we use the ratio to weight</a:t>
+            </a:r>
+          </a:p>
+          <a:p>
+            <a:r>
+              <a:rPr lang="en-US" dirty="0"/>
+              <a:t>for samples labeled 1, and 1 for samples labeled 0.”</a:t>
+            </a:r>
+          </a:p>
+        </p:txBody>
+      </p:sp>
+    </p:spTree>
+    <p:extLst>
+      <p:ext uri="{BB962C8B-B14F-4D97-AF65-F5344CB8AC3E}">
+        <p14:creationId xmlns:p14="http://schemas.microsoft.com/office/powerpoint/2010/main" val="2365727290"/>
+      </p:ext>
+    </p:extLst>
+  </p:cSld>
+  <p:clrMapOvr>
+    <a:masterClrMapping/>
+  </p:clrMapOvr>
+</p:sld>
+</file>
+
+<file path=ppt/slides/slide18.xml><?xml version="1.0" encoding="utf-8"?>
+<p:sld xmlns:a="http://schemas.openxmlformats.org/drawingml/2006/main" xmlns:r="http://schemas.openxmlformats.org/officeDocument/2006/relationships" xmlns:p="http://schemas.openxmlformats.org/presentationml/2006/main">
+  <p:cSld>
+    <p:spTree>
+      <p:nvGrpSpPr>
+        <p:cNvPr id="1" name=""/>
+        <p:cNvGrpSpPr/>
+        <p:nvPr/>
+      </p:nvGrpSpPr>
+      <p:grpSpPr>
+        <a:xfrm>
+          <a:off x="0" y="0"/>
+          <a:ext cx="0" cy="0"/>
+          <a:chOff x="0" y="0"/>
+          <a:chExt cx="0" cy="0"/>
+        </a:xfrm>
+      </p:grpSpPr>
+      <p:sp>
+        <p:nvSpPr>
+          <p:cNvPr id="2" name="Content Placeholder 1">
+            <a:extLst>
+              <a:ext uri="{FF2B5EF4-FFF2-40B4-BE49-F238E27FC236}">
+                <a16:creationId xmlns:a16="http://schemas.microsoft.com/office/drawing/2014/main" id="{356332EE-72E5-4C20-B565-E40FC5A6A527}"/>
+              </a:ext>
+            </a:extLst>
+          </p:cNvPr>
+          <p:cNvSpPr>
+            <a:spLocks noGrp="1"/>
+          </p:cNvSpPr>
+          <p:nvPr>
+            <p:ph/>
+          </p:nvPr>
+        </p:nvSpPr>
+        <p:spPr/>
+        <p:txBody>
+          <a:bodyPr/>
+          <a:lstStyle/>
+          <a:p>
+            <a:r>
+              <a:rPr lang="en-US" sz="3600" dirty="0">
+                <a:solidFill>
+                  <a:schemeClr val="accent1"/>
+                </a:solidFill>
+              </a:rPr>
+              <a:t>Correction: S</a:t>
+            </a:r>
+            <a:r>
+              <a:rPr lang="en-US" dirty="0">
+                <a:solidFill>
+                  <a:schemeClr val="accent1"/>
+                </a:solidFill>
+              </a:rPr>
+              <a:t>tatistical Learning Model (Cont.)</a:t>
+            </a:r>
+          </a:p>
+          <a:p>
+            <a:endParaRPr lang="en-US" dirty="0"/>
+          </a:p>
+          <a:p>
+            <a:r>
+              <a:rPr lang="en-US" dirty="0"/>
+              <a:t>Advantage:</a:t>
+            </a:r>
+          </a:p>
+          <a:p>
+            <a:pPr lvl="1"/>
+            <a:r>
+              <a:rPr lang="en-US" dirty="0"/>
+              <a:t>High correction rate</a:t>
+            </a:r>
+          </a:p>
+          <a:p>
+            <a:r>
+              <a:rPr lang="en-US" altLang="zh-CN" dirty="0"/>
+              <a:t>Disadvantage</a:t>
+            </a:r>
+            <a:r>
+              <a:rPr lang="zh-CN" altLang="en-US" dirty="0"/>
+              <a:t>：</a:t>
+            </a:r>
+            <a:endParaRPr lang="en-US" altLang="zh-CN" dirty="0"/>
+          </a:p>
+          <a:p>
+            <a:pPr lvl="1"/>
+            <a:r>
+              <a:rPr lang="en-US" altLang="zh-CN" dirty="0"/>
+              <a:t>Cannot correct “separated word case”</a:t>
+            </a:r>
+          </a:p>
+          <a:p>
+            <a:pPr lvl="1"/>
+            <a:r>
+              <a:rPr lang="en-US" altLang="zh-CN" dirty="0"/>
+              <a:t>Need more </a:t>
+            </a:r>
+            <a:endParaRPr lang="en-US" dirty="0"/>
+          </a:p>
+          <a:p>
+            <a:endParaRPr lang="en-US" dirty="0"/>
+          </a:p>
+        </p:txBody>
+      </p:sp>
+    </p:spTree>
+    <p:extLst>
+      <p:ext uri="{BB962C8B-B14F-4D97-AF65-F5344CB8AC3E}">
+        <p14:creationId xmlns:p14="http://schemas.microsoft.com/office/powerpoint/2010/main" val="1750337636"/>
+      </p:ext>
+    </p:extLst>
+  </p:cSld>
+  <p:clrMapOvr>
+    <a:masterClrMapping/>
+  </p:clrMapOvr>
+</p:sld>
+</file>
+
+<file path=ppt/slides/slide19.xml><?xml version="1.0" encoding="utf-8"?>
 <p:sld xmlns:a="http://schemas.openxmlformats.org/drawingml/2006/main" xmlns:r="http://schemas.openxmlformats.org/officeDocument/2006/relationships" xmlns:p="http://schemas.openxmlformats.org/presentationml/2006/main">
   <p:cSld>
     <p:spTree>
@@ -8877,8 +9738,50 @@
           <a:p>
             <a:r>
               <a:rPr lang="en-US" sz="3600" dirty="0"/>
-              <a:t>Creating the error-truth pairs</a:t>
-            </a:r>
+              <a:t>Preprocessing:</a:t>
+            </a:r>
+          </a:p>
+          <a:p>
+            <a:pPr lvl="1"/>
+            <a:r>
+              <a:rPr lang="en-US" sz="3200" dirty="0"/>
+              <a:t>How to find the error-ground pair</a:t>
+            </a:r>
+            <a:endParaRPr lang="en-US" sz="3600" dirty="0"/>
+          </a:p>
+          <a:p>
+            <a:r>
+              <a:rPr lang="en-US" sz="3600" dirty="0"/>
+              <a:t>Correction:</a:t>
+            </a:r>
+          </a:p>
+          <a:p>
+            <a:pPr lvl="1"/>
+            <a:r>
+              <a:rPr lang="en-US" sz="3200" dirty="0"/>
+              <a:t>How to set reasonable threshold for candidates search</a:t>
+            </a:r>
+          </a:p>
+          <a:p>
+            <a:pPr lvl="1"/>
+            <a:r>
+              <a:rPr lang="en-US" sz="3200" dirty="0"/>
+              <a:t>Different formula between papers</a:t>
+            </a:r>
+          </a:p>
+          <a:p>
+            <a:pPr lvl="1"/>
+            <a:r>
+              <a:rPr lang="en-US" sz="3200" dirty="0"/>
+              <a:t>Weighted loss function in R</a:t>
+            </a:r>
+          </a:p>
+          <a:p>
+            <a:endParaRPr lang="en-US" sz="3600" dirty="0"/>
+          </a:p>
+          <a:p>
+            <a:pPr lvl="1"/>
+            <a:endParaRPr lang="en-US" sz="3200" dirty="0"/>
           </a:p>
           <a:p>
             <a:pPr lvl="1"/>
@@ -8899,7 +9802,766 @@
 </p:sld>
 </file>
 
-<file path=ppt/slides/slide16.xml><?xml version="1.0" encoding="utf-8"?>
+<file path=ppt/slides/slide2.xml><?xml version="1.0" encoding="utf-8"?>
+<p:sld xmlns:a="http://schemas.openxmlformats.org/drawingml/2006/main" xmlns:r="http://schemas.openxmlformats.org/officeDocument/2006/relationships" xmlns:p="http://schemas.openxmlformats.org/presentationml/2006/main">
+  <p:cSld>
+    <p:spTree>
+      <p:nvGrpSpPr>
+        <p:cNvPr id="1" name=""/>
+        <p:cNvGrpSpPr/>
+        <p:nvPr/>
+      </p:nvGrpSpPr>
+      <p:grpSpPr>
+        <a:xfrm>
+          <a:off x="0" y="0"/>
+          <a:ext cx="0" cy="0"/>
+          <a:chOff x="0" y="0"/>
+          <a:chExt cx="0" cy="0"/>
+        </a:xfrm>
+      </p:grpSpPr>
+      <p:sp>
+        <p:nvSpPr>
+          <p:cNvPr id="2" name="Content Placeholder 1">
+            <a:extLst>
+              <a:ext uri="{FF2B5EF4-FFF2-40B4-BE49-F238E27FC236}">
+                <a16:creationId xmlns:a16="http://schemas.microsoft.com/office/drawing/2014/main" id="{BD386C0D-C005-47A4-8A60-337FC093EBDB}"/>
+              </a:ext>
+            </a:extLst>
+          </p:cNvPr>
+          <p:cNvSpPr>
+            <a:spLocks noGrp="1"/>
+          </p:cNvSpPr>
+          <p:nvPr>
+            <p:ph/>
+          </p:nvPr>
+        </p:nvSpPr>
+        <p:spPr/>
+        <p:txBody>
+          <a:bodyPr/>
+          <a:lstStyle/>
+          <a:p>
+            <a:r>
+              <a:rPr lang="en-US" altLang="zh-CN" dirty="0">
+                <a:solidFill>
+                  <a:schemeClr val="accent1"/>
+                </a:solidFill>
+              </a:rPr>
+              <a:t>Flow chart</a:t>
+            </a:r>
+            <a:endParaRPr lang="en-US" dirty="0">
+              <a:solidFill>
+                <a:schemeClr val="accent1"/>
+              </a:solidFill>
+            </a:endParaRPr>
+          </a:p>
+        </p:txBody>
+      </p:sp>
+      <p:sp>
+        <p:nvSpPr>
+          <p:cNvPr id="3" name="Rectangle: Rounded Corners 2">
+            <a:extLst>
+              <a:ext uri="{FF2B5EF4-FFF2-40B4-BE49-F238E27FC236}">
+                <a16:creationId xmlns:a16="http://schemas.microsoft.com/office/drawing/2014/main" id="{BFD615A3-A6B5-4709-884D-5D4CDC3FC6F3}"/>
+              </a:ext>
+            </a:extLst>
+          </p:cNvPr>
+          <p:cNvSpPr/>
+          <p:nvPr/>
+        </p:nvSpPr>
+        <p:spPr>
+          <a:xfrm>
+            <a:off x="381000" y="1219200"/>
+            <a:ext cx="1905000" cy="381000"/>
+          </a:xfrm>
+          <a:prstGeom prst="roundRect">
+            <a:avLst/>
+          </a:prstGeom>
+        </p:spPr>
+        <p:style>
+          <a:lnRef idx="2">
+            <a:schemeClr val="accent6"/>
+          </a:lnRef>
+          <a:fillRef idx="1">
+            <a:schemeClr val="lt1"/>
+          </a:fillRef>
+          <a:effectRef idx="0">
+            <a:schemeClr val="accent6"/>
+          </a:effectRef>
+          <a:fontRef idx="minor">
+            <a:schemeClr val="dk1"/>
+          </a:fontRef>
+        </p:style>
+        <p:txBody>
+          <a:bodyPr rtlCol="0" anchor="ctr"/>
+          <a:lstStyle/>
+          <a:p>
+            <a:r>
+              <a:rPr lang="en-US" dirty="0"/>
+              <a:t>Preprocessing</a:t>
+            </a:r>
+          </a:p>
+        </p:txBody>
+      </p:sp>
+      <p:sp>
+        <p:nvSpPr>
+          <p:cNvPr id="4" name="Arrow: Right 3">
+            <a:extLst>
+              <a:ext uri="{FF2B5EF4-FFF2-40B4-BE49-F238E27FC236}">
+                <a16:creationId xmlns:a16="http://schemas.microsoft.com/office/drawing/2014/main" id="{2384D56B-368B-47FF-B57F-1EF2CC55FE57}"/>
+              </a:ext>
+            </a:extLst>
+          </p:cNvPr>
+          <p:cNvSpPr/>
+          <p:nvPr/>
+        </p:nvSpPr>
+        <p:spPr>
+          <a:xfrm>
+            <a:off x="2438400" y="1276350"/>
+            <a:ext cx="304800" cy="266700"/>
+          </a:xfrm>
+          <a:prstGeom prst="rightArrow">
+            <a:avLst/>
+          </a:prstGeom>
+        </p:spPr>
+        <p:style>
+          <a:lnRef idx="2">
+            <a:schemeClr val="accent1">
+              <a:shade val="50000"/>
+            </a:schemeClr>
+          </a:lnRef>
+          <a:fillRef idx="1">
+            <a:schemeClr val="accent1"/>
+          </a:fillRef>
+          <a:effectRef idx="0">
+            <a:schemeClr val="accent1"/>
+          </a:effectRef>
+          <a:fontRef idx="minor">
+            <a:schemeClr val="lt1"/>
+          </a:fontRef>
+        </p:style>
+        <p:txBody>
+          <a:bodyPr rtlCol="0" anchor="ctr"/>
+          <a:lstStyle/>
+          <a:p>
+            <a:pPr algn="ctr"/>
+            <a:endParaRPr lang="en-US" dirty="0"/>
+          </a:p>
+        </p:txBody>
+      </p:sp>
+      <p:sp>
+        <p:nvSpPr>
+          <p:cNvPr id="5" name="Rectangle: Rounded Corners 4">
+            <a:extLst>
+              <a:ext uri="{FF2B5EF4-FFF2-40B4-BE49-F238E27FC236}">
+                <a16:creationId xmlns:a16="http://schemas.microsoft.com/office/drawing/2014/main" id="{0943DD28-31B1-4328-93F1-5E0033DEED71}"/>
+              </a:ext>
+            </a:extLst>
+          </p:cNvPr>
+          <p:cNvSpPr/>
+          <p:nvPr/>
+        </p:nvSpPr>
+        <p:spPr>
+          <a:xfrm>
+            <a:off x="2890684" y="1206910"/>
+            <a:ext cx="1224116" cy="381000"/>
+          </a:xfrm>
+          <a:prstGeom prst="roundRect">
+            <a:avLst/>
+          </a:prstGeom>
+        </p:spPr>
+        <p:style>
+          <a:lnRef idx="2">
+            <a:schemeClr val="accent6"/>
+          </a:lnRef>
+          <a:fillRef idx="1">
+            <a:schemeClr val="lt1"/>
+          </a:fillRef>
+          <a:effectRef idx="0">
+            <a:schemeClr val="accent6"/>
+          </a:effectRef>
+          <a:fontRef idx="minor">
+            <a:schemeClr val="dk1"/>
+          </a:fontRef>
+        </p:style>
+        <p:txBody>
+          <a:bodyPr rtlCol="0" anchor="ctr"/>
+          <a:lstStyle/>
+          <a:p>
+            <a:r>
+              <a:rPr lang="en-US" altLang="zh-CN" dirty="0"/>
+              <a:t>Detection</a:t>
+            </a:r>
+            <a:endParaRPr lang="en-US" dirty="0"/>
+          </a:p>
+        </p:txBody>
+      </p:sp>
+      <p:sp>
+        <p:nvSpPr>
+          <p:cNvPr id="6" name="Arrow: Right 5">
+            <a:extLst>
+              <a:ext uri="{FF2B5EF4-FFF2-40B4-BE49-F238E27FC236}">
+                <a16:creationId xmlns:a16="http://schemas.microsoft.com/office/drawing/2014/main" id="{7274C367-3318-422C-A7D3-E5C883B5E7FA}"/>
+              </a:ext>
+            </a:extLst>
+          </p:cNvPr>
+          <p:cNvSpPr/>
+          <p:nvPr/>
+        </p:nvSpPr>
+        <p:spPr>
+          <a:xfrm>
+            <a:off x="4267200" y="1264060"/>
+            <a:ext cx="304800" cy="266700"/>
+          </a:xfrm>
+          <a:prstGeom prst="rightArrow">
+            <a:avLst/>
+          </a:prstGeom>
+        </p:spPr>
+        <p:style>
+          <a:lnRef idx="2">
+            <a:schemeClr val="accent1">
+              <a:shade val="50000"/>
+            </a:schemeClr>
+          </a:lnRef>
+          <a:fillRef idx="1">
+            <a:schemeClr val="accent1"/>
+          </a:fillRef>
+          <a:effectRef idx="0">
+            <a:schemeClr val="accent1"/>
+          </a:effectRef>
+          <a:fontRef idx="minor">
+            <a:schemeClr val="lt1"/>
+          </a:fontRef>
+        </p:style>
+        <p:txBody>
+          <a:bodyPr rtlCol="0" anchor="ctr"/>
+          <a:lstStyle/>
+          <a:p>
+            <a:pPr algn="ctr"/>
+            <a:endParaRPr lang="en-US" dirty="0"/>
+          </a:p>
+        </p:txBody>
+      </p:sp>
+      <p:sp>
+        <p:nvSpPr>
+          <p:cNvPr id="7" name="Rectangle: Rounded Corners 6">
+            <a:extLst>
+              <a:ext uri="{FF2B5EF4-FFF2-40B4-BE49-F238E27FC236}">
+                <a16:creationId xmlns:a16="http://schemas.microsoft.com/office/drawing/2014/main" id="{72834421-15A7-44D2-AF7F-D4BE44E99280}"/>
+              </a:ext>
+            </a:extLst>
+          </p:cNvPr>
+          <p:cNvSpPr/>
+          <p:nvPr/>
+        </p:nvSpPr>
+        <p:spPr>
+          <a:xfrm>
+            <a:off x="4719484" y="1219200"/>
+            <a:ext cx="3129116" cy="914400"/>
+          </a:xfrm>
+          <a:prstGeom prst="roundRect">
+            <a:avLst/>
+          </a:prstGeom>
+        </p:spPr>
+        <p:style>
+          <a:lnRef idx="2">
+            <a:schemeClr val="accent6"/>
+          </a:lnRef>
+          <a:fillRef idx="1">
+            <a:schemeClr val="lt1"/>
+          </a:fillRef>
+          <a:effectRef idx="0">
+            <a:schemeClr val="accent6"/>
+          </a:effectRef>
+          <a:fontRef idx="minor">
+            <a:schemeClr val="dk1"/>
+          </a:fontRef>
+        </p:style>
+        <p:txBody>
+          <a:bodyPr rtlCol="0" anchor="ctr"/>
+          <a:lstStyle/>
+          <a:p>
+            <a:r>
+              <a:rPr lang="en-US" altLang="zh-CN" dirty="0"/>
+              <a:t>Divided all</a:t>
+            </a:r>
+            <a:r>
+              <a:rPr lang="zh-CN" altLang="en-US" dirty="0"/>
+              <a:t> </a:t>
+            </a:r>
+            <a:r>
+              <a:rPr lang="en-US" altLang="zh-CN" dirty="0"/>
+              <a:t>detected</a:t>
+            </a:r>
+            <a:r>
+              <a:rPr lang="zh-CN" altLang="en-US" dirty="0"/>
+              <a:t> </a:t>
+            </a:r>
+            <a:r>
+              <a:rPr lang="en-US" altLang="zh-CN" dirty="0"/>
+              <a:t>error in 70% and 30% as</a:t>
+            </a:r>
+            <a:r>
+              <a:rPr lang="zh-CN" altLang="en-US" dirty="0"/>
+              <a:t> </a:t>
+            </a:r>
+            <a:r>
+              <a:rPr lang="en-US" altLang="zh-CN" dirty="0"/>
+              <a:t>training</a:t>
+            </a:r>
+            <a:r>
+              <a:rPr lang="zh-CN" altLang="en-US" dirty="0"/>
+              <a:t> </a:t>
+            </a:r>
+            <a:r>
+              <a:rPr lang="en-US" altLang="zh-CN" dirty="0"/>
+              <a:t>set</a:t>
+            </a:r>
+            <a:r>
+              <a:rPr lang="zh-CN" altLang="en-US" dirty="0"/>
+              <a:t> </a:t>
+            </a:r>
+            <a:r>
+              <a:rPr lang="en-US" altLang="zh-CN" dirty="0"/>
+              <a:t>and</a:t>
+            </a:r>
+            <a:r>
+              <a:rPr lang="zh-CN" altLang="en-US" dirty="0"/>
+              <a:t> </a:t>
+            </a:r>
+            <a:r>
+              <a:rPr lang="en-US" altLang="zh-CN" dirty="0"/>
+              <a:t>test</a:t>
+            </a:r>
+            <a:r>
+              <a:rPr lang="zh-CN" altLang="en-US" dirty="0"/>
+              <a:t> </a:t>
+            </a:r>
+            <a:r>
+              <a:rPr lang="en-US" altLang="zh-CN" dirty="0"/>
+              <a:t>set</a:t>
+            </a:r>
+            <a:endParaRPr lang="en-US" dirty="0"/>
+          </a:p>
+        </p:txBody>
+      </p:sp>
+      <p:sp>
+        <p:nvSpPr>
+          <p:cNvPr id="8" name="Arrow: Right 7">
+            <a:extLst>
+              <a:ext uri="{FF2B5EF4-FFF2-40B4-BE49-F238E27FC236}">
+                <a16:creationId xmlns:a16="http://schemas.microsoft.com/office/drawing/2014/main" id="{1DF3DF85-FA9E-4242-99A9-E53403F6ECF3}"/>
+              </a:ext>
+            </a:extLst>
+          </p:cNvPr>
+          <p:cNvSpPr/>
+          <p:nvPr/>
+        </p:nvSpPr>
+        <p:spPr>
+          <a:xfrm rot="5400000">
+            <a:off x="6131642" y="2362200"/>
+            <a:ext cx="304800" cy="266700"/>
+          </a:xfrm>
+          <a:prstGeom prst="rightArrow">
+            <a:avLst/>
+          </a:prstGeom>
+        </p:spPr>
+        <p:style>
+          <a:lnRef idx="2">
+            <a:schemeClr val="accent1">
+              <a:shade val="50000"/>
+            </a:schemeClr>
+          </a:lnRef>
+          <a:fillRef idx="1">
+            <a:schemeClr val="accent1"/>
+          </a:fillRef>
+          <a:effectRef idx="0">
+            <a:schemeClr val="accent1"/>
+          </a:effectRef>
+          <a:fontRef idx="minor">
+            <a:schemeClr val="lt1"/>
+          </a:fontRef>
+        </p:style>
+        <p:txBody>
+          <a:bodyPr rtlCol="0" anchor="ctr"/>
+          <a:lstStyle/>
+          <a:p>
+            <a:pPr algn="ctr"/>
+            <a:endParaRPr lang="en-US" dirty="0"/>
+          </a:p>
+        </p:txBody>
+      </p:sp>
+      <p:sp>
+        <p:nvSpPr>
+          <p:cNvPr id="9" name="Rectangle: Rounded Corners 8">
+            <a:extLst>
+              <a:ext uri="{FF2B5EF4-FFF2-40B4-BE49-F238E27FC236}">
+                <a16:creationId xmlns:a16="http://schemas.microsoft.com/office/drawing/2014/main" id="{4A52E5D6-9321-41D6-A51A-58E460AA1A57}"/>
+              </a:ext>
+            </a:extLst>
+          </p:cNvPr>
+          <p:cNvSpPr/>
+          <p:nvPr/>
+        </p:nvSpPr>
+        <p:spPr>
+          <a:xfrm>
+            <a:off x="4648200" y="2857500"/>
+            <a:ext cx="3129116" cy="914400"/>
+          </a:xfrm>
+          <a:prstGeom prst="roundRect">
+            <a:avLst/>
+          </a:prstGeom>
+        </p:spPr>
+        <p:style>
+          <a:lnRef idx="2">
+            <a:schemeClr val="accent6"/>
+          </a:lnRef>
+          <a:fillRef idx="1">
+            <a:schemeClr val="lt1"/>
+          </a:fillRef>
+          <a:effectRef idx="0">
+            <a:schemeClr val="accent6"/>
+          </a:effectRef>
+          <a:fontRef idx="minor">
+            <a:schemeClr val="dk1"/>
+          </a:fontRef>
+        </p:style>
+        <p:txBody>
+          <a:bodyPr rtlCol="0" anchor="ctr"/>
+          <a:lstStyle/>
+          <a:p>
+            <a:r>
+              <a:rPr lang="en-US" altLang="zh-CN" dirty="0"/>
+              <a:t>Do regression(AdaBoost with weighted loss function)</a:t>
+            </a:r>
+            <a:endParaRPr lang="en-US" dirty="0"/>
+          </a:p>
+        </p:txBody>
+      </p:sp>
+      <p:sp>
+        <p:nvSpPr>
+          <p:cNvPr id="10" name="Arrow: Right 9">
+            <a:extLst>
+              <a:ext uri="{FF2B5EF4-FFF2-40B4-BE49-F238E27FC236}">
+                <a16:creationId xmlns:a16="http://schemas.microsoft.com/office/drawing/2014/main" id="{C142EEF2-8FDB-47DF-B8A7-8B374A26146F}"/>
+              </a:ext>
+            </a:extLst>
+          </p:cNvPr>
+          <p:cNvSpPr/>
+          <p:nvPr/>
+        </p:nvSpPr>
+        <p:spPr>
+          <a:xfrm rot="10800000">
+            <a:off x="4114800" y="3181350"/>
+            <a:ext cx="304800" cy="266700"/>
+          </a:xfrm>
+          <a:prstGeom prst="rightArrow">
+            <a:avLst/>
+          </a:prstGeom>
+        </p:spPr>
+        <p:style>
+          <a:lnRef idx="2">
+            <a:schemeClr val="accent1">
+              <a:shade val="50000"/>
+            </a:schemeClr>
+          </a:lnRef>
+          <a:fillRef idx="1">
+            <a:schemeClr val="accent1"/>
+          </a:fillRef>
+          <a:effectRef idx="0">
+            <a:schemeClr val="accent1"/>
+          </a:effectRef>
+          <a:fontRef idx="minor">
+            <a:schemeClr val="lt1"/>
+          </a:fontRef>
+        </p:style>
+        <p:txBody>
+          <a:bodyPr rtlCol="0" anchor="ctr"/>
+          <a:lstStyle/>
+          <a:p>
+            <a:pPr algn="ctr"/>
+            <a:endParaRPr lang="en-US" dirty="0"/>
+          </a:p>
+        </p:txBody>
+      </p:sp>
+      <p:sp>
+        <p:nvSpPr>
+          <p:cNvPr id="11" name="Rectangle: Rounded Corners 10">
+            <a:extLst>
+              <a:ext uri="{FF2B5EF4-FFF2-40B4-BE49-F238E27FC236}">
+                <a16:creationId xmlns:a16="http://schemas.microsoft.com/office/drawing/2014/main" id="{0E0D2EE8-40C1-49DC-ABF5-F750DFE12475}"/>
+              </a:ext>
+            </a:extLst>
+          </p:cNvPr>
+          <p:cNvSpPr/>
+          <p:nvPr/>
+        </p:nvSpPr>
+        <p:spPr>
+          <a:xfrm>
+            <a:off x="759542" y="2864260"/>
+            <a:ext cx="3129116" cy="914400"/>
+          </a:xfrm>
+          <a:prstGeom prst="roundRect">
+            <a:avLst/>
+          </a:prstGeom>
+        </p:spPr>
+        <p:style>
+          <a:lnRef idx="2">
+            <a:schemeClr val="accent6"/>
+          </a:lnRef>
+          <a:fillRef idx="1">
+            <a:schemeClr val="lt1"/>
+          </a:fillRef>
+          <a:effectRef idx="0">
+            <a:schemeClr val="accent6"/>
+          </a:effectRef>
+          <a:fontRef idx="minor">
+            <a:schemeClr val="dk1"/>
+          </a:fontRef>
+        </p:style>
+        <p:txBody>
+          <a:bodyPr rtlCol="0" anchor="ctr"/>
+          <a:lstStyle/>
+          <a:p>
+            <a:r>
+              <a:rPr lang="en-US" altLang="zh-CN" dirty="0"/>
+              <a:t>Predict label score for</a:t>
+            </a:r>
+            <a:r>
+              <a:rPr lang="zh-CN" altLang="en-US" dirty="0"/>
+              <a:t> </a:t>
+            </a:r>
+            <a:r>
+              <a:rPr lang="en-US" altLang="zh-CN" dirty="0"/>
+              <a:t>candidates</a:t>
+            </a:r>
+            <a:r>
+              <a:rPr lang="zh-CN" altLang="en-US" dirty="0"/>
+              <a:t> </a:t>
+            </a:r>
+            <a:r>
+              <a:rPr lang="en-US" altLang="zh-CN" dirty="0"/>
+              <a:t>in</a:t>
+            </a:r>
+            <a:r>
+              <a:rPr lang="zh-CN" altLang="en-US" dirty="0"/>
+              <a:t> </a:t>
+            </a:r>
+            <a:r>
+              <a:rPr lang="en-US" altLang="zh-CN" dirty="0"/>
+              <a:t>test</a:t>
+            </a:r>
+            <a:r>
+              <a:rPr lang="zh-CN" altLang="en-US" dirty="0"/>
+              <a:t> </a:t>
+            </a:r>
+            <a:r>
+              <a:rPr lang="en-US" altLang="zh-CN" dirty="0"/>
+              <a:t>set</a:t>
+            </a:r>
+            <a:endParaRPr lang="en-US" dirty="0"/>
+          </a:p>
+        </p:txBody>
+      </p:sp>
+      <p:sp>
+        <p:nvSpPr>
+          <p:cNvPr id="13" name="Arrow: Right 12">
+            <a:extLst>
+              <a:ext uri="{FF2B5EF4-FFF2-40B4-BE49-F238E27FC236}">
+                <a16:creationId xmlns:a16="http://schemas.microsoft.com/office/drawing/2014/main" id="{DF9F29CD-96CA-4D9F-A8AA-866CEE0AADA9}"/>
+              </a:ext>
+            </a:extLst>
+          </p:cNvPr>
+          <p:cNvSpPr/>
+          <p:nvPr/>
+        </p:nvSpPr>
+        <p:spPr>
+          <a:xfrm rot="5400000">
+            <a:off x="2114550" y="3981450"/>
+            <a:ext cx="304800" cy="266700"/>
+          </a:xfrm>
+          <a:prstGeom prst="rightArrow">
+            <a:avLst/>
+          </a:prstGeom>
+        </p:spPr>
+        <p:style>
+          <a:lnRef idx="2">
+            <a:schemeClr val="accent1">
+              <a:shade val="50000"/>
+            </a:schemeClr>
+          </a:lnRef>
+          <a:fillRef idx="1">
+            <a:schemeClr val="accent1"/>
+          </a:fillRef>
+          <a:effectRef idx="0">
+            <a:schemeClr val="accent1"/>
+          </a:effectRef>
+          <a:fontRef idx="minor">
+            <a:schemeClr val="lt1"/>
+          </a:fontRef>
+        </p:style>
+        <p:txBody>
+          <a:bodyPr rtlCol="0" anchor="ctr"/>
+          <a:lstStyle/>
+          <a:p>
+            <a:pPr algn="ctr"/>
+            <a:endParaRPr lang="en-US" dirty="0"/>
+          </a:p>
+        </p:txBody>
+      </p:sp>
+      <p:sp>
+        <p:nvSpPr>
+          <p:cNvPr id="14" name="Rectangle: Rounded Corners 13">
+            <a:extLst>
+              <a:ext uri="{FF2B5EF4-FFF2-40B4-BE49-F238E27FC236}">
+                <a16:creationId xmlns:a16="http://schemas.microsoft.com/office/drawing/2014/main" id="{25457DC6-15AC-4D59-8783-1DB8FF35E7EA}"/>
+              </a:ext>
+            </a:extLst>
+          </p:cNvPr>
+          <p:cNvSpPr/>
+          <p:nvPr/>
+        </p:nvSpPr>
+        <p:spPr>
+          <a:xfrm>
+            <a:off x="721442" y="4495211"/>
+            <a:ext cx="3129116" cy="914400"/>
+          </a:xfrm>
+          <a:prstGeom prst="roundRect">
+            <a:avLst/>
+          </a:prstGeom>
+        </p:spPr>
+        <p:style>
+          <a:lnRef idx="2">
+            <a:schemeClr val="accent6"/>
+          </a:lnRef>
+          <a:fillRef idx="1">
+            <a:schemeClr val="lt1"/>
+          </a:fillRef>
+          <a:effectRef idx="0">
+            <a:schemeClr val="accent6"/>
+          </a:effectRef>
+          <a:fontRef idx="minor">
+            <a:schemeClr val="dk1"/>
+          </a:fontRef>
+        </p:style>
+        <p:txBody>
+          <a:bodyPr rtlCol="0" anchor="ctr"/>
+          <a:lstStyle/>
+          <a:p>
+            <a:r>
+              <a:rPr lang="en-US" altLang="zh-CN" dirty="0"/>
+              <a:t>Replace candidate with the highest label score instead of error word</a:t>
+            </a:r>
+            <a:endParaRPr lang="en-US" dirty="0"/>
+          </a:p>
+        </p:txBody>
+      </p:sp>
+      <p:sp>
+        <p:nvSpPr>
+          <p:cNvPr id="15" name="Arrow: Right 14">
+            <a:extLst>
+              <a:ext uri="{FF2B5EF4-FFF2-40B4-BE49-F238E27FC236}">
+                <a16:creationId xmlns:a16="http://schemas.microsoft.com/office/drawing/2014/main" id="{FCA3697F-82C1-4C43-8258-9B0207583D26}"/>
+              </a:ext>
+            </a:extLst>
+          </p:cNvPr>
+          <p:cNvSpPr/>
+          <p:nvPr/>
+        </p:nvSpPr>
+        <p:spPr>
+          <a:xfrm>
+            <a:off x="4191000" y="4908141"/>
+            <a:ext cx="304800" cy="266700"/>
+          </a:xfrm>
+          <a:prstGeom prst="rightArrow">
+            <a:avLst/>
+          </a:prstGeom>
+        </p:spPr>
+        <p:style>
+          <a:lnRef idx="2">
+            <a:schemeClr val="accent1">
+              <a:shade val="50000"/>
+            </a:schemeClr>
+          </a:lnRef>
+          <a:fillRef idx="1">
+            <a:schemeClr val="accent1"/>
+          </a:fillRef>
+          <a:effectRef idx="0">
+            <a:schemeClr val="accent1"/>
+          </a:effectRef>
+          <a:fontRef idx="minor">
+            <a:schemeClr val="lt1"/>
+          </a:fontRef>
+        </p:style>
+        <p:txBody>
+          <a:bodyPr rtlCol="0" anchor="ctr"/>
+          <a:lstStyle/>
+          <a:p>
+            <a:pPr algn="ctr"/>
+            <a:endParaRPr lang="en-US" dirty="0"/>
+          </a:p>
+        </p:txBody>
+      </p:sp>
+      <p:sp>
+        <p:nvSpPr>
+          <p:cNvPr id="16" name="Rectangle: Rounded Corners 15">
+            <a:extLst>
+              <a:ext uri="{FF2B5EF4-FFF2-40B4-BE49-F238E27FC236}">
+                <a16:creationId xmlns:a16="http://schemas.microsoft.com/office/drawing/2014/main" id="{FEC01D2F-5B5B-4BE0-AC0E-45EFCC1BDC9D}"/>
+              </a:ext>
+            </a:extLst>
+          </p:cNvPr>
+          <p:cNvSpPr/>
+          <p:nvPr/>
+        </p:nvSpPr>
+        <p:spPr>
+          <a:xfrm>
+            <a:off x="4836242" y="4625770"/>
+            <a:ext cx="1488358" cy="730659"/>
+          </a:xfrm>
+          <a:prstGeom prst="roundRect">
+            <a:avLst/>
+          </a:prstGeom>
+        </p:spPr>
+        <p:style>
+          <a:lnRef idx="2">
+            <a:schemeClr val="accent6"/>
+          </a:lnRef>
+          <a:fillRef idx="1">
+            <a:schemeClr val="lt1"/>
+          </a:fillRef>
+          <a:effectRef idx="0">
+            <a:schemeClr val="accent6"/>
+          </a:effectRef>
+          <a:fontRef idx="minor">
+            <a:schemeClr val="dk1"/>
+          </a:fontRef>
+        </p:style>
+        <p:txBody>
+          <a:bodyPr rtlCol="0" anchor="ctr"/>
+          <a:lstStyle/>
+          <a:p>
+            <a:r>
+              <a:rPr lang="en-US" altLang="zh-CN" dirty="0"/>
+              <a:t>Evaluation</a:t>
+            </a:r>
+            <a:endParaRPr lang="en-US" dirty="0"/>
+          </a:p>
+        </p:txBody>
+      </p:sp>
+    </p:spTree>
+    <p:extLst>
+      <p:ext uri="{BB962C8B-B14F-4D97-AF65-F5344CB8AC3E}">
+        <p14:creationId xmlns:p14="http://schemas.microsoft.com/office/powerpoint/2010/main" val="2953182409"/>
+      </p:ext>
+    </p:extLst>
+  </p:cSld>
+  <p:clrMapOvr>
+    <a:masterClrMapping/>
+  </p:clrMapOvr>
+</p:sld>
+</file>
+
+<file path=ppt/slides/slide20.xml><?xml version="1.0" encoding="utf-8"?>
 <p:sld xmlns:a="http://schemas.openxmlformats.org/drawingml/2006/main" xmlns:r="http://schemas.openxmlformats.org/officeDocument/2006/relationships" xmlns:p="http://schemas.openxmlformats.org/presentationml/2006/main">
   <p:cSld>
     <p:spTree>
@@ -8954,7 +10616,7 @@
 </p:sld>
 </file>
 
-<file path=ppt/slides/slide17.xml><?xml version="1.0" encoding="utf-8"?>
+<file path=ppt/slides/slide21.xml><?xml version="1.0" encoding="utf-8"?>
 <p:sld xmlns:a="http://schemas.openxmlformats.org/drawingml/2006/main" xmlns:r="http://schemas.openxmlformats.org/officeDocument/2006/relationships" xmlns:p="http://schemas.openxmlformats.org/presentationml/2006/main">
   <p:cSld>
     <p:spTree>
@@ -9016,7 +10678,83 @@
 </p:sld>
 </file>
 
-<file path=ppt/slides/slide2.xml><?xml version="1.0" encoding="utf-8"?>
+<file path=ppt/slides/slide22.xml><?xml version="1.0" encoding="utf-8"?>
+<p:sld xmlns:a="http://schemas.openxmlformats.org/drawingml/2006/main" xmlns:r="http://schemas.openxmlformats.org/officeDocument/2006/relationships" xmlns:p="http://schemas.openxmlformats.org/presentationml/2006/main">
+  <p:cSld>
+    <p:spTree>
+      <p:nvGrpSpPr>
+        <p:cNvPr id="1" name=""/>
+        <p:cNvGrpSpPr/>
+        <p:nvPr/>
+      </p:nvGrpSpPr>
+      <p:grpSpPr>
+        <a:xfrm>
+          <a:off x="0" y="0"/>
+          <a:ext cx="0" cy="0"/>
+          <a:chOff x="0" y="0"/>
+          <a:chExt cx="0" cy="0"/>
+        </a:xfrm>
+      </p:grpSpPr>
+      <p:sp>
+        <p:nvSpPr>
+          <p:cNvPr id="2" name="Content Placeholder 1">
+            <a:extLst>
+              <a:ext uri="{FF2B5EF4-FFF2-40B4-BE49-F238E27FC236}">
+                <a16:creationId xmlns:a16="http://schemas.microsoft.com/office/drawing/2014/main" id="{FFFF5F77-5764-4EFD-9A2A-3C826DF9FC1D}"/>
+              </a:ext>
+            </a:extLst>
+          </p:cNvPr>
+          <p:cNvSpPr>
+            <a:spLocks noGrp="1"/>
+          </p:cNvSpPr>
+          <p:nvPr>
+            <p:ph/>
+          </p:nvPr>
+        </p:nvSpPr>
+        <p:spPr/>
+        <p:txBody>
+          <a:bodyPr/>
+          <a:lstStyle/>
+          <a:p>
+            <a:endParaRPr lang="en-US" dirty="0"/>
+          </a:p>
+          <a:p>
+            <a:endParaRPr lang="en-US" dirty="0"/>
+          </a:p>
+          <a:p>
+            <a:endParaRPr lang="en-US" dirty="0"/>
+          </a:p>
+          <a:p>
+            <a:endParaRPr lang="en-US" dirty="0"/>
+          </a:p>
+          <a:p>
+            <a:endParaRPr lang="en-US" dirty="0"/>
+          </a:p>
+          <a:p>
+            <a:pPr marL="0" indent="0" algn="ctr">
+              <a:buNone/>
+            </a:pPr>
+            <a:r>
+              <a:rPr lang="en-US" dirty="0"/>
+              <a:t>Thank you</a:t>
+            </a:r>
+          </a:p>
+        </p:txBody>
+      </p:sp>
+    </p:spTree>
+    <p:extLst>
+      <p:ext uri="{BB962C8B-B14F-4D97-AF65-F5344CB8AC3E}">
+        <p14:creationId xmlns:p14="http://schemas.microsoft.com/office/powerpoint/2010/main" val="3061827719"/>
+      </p:ext>
+    </p:extLst>
+  </p:cSld>
+  <p:clrMapOvr>
+    <a:masterClrMapping/>
+  </p:clrMapOvr>
+</p:sld>
+</file>
+
+<file path=ppt/slides/slide3.xml><?xml version="1.0" encoding="utf-8"?>
 <p:sld xmlns:a="http://schemas.openxmlformats.org/drawingml/2006/main" xmlns:r="http://schemas.openxmlformats.org/officeDocument/2006/relationships" xmlns:p="http://schemas.openxmlformats.org/presentationml/2006/main">
   <p:cSld>
     <p:spTree>
@@ -9134,8 +10872,8 @@
             <a:chExt cx="7467600" cy="1706563"/>
           </a:xfrm>
         </p:grpSpPr>
-        <mc:AlternateContent xmlns:mc="http://schemas.openxmlformats.org/markup-compatibility/2006">
-          <mc:Choice xmlns:a14="http://schemas.microsoft.com/office/drawing/2010/main" Requires="a14">
+        <mc:AlternateContent xmlns:mc="http://schemas.openxmlformats.org/markup-compatibility/2006" xmlns:a14="http://schemas.microsoft.com/office/drawing/2010/main">
+          <mc:Choice Requires="a14">
             <p:sp>
               <p:nvSpPr>
                 <p:cNvPr id="3" name="Rectangle: Rounded Corners 2">
@@ -9287,7 +11025,7 @@
               </p:txBody>
             </p:sp>
           </mc:Choice>
-          <mc:Fallback>
+          <mc:Fallback xmlns="">
             <p:sp>
               <p:nvSpPr>
                 <p:cNvPr id="3" name="Rectangle: Rounded Corners 2">
@@ -9378,8 +11116,8 @@
             </a:p>
           </p:txBody>
         </p:sp>
-        <mc:AlternateContent xmlns:mc="http://schemas.openxmlformats.org/markup-compatibility/2006">
-          <mc:Choice xmlns:a14="http://schemas.microsoft.com/office/drawing/2010/main" Requires="a14">
+        <mc:AlternateContent xmlns:mc="http://schemas.openxmlformats.org/markup-compatibility/2006" xmlns:a14="http://schemas.microsoft.com/office/drawing/2010/main">
+          <mc:Choice Requires="a14">
             <p:sp>
               <p:nvSpPr>
                 <p:cNvPr id="5" name="Rectangle: Rounded Corners 4">
@@ -9492,6 +11230,7 @@
                   </a:endParaRPr>
                 </a:p>
                 <a:p>
+                  <a:pPr/>
                   <a14:m>
                     <m:oMathPara xmlns:m="http://schemas.openxmlformats.org/officeDocument/2006/math">
                       <m:oMathParaPr>
@@ -9645,6 +11384,7 @@
                   <a:endParaRPr lang="en-US" b="0" dirty="0"/>
                 </a:p>
                 <a:p>
+                  <a:pPr/>
                   <a14:m>
                     <m:oMathPara xmlns:m="http://schemas.openxmlformats.org/officeDocument/2006/math">
                       <m:oMathParaPr>
@@ -9672,19 +11412,7 @@
                               <a:rPr lang="en-US" b="0" i="1" smtClean="0">
                                 <a:latin typeface="Cambria Math" panose="02040503050406030204" pitchFamily="18" charset="0"/>
                               </a:rPr>
-                              <m:t>1,</m:t>
-                            </m:r>
-                            <m:r>
-                              <a:rPr lang="en-US" b="0" i="1" smtClean="0">
-                                <a:latin typeface="Cambria Math" panose="02040503050406030204" pitchFamily="18" charset="0"/>
-                              </a:rPr>
-                              <m:t>3</m:t>
-                            </m:r>
-                            <m:r>
-                              <a:rPr lang="en-US" b="0" i="1" smtClean="0">
-                                <a:latin typeface="Cambria Math" panose="02040503050406030204" pitchFamily="18" charset="0"/>
-                              </a:rPr>
-                              <m:t>,…,</m:t>
+                              <m:t>1,3,…,</m:t>
                             </m:r>
                             <m:r>
                               <a:rPr lang="en-US" b="0" i="1" smtClean="0">
@@ -9736,13 +11464,7 @@
                                   <a:rPr lang="en-US" b="0" i="1" smtClean="0">
                                     <a:latin typeface="Cambria Math" panose="02040503050406030204" pitchFamily="18" charset="0"/>
                                   </a:rPr>
-                                  <m:t>1</m:t>
-                                </m:r>
-                                <m:r>
-                                  <a:rPr lang="en-US" b="0" i="1" smtClean="0">
-                                    <a:latin typeface="Cambria Math" panose="02040503050406030204" pitchFamily="18" charset="0"/>
-                                  </a:rPr>
-                                  <m:t>,</m:t>
+                                  <m:t>1,</m:t>
                                 </m:r>
                                 <m:r>
                                   <a:rPr lang="en-US" i="1" smtClean="0">
@@ -9796,13 +11518,7 @@
                                   <a:rPr lang="en-US" b="0" i="1" smtClean="0">
                                     <a:latin typeface="Cambria Math" panose="02040503050406030204" pitchFamily="18" charset="0"/>
                                   </a:rPr>
-                                  <m:t>…</m:t>
-                                </m:r>
-                                <m:r>
-                                  <a:rPr lang="en-US" b="0" i="1" smtClean="0">
-                                    <a:latin typeface="Cambria Math" panose="02040503050406030204" pitchFamily="18" charset="0"/>
-                                  </a:rPr>
-                                  <m:t>,</m:t>
+                                  <m:t>…,</m:t>
                                 </m:r>
                                 <m:r>
                                   <a:rPr lang="en-US" b="0" i="1" smtClean="0">
@@ -9842,6 +11558,7 @@
                   <a:endParaRPr lang="en-US" b="0" dirty="0"/>
                 </a:p>
                 <a:p>
+                  <a:pPr/>
                   <a14:m>
                     <m:oMathPara xmlns:m="http://schemas.openxmlformats.org/officeDocument/2006/math">
                       <m:oMathParaPr>
@@ -9975,13 +11692,7 @@
                                   <a:rPr lang="en-US" b="0" i="1" smtClean="0">
                                     <a:latin typeface="Cambria Math" panose="02040503050406030204" pitchFamily="18" charset="0"/>
                                   </a:rPr>
-                                  <m:t>,</m:t>
-                                </m:r>
-                                <m:r>
-                                  <a:rPr lang="en-US" i="1" smtClean="0">
-                                    <a:latin typeface="Cambria Math" panose="02040503050406030204" pitchFamily="18" charset="0"/>
-                                  </a:rPr>
-                                  <m:t> </m:t>
+                                  <m:t>, </m:t>
                                 </m:r>
                               </m:sub>
                             </m:sSub>
@@ -10085,7 +11796,7 @@
               </p:txBody>
             </p:sp>
           </mc:Choice>
-          <mc:Fallback>
+          <mc:Fallback xmlns="">
             <p:sp>
               <p:nvSpPr>
                 <p:cNvPr id="5" name="Rectangle: Rounded Corners 4">
@@ -10144,7 +11855,7 @@
 </p:sld>
 </file>
 
-<file path=ppt/slides/slide3.xml><?xml version="1.0" encoding="utf-8"?>
+<file path=ppt/slides/slide4.xml><?xml version="1.0" encoding="utf-8"?>
 <p:sld xmlns:a="http://schemas.openxmlformats.org/drawingml/2006/main" xmlns:r="http://schemas.openxmlformats.org/officeDocument/2006/relationships" xmlns:p="http://schemas.openxmlformats.org/presentationml/2006/main">
   <p:cSld>
     <p:spTree>
@@ -10397,8 +12108,8 @@
             </a:p>
           </p:txBody>
         </p:sp>
-        <mc:AlternateContent xmlns:mc="http://schemas.openxmlformats.org/markup-compatibility/2006">
-          <mc:Choice xmlns:a14="http://schemas.microsoft.com/office/drawing/2010/main" Requires="a14">
+        <mc:AlternateContent xmlns:mc="http://schemas.openxmlformats.org/markup-compatibility/2006" xmlns:a14="http://schemas.microsoft.com/office/drawing/2010/main">
+          <mc:Choice Requires="a14">
             <p:sp>
               <p:nvSpPr>
                 <p:cNvPr id="8" name="Rectangle 7">
@@ -10431,7 +12142,7 @@
                       <m:sSub>
                         <m:sSubPr>
                           <m:ctrlPr>
-                            <a:rPr lang="en-US" sz="3600" smtClean="0">
+                            <a:rPr lang="en-US" sz="3600" i="1" smtClean="0">
                               <a:latin typeface="Cambria Math" panose="02040503050406030204" pitchFamily="18" charset="0"/>
                             </a:rPr>
                           </m:ctrlPr>
@@ -10463,7 +12174,7 @@
               </p:txBody>
             </p:sp>
           </mc:Choice>
-          <mc:Fallback>
+          <mc:Fallback xmlns="">
             <p:sp>
               <p:nvSpPr>
                 <p:cNvPr id="8" name="Rectangle 7">
@@ -10522,7 +12233,7 @@
 </p:sld>
 </file>
 
-<file path=ppt/slides/slide4.xml><?xml version="1.0" encoding="utf-8"?>
+<file path=ppt/slides/slide5.xml><?xml version="1.0" encoding="utf-8"?>
 <p:sld xmlns:a="http://schemas.openxmlformats.org/drawingml/2006/main" xmlns:r="http://schemas.openxmlformats.org/officeDocument/2006/relationships" xmlns:p="http://schemas.openxmlformats.org/presentationml/2006/main">
   <p:cSld>
     <p:spTree>
@@ -10624,8 +12335,8 @@
             <a:chExt cx="8763000" cy="3352800"/>
           </a:xfrm>
         </p:grpSpPr>
-        <mc:AlternateContent xmlns:mc="http://schemas.openxmlformats.org/markup-compatibility/2006">
-          <mc:Choice xmlns:a14="http://schemas.microsoft.com/office/drawing/2010/main" Requires="a14">
+        <mc:AlternateContent xmlns:mc="http://schemas.openxmlformats.org/markup-compatibility/2006" xmlns:a14="http://schemas.microsoft.com/office/drawing/2010/main">
+          <mc:Choice Requires="a14">
             <p:sp>
               <p:nvSpPr>
                 <p:cNvPr id="4" name="Rectangle: Rounded Corners 3">
@@ -10775,7 +12486,7 @@
               </p:txBody>
             </p:sp>
           </mc:Choice>
-          <mc:Fallback>
+          <mc:Fallback xmlns="">
             <p:sp>
               <p:nvSpPr>
                 <p:cNvPr id="4" name="Rectangle: Rounded Corners 3">
@@ -10886,8 +12597,8 @@
               <a:chExt cx="1981200" cy="3352800"/>
             </a:xfrm>
           </p:grpSpPr>
-          <mc:AlternateContent xmlns:mc="http://schemas.openxmlformats.org/markup-compatibility/2006">
-            <mc:Choice xmlns:a14="http://schemas.microsoft.com/office/drawing/2010/main" Requires="a14">
+          <mc:AlternateContent xmlns:mc="http://schemas.openxmlformats.org/markup-compatibility/2006" xmlns:a14="http://schemas.microsoft.com/office/drawing/2010/main">
+            <mc:Choice Requires="a14">
               <p:sp>
                 <p:nvSpPr>
                   <p:cNvPr id="10" name="Rectangle: Rounded Corners 9">
@@ -11037,7 +12748,7 @@
                 </p:txBody>
               </p:sp>
             </mc:Choice>
-            <mc:Fallback>
+            <mc:Fallback xmlns="">
               <p:sp>
                 <p:nvSpPr>
                   <p:cNvPr id="10" name="Rectangle: Rounded Corners 9">
@@ -11082,8 +12793,8 @@
               </p:sp>
             </mc:Fallback>
           </mc:AlternateContent>
-          <mc:AlternateContent xmlns:mc="http://schemas.openxmlformats.org/markup-compatibility/2006">
-            <mc:Choice xmlns:a14="http://schemas.microsoft.com/office/drawing/2010/main" Requires="a14">
+          <mc:AlternateContent xmlns:mc="http://schemas.openxmlformats.org/markup-compatibility/2006" xmlns:a14="http://schemas.microsoft.com/office/drawing/2010/main">
+            <mc:Choice Requires="a14">
               <p:sp>
                 <p:nvSpPr>
                   <p:cNvPr id="11" name="Rectangle: Rounded Corners 10">
@@ -11233,7 +12944,7 @@
                 </p:txBody>
               </p:sp>
             </mc:Choice>
-            <mc:Fallback>
+            <mc:Fallback xmlns="">
               <p:sp>
                 <p:nvSpPr>
                   <p:cNvPr id="11" name="Rectangle: Rounded Corners 10">
@@ -11278,8 +12989,8 @@
               </p:sp>
             </mc:Fallback>
           </mc:AlternateContent>
-          <mc:AlternateContent xmlns:mc="http://schemas.openxmlformats.org/markup-compatibility/2006">
-            <mc:Choice xmlns:a14="http://schemas.microsoft.com/office/drawing/2010/main" Requires="a14">
+          <mc:AlternateContent xmlns:mc="http://schemas.openxmlformats.org/markup-compatibility/2006" xmlns:a14="http://schemas.microsoft.com/office/drawing/2010/main">
+            <mc:Choice Requires="a14">
               <p:sp>
                 <p:nvSpPr>
                   <p:cNvPr id="12" name="Rectangle: Rounded Corners 11">
@@ -11429,7 +13140,7 @@
                 </p:txBody>
               </p:sp>
             </mc:Choice>
-            <mc:Fallback>
+            <mc:Fallback xmlns="">
               <p:sp>
                 <p:nvSpPr>
                   <p:cNvPr id="12" name="Rectangle: Rounded Corners 11">
@@ -11556,8 +13267,8 @@
             </a:p>
           </p:txBody>
         </p:sp>
-        <mc:AlternateContent xmlns:mc="http://schemas.openxmlformats.org/markup-compatibility/2006">
-          <mc:Choice xmlns:a14="http://schemas.microsoft.com/office/drawing/2010/main" Requires="a14">
+        <mc:AlternateContent xmlns:mc="http://schemas.openxmlformats.org/markup-compatibility/2006" xmlns:a14="http://schemas.microsoft.com/office/drawing/2010/main">
+          <mc:Choice Requires="a14">
             <p:sp>
               <p:nvSpPr>
                 <p:cNvPr id="16" name="Rectangle: Rounded Corners 15">
@@ -11624,13 +13335,7 @@
                             <a:rPr lang="en-US" b="0" i="1" smtClean="0">
                               <a:latin typeface="Cambria Math" panose="02040503050406030204" pitchFamily="18" charset="0"/>
                             </a:rPr>
-                            <m:t>1</m:t>
-                          </m:r>
-                          <m:r>
-                            <a:rPr lang="en-US" b="0" i="1" smtClean="0">
-                              <a:latin typeface="Cambria Math" panose="02040503050406030204" pitchFamily="18" charset="0"/>
-                            </a:rPr>
-                            <m:t>2</m:t>
+                            <m:t>12</m:t>
                           </m:r>
                         </m:sub>
                       </m:sSub>
@@ -11645,7 +13350,7 @@
               </p:txBody>
             </p:sp>
           </mc:Choice>
-          <mc:Fallback>
+          <mc:Fallback xmlns="">
             <p:sp>
               <p:nvSpPr>
                 <p:cNvPr id="16" name="Rectangle: Rounded Corners 15">
@@ -11736,8 +13441,8 @@
             </a:p>
           </p:txBody>
         </p:sp>
-        <mc:AlternateContent xmlns:mc="http://schemas.openxmlformats.org/markup-compatibility/2006">
-          <mc:Choice xmlns:a14="http://schemas.microsoft.com/office/drawing/2010/main" Requires="a14">
+        <mc:AlternateContent xmlns:mc="http://schemas.openxmlformats.org/markup-compatibility/2006" xmlns:a14="http://schemas.microsoft.com/office/drawing/2010/main">
+          <mc:Choice Requires="a14">
             <p:sp>
               <p:nvSpPr>
                 <p:cNvPr id="19" name="Rectangle: Rounded Corners 18">
@@ -11804,13 +13509,7 @@
                             <a:rPr lang="en-US" b="0" i="1" smtClean="0">
                               <a:latin typeface="Cambria Math" panose="02040503050406030204" pitchFamily="18" charset="0"/>
                             </a:rPr>
-                            <m:t>1</m:t>
-                          </m:r>
-                          <m:r>
-                            <a:rPr lang="en-US" b="0" i="1" smtClean="0">
-                              <a:latin typeface="Cambria Math" panose="02040503050406030204" pitchFamily="18" charset="0"/>
-                            </a:rPr>
-                            <m:t>,2, </m:t>
+                            <m:t>1,2, </m:t>
                           </m:r>
                         </m:sub>
                       </m:sSub>
@@ -11835,13 +13534,7 @@
                             <a:rPr lang="en-US" b="0" i="1" smtClean="0">
                               <a:latin typeface="Cambria Math" panose="02040503050406030204" pitchFamily="18" charset="0"/>
                             </a:rPr>
-                            <m:t>1</m:t>
-                          </m:r>
-                          <m:r>
-                            <a:rPr lang="en-US" b="0" i="1" smtClean="0">
-                              <a:latin typeface="Cambria Math" panose="02040503050406030204" pitchFamily="18" charset="0"/>
-                            </a:rPr>
-                            <m:t>,</m:t>
+                            <m:t>1,</m:t>
                           </m:r>
                           <m:r>
                             <a:rPr lang="en-US" altLang="zh-CN" i="1">
@@ -11919,7 +13612,7 @@
               </p:txBody>
             </p:sp>
           </mc:Choice>
-          <mc:Fallback>
+          <mc:Fallback xmlns="">
             <p:sp>
               <p:nvSpPr>
                 <p:cNvPr id="19" name="Rectangle: Rounded Corners 18">
@@ -12010,8 +13703,8 @@
             </a:p>
           </p:txBody>
         </p:sp>
-        <mc:AlternateContent xmlns:mc="http://schemas.openxmlformats.org/markup-compatibility/2006">
-          <mc:Choice xmlns:a14="http://schemas.microsoft.com/office/drawing/2010/main" Requires="a14">
+        <mc:AlternateContent xmlns:mc="http://schemas.openxmlformats.org/markup-compatibility/2006" xmlns:a14="http://schemas.microsoft.com/office/drawing/2010/main">
+          <mc:Choice Requires="a14">
             <p:sp>
               <p:nvSpPr>
                 <p:cNvPr id="22" name="Rectangle: Rounded Corners 21">
@@ -12078,13 +13771,7 @@
                             <a:rPr lang="en-US" b="0" i="1" smtClean="0">
                               <a:latin typeface="Cambria Math" panose="02040503050406030204" pitchFamily="18" charset="0"/>
                             </a:rPr>
-                            <m:t>1</m:t>
-                          </m:r>
-                          <m:r>
-                            <a:rPr lang="en-US" b="0" i="1" smtClean="0">
-                              <a:latin typeface="Cambria Math" panose="02040503050406030204" pitchFamily="18" charset="0"/>
-                            </a:rPr>
-                            <m:t>,2, </m:t>
+                            <m:t>1,2, </m:t>
                           </m:r>
                         </m:sub>
                       </m:sSub>
@@ -12109,13 +13796,7 @@
                             <a:rPr lang="en-US" b="0" i="1" smtClean="0">
                               <a:latin typeface="Cambria Math" panose="02040503050406030204" pitchFamily="18" charset="0"/>
                             </a:rPr>
-                            <m:t>1</m:t>
-                          </m:r>
-                          <m:r>
-                            <a:rPr lang="en-US" b="0" i="1" smtClean="0">
-                              <a:latin typeface="Cambria Math" panose="02040503050406030204" pitchFamily="18" charset="0"/>
-                            </a:rPr>
-                            <m:t>,</m:t>
+                            <m:t>1,</m:t>
                           </m:r>
                           <m:r>
                             <a:rPr lang="en-US" altLang="zh-CN" i="1">
@@ -12160,19 +13841,7 @@
                             <a:rPr lang="en-US" b="0" i="1" smtClean="0">
                               <a:latin typeface="Cambria Math" panose="02040503050406030204" pitchFamily="18" charset="0"/>
                             </a:rPr>
-                            <m:t>1,4</m:t>
-                          </m:r>
-                          <m:r>
-                            <a:rPr lang="en-US" b="0" i="1" smtClean="0">
-                              <a:latin typeface="Cambria Math" panose="02040503050406030204" pitchFamily="18" charset="0"/>
-                            </a:rPr>
-                            <m:t>,</m:t>
-                          </m:r>
-                          <m:r>
-                            <a:rPr lang="en-US" b="0" i="1" smtClean="0">
-                              <a:latin typeface="Cambria Math" panose="02040503050406030204" pitchFamily="18" charset="0"/>
-                            </a:rPr>
-                            <m:t>   … ,</m:t>
+                            <m:t>1,4,   … ,</m:t>
                           </m:r>
                         </m:sub>
                       </m:sSub>
@@ -12197,13 +13866,7 @@
                             <a:rPr lang="en-US" b="0" i="1" smtClean="0">
                               <a:latin typeface="Cambria Math" panose="02040503050406030204" pitchFamily="18" charset="0"/>
                             </a:rPr>
-                            <m:t>19,20</m:t>
-                          </m:r>
-                          <m:r>
-                            <a:rPr lang="en-US" b="0" i="1" smtClean="0">
-                              <a:latin typeface="Cambria Math" panose="02040503050406030204" pitchFamily="18" charset="0"/>
-                            </a:rPr>
-                            <m:t>, </m:t>
+                            <m:t>19,20, </m:t>
                           </m:r>
                         </m:sub>
                       </m:sSub>
@@ -12218,7 +13881,7 @@
               </p:txBody>
             </p:sp>
           </mc:Choice>
-          <mc:Fallback>
+          <mc:Fallback xmlns="">
             <p:sp>
               <p:nvSpPr>
                 <p:cNvPr id="22" name="Rectangle: Rounded Corners 21">
@@ -12277,7 +13940,7 @@
 </p:sld>
 </file>
 
-<file path=ppt/slides/slide5.xml><?xml version="1.0" encoding="utf-8"?>
+<file path=ppt/slides/slide6.xml><?xml version="1.0" encoding="utf-8"?>
 <p:sld xmlns:a="http://schemas.openxmlformats.org/drawingml/2006/main" xmlns:r="http://schemas.openxmlformats.org/officeDocument/2006/relationships" xmlns:p="http://schemas.openxmlformats.org/presentationml/2006/main">
   <p:cSld>
     <p:spTree>
@@ -12349,8 +14012,8 @@
           </a:p>
         </p:txBody>
       </p:sp>
-      <mc:AlternateContent xmlns:mc="http://schemas.openxmlformats.org/markup-compatibility/2006">
-        <mc:Choice xmlns:a14="http://schemas.microsoft.com/office/drawing/2010/main" Requires="a14">
+      <mc:AlternateContent xmlns:mc="http://schemas.openxmlformats.org/markup-compatibility/2006" xmlns:a14="http://schemas.microsoft.com/office/drawing/2010/main">
+        <mc:Choice Requires="a14">
           <p:sp>
             <p:nvSpPr>
               <p:cNvPr id="3" name="Rectangle: Rounded Corners 2">
@@ -12413,7 +14076,7 @@
             </p:txBody>
           </p:sp>
         </mc:Choice>
-        <mc:Fallback>
+        <mc:Fallback xmlns="">
           <p:sp>
             <p:nvSpPr>
               <p:cNvPr id="3" name="Rectangle: Rounded Corners 2">
@@ -12504,8 +14167,8 @@
           </a:p>
         </p:txBody>
       </p:sp>
-      <mc:AlternateContent xmlns:mc="http://schemas.openxmlformats.org/markup-compatibility/2006">
-        <mc:Choice xmlns:a14="http://schemas.microsoft.com/office/drawing/2010/main" Requires="a14">
+      <mc:AlternateContent xmlns:mc="http://schemas.openxmlformats.org/markup-compatibility/2006" xmlns:a14="http://schemas.microsoft.com/office/drawing/2010/main">
+        <mc:Choice Requires="a14">
           <p:sp>
             <p:nvSpPr>
               <p:cNvPr id="5" name="Rectangle: Rounded Corners 4">
@@ -12554,7 +14217,9 @@
                     <m:d>
                       <m:dPr>
                         <m:ctrlPr>
-                          <a:rPr lang="en-US" i="1"/>
+                          <a:rPr lang="en-US" i="1">
+                            <a:latin typeface="Cambria Math" panose="02040503050406030204" pitchFamily="18" charset="0"/>
+                          </a:rPr>
                         </m:ctrlPr>
                       </m:dPr>
                       <m:e>
@@ -12562,18 +14227,24 @@
                           <m:fPr>
                             <m:type m:val="noBar"/>
                             <m:ctrlPr>
-                              <a:rPr lang="en-US" i="1"/>
+                              <a:rPr lang="en-US" i="1">
+                                <a:latin typeface="Cambria Math" panose="02040503050406030204" pitchFamily="18" charset="0"/>
+                              </a:rPr>
                             </m:ctrlPr>
                           </m:fPr>
                           <m:num>
                             <m:r>
-                              <a:rPr lang="en-US" i="1"/>
+                              <a:rPr lang="en-US" i="1">
+                                <a:latin typeface="Cambria Math" panose="02040503050406030204" pitchFamily="18" charset="0"/>
+                              </a:rPr>
                               <m:t>𝑛</m:t>
                             </m:r>
                           </m:num>
                           <m:den>
                             <m:r>
-                              <a:rPr lang="en-US" i="1"/>
+                              <a:rPr lang="en-US" i="1">
+                                <a:latin typeface="Cambria Math" panose="02040503050406030204" pitchFamily="18" charset="0"/>
+                              </a:rPr>
                               <m:t>2</m:t>
                             </m:r>
                           </m:den>
@@ -12591,7 +14262,9 @@
                     <m:sSub>
                       <m:sSubPr>
                         <m:ctrlPr>
-                          <a:rPr lang="en-US" i="1"/>
+                          <a:rPr lang="en-US" i="1">
+                            <a:latin typeface="Cambria Math" panose="02040503050406030204" pitchFamily="18" charset="0"/>
+                          </a:rPr>
                         </m:ctrlPr>
                       </m:sSubPr>
                       <m:e>
@@ -12640,13 +14313,7 @@
                           <a:rPr lang="en-US" b="0" i="1" smtClean="0">
                             <a:latin typeface="Cambria Math" panose="02040503050406030204" pitchFamily="18" charset="0"/>
                           </a:rPr>
-                          <m:t>1,</m:t>
-                        </m:r>
-                        <m:r>
-                          <a:rPr lang="en-US" b="0" i="1" smtClean="0">
-                            <a:latin typeface="Cambria Math" panose="02040503050406030204" pitchFamily="18" charset="0"/>
-                          </a:rPr>
-                          <m:t>3</m:t>
+                          <m:t>1,3</m:t>
                         </m:r>
                       </m:sub>
                     </m:sSub>
@@ -12709,7 +14376,7 @@
             </p:txBody>
           </p:sp>
         </mc:Choice>
-        <mc:Fallback>
+        <mc:Fallback xmlns="">
           <p:sp>
             <p:nvSpPr>
               <p:cNvPr id="5" name="Rectangle: Rounded Corners 4">
@@ -12800,8 +14467,8 @@
           </a:p>
         </p:txBody>
       </p:sp>
-      <mc:AlternateContent xmlns:mc="http://schemas.openxmlformats.org/markup-compatibility/2006">
-        <mc:Choice xmlns:a14="http://schemas.microsoft.com/office/drawing/2010/main" Requires="a14">
+      <mc:AlternateContent xmlns:mc="http://schemas.openxmlformats.org/markup-compatibility/2006" xmlns:a14="http://schemas.microsoft.com/office/drawing/2010/main">
+        <mc:Choice Requires="a14">
           <p:sp>
             <p:nvSpPr>
               <p:cNvPr id="7" name="Rectangle: Rounded Corners 6">
@@ -12988,7 +14655,7 @@
             </p:txBody>
           </p:sp>
         </mc:Choice>
-        <mc:Fallback>
+        <mc:Fallback xmlns="">
           <p:sp>
             <p:nvSpPr>
               <p:cNvPr id="7" name="Rectangle: Rounded Corners 6">
@@ -13180,7 +14847,7 @@
 </p:sld>
 </file>
 
-<file path=ppt/slides/slide6.xml><?xml version="1.0" encoding="utf-8"?>
+<file path=ppt/slides/slide7.xml><?xml version="1.0" encoding="utf-8"?>
 <p:sld xmlns:a="http://schemas.openxmlformats.org/drawingml/2006/main" xmlns:r="http://schemas.openxmlformats.org/officeDocument/2006/relationships" xmlns:p="http://schemas.openxmlformats.org/presentationml/2006/main">
   <p:cSld>
     <p:spTree>
@@ -13306,7 +14973,7 @@
 </p:sld>
 </file>
 
-<file path=ppt/slides/slide7.xml><?xml version="1.0" encoding="utf-8"?>
+<file path=ppt/slides/slide8.xml><?xml version="1.0" encoding="utf-8"?>
 <p:sld xmlns:a="http://schemas.openxmlformats.org/drawingml/2006/main" xmlns:r="http://schemas.openxmlformats.org/officeDocument/2006/relationships" xmlns:p="http://schemas.openxmlformats.org/presentationml/2006/main">
   <p:cSld>
     <p:spTree>
@@ -13464,7 +15131,7 @@
 </p:sld>
 </file>
 
-<file path=ppt/slides/slide8.xml><?xml version="1.0" encoding="utf-8"?>
+<file path=ppt/slides/slide9.xml><?xml version="1.0" encoding="utf-8"?>
 <p:sld xmlns:a="http://schemas.openxmlformats.org/drawingml/2006/main" xmlns:r="http://schemas.openxmlformats.org/officeDocument/2006/relationships" xmlns:p="http://schemas.openxmlformats.org/presentationml/2006/main">
   <p:cSld>
     <p:spTree>
@@ -13481,8 +15148,8 @@
           <a:chExt cx="0" cy="0"/>
         </a:xfrm>
       </p:grpSpPr>
-      <mc:AlternateContent xmlns:mc="http://schemas.openxmlformats.org/markup-compatibility/2006">
-        <mc:Choice xmlns:a14="http://schemas.microsoft.com/office/drawing/2010/main" Requires="a14">
+      <mc:AlternateContent xmlns:mc="http://schemas.openxmlformats.org/markup-compatibility/2006" xmlns:a14="http://schemas.microsoft.com/office/drawing/2010/main">
+        <mc:Choice Requires="a14">
           <p:sp>
             <p:nvSpPr>
               <p:cNvPr id="2" name="Content Placeholder 1">
@@ -13684,7 +15351,7 @@
             </p:txBody>
           </p:sp>
         </mc:Choice>
-        <mc:Fallback>
+        <mc:Fallback xmlns="">
           <p:sp>
             <p:nvSpPr>
               <p:cNvPr id="2" name="Content Placeholder 1">
@@ -13869,378 +15536,6 @@
     <p:extLst>
       <p:ext uri="{BB962C8B-B14F-4D97-AF65-F5344CB8AC3E}">
         <p14:creationId xmlns:p14="http://schemas.microsoft.com/office/powerpoint/2010/main" val="408125638"/>
-      </p:ext>
-    </p:extLst>
-  </p:cSld>
-  <p:clrMapOvr>
-    <a:masterClrMapping/>
-  </p:clrMapOvr>
-</p:sld>
-</file>
-
-<file path=ppt/slides/slide9.xml><?xml version="1.0" encoding="utf-8"?>
-<p:sld xmlns:a="http://schemas.openxmlformats.org/drawingml/2006/main" xmlns:r="http://schemas.openxmlformats.org/officeDocument/2006/relationships" xmlns:p="http://schemas.openxmlformats.org/presentationml/2006/main">
-  <p:cSld>
-    <p:spTree>
-      <p:nvGrpSpPr>
-        <p:cNvPr id="1" name=""/>
-        <p:cNvGrpSpPr/>
-        <p:nvPr/>
-      </p:nvGrpSpPr>
-      <p:grpSpPr>
-        <a:xfrm>
-          <a:off x="0" y="0"/>
-          <a:ext cx="0" cy="0"/>
-          <a:chOff x="0" y="0"/>
-          <a:chExt cx="0" cy="0"/>
-        </a:xfrm>
-      </p:grpSpPr>
-      <p:sp>
-        <p:nvSpPr>
-          <p:cNvPr id="2" name="Content Placeholder 1">
-            <a:extLst>
-              <a:ext uri="{FF2B5EF4-FFF2-40B4-BE49-F238E27FC236}">
-                <a16:creationId xmlns:a16="http://schemas.microsoft.com/office/drawing/2014/main" id="{5AAFBC28-5799-46E6-A5E4-C246C406ED5D}"/>
-              </a:ext>
-            </a:extLst>
-          </p:cNvPr>
-          <p:cNvSpPr>
-            <a:spLocks noGrp="1"/>
-          </p:cNvSpPr>
-          <p:nvPr>
-            <p:ph/>
-          </p:nvPr>
-        </p:nvSpPr>
-        <p:spPr/>
-        <p:txBody>
-          <a:bodyPr/>
-          <a:lstStyle/>
-          <a:p>
-            <a:r>
-              <a:rPr lang="en-US" sz="3600" dirty="0">
-                <a:solidFill>
-                  <a:schemeClr val="accent1"/>
-                </a:solidFill>
-              </a:rPr>
-              <a:t>Correction: S</a:t>
-            </a:r>
-            <a:r>
-              <a:rPr lang="en-US" dirty="0">
-                <a:solidFill>
-                  <a:schemeClr val="accent1"/>
-                </a:solidFill>
-              </a:rPr>
-              <a:t>tatistical Learning Model (C-2)</a:t>
-            </a:r>
-          </a:p>
-          <a:p>
-            <a:endParaRPr lang="en-US" dirty="0">
-              <a:solidFill>
-                <a:schemeClr val="accent1"/>
-              </a:solidFill>
-            </a:endParaRPr>
-          </a:p>
-          <a:p>
-            <a:pPr lvl="1"/>
-            <a:r>
-              <a:rPr lang="en-US" altLang="zh-CN" dirty="0"/>
-              <a:t>Feature scores</a:t>
-            </a:r>
-            <a:r>
-              <a:rPr lang="zh-CN" altLang="en-US" dirty="0"/>
-              <a:t>（</a:t>
-            </a:r>
-            <a:r>
-              <a:rPr lang="en-US" dirty="0"/>
-              <a:t>some kinds of measurement of similarity between two strings):</a:t>
-            </a:r>
-          </a:p>
-          <a:p>
-            <a:pPr lvl="2"/>
-            <a:r>
-              <a:rPr lang="en-US" altLang="zh-CN" dirty="0"/>
-              <a:t>Feature 1</a:t>
-            </a:r>
-            <a:r>
-              <a:rPr lang="zh-CN" altLang="en-US" dirty="0"/>
-              <a:t>： </a:t>
-            </a:r>
-            <a:r>
-              <a:rPr lang="en-US" dirty="0" err="1"/>
-              <a:t>Levenshtein</a:t>
-            </a:r>
-            <a:r>
-              <a:rPr lang="en-US" dirty="0"/>
-              <a:t> edit distance score:</a:t>
-            </a:r>
-          </a:p>
-          <a:p>
-            <a:pPr lvl="2"/>
-            <a:endParaRPr lang="en-US" dirty="0"/>
-          </a:p>
-          <a:p>
-            <a:pPr lvl="2"/>
-            <a:endParaRPr lang="en-US" dirty="0"/>
-          </a:p>
-          <a:p>
-            <a:pPr lvl="2"/>
-            <a:endParaRPr lang="en-US" dirty="0"/>
-          </a:p>
-          <a:p>
-            <a:pPr lvl="2"/>
-            <a:r>
-              <a:rPr lang="en-US" dirty="0">
-                <a:highlight>
-                  <a:srgbClr val="FFFF00"/>
-                </a:highlight>
-              </a:rPr>
-              <a:t>δ is chosen by CV to max the average scores for the ground truth</a:t>
-            </a:r>
-          </a:p>
-          <a:p>
-            <a:pPr lvl="2"/>
-            <a:endParaRPr lang="en-US" dirty="0"/>
-          </a:p>
-          <a:p>
-            <a:pPr lvl="2"/>
-            <a:endParaRPr lang="en-US" dirty="0"/>
-          </a:p>
-          <a:p>
-            <a:pPr lvl="2"/>
-            <a:endParaRPr lang="en-US" dirty="0"/>
-          </a:p>
-          <a:p>
-            <a:pPr marL="914400" lvl="2" indent="0">
-              <a:buNone/>
-            </a:pPr>
-            <a:endParaRPr lang="en-US" dirty="0"/>
-          </a:p>
-          <a:p>
-            <a:pPr lvl="2"/>
-            <a:endParaRPr lang="en-US" dirty="0"/>
-          </a:p>
-          <a:p>
-            <a:endParaRPr lang="en-US" dirty="0"/>
-          </a:p>
-          <a:p>
-            <a:endParaRPr lang="en-US" dirty="0"/>
-          </a:p>
-        </p:txBody>
-      </p:sp>
-      <p:pic>
-        <p:nvPicPr>
-          <p:cNvPr id="3" name="Picture 2">
-            <a:extLst>
-              <a:ext uri="{FF2B5EF4-FFF2-40B4-BE49-F238E27FC236}">
-                <a16:creationId xmlns:a16="http://schemas.microsoft.com/office/drawing/2014/main" id="{70EDDD02-BE51-497E-9B70-5046679FA7B7}"/>
-              </a:ext>
-            </a:extLst>
-          </p:cNvPr>
-          <p:cNvPicPr>
-            <a:picLocks noChangeAspect="1"/>
-          </p:cNvPicPr>
-          <p:nvPr/>
-        </p:nvPicPr>
-        <p:blipFill>
-          <a:blip r:embed="rId2"/>
-          <a:stretch>
-            <a:fillRect/>
-          </a:stretch>
-        </p:blipFill>
-        <p:spPr>
-          <a:xfrm>
-            <a:off x="2286000" y="3031126"/>
-            <a:ext cx="4129088" cy="1000144"/>
-          </a:xfrm>
-          <a:prstGeom prst="rect">
-            <a:avLst/>
-          </a:prstGeom>
-        </p:spPr>
-      </p:pic>
-      <p:sp>
-        <p:nvSpPr>
-          <p:cNvPr id="4" name="Arrow: Down 3">
-            <a:extLst>
-              <a:ext uri="{FF2B5EF4-FFF2-40B4-BE49-F238E27FC236}">
-                <a16:creationId xmlns:a16="http://schemas.microsoft.com/office/drawing/2014/main" id="{338FAA38-E158-4596-92D8-01DBF9CE4B67}"/>
-              </a:ext>
-            </a:extLst>
-          </p:cNvPr>
-          <p:cNvSpPr/>
-          <p:nvPr/>
-        </p:nvSpPr>
-        <p:spPr>
-          <a:xfrm>
-            <a:off x="4953000" y="2968688"/>
-            <a:ext cx="152400" cy="223157"/>
-          </a:xfrm>
-          <a:prstGeom prst="downArrow">
-            <a:avLst/>
-          </a:prstGeom>
-          <a:ln>
-            <a:solidFill>
-              <a:srgbClr val="FF0000"/>
-            </a:solidFill>
-          </a:ln>
-        </p:spPr>
-        <p:style>
-          <a:lnRef idx="2">
-            <a:schemeClr val="accent1">
-              <a:shade val="50000"/>
-            </a:schemeClr>
-          </a:lnRef>
-          <a:fillRef idx="1">
-            <a:schemeClr val="accent1"/>
-          </a:fillRef>
-          <a:effectRef idx="0">
-            <a:schemeClr val="accent1"/>
-          </a:effectRef>
-          <a:fontRef idx="minor">
-            <a:schemeClr val="lt1"/>
-          </a:fontRef>
-        </p:style>
-        <p:txBody>
-          <a:bodyPr rtlCol="0" anchor="ctr"/>
-          <a:lstStyle/>
-          <a:p>
-            <a:pPr algn="ctr"/>
-            <a:endParaRPr lang="en-US"/>
-          </a:p>
-        </p:txBody>
-      </p:sp>
-      <p:sp>
-        <p:nvSpPr>
-          <p:cNvPr id="5" name="TextBox 4">
-            <a:extLst>
-              <a:ext uri="{FF2B5EF4-FFF2-40B4-BE49-F238E27FC236}">
-                <a16:creationId xmlns:a16="http://schemas.microsoft.com/office/drawing/2014/main" id="{4099D268-D07A-40DA-B058-96E14E028668}"/>
-              </a:ext>
-            </a:extLst>
-          </p:cNvPr>
-          <p:cNvSpPr txBox="1"/>
-          <p:nvPr/>
-        </p:nvSpPr>
-        <p:spPr>
-          <a:xfrm>
-            <a:off x="4114800" y="2584608"/>
-            <a:ext cx="2351926" cy="369332"/>
-          </a:xfrm>
-          <a:prstGeom prst="rect">
-            <a:avLst/>
-          </a:prstGeom>
-          <a:noFill/>
-        </p:spPr>
-        <p:txBody>
-          <a:bodyPr wrap="none" rtlCol="0">
-            <a:spAutoFit/>
-          </a:bodyPr>
-          <a:lstStyle/>
-          <a:p>
-            <a:r>
-              <a:rPr lang="en-US" dirty="0" err="1"/>
-              <a:t>Levenshtein</a:t>
-            </a:r>
-            <a:r>
-              <a:rPr lang="en-US" dirty="0"/>
-              <a:t> distance</a:t>
-            </a:r>
-          </a:p>
-        </p:txBody>
-      </p:sp>
-      <p:grpSp>
-        <p:nvGrpSpPr>
-          <p:cNvPr id="8" name="Group 7">
-            <a:extLst>
-              <a:ext uri="{FF2B5EF4-FFF2-40B4-BE49-F238E27FC236}">
-                <a16:creationId xmlns:a16="http://schemas.microsoft.com/office/drawing/2014/main" id="{AFA08FC2-6D0D-4F15-B803-F6A8A4951C26}"/>
-              </a:ext>
-            </a:extLst>
-          </p:cNvPr>
-          <p:cNvGrpSpPr/>
-          <p:nvPr/>
-        </p:nvGrpSpPr>
-        <p:grpSpPr>
-          <a:xfrm>
-            <a:off x="846887" y="4734464"/>
-            <a:ext cx="6535826" cy="1399073"/>
-            <a:chOff x="1066800" y="4186535"/>
-            <a:chExt cx="6535826" cy="1399073"/>
-          </a:xfrm>
-        </p:grpSpPr>
-        <p:pic>
-          <p:nvPicPr>
-            <p:cNvPr id="6" name="Picture 5">
-              <a:extLst>
-                <a:ext uri="{FF2B5EF4-FFF2-40B4-BE49-F238E27FC236}">
-                  <a16:creationId xmlns:a16="http://schemas.microsoft.com/office/drawing/2014/main" id="{4594120B-11CC-4C4E-93EF-31F56910D29C}"/>
-                </a:ext>
-              </a:extLst>
-            </p:cNvPr>
-            <p:cNvPicPr>
-              <a:picLocks noChangeAspect="1"/>
-            </p:cNvPicPr>
-            <p:nvPr/>
-          </p:nvPicPr>
-          <p:blipFill>
-            <a:blip r:embed="rId3"/>
-            <a:stretch>
-              <a:fillRect/>
-            </a:stretch>
-          </p:blipFill>
-          <p:spPr>
-            <a:xfrm>
-              <a:off x="1541374" y="4648200"/>
-              <a:ext cx="6061252" cy="937408"/>
-            </a:xfrm>
-            <a:prstGeom prst="rect">
-              <a:avLst/>
-            </a:prstGeom>
-          </p:spPr>
-        </p:pic>
-        <p:sp>
-          <p:nvSpPr>
-            <p:cNvPr id="7" name="TextBox 6">
-              <a:extLst>
-                <a:ext uri="{FF2B5EF4-FFF2-40B4-BE49-F238E27FC236}">
-                  <a16:creationId xmlns:a16="http://schemas.microsoft.com/office/drawing/2014/main" id="{9D498D0D-B4DB-4165-A64F-AB3EF9CF0988}"/>
-                </a:ext>
-              </a:extLst>
-            </p:cNvPr>
-            <p:cNvSpPr txBox="1"/>
-            <p:nvPr/>
-          </p:nvSpPr>
-          <p:spPr>
-            <a:xfrm>
-              <a:off x="1066800" y="4186535"/>
-              <a:ext cx="5697626" cy="461665"/>
-            </a:xfrm>
-            <a:prstGeom prst="rect">
-              <a:avLst/>
-            </a:prstGeom>
-            <a:noFill/>
-          </p:spPr>
-          <p:txBody>
-            <a:bodyPr wrap="square" rtlCol="0">
-              <a:spAutoFit/>
-            </a:bodyPr>
-            <a:lstStyle/>
-            <a:p>
-              <a:r>
-                <a:rPr lang="en-US" sz="2400" dirty="0"/>
-                <a:t>Difference between two edit distance</a:t>
-              </a:r>
-              <a:r>
-                <a:rPr lang="en-US" dirty="0"/>
-                <a:t>:</a:t>
-              </a:r>
-            </a:p>
-          </p:txBody>
-        </p:sp>
-      </p:grpSp>
-    </p:spTree>
-    <p:extLst>
-      <p:ext uri="{BB962C8B-B14F-4D97-AF65-F5344CB8AC3E}">
-        <p14:creationId xmlns:p14="http://schemas.microsoft.com/office/powerpoint/2010/main" val="3270182050"/>
       </p:ext>
     </p:extLst>
   </p:cSld>

--- a/GR5243 pro4.pptx
+++ b/GR5243 pro4.pptx
@@ -9659,7 +9659,7 @@
             <a:pPr lvl="1"/>
             <a:r>
               <a:rPr lang="en-US" altLang="zh-CN" dirty="0"/>
-              <a:t>Need more </a:t>
+              <a:t>Need more computational resource</a:t>
             </a:r>
             <a:endParaRPr lang="en-US" dirty="0"/>
           </a:p>
@@ -15148,8 +15148,8 @@
           <a:chExt cx="0" cy="0"/>
         </a:xfrm>
       </p:grpSpPr>
-      <mc:AlternateContent xmlns:mc="http://schemas.openxmlformats.org/markup-compatibility/2006" xmlns:a14="http://schemas.microsoft.com/office/drawing/2010/main">
-        <mc:Choice Requires="a14">
+      <mc:AlternateContent xmlns:mc="http://schemas.openxmlformats.org/markup-compatibility/2006">
+        <mc:Choice xmlns:a14="http://schemas.microsoft.com/office/drawing/2010/main" Requires="a14">
           <p:sp>
             <p:nvSpPr>
               <p:cNvPr id="2" name="Content Placeholder 1">
@@ -15316,7 +15316,10 @@
                     </m:r>
                   </m:oMath>
                 </a14:m>
-                <a:endParaRPr lang="en-US" dirty="0"/>
+                <a:r>
+                  <a:rPr lang="en-US" dirty="0"/>
+                  <a:t>and δ is not greater than 20</a:t>
+                </a:r>
               </a:p>
               <a:p>
                 <a:pPr lvl="2"/>
@@ -15351,7 +15354,7 @@
             </p:txBody>
           </p:sp>
         </mc:Choice>
-        <mc:Fallback xmlns="">
+        <mc:Fallback>
           <p:sp>
             <p:nvSpPr>
               <p:cNvPr id="2" name="Content Placeholder 1">

--- a/GR5243 pro4.pptx
+++ b/GR5243 pro4.pptx
@@ -6,7 +6,7 @@
     <p:sldMasterId id="2147483649" r:id="rId2"/>
   </p:sldMasterIdLst>
   <p:notesMasterIdLst>
-    <p:notesMasterId r:id="rId25"/>
+    <p:notesMasterId r:id="rId24"/>
   </p:notesMasterIdLst>
   <p:sldIdLst>
     <p:sldId id="298" r:id="rId3"/>
@@ -28,9 +28,8 @@
     <p:sldId id="316" r:id="rId19"/>
     <p:sldId id="318" r:id="rId20"/>
     <p:sldId id="302" r:id="rId21"/>
-    <p:sldId id="303" r:id="rId22"/>
-    <p:sldId id="301" r:id="rId23"/>
-    <p:sldId id="319" r:id="rId24"/>
+    <p:sldId id="320" r:id="rId22"/>
+    <p:sldId id="319" r:id="rId23"/>
   </p:sldIdLst>
   <p:sldSz cx="9144000" cy="6858000" type="screen4x3"/>
   <p:notesSz cx="7010400" cy="9296400"/>
@@ -222,7 +221,7 @@
           <p:cNvPr id="3074" name="Rectangle 2">
             <a:extLst>
               <a:ext uri="{FF2B5EF4-FFF2-40B4-BE49-F238E27FC236}">
-                <a16:creationId xmlns:a16="http://schemas.microsoft.com/office/drawing/2014/main" id="{EEE989EB-45A4-4865-8726-A13FD1852CCF}"/>
+                <a16:creationId xmlns:a16="http://schemas.microsoft.com/office/drawing/2014/main" xmlns="" id="{EEE989EB-45A4-4865-8726-A13FD1852CCF}"/>
               </a:ext>
             </a:extLst>
           </p:cNvPr>
@@ -277,7 +276,7 @@
           <p:cNvPr id="3075" name="Rectangle 3">
             <a:extLst>
               <a:ext uri="{FF2B5EF4-FFF2-40B4-BE49-F238E27FC236}">
-                <a16:creationId xmlns:a16="http://schemas.microsoft.com/office/drawing/2014/main" id="{131FA17A-806F-40EE-AD8E-8EB10B01CF8D}"/>
+                <a16:creationId xmlns:a16="http://schemas.microsoft.com/office/drawing/2014/main" xmlns="" id="{131FA17A-806F-40EE-AD8E-8EB10B01CF8D}"/>
               </a:ext>
             </a:extLst>
           </p:cNvPr>
@@ -332,7 +331,7 @@
           <p:cNvPr id="3076" name="Rectangle 4">
             <a:extLst>
               <a:ext uri="{FF2B5EF4-FFF2-40B4-BE49-F238E27FC236}">
-                <a16:creationId xmlns:a16="http://schemas.microsoft.com/office/drawing/2014/main" id="{20A6DBC7-3EAF-46EF-A5E7-4482793D6C1F}"/>
+                <a16:creationId xmlns:a16="http://schemas.microsoft.com/office/drawing/2014/main" xmlns="" id="{20A6DBC7-3EAF-46EF-A5E7-4482793D6C1F}"/>
               </a:ext>
             </a:extLst>
           </p:cNvPr>
@@ -376,7 +375,7 @@
           <p:cNvPr id="3077" name="Rectangle 5">
             <a:extLst>
               <a:ext uri="{FF2B5EF4-FFF2-40B4-BE49-F238E27FC236}">
-                <a16:creationId xmlns:a16="http://schemas.microsoft.com/office/drawing/2014/main" id="{E1EF692F-2959-433F-99B4-A138B0032444}"/>
+                <a16:creationId xmlns:a16="http://schemas.microsoft.com/office/drawing/2014/main" xmlns="" id="{E1EF692F-2959-433F-99B4-A138B0032444}"/>
               </a:ext>
             </a:extLst>
           </p:cNvPr>
@@ -453,7 +452,7 @@
           <p:cNvPr id="3078" name="Rectangle 6">
             <a:extLst>
               <a:ext uri="{FF2B5EF4-FFF2-40B4-BE49-F238E27FC236}">
-                <a16:creationId xmlns:a16="http://schemas.microsoft.com/office/drawing/2014/main" id="{61AB383F-FC50-49D8-9E58-FDBD2685246D}"/>
+                <a16:creationId xmlns:a16="http://schemas.microsoft.com/office/drawing/2014/main" xmlns="" id="{61AB383F-FC50-49D8-9E58-FDBD2685246D}"/>
               </a:ext>
             </a:extLst>
           </p:cNvPr>
@@ -508,7 +507,7 @@
           <p:cNvPr id="3079" name="Rectangle 7">
             <a:extLst>
               <a:ext uri="{FF2B5EF4-FFF2-40B4-BE49-F238E27FC236}">
-                <a16:creationId xmlns:a16="http://schemas.microsoft.com/office/drawing/2014/main" id="{A67FD132-7572-4F97-8C87-E22A1B7AFFA9}"/>
+                <a16:creationId xmlns:a16="http://schemas.microsoft.com/office/drawing/2014/main" xmlns="" id="{A67FD132-7572-4F97-8C87-E22A1B7AFFA9}"/>
               </a:ext>
             </a:extLst>
           </p:cNvPr>
@@ -715,7 +714,7 @@
           <p:cNvPr id="5121" name="Rectangle 7">
             <a:extLst>
               <a:ext uri="{FF2B5EF4-FFF2-40B4-BE49-F238E27FC236}">
-                <a16:creationId xmlns:a16="http://schemas.microsoft.com/office/drawing/2014/main" id="{9F1AF9A5-B048-4420-81A8-BBF2322834D3}"/>
+                <a16:creationId xmlns:a16="http://schemas.microsoft.com/office/drawing/2014/main" xmlns="" id="{9F1AF9A5-B048-4420-81A8-BBF2322834D3}"/>
               </a:ext>
             </a:extLst>
           </p:cNvPr>
@@ -897,7 +896,7 @@
           <p:cNvPr id="5122" name="Rectangle 2">
             <a:extLst>
               <a:ext uri="{FF2B5EF4-FFF2-40B4-BE49-F238E27FC236}">
-                <a16:creationId xmlns:a16="http://schemas.microsoft.com/office/drawing/2014/main" id="{64B3B10B-73D2-44C2-BC67-B0ECB8DDDE8B}"/>
+                <a16:creationId xmlns:a16="http://schemas.microsoft.com/office/drawing/2014/main" xmlns="" id="{64B3B10B-73D2-44C2-BC67-B0ECB8DDDE8B}"/>
               </a:ext>
             </a:extLst>
           </p:cNvPr>
@@ -917,7 +916,7 @@
           <p:cNvPr id="5123" name="Rectangle 3">
             <a:extLst>
               <a:ext uri="{FF2B5EF4-FFF2-40B4-BE49-F238E27FC236}">
-                <a16:creationId xmlns:a16="http://schemas.microsoft.com/office/drawing/2014/main" id="{C10A86C0-3F3F-4705-BE27-36D8205F40AF}"/>
+                <a16:creationId xmlns:a16="http://schemas.microsoft.com/office/drawing/2014/main" xmlns="" id="{C10A86C0-3F3F-4705-BE27-36D8205F40AF}"/>
               </a:ext>
             </a:extLst>
           </p:cNvPr>
@@ -4982,7 +4981,7 @@
           <p:cNvPr id="1029" name="Rectangle 4">
             <a:extLst>
               <a:ext uri="{FF2B5EF4-FFF2-40B4-BE49-F238E27FC236}">
-                <a16:creationId xmlns:a16="http://schemas.microsoft.com/office/drawing/2014/main" id="{9AA5B248-9447-4798-9234-B0A7AF4D49DB}"/>
+                <a16:creationId xmlns:a16="http://schemas.microsoft.com/office/drawing/2014/main" xmlns="" id="{9AA5B248-9447-4798-9234-B0A7AF4D49DB}"/>
               </a:ext>
             </a:extLst>
           </p:cNvPr>
@@ -5033,7 +5032,7 @@
           <p:cNvPr id="1027" name="Picture 6">
             <a:extLst>
               <a:ext uri="{FF2B5EF4-FFF2-40B4-BE49-F238E27FC236}">
-                <a16:creationId xmlns:a16="http://schemas.microsoft.com/office/drawing/2014/main" id="{114438BF-653C-434C-815B-58822BB124C6}"/>
+                <a16:creationId xmlns:a16="http://schemas.microsoft.com/office/drawing/2014/main" xmlns="" id="{114438BF-653C-434C-815B-58822BB124C6}"/>
               </a:ext>
             </a:extLst>
           </p:cNvPr>
@@ -5519,7 +5518,7 @@
           <p:cNvPr id="2050" name="Picture 8" descr="CU_NYtraditionacrown">
             <a:extLst>
               <a:ext uri="{FF2B5EF4-FFF2-40B4-BE49-F238E27FC236}">
-                <a16:creationId xmlns:a16="http://schemas.microsoft.com/office/drawing/2014/main" id="{B01742CE-7BB6-44B7-A8B0-E0948CF059EB}"/>
+                <a16:creationId xmlns:a16="http://schemas.microsoft.com/office/drawing/2014/main" xmlns="" id="{B01742CE-7BB6-44B7-A8B0-E0948CF059EB}"/>
               </a:ext>
             </a:extLst>
           </p:cNvPr>
@@ -5997,7 +5996,7 @@
           <p:cNvPr id="2" name="Title 1">
             <a:extLst>
               <a:ext uri="{FF2B5EF4-FFF2-40B4-BE49-F238E27FC236}">
-                <a16:creationId xmlns:a16="http://schemas.microsoft.com/office/drawing/2014/main" id="{5DA16C44-6B0E-44FE-A10E-512CDE322B8B}"/>
+                <a16:creationId xmlns:a16="http://schemas.microsoft.com/office/drawing/2014/main" xmlns="" id="{5DA16C44-6B0E-44FE-A10E-512CDE322B8B}"/>
               </a:ext>
             </a:extLst>
           </p:cNvPr>
@@ -6194,7 +6193,7 @@
           <p:cNvPr id="3" name="Subtitle 2">
             <a:extLst>
               <a:ext uri="{FF2B5EF4-FFF2-40B4-BE49-F238E27FC236}">
-                <a16:creationId xmlns:a16="http://schemas.microsoft.com/office/drawing/2014/main" id="{5DF6BF43-F0D1-46D4-A78A-6D397991EBAA}"/>
+                <a16:creationId xmlns:a16="http://schemas.microsoft.com/office/drawing/2014/main" xmlns="" id="{5DF6BF43-F0D1-46D4-A78A-6D397991EBAA}"/>
               </a:ext>
             </a:extLst>
           </p:cNvPr>
@@ -6430,7 +6429,7 @@
           <p:cNvPr id="4" name="TextBox 3">
             <a:extLst>
               <a:ext uri="{FF2B5EF4-FFF2-40B4-BE49-F238E27FC236}">
-                <a16:creationId xmlns:a16="http://schemas.microsoft.com/office/drawing/2014/main" id="{FECE2794-4047-440A-B98E-A0EABB011CE5}"/>
+                <a16:creationId xmlns:a16="http://schemas.microsoft.com/office/drawing/2014/main" xmlns="" id="{FECE2794-4047-440A-B98E-A0EABB011CE5}"/>
               </a:ext>
             </a:extLst>
           </p:cNvPr>
@@ -6492,7 +6491,7 @@
           <p:cNvPr id="2" name="Content Placeholder 1">
             <a:extLst>
               <a:ext uri="{FF2B5EF4-FFF2-40B4-BE49-F238E27FC236}">
-                <a16:creationId xmlns:a16="http://schemas.microsoft.com/office/drawing/2014/main" id="{5AAFBC28-5799-46E6-A5E4-C246C406ED5D}"/>
+                <a16:creationId xmlns:a16="http://schemas.microsoft.com/office/drawing/2014/main" xmlns="" id="{5AAFBC28-5799-46E6-A5E4-C246C406ED5D}"/>
               </a:ext>
             </a:extLst>
           </p:cNvPr>
@@ -6620,7 +6619,7 @@
           <p:cNvPr id="3" name="Picture 2">
             <a:extLst>
               <a:ext uri="{FF2B5EF4-FFF2-40B4-BE49-F238E27FC236}">
-                <a16:creationId xmlns:a16="http://schemas.microsoft.com/office/drawing/2014/main" id="{70EDDD02-BE51-497E-9B70-5046679FA7B7}"/>
+                <a16:creationId xmlns:a16="http://schemas.microsoft.com/office/drawing/2014/main" xmlns="" id="{70EDDD02-BE51-497E-9B70-5046679FA7B7}"/>
               </a:ext>
             </a:extLst>
           </p:cNvPr>
@@ -6650,7 +6649,7 @@
           <p:cNvPr id="4" name="Arrow: Down 3">
             <a:extLst>
               <a:ext uri="{FF2B5EF4-FFF2-40B4-BE49-F238E27FC236}">
-                <a16:creationId xmlns:a16="http://schemas.microsoft.com/office/drawing/2014/main" id="{338FAA38-E158-4596-92D8-01DBF9CE4B67}"/>
+                <a16:creationId xmlns:a16="http://schemas.microsoft.com/office/drawing/2014/main" xmlns="" id="{338FAA38-E158-4596-92D8-01DBF9CE4B67}"/>
               </a:ext>
             </a:extLst>
           </p:cNvPr>
@@ -6701,7 +6700,7 @@
           <p:cNvPr id="5" name="TextBox 4">
             <a:extLst>
               <a:ext uri="{FF2B5EF4-FFF2-40B4-BE49-F238E27FC236}">
-                <a16:creationId xmlns:a16="http://schemas.microsoft.com/office/drawing/2014/main" id="{4099D268-D07A-40DA-B058-96E14E028668}"/>
+                <a16:creationId xmlns:a16="http://schemas.microsoft.com/office/drawing/2014/main" xmlns="" id="{4099D268-D07A-40DA-B058-96E14E028668}"/>
               </a:ext>
             </a:extLst>
           </p:cNvPr>
@@ -6740,7 +6739,7 @@
           <p:cNvPr id="8" name="Group 7">
             <a:extLst>
               <a:ext uri="{FF2B5EF4-FFF2-40B4-BE49-F238E27FC236}">
-                <a16:creationId xmlns:a16="http://schemas.microsoft.com/office/drawing/2014/main" id="{AFA08FC2-6D0D-4F15-B803-F6A8A4951C26}"/>
+                <a16:creationId xmlns:a16="http://schemas.microsoft.com/office/drawing/2014/main" xmlns="" id="{AFA08FC2-6D0D-4F15-B803-F6A8A4951C26}"/>
               </a:ext>
             </a:extLst>
           </p:cNvPr>
@@ -6760,7 +6759,7 @@
             <p:cNvPr id="6" name="Picture 5">
               <a:extLst>
                 <a:ext uri="{FF2B5EF4-FFF2-40B4-BE49-F238E27FC236}">
-                  <a16:creationId xmlns:a16="http://schemas.microsoft.com/office/drawing/2014/main" id="{4594120B-11CC-4C4E-93EF-31F56910D29C}"/>
+                  <a16:creationId xmlns:a16="http://schemas.microsoft.com/office/drawing/2014/main" xmlns="" id="{4594120B-11CC-4C4E-93EF-31F56910D29C}"/>
                 </a:ext>
               </a:extLst>
             </p:cNvPr>
@@ -6790,7 +6789,7 @@
             <p:cNvPr id="7" name="TextBox 6">
               <a:extLst>
                 <a:ext uri="{FF2B5EF4-FFF2-40B4-BE49-F238E27FC236}">
-                  <a16:creationId xmlns:a16="http://schemas.microsoft.com/office/drawing/2014/main" id="{9D498D0D-B4DB-4165-A64F-AB3EF9CF0988}"/>
+                  <a16:creationId xmlns:a16="http://schemas.microsoft.com/office/drawing/2014/main" xmlns="" id="{9D498D0D-B4DB-4165-A64F-AB3EF9CF0988}"/>
                 </a:ext>
               </a:extLst>
             </p:cNvPr>
@@ -6860,7 +6859,7 @@
           <p:cNvPr id="2" name="Content Placeholder 1">
             <a:extLst>
               <a:ext uri="{FF2B5EF4-FFF2-40B4-BE49-F238E27FC236}">
-                <a16:creationId xmlns:a16="http://schemas.microsoft.com/office/drawing/2014/main" id="{A247519D-0913-4560-AD64-C44951BC3363}"/>
+                <a16:creationId xmlns:a16="http://schemas.microsoft.com/office/drawing/2014/main" xmlns="" id="{A247519D-0913-4560-AD64-C44951BC3363}"/>
               </a:ext>
             </a:extLst>
           </p:cNvPr>
@@ -6926,7 +6925,7 @@
           <p:cNvPr id="7" name="Group 6">
             <a:extLst>
               <a:ext uri="{FF2B5EF4-FFF2-40B4-BE49-F238E27FC236}">
-                <a16:creationId xmlns:a16="http://schemas.microsoft.com/office/drawing/2014/main" id="{BDCE716A-16D6-432D-9C88-45EE28CFABE4}"/>
+                <a16:creationId xmlns:a16="http://schemas.microsoft.com/office/drawing/2014/main" xmlns="" id="{BDCE716A-16D6-432D-9C88-45EE28CFABE4}"/>
               </a:ext>
             </a:extLst>
           </p:cNvPr>
@@ -6946,7 +6945,7 @@
             <p:cNvPr id="5" name="Group 4">
               <a:extLst>
                 <a:ext uri="{FF2B5EF4-FFF2-40B4-BE49-F238E27FC236}">
-                  <a16:creationId xmlns:a16="http://schemas.microsoft.com/office/drawing/2014/main" id="{3D82CF4F-0009-4718-AE68-82A4257F6A84}"/>
+                  <a16:creationId xmlns:a16="http://schemas.microsoft.com/office/drawing/2014/main" xmlns="" id="{3D82CF4F-0009-4718-AE68-82A4257F6A84}"/>
                 </a:ext>
               </a:extLst>
             </p:cNvPr>
@@ -6966,7 +6965,7 @@
               <p:cNvPr id="3" name="Picture 2">
                 <a:extLst>
                   <a:ext uri="{FF2B5EF4-FFF2-40B4-BE49-F238E27FC236}">
-                    <a16:creationId xmlns:a16="http://schemas.microsoft.com/office/drawing/2014/main" id="{6ED13E9B-4D61-4353-81B5-824A713095D7}"/>
+                    <a16:creationId xmlns:a16="http://schemas.microsoft.com/office/drawing/2014/main" xmlns="" id="{6ED13E9B-4D61-4353-81B5-824A713095D7}"/>
                   </a:ext>
                 </a:extLst>
               </p:cNvPr>
@@ -6996,7 +6995,7 @@
               <p:cNvPr id="4" name="Picture 3">
                 <a:extLst>
                   <a:ext uri="{FF2B5EF4-FFF2-40B4-BE49-F238E27FC236}">
-                    <a16:creationId xmlns:a16="http://schemas.microsoft.com/office/drawing/2014/main" id="{CE160FD3-E2FB-4C67-88E8-97526000358B}"/>
+                    <a16:creationId xmlns:a16="http://schemas.microsoft.com/office/drawing/2014/main" xmlns="" id="{CE160FD3-E2FB-4C67-88E8-97526000358B}"/>
                   </a:ext>
                 </a:extLst>
               </p:cNvPr>
@@ -7027,7 +7026,7 @@
             <p:cNvPr id="6" name="Picture 5">
               <a:extLst>
                 <a:ext uri="{FF2B5EF4-FFF2-40B4-BE49-F238E27FC236}">
-                  <a16:creationId xmlns:a16="http://schemas.microsoft.com/office/drawing/2014/main" id="{3FD86E2C-4FB8-444E-B6CB-D0BCF3A4B323}"/>
+                  <a16:creationId xmlns:a16="http://schemas.microsoft.com/office/drawing/2014/main" xmlns="" id="{3FD86E2C-4FB8-444E-B6CB-D0BCF3A4B323}"/>
                 </a:ext>
               </a:extLst>
             </p:cNvPr>
@@ -7058,7 +7057,7 @@
           <p:cNvPr id="11" name="Group 10">
             <a:extLst>
               <a:ext uri="{FF2B5EF4-FFF2-40B4-BE49-F238E27FC236}">
-                <a16:creationId xmlns:a16="http://schemas.microsoft.com/office/drawing/2014/main" id="{F21B6F9C-ACCB-4769-85D6-A24F94DF9F08}"/>
+                <a16:creationId xmlns:a16="http://schemas.microsoft.com/office/drawing/2014/main" xmlns="" id="{F21B6F9C-ACCB-4769-85D6-A24F94DF9F08}"/>
               </a:ext>
             </a:extLst>
           </p:cNvPr>
@@ -7078,7 +7077,7 @@
             <p:cNvPr id="9" name="Picture 8">
               <a:extLst>
                 <a:ext uri="{FF2B5EF4-FFF2-40B4-BE49-F238E27FC236}">
-                  <a16:creationId xmlns:a16="http://schemas.microsoft.com/office/drawing/2014/main" id="{FF68A088-BC4A-4DAE-B571-D71C105D6935}"/>
+                  <a16:creationId xmlns:a16="http://schemas.microsoft.com/office/drawing/2014/main" xmlns="" id="{FF68A088-BC4A-4DAE-B571-D71C105D6935}"/>
                 </a:ext>
               </a:extLst>
             </p:cNvPr>
@@ -7108,7 +7107,7 @@
             <p:cNvPr id="10" name="Picture 9">
               <a:extLst>
                 <a:ext uri="{FF2B5EF4-FFF2-40B4-BE49-F238E27FC236}">
-                  <a16:creationId xmlns:a16="http://schemas.microsoft.com/office/drawing/2014/main" id="{DD47BCC8-6EFB-4A75-A064-83AACC67091A}"/>
+                  <a16:creationId xmlns:a16="http://schemas.microsoft.com/office/drawing/2014/main" xmlns="" id="{DD47BCC8-6EFB-4A75-A064-83AACC67091A}"/>
                 </a:ext>
               </a:extLst>
             </p:cNvPr>
@@ -7139,7 +7138,7 @@
           <p:cNvPr id="13" name="Arrow: Down 12">
             <a:extLst>
               <a:ext uri="{FF2B5EF4-FFF2-40B4-BE49-F238E27FC236}">
-                <a16:creationId xmlns:a16="http://schemas.microsoft.com/office/drawing/2014/main" id="{FF8FCB9E-86A3-4E56-A2DB-979F685E6436}"/>
+                <a16:creationId xmlns:a16="http://schemas.microsoft.com/office/drawing/2014/main" xmlns="" id="{FF8FCB9E-86A3-4E56-A2DB-979F685E6436}"/>
               </a:ext>
             </a:extLst>
           </p:cNvPr>
@@ -7190,7 +7189,7 @@
           <p:cNvPr id="14" name="TextBox 13">
             <a:extLst>
               <a:ext uri="{FF2B5EF4-FFF2-40B4-BE49-F238E27FC236}">
-                <a16:creationId xmlns:a16="http://schemas.microsoft.com/office/drawing/2014/main" id="{BCCF970A-3425-4434-B04A-FDB352BF1E84}"/>
+                <a16:creationId xmlns:a16="http://schemas.microsoft.com/office/drawing/2014/main" xmlns="" id="{BCCF970A-3425-4434-B04A-FDB352BF1E84}"/>
               </a:ext>
             </a:extLst>
           </p:cNvPr>
@@ -7225,7 +7224,7 @@
           <p:cNvPr id="15" name="TextBox 14">
             <a:extLst>
               <a:ext uri="{FF2B5EF4-FFF2-40B4-BE49-F238E27FC236}">
-                <a16:creationId xmlns:a16="http://schemas.microsoft.com/office/drawing/2014/main" id="{5240C373-3040-40BA-AEEC-44489D5F2BEA}"/>
+                <a16:creationId xmlns:a16="http://schemas.microsoft.com/office/drawing/2014/main" xmlns="" id="{5240C373-3040-40BA-AEEC-44489D5F2BEA}"/>
               </a:ext>
             </a:extLst>
           </p:cNvPr>
@@ -7262,7 +7261,7 @@
               <p:cNvPr id="16" name="TextBox 15">
                 <a:extLst>
                   <a:ext uri="{FF2B5EF4-FFF2-40B4-BE49-F238E27FC236}">
-                    <a16:creationId xmlns:a16="http://schemas.microsoft.com/office/drawing/2014/main" id="{D742327A-31EF-4A5D-8D40-A284CF8349C6}"/>
+                    <a16:creationId xmlns:a16="http://schemas.microsoft.com/office/drawing/2014/main" xmlns="" id="{D742327A-31EF-4A5D-8D40-A284CF8349C6}"/>
                   </a:ext>
                 </a:extLst>
               </p:cNvPr>
@@ -7295,7 +7294,7 @@
                       <m:sSubPr>
                         <m:ctrlPr>
                           <a:rPr lang="en-US" i="1" smtClean="0">
-                            <a:latin typeface="Cambria Math" panose="02040503050406030204" pitchFamily="18" charset="0"/>
+                            <a:latin typeface="Cambria Math" charset="0"/>
                           </a:rPr>
                         </m:ctrlPr>
                       </m:sSubPr>
@@ -7327,7 +7326,7 @@
                       <m:sSubPr>
                         <m:ctrlPr>
                           <a:rPr lang="en-US" i="1" smtClean="0">
-                            <a:latin typeface="Cambria Math" panose="02040503050406030204" pitchFamily="18" charset="0"/>
+                            <a:latin typeface="Cambria Math" charset="0"/>
                           </a:rPr>
                         </m:ctrlPr>
                       </m:sSubPr>
@@ -7359,7 +7358,7 @@
                       <m:sSubPr>
                         <m:ctrlPr>
                           <a:rPr lang="en-US" i="1" smtClean="0">
-                            <a:latin typeface="Cambria Math" panose="02040503050406030204" pitchFamily="18" charset="0"/>
+                            <a:latin typeface="Cambria Math" charset="0"/>
                           </a:rPr>
                         </m:ctrlPr>
                       </m:sSubPr>
@@ -7391,7 +7390,7 @@
                       <m:sSubPr>
                         <m:ctrlPr>
                           <a:rPr lang="en-US" i="1" smtClean="0">
-                            <a:latin typeface="Cambria Math" panose="02040503050406030204" pitchFamily="18" charset="0"/>
+                            <a:latin typeface="Cambria Math" charset="0"/>
                           </a:rPr>
                         </m:ctrlPr>
                       </m:sSubPr>
@@ -7431,7 +7430,7 @@
                       <m:sSubPr>
                         <m:ctrlPr>
                           <a:rPr lang="en-US" i="1" smtClean="0">
-                            <a:latin typeface="Cambria Math" panose="02040503050406030204" pitchFamily="18" charset="0"/>
+                            <a:latin typeface="Cambria Math" charset="0"/>
                           </a:rPr>
                         </m:ctrlPr>
                       </m:sSubPr>
@@ -7463,7 +7462,7 @@
                       <m:sSubPr>
                         <m:ctrlPr>
                           <a:rPr lang="en-US" i="1" smtClean="0">
-                            <a:latin typeface="Cambria Math" panose="02040503050406030204" pitchFamily="18" charset="0"/>
+                            <a:latin typeface="Cambria Math" charset="0"/>
                           </a:rPr>
                         </m:ctrlPr>
                       </m:sSubPr>
@@ -7495,7 +7494,7 @@
                       <m:sSubPr>
                         <m:ctrlPr>
                           <a:rPr lang="en-US" i="1" smtClean="0">
-                            <a:latin typeface="Cambria Math" panose="02040503050406030204" pitchFamily="18" charset="0"/>
+                            <a:latin typeface="Cambria Math" charset="0"/>
                           </a:rPr>
                         </m:ctrlPr>
                       </m:sSubPr>
@@ -7527,7 +7526,7 @@
                       <m:sSubPr>
                         <m:ctrlPr>
                           <a:rPr lang="en-US" i="1" smtClean="0">
-                            <a:latin typeface="Cambria Math" panose="02040503050406030204" pitchFamily="18" charset="0"/>
+                            <a:latin typeface="Cambria Math" charset="0"/>
                           </a:rPr>
                         </m:ctrlPr>
                       </m:sSubPr>
@@ -7615,7 +7614,7 @@
           <p:cNvPr id="17" name="TextBox 16">
             <a:extLst>
               <a:ext uri="{FF2B5EF4-FFF2-40B4-BE49-F238E27FC236}">
-                <a16:creationId xmlns:a16="http://schemas.microsoft.com/office/drawing/2014/main" id="{9898967C-1E7F-4C94-8E2E-229FDB4221B5}"/>
+                <a16:creationId xmlns:a16="http://schemas.microsoft.com/office/drawing/2014/main" xmlns="" id="{9898967C-1E7F-4C94-8E2E-229FDB4221B5}"/>
               </a:ext>
             </a:extLst>
           </p:cNvPr>
@@ -7680,7 +7679,7 @@
           <p:cNvPr id="2" name="Content Placeholder 1">
             <a:extLst>
               <a:ext uri="{FF2B5EF4-FFF2-40B4-BE49-F238E27FC236}">
-                <a16:creationId xmlns:a16="http://schemas.microsoft.com/office/drawing/2014/main" id="{A64A1706-8061-4E9A-B8C9-BAD0F3874118}"/>
+                <a16:creationId xmlns:a16="http://schemas.microsoft.com/office/drawing/2014/main" xmlns="" id="{A64A1706-8061-4E9A-B8C9-BAD0F3874118}"/>
               </a:ext>
             </a:extLst>
           </p:cNvPr>
@@ -7745,7 +7744,7 @@
           <p:cNvPr id="5" name="Group 4">
             <a:extLst>
               <a:ext uri="{FF2B5EF4-FFF2-40B4-BE49-F238E27FC236}">
-                <a16:creationId xmlns:a16="http://schemas.microsoft.com/office/drawing/2014/main" id="{E16D7F05-EB86-4057-990E-0ED9277106AF}"/>
+                <a16:creationId xmlns:a16="http://schemas.microsoft.com/office/drawing/2014/main" xmlns="" id="{E16D7F05-EB86-4057-990E-0ED9277106AF}"/>
               </a:ext>
             </a:extLst>
           </p:cNvPr>
@@ -7765,7 +7764,7 @@
             <p:cNvPr id="3" name="Picture 2">
               <a:extLst>
                 <a:ext uri="{FF2B5EF4-FFF2-40B4-BE49-F238E27FC236}">
-                  <a16:creationId xmlns:a16="http://schemas.microsoft.com/office/drawing/2014/main" id="{BA713959-3ED9-4A84-B576-7514747924BE}"/>
+                  <a16:creationId xmlns:a16="http://schemas.microsoft.com/office/drawing/2014/main" xmlns="" id="{BA713959-3ED9-4A84-B576-7514747924BE}"/>
                 </a:ext>
               </a:extLst>
             </p:cNvPr>
@@ -7794,7 +7793,7 @@
             <p:cNvPr id="4" name="Picture 3">
               <a:extLst>
                 <a:ext uri="{FF2B5EF4-FFF2-40B4-BE49-F238E27FC236}">
-                  <a16:creationId xmlns:a16="http://schemas.microsoft.com/office/drawing/2014/main" id="{C252F352-7087-48E6-A8AC-B018DBC1889B}"/>
+                  <a16:creationId xmlns:a16="http://schemas.microsoft.com/office/drawing/2014/main" xmlns="" id="{C252F352-7087-48E6-A8AC-B018DBC1889B}"/>
                 </a:ext>
               </a:extLst>
             </p:cNvPr>
@@ -7824,7 +7823,7 @@
           <p:cNvPr id="7" name="Arrow: Down 6">
             <a:extLst>
               <a:ext uri="{FF2B5EF4-FFF2-40B4-BE49-F238E27FC236}">
-                <a16:creationId xmlns:a16="http://schemas.microsoft.com/office/drawing/2014/main" id="{254C7B10-61E8-41EA-A789-27C7B87C6129}"/>
+                <a16:creationId xmlns:a16="http://schemas.microsoft.com/office/drawing/2014/main" xmlns="" id="{254C7B10-61E8-41EA-A789-27C7B87C6129}"/>
               </a:ext>
             </a:extLst>
           </p:cNvPr>
@@ -7875,7 +7874,7 @@
           <p:cNvPr id="8" name="Arrow: Down 7">
             <a:extLst>
               <a:ext uri="{FF2B5EF4-FFF2-40B4-BE49-F238E27FC236}">
-                <a16:creationId xmlns:a16="http://schemas.microsoft.com/office/drawing/2014/main" id="{9CDFC08A-F757-4F9E-A53D-88B54CDB13CD}"/>
+                <a16:creationId xmlns:a16="http://schemas.microsoft.com/office/drawing/2014/main" xmlns="" id="{9CDFC08A-F757-4F9E-A53D-88B54CDB13CD}"/>
               </a:ext>
             </a:extLst>
           </p:cNvPr>
@@ -7928,7 +7927,7 @@
               <p:cNvPr id="9" name="TextBox 8">
                 <a:extLst>
                   <a:ext uri="{FF2B5EF4-FFF2-40B4-BE49-F238E27FC236}">
-                    <a16:creationId xmlns:a16="http://schemas.microsoft.com/office/drawing/2014/main" id="{3EAF5192-83E4-49BD-8215-3B9E72B357DB}"/>
+                    <a16:creationId xmlns:a16="http://schemas.microsoft.com/office/drawing/2014/main" xmlns="" id="{3EAF5192-83E4-49BD-8215-3B9E72B357DB}"/>
                   </a:ext>
                 </a:extLst>
               </p:cNvPr>
@@ -7975,7 +7974,7 @@
                       <m:sSubPr>
                         <m:ctrlPr>
                           <a:rPr lang="en-US" i="1" smtClean="0">
-                            <a:latin typeface="Cambria Math" panose="02040503050406030204" pitchFamily="18" charset="0"/>
+                            <a:latin typeface="Cambria Math" charset="0"/>
                           </a:rPr>
                         </m:ctrlPr>
                       </m:sSubPr>
@@ -8007,7 +8006,7 @@
                       <m:sSubPr>
                         <m:ctrlPr>
                           <a:rPr lang="en-US" i="1" smtClean="0">
-                            <a:latin typeface="Cambria Math" panose="02040503050406030204" pitchFamily="18" charset="0"/>
+                            <a:latin typeface="Cambria Math" charset="0"/>
                           </a:rPr>
                         </m:ctrlPr>
                       </m:sSubPr>
@@ -8088,7 +8087,7 @@
               <p:cNvPr id="10" name="TextBox 9">
                 <a:extLst>
                   <a:ext uri="{FF2B5EF4-FFF2-40B4-BE49-F238E27FC236}">
-                    <a16:creationId xmlns:a16="http://schemas.microsoft.com/office/drawing/2014/main" id="{23A1F844-061C-43DA-91DA-7D82F85CDBCC}"/>
+                    <a16:creationId xmlns:a16="http://schemas.microsoft.com/office/drawing/2014/main" xmlns="" id="{23A1F844-061C-43DA-91DA-7D82F85CDBCC}"/>
                   </a:ext>
                 </a:extLst>
               </p:cNvPr>
@@ -8122,7 +8121,7 @@
                         <m:sSubPr>
                           <m:ctrlPr>
                             <a:rPr lang="en-US" i="1" smtClean="0">
-                              <a:latin typeface="Cambria Math" panose="02040503050406030204" pitchFamily="18" charset="0"/>
+                              <a:latin typeface="Cambria Math" charset="0"/>
                             </a:rPr>
                           </m:ctrlPr>
                         </m:sSubPr>
@@ -8232,7 +8231,7 @@
           <p:cNvPr id="2" name="Content Placeholder 1">
             <a:extLst>
               <a:ext uri="{FF2B5EF4-FFF2-40B4-BE49-F238E27FC236}">
-                <a16:creationId xmlns:a16="http://schemas.microsoft.com/office/drawing/2014/main" id="{4FB05D8E-39BC-4B84-8F56-C99E7B484A9A}"/>
+                <a16:creationId xmlns:a16="http://schemas.microsoft.com/office/drawing/2014/main" xmlns="" id="{4FB05D8E-39BC-4B84-8F56-C99E7B484A9A}"/>
               </a:ext>
             </a:extLst>
           </p:cNvPr>
@@ -8291,7 +8290,7 @@
           <p:cNvPr id="3" name="Picture 2">
             <a:extLst>
               <a:ext uri="{FF2B5EF4-FFF2-40B4-BE49-F238E27FC236}">
-                <a16:creationId xmlns:a16="http://schemas.microsoft.com/office/drawing/2014/main" id="{29220ECB-8194-41CA-A813-2B7E1FC18A70}"/>
+                <a16:creationId xmlns:a16="http://schemas.microsoft.com/office/drawing/2014/main" xmlns="" id="{29220ECB-8194-41CA-A813-2B7E1FC18A70}"/>
               </a:ext>
             </a:extLst>
           </p:cNvPr>
@@ -8321,7 +8320,7 @@
           <p:cNvPr id="5" name="TextBox 4">
             <a:extLst>
               <a:ext uri="{FF2B5EF4-FFF2-40B4-BE49-F238E27FC236}">
-                <a16:creationId xmlns:a16="http://schemas.microsoft.com/office/drawing/2014/main" id="{2111A81A-FC3F-4D8B-AFA1-23185CC8BEC9}"/>
+                <a16:creationId xmlns:a16="http://schemas.microsoft.com/office/drawing/2014/main" xmlns="" id="{2111A81A-FC3F-4D8B-AFA1-23185CC8BEC9}"/>
               </a:ext>
             </a:extLst>
           </p:cNvPr>
@@ -8356,7 +8355,7 @@
           <p:cNvPr id="6" name="Picture 5">
             <a:extLst>
               <a:ext uri="{FF2B5EF4-FFF2-40B4-BE49-F238E27FC236}">
-                <a16:creationId xmlns:a16="http://schemas.microsoft.com/office/drawing/2014/main" id="{90BEAE15-A4A4-4867-B6C9-F9748B4B5C02}"/>
+                <a16:creationId xmlns:a16="http://schemas.microsoft.com/office/drawing/2014/main" xmlns="" id="{90BEAE15-A4A4-4867-B6C9-F9748B4B5C02}"/>
               </a:ext>
             </a:extLst>
           </p:cNvPr>
@@ -8386,7 +8385,7 @@
           <p:cNvPr id="7" name="Picture 6">
             <a:extLst>
               <a:ext uri="{FF2B5EF4-FFF2-40B4-BE49-F238E27FC236}">
-                <a16:creationId xmlns:a16="http://schemas.microsoft.com/office/drawing/2014/main" id="{D27AED64-85B8-4AF9-AA6D-7FA8790BBE9C}"/>
+                <a16:creationId xmlns:a16="http://schemas.microsoft.com/office/drawing/2014/main" xmlns="" id="{D27AED64-85B8-4AF9-AA6D-7FA8790BBE9C}"/>
               </a:ext>
             </a:extLst>
           </p:cNvPr>
@@ -8416,7 +8415,7 @@
           <p:cNvPr id="8" name="TextBox 7">
             <a:extLst>
               <a:ext uri="{FF2B5EF4-FFF2-40B4-BE49-F238E27FC236}">
-                <a16:creationId xmlns:a16="http://schemas.microsoft.com/office/drawing/2014/main" id="{C7BEA1E8-FE76-47E3-B1B2-53F8D08C69B7}"/>
+                <a16:creationId xmlns:a16="http://schemas.microsoft.com/office/drawing/2014/main" xmlns="" id="{C7BEA1E8-FE76-47E3-B1B2-53F8D08C69B7}"/>
               </a:ext>
             </a:extLst>
           </p:cNvPr>
@@ -8481,7 +8480,7 @@
           <p:cNvPr id="2" name="Content Placeholder 1">
             <a:extLst>
               <a:ext uri="{FF2B5EF4-FFF2-40B4-BE49-F238E27FC236}">
-                <a16:creationId xmlns:a16="http://schemas.microsoft.com/office/drawing/2014/main" id="{E0BC4DD2-EF35-4D11-BF54-76B0FD6F6627}"/>
+                <a16:creationId xmlns:a16="http://schemas.microsoft.com/office/drawing/2014/main" xmlns="" id="{E0BC4DD2-EF35-4D11-BF54-76B0FD6F6627}"/>
               </a:ext>
             </a:extLst>
           </p:cNvPr>
@@ -8627,7 +8626,7 @@
           <p:cNvPr id="3" name="Picture 2">
             <a:extLst>
               <a:ext uri="{FF2B5EF4-FFF2-40B4-BE49-F238E27FC236}">
-                <a16:creationId xmlns:a16="http://schemas.microsoft.com/office/drawing/2014/main" id="{67D4EDE4-00D0-40F5-9DD9-910489D643FE}"/>
+                <a16:creationId xmlns:a16="http://schemas.microsoft.com/office/drawing/2014/main" xmlns="" id="{67D4EDE4-00D0-40F5-9DD9-910489D643FE}"/>
               </a:ext>
             </a:extLst>
           </p:cNvPr>
@@ -8657,7 +8656,7 @@
           <p:cNvPr id="7" name="TextBox 6">
             <a:extLst>
               <a:ext uri="{FF2B5EF4-FFF2-40B4-BE49-F238E27FC236}">
-                <a16:creationId xmlns:a16="http://schemas.microsoft.com/office/drawing/2014/main" id="{CD56D6F6-A53F-437F-8D5D-D064D8664793}"/>
+                <a16:creationId xmlns:a16="http://schemas.microsoft.com/office/drawing/2014/main" xmlns="" id="{CD56D6F6-A53F-437F-8D5D-D064D8664793}"/>
               </a:ext>
             </a:extLst>
           </p:cNvPr>
@@ -8692,7 +8691,7 @@
           <p:cNvPr id="9" name="TextBox 8">
             <a:extLst>
               <a:ext uri="{FF2B5EF4-FFF2-40B4-BE49-F238E27FC236}">
-                <a16:creationId xmlns:a16="http://schemas.microsoft.com/office/drawing/2014/main" id="{6D7D94D5-0ACA-409A-B813-AD2ECA3BE4A8}"/>
+                <a16:creationId xmlns:a16="http://schemas.microsoft.com/office/drawing/2014/main" xmlns="" id="{6D7D94D5-0ACA-409A-B813-AD2ECA3BE4A8}"/>
               </a:ext>
             </a:extLst>
           </p:cNvPr>
@@ -8727,7 +8726,7 @@
           <p:cNvPr id="11" name="TextBox 10">
             <a:extLst>
               <a:ext uri="{FF2B5EF4-FFF2-40B4-BE49-F238E27FC236}">
-                <a16:creationId xmlns:a16="http://schemas.microsoft.com/office/drawing/2014/main" id="{56DBD9A8-CDED-4535-AFB6-A0C0B073CA29}"/>
+                <a16:creationId xmlns:a16="http://schemas.microsoft.com/office/drawing/2014/main" xmlns="" id="{56DBD9A8-CDED-4535-AFB6-A0C0B073CA29}"/>
               </a:ext>
             </a:extLst>
           </p:cNvPr>
@@ -8762,7 +8761,7 @@
           <p:cNvPr id="12" name="TextBox 11">
             <a:extLst>
               <a:ext uri="{FF2B5EF4-FFF2-40B4-BE49-F238E27FC236}">
-                <a16:creationId xmlns:a16="http://schemas.microsoft.com/office/drawing/2014/main" id="{7E68C94F-E926-4031-B8A2-8C8011CF6678}"/>
+                <a16:creationId xmlns:a16="http://schemas.microsoft.com/office/drawing/2014/main" xmlns="" id="{7E68C94F-E926-4031-B8A2-8C8011CF6678}"/>
               </a:ext>
             </a:extLst>
           </p:cNvPr>
@@ -8797,7 +8796,7 @@
           <p:cNvPr id="13" name="TextBox 12">
             <a:extLst>
               <a:ext uri="{FF2B5EF4-FFF2-40B4-BE49-F238E27FC236}">
-                <a16:creationId xmlns:a16="http://schemas.microsoft.com/office/drawing/2014/main" id="{2856068D-D313-48C6-9C17-5496160EFE96}"/>
+                <a16:creationId xmlns:a16="http://schemas.microsoft.com/office/drawing/2014/main" xmlns="" id="{2856068D-D313-48C6-9C17-5496160EFE96}"/>
               </a:ext>
             </a:extLst>
           </p:cNvPr>
@@ -8840,7 +8839,7 @@
           <p:cNvPr id="14" name="Picture 13">
             <a:extLst>
               <a:ext uri="{FF2B5EF4-FFF2-40B4-BE49-F238E27FC236}">
-                <a16:creationId xmlns:a16="http://schemas.microsoft.com/office/drawing/2014/main" id="{768721FD-3718-434F-B805-B09B5566993F}"/>
+                <a16:creationId xmlns:a16="http://schemas.microsoft.com/office/drawing/2014/main" xmlns="" id="{768721FD-3718-434F-B805-B09B5566993F}"/>
               </a:ext>
             </a:extLst>
           </p:cNvPr>
@@ -8870,7 +8869,7 @@
           <p:cNvPr id="15" name="Picture 14">
             <a:extLst>
               <a:ext uri="{FF2B5EF4-FFF2-40B4-BE49-F238E27FC236}">
-                <a16:creationId xmlns:a16="http://schemas.microsoft.com/office/drawing/2014/main" id="{485B276A-A5F8-47DD-9194-F6314C1C7A7D}"/>
+                <a16:creationId xmlns:a16="http://schemas.microsoft.com/office/drawing/2014/main" xmlns="" id="{485B276A-A5F8-47DD-9194-F6314C1C7A7D}"/>
               </a:ext>
             </a:extLst>
           </p:cNvPr>
@@ -8899,7 +8898,7 @@
           <p:cNvPr id="16" name="Picture 15">
             <a:extLst>
               <a:ext uri="{FF2B5EF4-FFF2-40B4-BE49-F238E27FC236}">
-                <a16:creationId xmlns:a16="http://schemas.microsoft.com/office/drawing/2014/main" id="{12E2C709-40F0-4B83-B875-8E2D2FE5E694}"/>
+                <a16:creationId xmlns:a16="http://schemas.microsoft.com/office/drawing/2014/main" xmlns="" id="{12E2C709-40F0-4B83-B875-8E2D2FE5E694}"/>
               </a:ext>
             </a:extLst>
           </p:cNvPr>
@@ -8929,7 +8928,7 @@
           <p:cNvPr id="17" name="Picture 16">
             <a:extLst>
               <a:ext uri="{FF2B5EF4-FFF2-40B4-BE49-F238E27FC236}">
-                <a16:creationId xmlns:a16="http://schemas.microsoft.com/office/drawing/2014/main" id="{C91C7BE7-8F26-4CB4-8860-F5F01F74F2F3}"/>
+                <a16:creationId xmlns:a16="http://schemas.microsoft.com/office/drawing/2014/main" xmlns="" id="{C91C7BE7-8F26-4CB4-8860-F5F01F74F2F3}"/>
               </a:ext>
             </a:extLst>
           </p:cNvPr>
@@ -8959,7 +8958,7 @@
           <p:cNvPr id="18" name="Picture 17">
             <a:extLst>
               <a:ext uri="{FF2B5EF4-FFF2-40B4-BE49-F238E27FC236}">
-                <a16:creationId xmlns:a16="http://schemas.microsoft.com/office/drawing/2014/main" id="{AC8D7646-F376-44BD-BD2C-1B81C4C3F94F}"/>
+                <a16:creationId xmlns:a16="http://schemas.microsoft.com/office/drawing/2014/main" xmlns="" id="{AC8D7646-F376-44BD-BD2C-1B81C4C3F94F}"/>
               </a:ext>
             </a:extLst>
           </p:cNvPr>
@@ -9019,7 +9018,7 @@
           <p:cNvPr id="2" name="Content Placeholder 1">
             <a:extLst>
               <a:ext uri="{FF2B5EF4-FFF2-40B4-BE49-F238E27FC236}">
-                <a16:creationId xmlns:a16="http://schemas.microsoft.com/office/drawing/2014/main" id="{56039E5D-8C8D-44CD-9608-09B2FFA80CF3}"/>
+                <a16:creationId xmlns:a16="http://schemas.microsoft.com/office/drawing/2014/main" xmlns="" id="{56039E5D-8C8D-44CD-9608-09B2FFA80CF3}"/>
               </a:ext>
             </a:extLst>
           </p:cNvPr>
@@ -9086,7 +9085,7 @@
           <p:cNvPr id="3" name="Picture 2">
             <a:extLst>
               <a:ext uri="{FF2B5EF4-FFF2-40B4-BE49-F238E27FC236}">
-                <a16:creationId xmlns:a16="http://schemas.microsoft.com/office/drawing/2014/main" id="{A600DE13-9F1A-4008-93DB-8DAED069EFB0}"/>
+                <a16:creationId xmlns:a16="http://schemas.microsoft.com/office/drawing/2014/main" xmlns="" id="{A600DE13-9F1A-4008-93DB-8DAED069EFB0}"/>
               </a:ext>
             </a:extLst>
           </p:cNvPr>
@@ -9116,7 +9115,7 @@
           <p:cNvPr id="4" name="Picture 3">
             <a:extLst>
               <a:ext uri="{FF2B5EF4-FFF2-40B4-BE49-F238E27FC236}">
-                <a16:creationId xmlns:a16="http://schemas.microsoft.com/office/drawing/2014/main" id="{131DEC0B-F137-4147-BB02-5CC2199A1F96}"/>
+                <a16:creationId xmlns:a16="http://schemas.microsoft.com/office/drawing/2014/main" xmlns="" id="{131DEC0B-F137-4147-BB02-5CC2199A1F96}"/>
               </a:ext>
             </a:extLst>
           </p:cNvPr>
@@ -9146,7 +9145,7 @@
           <p:cNvPr id="5" name="TextBox 4">
             <a:extLst>
               <a:ext uri="{FF2B5EF4-FFF2-40B4-BE49-F238E27FC236}">
-                <a16:creationId xmlns:a16="http://schemas.microsoft.com/office/drawing/2014/main" id="{B57B03ED-BA44-4719-B26E-986BB16C9DD1}"/>
+                <a16:creationId xmlns:a16="http://schemas.microsoft.com/office/drawing/2014/main" xmlns="" id="{B57B03ED-BA44-4719-B26E-986BB16C9DD1}"/>
               </a:ext>
             </a:extLst>
           </p:cNvPr>
@@ -9186,7 +9185,7 @@
           <p:cNvPr id="6" name="TextBox 5">
             <a:extLst>
               <a:ext uri="{FF2B5EF4-FFF2-40B4-BE49-F238E27FC236}">
-                <a16:creationId xmlns:a16="http://schemas.microsoft.com/office/drawing/2014/main" id="{778BD31F-CC44-41EA-B629-02BA1DF470C4}"/>
+                <a16:creationId xmlns:a16="http://schemas.microsoft.com/office/drawing/2014/main" xmlns="" id="{778BD31F-CC44-41EA-B629-02BA1DF470C4}"/>
               </a:ext>
             </a:extLst>
           </p:cNvPr>
@@ -9251,7 +9250,7 @@
           <p:cNvPr id="2" name="Content Placeholder 1">
             <a:extLst>
               <a:ext uri="{FF2B5EF4-FFF2-40B4-BE49-F238E27FC236}">
-                <a16:creationId xmlns:a16="http://schemas.microsoft.com/office/drawing/2014/main" id="{4C011001-BE31-4433-AE2F-81C88D20F1EA}"/>
+                <a16:creationId xmlns:a16="http://schemas.microsoft.com/office/drawing/2014/main" xmlns="" id="{4C011001-BE31-4433-AE2F-81C88D20F1EA}"/>
               </a:ext>
             </a:extLst>
           </p:cNvPr>
@@ -9326,7 +9325,7 @@
           <p:cNvPr id="3" name="Picture 2">
             <a:extLst>
               <a:ext uri="{FF2B5EF4-FFF2-40B4-BE49-F238E27FC236}">
-                <a16:creationId xmlns:a16="http://schemas.microsoft.com/office/drawing/2014/main" id="{6CCA25C4-F9CC-4481-8B09-E567F69C93E5}"/>
+                <a16:creationId xmlns:a16="http://schemas.microsoft.com/office/drawing/2014/main" xmlns="" id="{6CCA25C4-F9CC-4481-8B09-E567F69C93E5}"/>
               </a:ext>
             </a:extLst>
           </p:cNvPr>
@@ -9356,7 +9355,7 @@
           <p:cNvPr id="4" name="TextBox 3">
             <a:extLst>
               <a:ext uri="{FF2B5EF4-FFF2-40B4-BE49-F238E27FC236}">
-                <a16:creationId xmlns:a16="http://schemas.microsoft.com/office/drawing/2014/main" id="{0CAD72D6-0A66-4094-B1AE-C305BB17BC39}"/>
+                <a16:creationId xmlns:a16="http://schemas.microsoft.com/office/drawing/2014/main" xmlns="" id="{0CAD72D6-0A66-4094-B1AE-C305BB17BC39}"/>
               </a:ext>
             </a:extLst>
           </p:cNvPr>
@@ -9421,7 +9420,7 @@
           <p:cNvPr id="2" name="Content Placeholder 1">
             <a:extLst>
               <a:ext uri="{FF2B5EF4-FFF2-40B4-BE49-F238E27FC236}">
-                <a16:creationId xmlns:a16="http://schemas.microsoft.com/office/drawing/2014/main" id="{9AEE5B7F-2828-4FA3-8223-9D0FB7A8284D}"/>
+                <a16:creationId xmlns:a16="http://schemas.microsoft.com/office/drawing/2014/main" xmlns="" id="{9AEE5B7F-2828-4FA3-8223-9D0FB7A8284D}"/>
               </a:ext>
             </a:extLst>
           </p:cNvPr>
@@ -9481,7 +9480,7 @@
           <p:cNvPr id="3" name="Picture 2">
             <a:extLst>
               <a:ext uri="{FF2B5EF4-FFF2-40B4-BE49-F238E27FC236}">
-                <a16:creationId xmlns:a16="http://schemas.microsoft.com/office/drawing/2014/main" id="{A933839E-0EE0-444A-B1D2-5F61E13052A1}"/>
+                <a16:creationId xmlns:a16="http://schemas.microsoft.com/office/drawing/2014/main" xmlns="" id="{A933839E-0EE0-444A-B1D2-5F61E13052A1}"/>
               </a:ext>
             </a:extLst>
           </p:cNvPr>
@@ -9511,7 +9510,7 @@
           <p:cNvPr id="4" name="TextBox 3">
             <a:extLst>
               <a:ext uri="{FF2B5EF4-FFF2-40B4-BE49-F238E27FC236}">
-                <a16:creationId xmlns:a16="http://schemas.microsoft.com/office/drawing/2014/main" id="{81D995EE-7608-474A-A304-C7F4DA363083}"/>
+                <a16:creationId xmlns:a16="http://schemas.microsoft.com/office/drawing/2014/main" xmlns="" id="{81D995EE-7608-474A-A304-C7F4DA363083}"/>
               </a:ext>
             </a:extLst>
           </p:cNvPr>
@@ -9588,7 +9587,7 @@
           <p:cNvPr id="2" name="Content Placeholder 1">
             <a:extLst>
               <a:ext uri="{FF2B5EF4-FFF2-40B4-BE49-F238E27FC236}">
-                <a16:creationId xmlns:a16="http://schemas.microsoft.com/office/drawing/2014/main" id="{356332EE-72E5-4C20-B565-E40FC5A6A527}"/>
+                <a16:creationId xmlns:a16="http://schemas.microsoft.com/office/drawing/2014/main" xmlns="" id="{356332EE-72E5-4C20-B565-E40FC5A6A527}"/>
               </a:ext>
             </a:extLst>
           </p:cNvPr>
@@ -9703,7 +9702,7 @@
           <p:cNvPr id="2" name="Content Placeholder 1">
             <a:extLst>
               <a:ext uri="{FF2B5EF4-FFF2-40B4-BE49-F238E27FC236}">
-                <a16:creationId xmlns:a16="http://schemas.microsoft.com/office/drawing/2014/main" id="{3000011D-2192-4AA6-935C-78A6BE20E1A3}"/>
+                <a16:creationId xmlns:a16="http://schemas.microsoft.com/office/drawing/2014/main" xmlns="" id="{3000011D-2192-4AA6-935C-78A6BE20E1A3}"/>
               </a:ext>
             </a:extLst>
           </p:cNvPr>
@@ -9824,7 +9823,7 @@
           <p:cNvPr id="2" name="Content Placeholder 1">
             <a:extLst>
               <a:ext uri="{FF2B5EF4-FFF2-40B4-BE49-F238E27FC236}">
-                <a16:creationId xmlns:a16="http://schemas.microsoft.com/office/drawing/2014/main" id="{BD386C0D-C005-47A4-8A60-337FC093EBDB}"/>
+                <a16:creationId xmlns:a16="http://schemas.microsoft.com/office/drawing/2014/main" xmlns="" id="{BD386C0D-C005-47A4-8A60-337FC093EBDB}"/>
               </a:ext>
             </a:extLst>
           </p:cNvPr>
@@ -9861,7 +9860,7 @@
           <p:cNvPr id="3" name="Rectangle: Rounded Corners 2">
             <a:extLst>
               <a:ext uri="{FF2B5EF4-FFF2-40B4-BE49-F238E27FC236}">
-                <a16:creationId xmlns:a16="http://schemas.microsoft.com/office/drawing/2014/main" id="{BFD615A3-A6B5-4709-884D-5D4CDC3FC6F3}"/>
+                <a16:creationId xmlns:a16="http://schemas.microsoft.com/office/drawing/2014/main" xmlns="" id="{BFD615A3-A6B5-4709-884D-5D4CDC3FC6F3}"/>
               </a:ext>
             </a:extLst>
           </p:cNvPr>
@@ -9907,7 +9906,7 @@
           <p:cNvPr id="4" name="Arrow: Right 3">
             <a:extLst>
               <a:ext uri="{FF2B5EF4-FFF2-40B4-BE49-F238E27FC236}">
-                <a16:creationId xmlns:a16="http://schemas.microsoft.com/office/drawing/2014/main" id="{2384D56B-368B-47FF-B57F-1EF2CC55FE57}"/>
+                <a16:creationId xmlns:a16="http://schemas.microsoft.com/office/drawing/2014/main" xmlns="" id="{2384D56B-368B-47FF-B57F-1EF2CC55FE57}"/>
               </a:ext>
             </a:extLst>
           </p:cNvPr>
@@ -9953,7 +9952,7 @@
           <p:cNvPr id="5" name="Rectangle: Rounded Corners 4">
             <a:extLst>
               <a:ext uri="{FF2B5EF4-FFF2-40B4-BE49-F238E27FC236}">
-                <a16:creationId xmlns:a16="http://schemas.microsoft.com/office/drawing/2014/main" id="{0943DD28-31B1-4328-93F1-5E0033DEED71}"/>
+                <a16:creationId xmlns:a16="http://schemas.microsoft.com/office/drawing/2014/main" xmlns="" id="{0943DD28-31B1-4328-93F1-5E0033DEED71}"/>
               </a:ext>
             </a:extLst>
           </p:cNvPr>
@@ -10000,7 +9999,7 @@
           <p:cNvPr id="6" name="Arrow: Right 5">
             <a:extLst>
               <a:ext uri="{FF2B5EF4-FFF2-40B4-BE49-F238E27FC236}">
-                <a16:creationId xmlns:a16="http://schemas.microsoft.com/office/drawing/2014/main" id="{7274C367-3318-422C-A7D3-E5C883B5E7FA}"/>
+                <a16:creationId xmlns:a16="http://schemas.microsoft.com/office/drawing/2014/main" xmlns="" id="{7274C367-3318-422C-A7D3-E5C883B5E7FA}"/>
               </a:ext>
             </a:extLst>
           </p:cNvPr>
@@ -10046,7 +10045,7 @@
           <p:cNvPr id="7" name="Rectangle: Rounded Corners 6">
             <a:extLst>
               <a:ext uri="{FF2B5EF4-FFF2-40B4-BE49-F238E27FC236}">
-                <a16:creationId xmlns:a16="http://schemas.microsoft.com/office/drawing/2014/main" id="{72834421-15A7-44D2-AF7F-D4BE44E99280}"/>
+                <a16:creationId xmlns:a16="http://schemas.microsoft.com/office/drawing/2014/main" xmlns="" id="{72834421-15A7-44D2-AF7F-D4BE44E99280}"/>
               </a:ext>
             </a:extLst>
           </p:cNvPr>
@@ -10149,7 +10148,7 @@
           <p:cNvPr id="8" name="Arrow: Right 7">
             <a:extLst>
               <a:ext uri="{FF2B5EF4-FFF2-40B4-BE49-F238E27FC236}">
-                <a16:creationId xmlns:a16="http://schemas.microsoft.com/office/drawing/2014/main" id="{1DF3DF85-FA9E-4242-99A9-E53403F6ECF3}"/>
+                <a16:creationId xmlns:a16="http://schemas.microsoft.com/office/drawing/2014/main" xmlns="" id="{1DF3DF85-FA9E-4242-99A9-E53403F6ECF3}"/>
               </a:ext>
             </a:extLst>
           </p:cNvPr>
@@ -10195,7 +10194,7 @@
           <p:cNvPr id="9" name="Rectangle: Rounded Corners 8">
             <a:extLst>
               <a:ext uri="{FF2B5EF4-FFF2-40B4-BE49-F238E27FC236}">
-                <a16:creationId xmlns:a16="http://schemas.microsoft.com/office/drawing/2014/main" id="{4A52E5D6-9321-41D6-A51A-58E460AA1A57}"/>
+                <a16:creationId xmlns:a16="http://schemas.microsoft.com/office/drawing/2014/main" xmlns="" id="{4A52E5D6-9321-41D6-A51A-58E460AA1A57}"/>
               </a:ext>
             </a:extLst>
           </p:cNvPr>
@@ -10242,7 +10241,7 @@
           <p:cNvPr id="10" name="Arrow: Right 9">
             <a:extLst>
               <a:ext uri="{FF2B5EF4-FFF2-40B4-BE49-F238E27FC236}">
-                <a16:creationId xmlns:a16="http://schemas.microsoft.com/office/drawing/2014/main" id="{C142EEF2-8FDB-47DF-B8A7-8B374A26146F}"/>
+                <a16:creationId xmlns:a16="http://schemas.microsoft.com/office/drawing/2014/main" xmlns="" id="{C142EEF2-8FDB-47DF-B8A7-8B374A26146F}"/>
               </a:ext>
             </a:extLst>
           </p:cNvPr>
@@ -10288,7 +10287,7 @@
           <p:cNvPr id="11" name="Rectangle: Rounded Corners 10">
             <a:extLst>
               <a:ext uri="{FF2B5EF4-FFF2-40B4-BE49-F238E27FC236}">
-                <a16:creationId xmlns:a16="http://schemas.microsoft.com/office/drawing/2014/main" id="{0E0D2EE8-40C1-49DC-ABF5-F750DFE12475}"/>
+                <a16:creationId xmlns:a16="http://schemas.microsoft.com/office/drawing/2014/main" xmlns="" id="{0E0D2EE8-40C1-49DC-ABF5-F750DFE12475}"/>
               </a:ext>
             </a:extLst>
           </p:cNvPr>
@@ -10367,7 +10366,7 @@
           <p:cNvPr id="13" name="Arrow: Right 12">
             <a:extLst>
               <a:ext uri="{FF2B5EF4-FFF2-40B4-BE49-F238E27FC236}">
-                <a16:creationId xmlns:a16="http://schemas.microsoft.com/office/drawing/2014/main" id="{DF9F29CD-96CA-4D9F-A8AA-866CEE0AADA9}"/>
+                <a16:creationId xmlns:a16="http://schemas.microsoft.com/office/drawing/2014/main" xmlns="" id="{DF9F29CD-96CA-4D9F-A8AA-866CEE0AADA9}"/>
               </a:ext>
             </a:extLst>
           </p:cNvPr>
@@ -10413,7 +10412,7 @@
           <p:cNvPr id="14" name="Rectangle: Rounded Corners 13">
             <a:extLst>
               <a:ext uri="{FF2B5EF4-FFF2-40B4-BE49-F238E27FC236}">
-                <a16:creationId xmlns:a16="http://schemas.microsoft.com/office/drawing/2014/main" id="{25457DC6-15AC-4D59-8783-1DB8FF35E7EA}"/>
+                <a16:creationId xmlns:a16="http://schemas.microsoft.com/office/drawing/2014/main" xmlns="" id="{25457DC6-15AC-4D59-8783-1DB8FF35E7EA}"/>
               </a:ext>
             </a:extLst>
           </p:cNvPr>
@@ -10460,7 +10459,7 @@
           <p:cNvPr id="15" name="Arrow: Right 14">
             <a:extLst>
               <a:ext uri="{FF2B5EF4-FFF2-40B4-BE49-F238E27FC236}">
-                <a16:creationId xmlns:a16="http://schemas.microsoft.com/office/drawing/2014/main" id="{FCA3697F-82C1-4C43-8258-9B0207583D26}"/>
+                <a16:creationId xmlns:a16="http://schemas.microsoft.com/office/drawing/2014/main" xmlns="" id="{FCA3697F-82C1-4C43-8258-9B0207583D26}"/>
               </a:ext>
             </a:extLst>
           </p:cNvPr>
@@ -10506,7 +10505,7 @@
           <p:cNvPr id="16" name="Rectangle: Rounded Corners 15">
             <a:extLst>
               <a:ext uri="{FF2B5EF4-FFF2-40B4-BE49-F238E27FC236}">
-                <a16:creationId xmlns:a16="http://schemas.microsoft.com/office/drawing/2014/main" id="{FEC01D2F-5B5B-4BE0-AC0E-45EFCC1BDC9D}"/>
+                <a16:creationId xmlns:a16="http://schemas.microsoft.com/office/drawing/2014/main" xmlns="" id="{FEC01D2F-5B5B-4BE0-AC0E-45EFCC1BDC9D}"/>
               </a:ext>
             </a:extLst>
           </p:cNvPr>
@@ -10583,7 +10582,7 @@
           <p:cNvPr id="2" name="Content Placeholder 1">
             <a:extLst>
               <a:ext uri="{FF2B5EF4-FFF2-40B4-BE49-F238E27FC236}">
-                <a16:creationId xmlns:a16="http://schemas.microsoft.com/office/drawing/2014/main" id="{43D4FDFC-C81A-436F-BB66-EBF08EDB8038}"/>
+                <a16:creationId xmlns="" xmlns:a16="http://schemas.microsoft.com/office/drawing/2014/main" id="{D80A6AA4-6FA9-4B48-9D6E-E920DF6F11C3}"/>
               </a:ext>
             </a:extLst>
           </p:cNvPr>
@@ -10599,14 +10598,344 @@
           <a:bodyPr/>
           <a:lstStyle/>
           <a:p>
-            <a:endParaRPr lang="en-US" dirty="0"/>
+            <a:r>
+              <a:rPr lang="en-US" sz="3600" dirty="0">
+                <a:solidFill>
+                  <a:schemeClr val="accent1"/>
+                </a:solidFill>
+              </a:rPr>
+              <a:t>Evaluation</a:t>
+            </a:r>
           </a:p>
         </p:txBody>
       </p:sp>
+      <p:graphicFrame>
+        <p:nvGraphicFramePr>
+          <p:cNvPr id="5" name="Table 4"/>
+          <p:cNvGraphicFramePr>
+            <a:graphicFrameLocks noGrp="1"/>
+          </p:cNvGraphicFramePr>
+          <p:nvPr/>
+        </p:nvGraphicFramePr>
+        <p:xfrm>
+          <a:off x="457200" y="2135976"/>
+          <a:ext cx="8458200" cy="2969425"/>
+        </p:xfrm>
+        <a:graphic>
+          <a:graphicData uri="http://schemas.openxmlformats.org/drawingml/2006/table">
+            <a:tbl>
+              <a:tblPr firstRow="1" bandRow="1">
+                <a:tableStyleId>{9D7B26C5-4107-4FEC-AEDC-1716B250A1EF}</a:tableStyleId>
+              </a:tblPr>
+              <a:tblGrid>
+                <a:gridCol w="2956264"/>
+                <a:gridCol w="1977686"/>
+                <a:gridCol w="3524250"/>
+              </a:tblGrid>
+              <a:tr h="472902">
+                <a:tc>
+                  <a:txBody>
+                    <a:bodyPr/>
+                    <a:lstStyle/>
+                    <a:p>
+                      <a:endParaRPr lang="en-US" dirty="0"/>
+                    </a:p>
+                  </a:txBody>
+                  <a:tcPr/>
+                </a:tc>
+                <a:tc>
+                  <a:txBody>
+                    <a:bodyPr/>
+                    <a:lstStyle/>
+                    <a:p>
+                      <a:r>
+                        <a:rPr lang="en-US" altLang="zh-CN" dirty="0" smtClean="0"/>
+                        <a:t>Tesseract</a:t>
+                      </a:r>
+                      <a:endParaRPr lang="en-US" dirty="0"/>
+                    </a:p>
+                  </a:txBody>
+                  <a:tcPr/>
+                </a:tc>
+                <a:tc>
+                  <a:txBody>
+                    <a:bodyPr/>
+                    <a:lstStyle/>
+                    <a:p>
+                      <a:r>
+                        <a:rPr lang="en-US" altLang="zh-CN" dirty="0" smtClean="0"/>
+                        <a:t>Tesseract</a:t>
+                      </a:r>
+                      <a:r>
+                        <a:rPr lang="zh-CN" altLang="en-US" baseline="0" dirty="0" smtClean="0"/>
+                        <a:t> </a:t>
+                      </a:r>
+                      <a:r>
+                        <a:rPr lang="en-US" altLang="zh-CN" dirty="0" smtClean="0"/>
+                        <a:t>with</a:t>
+                      </a:r>
+                      <a:r>
+                        <a:rPr lang="zh-CN" altLang="en-US" baseline="0" dirty="0" smtClean="0"/>
+                        <a:t> </a:t>
+                      </a:r>
+                      <a:r>
+                        <a:rPr lang="en-US" altLang="zh-CN" smtClean="0"/>
+                        <a:t>postprocessing</a:t>
+                      </a:r>
+                      <a:endParaRPr lang="en-US" dirty="0"/>
+                    </a:p>
+                  </a:txBody>
+                  <a:tcPr/>
+                </a:tc>
+              </a:tr>
+              <a:tr h="472902">
+                <a:tc>
+                  <a:txBody>
+                    <a:bodyPr/>
+                    <a:lstStyle/>
+                    <a:p>
+                      <a:r>
+                        <a:rPr lang="en-US" altLang="zh-CN" dirty="0" smtClean="0"/>
+                        <a:t>Word</a:t>
+                      </a:r>
+                      <a:r>
+                        <a:rPr lang="zh-CN" altLang="en-US" baseline="0" dirty="0" smtClean="0"/>
+                        <a:t> </a:t>
+                      </a:r>
+                      <a:r>
+                        <a:rPr lang="en-US" altLang="zh-CN" dirty="0" smtClean="0"/>
+                        <a:t>wise</a:t>
+                      </a:r>
+                      <a:r>
+                        <a:rPr lang="zh-CN" altLang="en-US" baseline="0" dirty="0" smtClean="0"/>
+                        <a:t> </a:t>
+                      </a:r>
+                      <a:r>
+                        <a:rPr lang="en-US" altLang="zh-CN" dirty="0" smtClean="0"/>
+                        <a:t>recall</a:t>
+                      </a:r>
+                      <a:endParaRPr lang="en-US" dirty="0"/>
+                    </a:p>
+                  </a:txBody>
+                  <a:tcPr/>
+                </a:tc>
+                <a:tc>
+                  <a:txBody>
+                    <a:bodyPr/>
+                    <a:lstStyle/>
+                    <a:p>
+                      <a:r>
+                        <a:rPr lang="en-US" altLang="zh-CN" dirty="0" smtClean="0"/>
+                        <a:t>0.6550634</a:t>
+                      </a:r>
+                      <a:endParaRPr lang="en-US" dirty="0"/>
+                    </a:p>
+                  </a:txBody>
+                  <a:tcPr/>
+                </a:tc>
+                <a:tc>
+                  <a:txBody>
+                    <a:bodyPr/>
+                    <a:lstStyle/>
+                    <a:p>
+                      <a:r>
+                        <a:rPr lang="en-US" altLang="zh-CN" dirty="0" smtClean="0"/>
+                        <a:t>0.9457426</a:t>
+                      </a:r>
+                      <a:endParaRPr lang="en-US" dirty="0"/>
+                    </a:p>
+                  </a:txBody>
+                  <a:tcPr/>
+                </a:tc>
+              </a:tr>
+              <a:tr h="816241">
+                <a:tc>
+                  <a:txBody>
+                    <a:bodyPr/>
+                    <a:lstStyle/>
+                    <a:p>
+                      <a:r>
+                        <a:rPr lang="en-US" altLang="zh-CN" dirty="0" smtClean="0"/>
+                        <a:t>Word</a:t>
+                      </a:r>
+                      <a:r>
+                        <a:rPr lang="zh-CN" altLang="en-US" baseline="0" dirty="0" smtClean="0"/>
+                        <a:t> </a:t>
+                      </a:r>
+                      <a:r>
+                        <a:rPr lang="en-US" altLang="zh-CN" dirty="0" smtClean="0"/>
+                        <a:t>wise</a:t>
+                      </a:r>
+                      <a:r>
+                        <a:rPr lang="zh-CN" altLang="en-US" baseline="0" dirty="0" smtClean="0"/>
+                        <a:t> </a:t>
+                      </a:r>
+                      <a:r>
+                        <a:rPr lang="en-US" altLang="zh-CN" dirty="0" smtClean="0"/>
+                        <a:t>precision</a:t>
+                      </a:r>
+                      <a:endParaRPr lang="en-US" dirty="0"/>
+                    </a:p>
+                  </a:txBody>
+                  <a:tcPr/>
+                </a:tc>
+                <a:tc>
+                  <a:txBody>
+                    <a:bodyPr/>
+                    <a:lstStyle/>
+                    <a:p>
+                      <a:r>
+                        <a:rPr lang="en-US" altLang="zh-CN" dirty="0" smtClean="0"/>
+                        <a:t>0.6550634</a:t>
+                      </a:r>
+                      <a:endParaRPr lang="en-US" dirty="0"/>
+                    </a:p>
+                  </a:txBody>
+                  <a:tcPr/>
+                </a:tc>
+                <a:tc>
+                  <a:txBody>
+                    <a:bodyPr/>
+                    <a:lstStyle/>
+                    <a:p>
+                      <a:r>
+                        <a:rPr lang="en-US" altLang="zh-CN" dirty="0" smtClean="0"/>
+                        <a:t>0.9457426</a:t>
+                      </a:r>
+                      <a:endParaRPr lang="en-US" dirty="0"/>
+                    </a:p>
+                  </a:txBody>
+                  <a:tcPr/>
+                </a:tc>
+              </a:tr>
+              <a:tr h="472902">
+                <a:tc>
+                  <a:txBody>
+                    <a:bodyPr/>
+                    <a:lstStyle/>
+                    <a:p>
+                      <a:r>
+                        <a:rPr lang="en-US" altLang="zh-CN" dirty="0" smtClean="0"/>
+                        <a:t>Character</a:t>
+                      </a:r>
+                      <a:r>
+                        <a:rPr lang="zh-CN" altLang="en-US" baseline="0" dirty="0" smtClean="0"/>
+                        <a:t> </a:t>
+                      </a:r>
+                      <a:r>
+                        <a:rPr lang="en-US" altLang="zh-CN" dirty="0" smtClean="0"/>
+                        <a:t>wise</a:t>
+                      </a:r>
+                      <a:r>
+                        <a:rPr lang="zh-CN" altLang="en-US" baseline="0" dirty="0" smtClean="0"/>
+                        <a:t> </a:t>
+                      </a:r>
+                      <a:r>
+                        <a:rPr lang="en-US" altLang="zh-CN" dirty="0" smtClean="0"/>
+                        <a:t>recall</a:t>
+                      </a:r>
+                      <a:endParaRPr lang="en-US" dirty="0"/>
+                    </a:p>
+                  </a:txBody>
+                  <a:tcPr/>
+                </a:tc>
+                <a:tc>
+                  <a:txBody>
+                    <a:bodyPr/>
+                    <a:lstStyle/>
+                    <a:p>
+                      <a:r>
+                        <a:rPr lang="en-US" altLang="zh-CN" dirty="0" smtClean="0"/>
+                        <a:t>0.898704</a:t>
+                      </a:r>
+                      <a:endParaRPr lang="en-US" dirty="0"/>
+                    </a:p>
+                  </a:txBody>
+                  <a:tcPr/>
+                </a:tc>
+                <a:tc>
+                  <a:txBody>
+                    <a:bodyPr/>
+                    <a:lstStyle/>
+                    <a:p>
+                      <a:r>
+                        <a:rPr lang="en-US" altLang="zh-CN" dirty="0" smtClean="0"/>
+                        <a:t>0.9738515</a:t>
+                      </a:r>
+                      <a:endParaRPr lang="en-US" dirty="0"/>
+                    </a:p>
+                  </a:txBody>
+                  <a:tcPr/>
+                </a:tc>
+              </a:tr>
+              <a:tr h="734478">
+                <a:tc>
+                  <a:txBody>
+                    <a:bodyPr/>
+                    <a:lstStyle/>
+                    <a:p>
+                      <a:r>
+                        <a:rPr lang="en-US" altLang="zh-CN" dirty="0" smtClean="0"/>
+                        <a:t>Character</a:t>
+                      </a:r>
+                      <a:r>
+                        <a:rPr lang="zh-CN" altLang="en-US" baseline="0" dirty="0" smtClean="0"/>
+                        <a:t> </a:t>
+                      </a:r>
+                      <a:r>
+                        <a:rPr lang="en-US" altLang="zh-CN" dirty="0" smtClean="0"/>
+                        <a:t>wise</a:t>
+                      </a:r>
+                      <a:r>
+                        <a:rPr lang="zh-CN" altLang="en-US" baseline="0" dirty="0" smtClean="0"/>
+                        <a:t> </a:t>
+                      </a:r>
+                      <a:r>
+                        <a:rPr lang="en-US" altLang="zh-CN" dirty="0" smtClean="0"/>
+                        <a:t>precision</a:t>
+                      </a:r>
+                      <a:endParaRPr lang="en-US" dirty="0"/>
+                    </a:p>
+                  </a:txBody>
+                  <a:tcPr/>
+                </a:tc>
+                <a:tc>
+                  <a:txBody>
+                    <a:bodyPr/>
+                    <a:lstStyle/>
+                    <a:p>
+                      <a:r>
+                        <a:rPr lang="en-US" altLang="zh-CN" dirty="0" smtClean="0"/>
+                        <a:t>0.9227921</a:t>
+                      </a:r>
+                      <a:endParaRPr lang="en-US" dirty="0"/>
+                    </a:p>
+                  </a:txBody>
+                  <a:tcPr/>
+                </a:tc>
+                <a:tc>
+                  <a:txBody>
+                    <a:bodyPr/>
+                    <a:lstStyle/>
+                    <a:p>
+                      <a:r>
+                        <a:rPr lang="en-US" altLang="zh-CN" dirty="0" smtClean="0"/>
+                        <a:t>NA</a:t>
+                      </a:r>
+                      <a:endParaRPr lang="en-US" dirty="0"/>
+                    </a:p>
+                  </a:txBody>
+                  <a:tcPr/>
+                </a:tc>
+              </a:tr>
+            </a:tbl>
+          </a:graphicData>
+        </a:graphic>
+      </p:graphicFrame>
     </p:spTree>
     <p:extLst>
       <p:ext uri="{BB962C8B-B14F-4D97-AF65-F5344CB8AC3E}">
-        <p14:creationId xmlns:p14="http://schemas.microsoft.com/office/powerpoint/2010/main" val="3149593195"/>
+        <p14:creationId xmlns:p14="http://schemas.microsoft.com/office/powerpoint/2010/main" val="483316738"/>
       </p:ext>
     </p:extLst>
   </p:cSld>
@@ -10638,69 +10967,7 @@
           <p:cNvPr id="2" name="Content Placeholder 1">
             <a:extLst>
               <a:ext uri="{FF2B5EF4-FFF2-40B4-BE49-F238E27FC236}">
-                <a16:creationId xmlns:a16="http://schemas.microsoft.com/office/drawing/2014/main" id="{D80A6AA4-6FA9-4B48-9D6E-E920DF6F11C3}"/>
-              </a:ext>
-            </a:extLst>
-          </p:cNvPr>
-          <p:cNvSpPr>
-            <a:spLocks noGrp="1"/>
-          </p:cNvSpPr>
-          <p:nvPr>
-            <p:ph/>
-          </p:nvPr>
-        </p:nvSpPr>
-        <p:spPr/>
-        <p:txBody>
-          <a:bodyPr/>
-          <a:lstStyle/>
-          <a:p>
-            <a:r>
-              <a:rPr lang="en-US" sz="3600" dirty="0">
-                <a:solidFill>
-                  <a:schemeClr val="accent1"/>
-                </a:solidFill>
-              </a:rPr>
-              <a:t>Evaluation</a:t>
-            </a:r>
-          </a:p>
-        </p:txBody>
-      </p:sp>
-    </p:spTree>
-    <p:extLst>
-      <p:ext uri="{BB962C8B-B14F-4D97-AF65-F5344CB8AC3E}">
-        <p14:creationId xmlns:p14="http://schemas.microsoft.com/office/powerpoint/2010/main" val="1792754831"/>
-      </p:ext>
-    </p:extLst>
-  </p:cSld>
-  <p:clrMapOvr>
-    <a:masterClrMapping/>
-  </p:clrMapOvr>
-</p:sld>
-</file>
-
-<file path=ppt/slides/slide22.xml><?xml version="1.0" encoding="utf-8"?>
-<p:sld xmlns:a="http://schemas.openxmlformats.org/drawingml/2006/main" xmlns:r="http://schemas.openxmlformats.org/officeDocument/2006/relationships" xmlns:p="http://schemas.openxmlformats.org/presentationml/2006/main">
-  <p:cSld>
-    <p:spTree>
-      <p:nvGrpSpPr>
-        <p:cNvPr id="1" name=""/>
-        <p:cNvGrpSpPr/>
-        <p:nvPr/>
-      </p:nvGrpSpPr>
-      <p:grpSpPr>
-        <a:xfrm>
-          <a:off x="0" y="0"/>
-          <a:ext cx="0" cy="0"/>
-          <a:chOff x="0" y="0"/>
-          <a:chExt cx="0" cy="0"/>
-        </a:xfrm>
-      </p:grpSpPr>
-      <p:sp>
-        <p:nvSpPr>
-          <p:cNvPr id="2" name="Content Placeholder 1">
-            <a:extLst>
-              <a:ext uri="{FF2B5EF4-FFF2-40B4-BE49-F238E27FC236}">
-                <a16:creationId xmlns:a16="http://schemas.microsoft.com/office/drawing/2014/main" id="{FFFF5F77-5764-4EFD-9A2A-3C826DF9FC1D}"/>
+                <a16:creationId xmlns:a16="http://schemas.microsoft.com/office/drawing/2014/main" xmlns="" id="{FFFF5F77-5764-4EFD-9A2A-3C826DF9FC1D}"/>
               </a:ext>
             </a:extLst>
           </p:cNvPr>
@@ -10776,7 +11043,7 @@
           <p:cNvPr id="2" name="Content Placeholder 1">
             <a:extLst>
               <a:ext uri="{FF2B5EF4-FFF2-40B4-BE49-F238E27FC236}">
-                <a16:creationId xmlns:a16="http://schemas.microsoft.com/office/drawing/2014/main" id="{D1C64916-FDD8-4587-BE85-C377366E7EC7}"/>
+                <a16:creationId xmlns:a16="http://schemas.microsoft.com/office/drawing/2014/main" xmlns="" id="{D1C64916-FDD8-4587-BE85-C377366E7EC7}"/>
               </a:ext>
             </a:extLst>
           </p:cNvPr>
@@ -10857,7 +11124,7 @@
           <p:cNvPr id="6" name="Group 5">
             <a:extLst>
               <a:ext uri="{FF2B5EF4-FFF2-40B4-BE49-F238E27FC236}">
-                <a16:creationId xmlns:a16="http://schemas.microsoft.com/office/drawing/2014/main" id="{2CE487EF-E803-4D48-AA78-251A6E507B4E}"/>
+                <a16:creationId xmlns:a16="http://schemas.microsoft.com/office/drawing/2014/main" xmlns="" id="{2CE487EF-E803-4D48-AA78-251A6E507B4E}"/>
               </a:ext>
             </a:extLst>
           </p:cNvPr>
@@ -10879,7 +11146,7 @@
                 <p:cNvPr id="3" name="Rectangle: Rounded Corners 2">
                   <a:extLst>
                     <a:ext uri="{FF2B5EF4-FFF2-40B4-BE49-F238E27FC236}">
-                      <a16:creationId xmlns:a16="http://schemas.microsoft.com/office/drawing/2014/main" id="{3236671E-54DE-41EA-A686-78AE25B7B980}"/>
+                      <a16:creationId xmlns:a16="http://schemas.microsoft.com/office/drawing/2014/main" xmlns="" id="{3236671E-54DE-41EA-A686-78AE25B7B980}"/>
                     </a:ext>
                   </a:extLst>
                 </p:cNvPr>
@@ -10937,7 +11204,7 @@
                         <m:sSubPr>
                           <m:ctrlPr>
                             <a:rPr lang="en-US" i="1" smtClean="0">
-                              <a:latin typeface="Cambria Math" panose="02040503050406030204" pitchFamily="18" charset="0"/>
+                              <a:latin typeface="Cambria Math" charset="0"/>
                             </a:rPr>
                           </m:ctrlPr>
                         </m:sSubPr>
@@ -10962,7 +11229,7 @@
                         <m:sSubPr>
                           <m:ctrlPr>
                             <a:rPr lang="en-US" i="1" smtClean="0">
-                              <a:latin typeface="Cambria Math" panose="02040503050406030204" pitchFamily="18" charset="0"/>
+                              <a:latin typeface="Cambria Math" charset="0"/>
                             </a:rPr>
                           </m:ctrlPr>
                         </m:sSubPr>
@@ -10987,7 +11254,7 @@
                         <m:sSubPr>
                           <m:ctrlPr>
                             <a:rPr lang="en-US" i="1" smtClean="0">
-                              <a:latin typeface="Cambria Math" panose="02040503050406030204" pitchFamily="18" charset="0"/>
+                              <a:latin typeface="Cambria Math" charset="0"/>
                             </a:rPr>
                           </m:ctrlPr>
                         </m:sSubPr>
@@ -11075,7 +11342,7 @@
             <p:cNvPr id="4" name="Arrow: Right 3">
               <a:extLst>
                 <a:ext uri="{FF2B5EF4-FFF2-40B4-BE49-F238E27FC236}">
-                  <a16:creationId xmlns:a16="http://schemas.microsoft.com/office/drawing/2014/main" id="{E277544D-44C6-439F-9656-C4468705C15E}"/>
+                  <a16:creationId xmlns:a16="http://schemas.microsoft.com/office/drawing/2014/main" xmlns="" id="{E277544D-44C6-439F-9656-C4468705C15E}"/>
                 </a:ext>
               </a:extLst>
             </p:cNvPr>
@@ -11123,7 +11390,7 @@
                 <p:cNvPr id="5" name="Rectangle: Rounded Corners 4">
                   <a:extLst>
                     <a:ext uri="{FF2B5EF4-FFF2-40B4-BE49-F238E27FC236}">
-                      <a16:creationId xmlns:a16="http://schemas.microsoft.com/office/drawing/2014/main" id="{6B1E9F3F-E265-47D6-8411-4E540C8CCEA4}"/>
+                      <a16:creationId xmlns:a16="http://schemas.microsoft.com/office/drawing/2014/main" xmlns="" id="{6B1E9F3F-E265-47D6-8411-4E540C8CCEA4}"/>
                     </a:ext>
                   </a:extLst>
                 </p:cNvPr>
@@ -11167,7 +11434,7 @@
                         <m:dPr>
                           <m:ctrlPr>
                             <a:rPr lang="en-US" i="1" smtClean="0">
-                              <a:latin typeface="Cambria Math" panose="02040503050406030204" pitchFamily="18" charset="0"/>
+                              <a:latin typeface="Cambria Math" charset="0"/>
                             </a:rPr>
                           </m:ctrlPr>
                         </m:dPr>
@@ -11177,7 +11444,7 @@
                               <m:type m:val="noBar"/>
                               <m:ctrlPr>
                                 <a:rPr lang="en-US" i="1">
-                                  <a:latin typeface="Cambria Math" panose="02040503050406030204" pitchFamily="18" charset="0"/>
+                                  <a:latin typeface="Cambria Math" charset="0"/>
                                 </a:rPr>
                               </m:ctrlPr>
                             </m:fPr>
@@ -11241,7 +11508,7 @@
                           <m:sSubPr>
                             <m:ctrlPr>
                               <a:rPr lang="en-US" i="1" smtClean="0">
-                                <a:latin typeface="Cambria Math" panose="02040503050406030204" pitchFamily="18" charset="0"/>
+                                <a:latin typeface="Cambria Math" charset="0"/>
                               </a:rPr>
                             </m:ctrlPr>
                           </m:sSubPr>
@@ -11278,7 +11545,7 @@
                           <m:dPr>
                             <m:ctrlPr>
                               <a:rPr lang="en-US" b="0" i="1" smtClean="0">
-                                <a:latin typeface="Cambria Math" panose="02040503050406030204" pitchFamily="18" charset="0"/>
+                                <a:latin typeface="Cambria Math" charset="0"/>
                               </a:rPr>
                             </m:ctrlPr>
                           </m:dPr>
@@ -11287,7 +11554,7 @@
                               <m:sSubPr>
                                 <m:ctrlPr>
                                   <a:rPr lang="en-US" i="1" smtClean="0">
-                                    <a:latin typeface="Cambria Math" panose="02040503050406030204" pitchFamily="18" charset="0"/>
+                                    <a:latin typeface="Cambria Math" charset="0"/>
                                   </a:rPr>
                                 </m:ctrlPr>
                               </m:sSubPr>
@@ -11318,7 +11585,7 @@
                               <m:sSubPr>
                                 <m:ctrlPr>
                                   <a:rPr lang="en-US" i="1" smtClean="0">
-                                    <a:latin typeface="Cambria Math" panose="02040503050406030204" pitchFamily="18" charset="0"/>
+                                    <a:latin typeface="Cambria Math" charset="0"/>
                                   </a:rPr>
                                 </m:ctrlPr>
                               </m:sSubPr>
@@ -11349,7 +11616,7 @@
                               <m:sSubPr>
                                 <m:ctrlPr>
                                   <a:rPr lang="en-US" i="1" smtClean="0">
-                                    <a:latin typeface="Cambria Math" panose="02040503050406030204" pitchFamily="18" charset="0"/>
+                                    <a:latin typeface="Cambria Math" charset="0"/>
                                   </a:rPr>
                                 </m:ctrlPr>
                               </m:sSubPr>
@@ -11395,7 +11662,7 @@
                           <m:sSubPr>
                             <m:ctrlPr>
                               <a:rPr lang="en-US" i="1" smtClean="0">
-                                <a:latin typeface="Cambria Math" panose="02040503050406030204" pitchFamily="18" charset="0"/>
+                                <a:latin typeface="Cambria Math" charset="0"/>
                               </a:rPr>
                             </m:ctrlPr>
                           </m:sSubPr>
@@ -11438,7 +11705,7 @@
                           <m:dPr>
                             <m:ctrlPr>
                               <a:rPr lang="en-US" b="0" i="1" smtClean="0">
-                                <a:latin typeface="Cambria Math" panose="02040503050406030204" pitchFamily="18" charset="0"/>
+                                <a:latin typeface="Cambria Math" charset="0"/>
                               </a:rPr>
                             </m:ctrlPr>
                           </m:dPr>
@@ -11447,7 +11714,7 @@
                               <m:sSubPr>
                                 <m:ctrlPr>
                                   <a:rPr lang="en-US" i="1" smtClean="0">
-                                    <a:latin typeface="Cambria Math" panose="02040503050406030204" pitchFamily="18" charset="0"/>
+                                    <a:latin typeface="Cambria Math" charset="0"/>
                                   </a:rPr>
                                 </m:ctrlPr>
                               </m:sSubPr>
@@ -11478,7 +11745,7 @@
                               <m:sSubPr>
                                 <m:ctrlPr>
                                   <a:rPr lang="en-US" i="1" smtClean="0">
-                                    <a:latin typeface="Cambria Math" panose="02040503050406030204" pitchFamily="18" charset="0"/>
+                                    <a:latin typeface="Cambria Math" charset="0"/>
                                   </a:rPr>
                                 </m:ctrlPr>
                               </m:sSubPr>
@@ -11509,7 +11776,7 @@
                               <m:sSubPr>
                                 <m:ctrlPr>
                                   <a:rPr lang="en-US" i="1" smtClean="0">
-                                    <a:latin typeface="Cambria Math" panose="02040503050406030204" pitchFamily="18" charset="0"/>
+                                    <a:latin typeface="Cambria Math" charset="0"/>
                                   </a:rPr>
                                 </m:ctrlPr>
                               </m:sSubPr>
@@ -11569,7 +11836,7 @@
                           <m:sSubPr>
                             <m:ctrlPr>
                               <a:rPr lang="en-US" i="1" smtClean="0">
-                                <a:latin typeface="Cambria Math" panose="02040503050406030204" pitchFamily="18" charset="0"/>
+                                <a:latin typeface="Cambria Math" charset="0"/>
                               </a:rPr>
                             </m:ctrlPr>
                           </m:sSubPr>
@@ -11648,7 +11915,7 @@
                           <m:dPr>
                             <m:ctrlPr>
                               <a:rPr lang="en-US" b="0" i="1" smtClean="0">
-                                <a:latin typeface="Cambria Math" panose="02040503050406030204" pitchFamily="18" charset="0"/>
+                                <a:latin typeface="Cambria Math" charset="0"/>
                               </a:rPr>
                             </m:ctrlPr>
                           </m:dPr>
@@ -11657,7 +11924,7 @@
                               <m:sSubPr>
                                 <m:ctrlPr>
                                   <a:rPr lang="en-US" i="1" smtClean="0">
-                                    <a:latin typeface="Cambria Math" panose="02040503050406030204" pitchFamily="18" charset="0"/>
+                                    <a:latin typeface="Cambria Math" charset="0"/>
                                   </a:rPr>
                                 </m:ctrlPr>
                               </m:sSubPr>
@@ -11700,7 +11967,7 @@
                               <m:sSubPr>
                                 <m:ctrlPr>
                                   <a:rPr lang="en-US" i="1" smtClean="0">
-                                    <a:latin typeface="Cambria Math" panose="02040503050406030204" pitchFamily="18" charset="0"/>
+                                    <a:latin typeface="Cambria Math" charset="0"/>
                                   </a:rPr>
                                 </m:ctrlPr>
                               </m:sSubPr>
@@ -11749,7 +12016,7 @@
                               <m:sSubPr>
                                 <m:ctrlPr>
                                   <a:rPr lang="en-US" i="1" smtClean="0">
-                                    <a:latin typeface="Cambria Math" panose="02040503050406030204" pitchFamily="18" charset="0"/>
+                                    <a:latin typeface="Cambria Math" charset="0"/>
                                   </a:rPr>
                                 </m:ctrlPr>
                               </m:sSubPr>
@@ -11877,7 +12144,7 @@
           <p:cNvPr id="2" name="Content Placeholder 1">
             <a:extLst>
               <a:ext uri="{FF2B5EF4-FFF2-40B4-BE49-F238E27FC236}">
-                <a16:creationId xmlns:a16="http://schemas.microsoft.com/office/drawing/2014/main" id="{AEDBE311-43C7-4470-8191-03BAAEF8AEA9}"/>
+                <a16:creationId xmlns:a16="http://schemas.microsoft.com/office/drawing/2014/main" xmlns="" id="{AEDBE311-43C7-4470-8191-03BAAEF8AEA9}"/>
               </a:ext>
             </a:extLst>
           </p:cNvPr>
@@ -11937,7 +12204,7 @@
           <p:cNvPr id="9" name="Group 8">
             <a:extLst>
               <a:ext uri="{FF2B5EF4-FFF2-40B4-BE49-F238E27FC236}">
-                <a16:creationId xmlns:a16="http://schemas.microsoft.com/office/drawing/2014/main" id="{7666F3A3-0C99-489F-BFCF-3168FF3DDF06}"/>
+                <a16:creationId xmlns:a16="http://schemas.microsoft.com/office/drawing/2014/main" xmlns="" id="{7666F3A3-0C99-489F-BFCF-3168FF3DDF06}"/>
               </a:ext>
             </a:extLst>
           </p:cNvPr>
@@ -11957,7 +12224,7 @@
             <p:cNvPr id="3" name="Picture 2">
               <a:extLst>
                 <a:ext uri="{FF2B5EF4-FFF2-40B4-BE49-F238E27FC236}">
-                  <a16:creationId xmlns:a16="http://schemas.microsoft.com/office/drawing/2014/main" id="{8F554579-43E9-477B-A4C3-90AD0F3FAD74}"/>
+                  <a16:creationId xmlns:a16="http://schemas.microsoft.com/office/drawing/2014/main" xmlns="" id="{8F554579-43E9-477B-A4C3-90AD0F3FAD74}"/>
                 </a:ext>
               </a:extLst>
             </p:cNvPr>
@@ -11985,7 +12252,7 @@
             <p:cNvPr id="4" name="Text Box 2">
               <a:extLst>
                 <a:ext uri="{FF2B5EF4-FFF2-40B4-BE49-F238E27FC236}">
-                  <a16:creationId xmlns:a16="http://schemas.microsoft.com/office/drawing/2014/main" id="{6DFC112D-FFC1-4620-B61F-7CBDC8E92818}"/>
+                  <a16:creationId xmlns:a16="http://schemas.microsoft.com/office/drawing/2014/main" xmlns="" id="{6DFC112D-FFC1-4620-B61F-7CBDC8E92818}"/>
                 </a:ext>
               </a:extLst>
             </p:cNvPr>
@@ -12071,7 +12338,7 @@
             <p:cNvPr id="5" name="TextBox 4">
               <a:extLst>
                 <a:ext uri="{FF2B5EF4-FFF2-40B4-BE49-F238E27FC236}">
-                  <a16:creationId xmlns:a16="http://schemas.microsoft.com/office/drawing/2014/main" id="{68A5ACBA-06C6-42A2-B27A-1A89D1CD35B1}"/>
+                  <a16:creationId xmlns:a16="http://schemas.microsoft.com/office/drawing/2014/main" xmlns="" id="{68A5ACBA-06C6-42A2-B27A-1A89D1CD35B1}"/>
                 </a:ext>
               </a:extLst>
             </p:cNvPr>
@@ -12115,7 +12382,7 @@
                 <p:cNvPr id="8" name="Rectangle 7">
                   <a:extLst>
                     <a:ext uri="{FF2B5EF4-FFF2-40B4-BE49-F238E27FC236}">
-                      <a16:creationId xmlns:a16="http://schemas.microsoft.com/office/drawing/2014/main" id="{71437BDE-DE2E-4637-B8E1-D68A928EE478}"/>
+                      <a16:creationId xmlns:a16="http://schemas.microsoft.com/office/drawing/2014/main" xmlns="" id="{71437BDE-DE2E-4637-B8E1-D68A928EE478}"/>
                     </a:ext>
                   </a:extLst>
                 </p:cNvPr>
@@ -12143,7 +12410,7 @@
                         <m:sSubPr>
                           <m:ctrlPr>
                             <a:rPr lang="en-US" sz="3600" i="1" smtClean="0">
-                              <a:latin typeface="Cambria Math" panose="02040503050406030204" pitchFamily="18" charset="0"/>
+                              <a:latin typeface="Cambria Math" charset="0"/>
                             </a:rPr>
                           </m:ctrlPr>
                         </m:sSubPr>
@@ -12255,7 +12522,7 @@
           <p:cNvPr id="2" name="Content Placeholder 1">
             <a:extLst>
               <a:ext uri="{FF2B5EF4-FFF2-40B4-BE49-F238E27FC236}">
-                <a16:creationId xmlns:a16="http://schemas.microsoft.com/office/drawing/2014/main" id="{E5BDAB05-8815-4999-870A-EB83487F4669}"/>
+                <a16:creationId xmlns:a16="http://schemas.microsoft.com/office/drawing/2014/main" xmlns="" id="{E5BDAB05-8815-4999-870A-EB83487F4669}"/>
               </a:ext>
             </a:extLst>
           </p:cNvPr>
@@ -12320,7 +12587,7 @@
           <p:cNvPr id="23" name="Group 22">
             <a:extLst>
               <a:ext uri="{FF2B5EF4-FFF2-40B4-BE49-F238E27FC236}">
-                <a16:creationId xmlns:a16="http://schemas.microsoft.com/office/drawing/2014/main" id="{B9AFCD71-82EA-4164-9E5C-3A25A24D6B23}"/>
+                <a16:creationId xmlns:a16="http://schemas.microsoft.com/office/drawing/2014/main" xmlns="" id="{B9AFCD71-82EA-4164-9E5C-3A25A24D6B23}"/>
               </a:ext>
             </a:extLst>
           </p:cNvPr>
@@ -12342,7 +12609,7 @@
                 <p:cNvPr id="4" name="Rectangle: Rounded Corners 3">
                   <a:extLst>
                     <a:ext uri="{FF2B5EF4-FFF2-40B4-BE49-F238E27FC236}">
-                      <a16:creationId xmlns:a16="http://schemas.microsoft.com/office/drawing/2014/main" id="{210B4328-EF94-4D38-8D35-BE6F8494081A}"/>
+                      <a16:creationId xmlns:a16="http://schemas.microsoft.com/office/drawing/2014/main" xmlns="" id="{210B4328-EF94-4D38-8D35-BE6F8494081A}"/>
                     </a:ext>
                   </a:extLst>
                 </p:cNvPr>
@@ -12388,7 +12655,7 @@
                         <m:sSubPr>
                           <m:ctrlPr>
                             <a:rPr lang="en-US" i="1">
-                              <a:latin typeface="Cambria Math" panose="02040503050406030204" pitchFamily="18" charset="0"/>
+                              <a:latin typeface="Cambria Math" charset="0"/>
                             </a:rPr>
                           </m:ctrlPr>
                         </m:sSubPr>
@@ -12421,7 +12688,7 @@
                         <m:sSubPr>
                           <m:ctrlPr>
                             <a:rPr lang="en-US" i="1" smtClean="0">
-                              <a:latin typeface="Cambria Math" panose="02040503050406030204" pitchFamily="18" charset="0"/>
+                              <a:latin typeface="Cambria Math" charset="0"/>
                             </a:rPr>
                           </m:ctrlPr>
                         </m:sSubPr>
@@ -12454,7 +12721,7 @@
                         <m:sSubPr>
                           <m:ctrlPr>
                             <a:rPr lang="en-US" i="1" smtClean="0">
-                              <a:latin typeface="Cambria Math" panose="02040503050406030204" pitchFamily="18" charset="0"/>
+                              <a:latin typeface="Cambria Math" charset="0"/>
                             </a:rPr>
                           </m:ctrlPr>
                         </m:sSubPr>
@@ -12536,7 +12803,7 @@
             <p:cNvPr id="9" name="Arrow: Right 8">
               <a:extLst>
                 <a:ext uri="{FF2B5EF4-FFF2-40B4-BE49-F238E27FC236}">
-                  <a16:creationId xmlns:a16="http://schemas.microsoft.com/office/drawing/2014/main" id="{1AADA7E5-1D83-463C-A8B4-239805FA6884}"/>
+                  <a16:creationId xmlns:a16="http://schemas.microsoft.com/office/drawing/2014/main" xmlns="" id="{1AADA7E5-1D83-463C-A8B4-239805FA6884}"/>
                 </a:ext>
               </a:extLst>
             </p:cNvPr>
@@ -12582,7 +12849,7 @@
             <p:cNvPr id="14" name="Group 13">
               <a:extLst>
                 <a:ext uri="{FF2B5EF4-FFF2-40B4-BE49-F238E27FC236}">
-                  <a16:creationId xmlns:a16="http://schemas.microsoft.com/office/drawing/2014/main" id="{DDA8FB84-7DC4-4D12-9CDB-EFE6DA7E3B57}"/>
+                  <a16:creationId xmlns:a16="http://schemas.microsoft.com/office/drawing/2014/main" xmlns="" id="{DDA8FB84-7DC4-4D12-9CDB-EFE6DA7E3B57}"/>
                 </a:ext>
               </a:extLst>
             </p:cNvPr>
@@ -12604,7 +12871,7 @@
                   <p:cNvPr id="10" name="Rectangle: Rounded Corners 9">
                     <a:extLst>
                       <a:ext uri="{FF2B5EF4-FFF2-40B4-BE49-F238E27FC236}">
-                        <a16:creationId xmlns:a16="http://schemas.microsoft.com/office/drawing/2014/main" id="{77824416-191E-4325-8E24-6F44E5093AC7}"/>
+                        <a16:creationId xmlns:a16="http://schemas.microsoft.com/office/drawing/2014/main" xmlns="" id="{77824416-191E-4325-8E24-6F44E5093AC7}"/>
                       </a:ext>
                     </a:extLst>
                   </p:cNvPr>
@@ -12650,7 +12917,7 @@
                           <m:sSubPr>
                             <m:ctrlPr>
                               <a:rPr lang="en-US" i="1">
-                                <a:latin typeface="Cambria Math" panose="02040503050406030204" pitchFamily="18" charset="0"/>
+                                <a:latin typeface="Cambria Math" charset="0"/>
                               </a:rPr>
                             </m:ctrlPr>
                           </m:sSubPr>
@@ -12683,7 +12950,7 @@
                           <m:sSubPr>
                             <m:ctrlPr>
                               <a:rPr lang="en-US" i="1" smtClean="0">
-                                <a:latin typeface="Cambria Math" panose="02040503050406030204" pitchFamily="18" charset="0"/>
+                                <a:latin typeface="Cambria Math" charset="0"/>
                               </a:rPr>
                             </m:ctrlPr>
                           </m:sSubPr>
@@ -12716,7 +12983,7 @@
                           <m:sSubPr>
                             <m:ctrlPr>
                               <a:rPr lang="en-US" i="1" smtClean="0">
-                                <a:latin typeface="Cambria Math" panose="02040503050406030204" pitchFamily="18" charset="0"/>
+                                <a:latin typeface="Cambria Math" charset="0"/>
                               </a:rPr>
                             </m:ctrlPr>
                           </m:sSubPr>
@@ -12800,7 +13067,7 @@
                   <p:cNvPr id="11" name="Rectangle: Rounded Corners 10">
                     <a:extLst>
                       <a:ext uri="{FF2B5EF4-FFF2-40B4-BE49-F238E27FC236}">
-                        <a16:creationId xmlns:a16="http://schemas.microsoft.com/office/drawing/2014/main" id="{8595C7AA-20EF-4720-AF76-9B312CE49BC2}"/>
+                        <a16:creationId xmlns:a16="http://schemas.microsoft.com/office/drawing/2014/main" xmlns="" id="{8595C7AA-20EF-4720-AF76-9B312CE49BC2}"/>
                       </a:ext>
                     </a:extLst>
                   </p:cNvPr>
@@ -12846,7 +13113,7 @@
                           <m:sSubPr>
                             <m:ctrlPr>
                               <a:rPr lang="en-US" i="1">
-                                <a:latin typeface="Cambria Math" panose="02040503050406030204" pitchFamily="18" charset="0"/>
+                                <a:latin typeface="Cambria Math" charset="0"/>
                               </a:rPr>
                             </m:ctrlPr>
                           </m:sSubPr>
@@ -12879,7 +13146,7 @@
                           <m:sSubPr>
                             <m:ctrlPr>
                               <a:rPr lang="en-US" i="1" smtClean="0">
-                                <a:latin typeface="Cambria Math" panose="02040503050406030204" pitchFamily="18" charset="0"/>
+                                <a:latin typeface="Cambria Math" charset="0"/>
                               </a:rPr>
                             </m:ctrlPr>
                           </m:sSubPr>
@@ -12912,7 +13179,7 @@
                           <m:sSubPr>
                             <m:ctrlPr>
                               <a:rPr lang="en-US" i="1" smtClean="0">
-                                <a:latin typeface="Cambria Math" panose="02040503050406030204" pitchFamily="18" charset="0"/>
+                                <a:latin typeface="Cambria Math" charset="0"/>
                               </a:rPr>
                             </m:ctrlPr>
                           </m:sSubPr>
@@ -12996,7 +13263,7 @@
                   <p:cNvPr id="12" name="Rectangle: Rounded Corners 11">
                     <a:extLst>
                       <a:ext uri="{FF2B5EF4-FFF2-40B4-BE49-F238E27FC236}">
-                        <a16:creationId xmlns:a16="http://schemas.microsoft.com/office/drawing/2014/main" id="{A5B68DFB-2BF6-4A3F-8144-63C3C1C5C09B}"/>
+                        <a16:creationId xmlns:a16="http://schemas.microsoft.com/office/drawing/2014/main" xmlns="" id="{A5B68DFB-2BF6-4A3F-8144-63C3C1C5C09B}"/>
                       </a:ext>
                     </a:extLst>
                   </p:cNvPr>
@@ -13042,7 +13309,7 @@
                           <m:sSubPr>
                             <m:ctrlPr>
                               <a:rPr lang="en-US" i="1">
-                                <a:latin typeface="Cambria Math" panose="02040503050406030204" pitchFamily="18" charset="0"/>
+                                <a:latin typeface="Cambria Math" charset="0"/>
                               </a:rPr>
                             </m:ctrlPr>
                           </m:sSubPr>
@@ -13075,7 +13342,7 @@
                           <m:sSubPr>
                             <m:ctrlPr>
                               <a:rPr lang="en-US" i="1" smtClean="0">
-                                <a:latin typeface="Cambria Math" panose="02040503050406030204" pitchFamily="18" charset="0"/>
+                                <a:latin typeface="Cambria Math" charset="0"/>
                               </a:rPr>
                             </m:ctrlPr>
                           </m:sSubPr>
@@ -13108,7 +13375,7 @@
                           <m:sSubPr>
                             <m:ctrlPr>
                               <a:rPr lang="en-US" i="1" smtClean="0">
-                                <a:latin typeface="Cambria Math" panose="02040503050406030204" pitchFamily="18" charset="0"/>
+                                <a:latin typeface="Cambria Math" charset="0"/>
                               </a:rPr>
                             </m:ctrlPr>
                           </m:sSubPr>
@@ -13190,7 +13457,7 @@
               <p:cNvPr id="13" name="TextBox 12">
                 <a:extLst>
                   <a:ext uri="{FF2B5EF4-FFF2-40B4-BE49-F238E27FC236}">
-                    <a16:creationId xmlns:a16="http://schemas.microsoft.com/office/drawing/2014/main" id="{F9AF10EB-14A7-4B9E-AFE6-A63A3CB34281}"/>
+                    <a16:creationId xmlns:a16="http://schemas.microsoft.com/office/drawing/2014/main" xmlns="" id="{F9AF10EB-14A7-4B9E-AFE6-A63A3CB34281}"/>
                   </a:ext>
                 </a:extLst>
               </p:cNvPr>
@@ -13226,7 +13493,7 @@
             <p:cNvPr id="15" name="Arrow: Right 14">
               <a:extLst>
                 <a:ext uri="{FF2B5EF4-FFF2-40B4-BE49-F238E27FC236}">
-                  <a16:creationId xmlns:a16="http://schemas.microsoft.com/office/drawing/2014/main" id="{3F04154F-0A84-4172-B158-6B8757FF37A3}"/>
+                  <a16:creationId xmlns:a16="http://schemas.microsoft.com/office/drawing/2014/main" xmlns="" id="{3F04154F-0A84-4172-B158-6B8757FF37A3}"/>
                 </a:ext>
               </a:extLst>
             </p:cNvPr>
@@ -13274,7 +13541,7 @@
                 <p:cNvPr id="16" name="Rectangle: Rounded Corners 15">
                   <a:extLst>
                     <a:ext uri="{FF2B5EF4-FFF2-40B4-BE49-F238E27FC236}">
-                      <a16:creationId xmlns:a16="http://schemas.microsoft.com/office/drawing/2014/main" id="{807037C2-2A6D-4F0F-9A18-5A6D3A724274}"/>
+                      <a16:creationId xmlns:a16="http://schemas.microsoft.com/office/drawing/2014/main" xmlns="" id="{807037C2-2A6D-4F0F-9A18-5A6D3A724274}"/>
                     </a:ext>
                   </a:extLst>
                 </p:cNvPr>
@@ -13318,7 +13585,7 @@
                         <m:sSubPr>
                           <m:ctrlPr>
                             <a:rPr lang="en-US" i="1">
-                              <a:latin typeface="Cambria Math" panose="02040503050406030204" pitchFamily="18" charset="0"/>
+                              <a:latin typeface="Cambria Math" charset="0"/>
                             </a:rPr>
                           </m:ctrlPr>
                         </m:sSubPr>
@@ -13400,7 +13667,7 @@
             <p:cNvPr id="17" name="Arrow: Right 16">
               <a:extLst>
                 <a:ext uri="{FF2B5EF4-FFF2-40B4-BE49-F238E27FC236}">
-                  <a16:creationId xmlns:a16="http://schemas.microsoft.com/office/drawing/2014/main" id="{78864611-5E3F-4FF4-ABBD-02035B18A5CC}"/>
+                  <a16:creationId xmlns:a16="http://schemas.microsoft.com/office/drawing/2014/main" xmlns="" id="{78864611-5E3F-4FF4-ABBD-02035B18A5CC}"/>
                 </a:ext>
               </a:extLst>
             </p:cNvPr>
@@ -13448,7 +13715,7 @@
                 <p:cNvPr id="19" name="Rectangle: Rounded Corners 18">
                   <a:extLst>
                     <a:ext uri="{FF2B5EF4-FFF2-40B4-BE49-F238E27FC236}">
-                      <a16:creationId xmlns:a16="http://schemas.microsoft.com/office/drawing/2014/main" id="{ADFA2AEC-088E-42C0-8B23-E6BB4DDAA61C}"/>
+                      <a16:creationId xmlns:a16="http://schemas.microsoft.com/office/drawing/2014/main" xmlns="" id="{ADFA2AEC-088E-42C0-8B23-E6BB4DDAA61C}"/>
                     </a:ext>
                   </a:extLst>
                 </p:cNvPr>
@@ -13492,7 +13759,7 @@
                         <m:sSubPr>
                           <m:ctrlPr>
                             <a:rPr lang="en-US" i="1">
-                              <a:latin typeface="Cambria Math" panose="02040503050406030204" pitchFamily="18" charset="0"/>
+                              <a:latin typeface="Cambria Math" charset="0"/>
                             </a:rPr>
                           </m:ctrlPr>
                         </m:sSubPr>
@@ -13517,7 +13784,7 @@
                         <m:sSubPr>
                           <m:ctrlPr>
                             <a:rPr lang="en-US" i="1" smtClean="0">
-                              <a:latin typeface="Cambria Math" panose="02040503050406030204" pitchFamily="18" charset="0"/>
+                              <a:latin typeface="Cambria Math" charset="0"/>
                             </a:rPr>
                           </m:ctrlPr>
                         </m:sSubPr>
@@ -13562,7 +13829,7 @@
                         <m:sSubPr>
                           <m:ctrlPr>
                             <a:rPr lang="en-US" i="1">
-                              <a:latin typeface="Cambria Math" panose="02040503050406030204" pitchFamily="18" charset="0"/>
+                              <a:latin typeface="Cambria Math" charset="0"/>
                             </a:rPr>
                           </m:ctrlPr>
                         </m:sSubPr>
@@ -13662,7 +13929,7 @@
             <p:cNvPr id="21" name="Arrow: Right 20">
               <a:extLst>
                 <a:ext uri="{FF2B5EF4-FFF2-40B4-BE49-F238E27FC236}">
-                  <a16:creationId xmlns:a16="http://schemas.microsoft.com/office/drawing/2014/main" id="{4B5B1DCC-586E-4D24-BC38-9BD135414FB8}"/>
+                  <a16:creationId xmlns:a16="http://schemas.microsoft.com/office/drawing/2014/main" xmlns="" id="{4B5B1DCC-586E-4D24-BC38-9BD135414FB8}"/>
                 </a:ext>
               </a:extLst>
             </p:cNvPr>
@@ -13710,7 +13977,7 @@
                 <p:cNvPr id="22" name="Rectangle: Rounded Corners 21">
                   <a:extLst>
                     <a:ext uri="{FF2B5EF4-FFF2-40B4-BE49-F238E27FC236}">
-                      <a16:creationId xmlns:a16="http://schemas.microsoft.com/office/drawing/2014/main" id="{2C468CCB-FBDA-4686-9123-D8BEBD326C19}"/>
+                      <a16:creationId xmlns:a16="http://schemas.microsoft.com/office/drawing/2014/main" xmlns="" id="{2C468CCB-FBDA-4686-9123-D8BEBD326C19}"/>
                     </a:ext>
                   </a:extLst>
                 </p:cNvPr>
@@ -13754,7 +14021,7 @@
                         <m:sSubPr>
                           <m:ctrlPr>
                             <a:rPr lang="en-US" i="1">
-                              <a:latin typeface="Cambria Math" panose="02040503050406030204" pitchFamily="18" charset="0"/>
+                              <a:latin typeface="Cambria Math" charset="0"/>
                             </a:rPr>
                           </m:ctrlPr>
                         </m:sSubPr>
@@ -13779,7 +14046,7 @@
                         <m:sSubPr>
                           <m:ctrlPr>
                             <a:rPr lang="en-US" i="1" smtClean="0">
-                              <a:latin typeface="Cambria Math" panose="02040503050406030204" pitchFamily="18" charset="0"/>
+                              <a:latin typeface="Cambria Math" charset="0"/>
                             </a:rPr>
                           </m:ctrlPr>
                         </m:sSubPr>
@@ -13824,7 +14091,7 @@
                         <m:sSubPr>
                           <m:ctrlPr>
                             <a:rPr lang="en-US" i="1">
-                              <a:latin typeface="Cambria Math" panose="02040503050406030204" pitchFamily="18" charset="0"/>
+                              <a:latin typeface="Cambria Math" charset="0"/>
                             </a:rPr>
                           </m:ctrlPr>
                         </m:sSubPr>
@@ -13849,7 +14116,7 @@
                         <m:sSubPr>
                           <m:ctrlPr>
                             <a:rPr lang="en-US" i="1" smtClean="0">
-                              <a:latin typeface="Cambria Math" panose="02040503050406030204" pitchFamily="18" charset="0"/>
+                              <a:latin typeface="Cambria Math" charset="0"/>
                             </a:rPr>
                           </m:ctrlPr>
                         </m:sSubPr>
@@ -13962,7 +14229,7 @@
           <p:cNvPr id="2" name="Content Placeholder 1">
             <a:extLst>
               <a:ext uri="{FF2B5EF4-FFF2-40B4-BE49-F238E27FC236}">
-                <a16:creationId xmlns:a16="http://schemas.microsoft.com/office/drawing/2014/main" id="{B20E4FF4-DB90-4854-8FC0-6841D7A771FF}"/>
+                <a16:creationId xmlns:a16="http://schemas.microsoft.com/office/drawing/2014/main" xmlns="" id="{B20E4FF4-DB90-4854-8FC0-6841D7A771FF}"/>
               </a:ext>
             </a:extLst>
           </p:cNvPr>
@@ -14019,7 +14286,7 @@
               <p:cNvPr id="3" name="Rectangle: Rounded Corners 2">
                 <a:extLst>
                   <a:ext uri="{FF2B5EF4-FFF2-40B4-BE49-F238E27FC236}">
-                    <a16:creationId xmlns:a16="http://schemas.microsoft.com/office/drawing/2014/main" id="{1D560D7D-201F-41A5-BBC8-F2E852BA2038}"/>
+                    <a16:creationId xmlns:a16="http://schemas.microsoft.com/office/drawing/2014/main" xmlns="" id="{1D560D7D-201F-41A5-BBC8-F2E852BA2038}"/>
                   </a:ext>
                 </a:extLst>
               </p:cNvPr>
@@ -14126,7 +14393,7 @@
           <p:cNvPr id="4" name="Arrow: Right 3">
             <a:extLst>
               <a:ext uri="{FF2B5EF4-FFF2-40B4-BE49-F238E27FC236}">
-                <a16:creationId xmlns:a16="http://schemas.microsoft.com/office/drawing/2014/main" id="{C2CD35E0-1A00-4321-B26C-DF771EC136A7}"/>
+                <a16:creationId xmlns:a16="http://schemas.microsoft.com/office/drawing/2014/main" xmlns="" id="{C2CD35E0-1A00-4321-B26C-DF771EC136A7}"/>
               </a:ext>
             </a:extLst>
           </p:cNvPr>
@@ -14174,7 +14441,7 @@
               <p:cNvPr id="5" name="Rectangle: Rounded Corners 4">
                 <a:extLst>
                   <a:ext uri="{FF2B5EF4-FFF2-40B4-BE49-F238E27FC236}">
-                    <a16:creationId xmlns:a16="http://schemas.microsoft.com/office/drawing/2014/main" id="{E2648FA5-C02E-4492-AC82-17AE0793E329}"/>
+                    <a16:creationId xmlns:a16="http://schemas.microsoft.com/office/drawing/2014/main" xmlns="" id="{E2648FA5-C02E-4492-AC82-17AE0793E329}"/>
                   </a:ext>
                 </a:extLst>
               </p:cNvPr>
@@ -14218,7 +14485,7 @@
                       <m:dPr>
                         <m:ctrlPr>
                           <a:rPr lang="en-US" i="1">
-                            <a:latin typeface="Cambria Math" panose="02040503050406030204" pitchFamily="18" charset="0"/>
+                            <a:latin typeface="Cambria Math" charset="0"/>
                           </a:rPr>
                         </m:ctrlPr>
                       </m:dPr>
@@ -14228,7 +14495,7 @@
                             <m:type m:val="noBar"/>
                             <m:ctrlPr>
                               <a:rPr lang="en-US" i="1">
-                                <a:latin typeface="Cambria Math" panose="02040503050406030204" pitchFamily="18" charset="0"/>
+                                <a:latin typeface="Cambria Math" charset="0"/>
                               </a:rPr>
                             </m:ctrlPr>
                           </m:fPr>
@@ -14263,7 +14530,7 @@
                       <m:sSubPr>
                         <m:ctrlPr>
                           <a:rPr lang="en-US" i="1">
-                            <a:latin typeface="Cambria Math" panose="02040503050406030204" pitchFamily="18" charset="0"/>
+                            <a:latin typeface="Cambria Math" charset="0"/>
                           </a:rPr>
                         </m:ctrlPr>
                       </m:sSubPr>
@@ -14296,7 +14563,7 @@
                       <m:sSubPr>
                         <m:ctrlPr>
                           <a:rPr lang="en-US" i="1" smtClean="0">
-                            <a:latin typeface="Cambria Math" panose="02040503050406030204" pitchFamily="18" charset="0"/>
+                            <a:latin typeface="Cambria Math" charset="0"/>
                           </a:rPr>
                         </m:ctrlPr>
                       </m:sSubPr>
@@ -14329,7 +14596,7 @@
                       <m:sSubPr>
                         <m:ctrlPr>
                           <a:rPr lang="en-US" i="1" smtClean="0">
-                            <a:latin typeface="Cambria Math" panose="02040503050406030204" pitchFamily="18" charset="0"/>
+                            <a:latin typeface="Cambria Math" charset="0"/>
                           </a:rPr>
                         </m:ctrlPr>
                       </m:sSubPr>
@@ -14426,7 +14693,7 @@
           <p:cNvPr id="6" name="Arrow: Right 5">
             <a:extLst>
               <a:ext uri="{FF2B5EF4-FFF2-40B4-BE49-F238E27FC236}">
-                <a16:creationId xmlns:a16="http://schemas.microsoft.com/office/drawing/2014/main" id="{2D36B940-B645-4F4F-B362-A213F0A3CD27}"/>
+                <a16:creationId xmlns:a16="http://schemas.microsoft.com/office/drawing/2014/main" xmlns="" id="{2D36B940-B645-4F4F-B362-A213F0A3CD27}"/>
               </a:ext>
             </a:extLst>
           </p:cNvPr>
@@ -14474,7 +14741,7 @@
               <p:cNvPr id="7" name="Rectangle: Rounded Corners 6">
                 <a:extLst>
                   <a:ext uri="{FF2B5EF4-FFF2-40B4-BE49-F238E27FC236}">
-                    <a16:creationId xmlns:a16="http://schemas.microsoft.com/office/drawing/2014/main" id="{EF7A2BF4-14FC-43B6-87A6-DC3A8CF5242F}"/>
+                    <a16:creationId xmlns:a16="http://schemas.microsoft.com/office/drawing/2014/main" xmlns="" id="{EF7A2BF4-14FC-43B6-87A6-DC3A8CF5242F}"/>
                   </a:ext>
                 </a:extLst>
               </p:cNvPr>
@@ -14518,7 +14785,7 @@
                       <m:sSubPr>
                         <m:ctrlPr>
                           <a:rPr lang="en-US" i="1" smtClean="0">
-                            <a:latin typeface="Cambria Math" panose="02040503050406030204" pitchFamily="18" charset="0"/>
+                            <a:latin typeface="Cambria Math" charset="0"/>
                           </a:rPr>
                         </m:ctrlPr>
                       </m:sSubPr>
@@ -14563,7 +14830,7 @@
                       <m:sSubPr>
                         <m:ctrlPr>
                           <a:rPr lang="en-US" i="1" smtClean="0">
-                            <a:latin typeface="Cambria Math" panose="02040503050406030204" pitchFamily="18" charset="0"/>
+                            <a:latin typeface="Cambria Math" charset="0"/>
                           </a:rPr>
                         </m:ctrlPr>
                       </m:sSubPr>
@@ -14608,7 +14875,7 @@
                       <m:sSubPr>
                         <m:ctrlPr>
                           <a:rPr lang="en-US" i="1" smtClean="0">
-                            <a:latin typeface="Cambria Math" panose="02040503050406030204" pitchFamily="18" charset="0"/>
+                            <a:latin typeface="Cambria Math" charset="0"/>
                           </a:rPr>
                         </m:ctrlPr>
                       </m:sSubPr>
@@ -14705,7 +14972,7 @@
           <p:cNvPr id="9" name="Arrow: Right 8">
             <a:extLst>
               <a:ext uri="{FF2B5EF4-FFF2-40B4-BE49-F238E27FC236}">
-                <a16:creationId xmlns:a16="http://schemas.microsoft.com/office/drawing/2014/main" id="{6DD0EDF2-BF42-4685-AEA8-FC2711123131}"/>
+                <a16:creationId xmlns:a16="http://schemas.microsoft.com/office/drawing/2014/main" xmlns="" id="{6DD0EDF2-BF42-4685-AEA8-FC2711123131}"/>
               </a:ext>
             </a:extLst>
           </p:cNvPr>
@@ -14751,7 +15018,7 @@
           <p:cNvPr id="12" name="Rectangle: Rounded Corners 11">
             <a:extLst>
               <a:ext uri="{FF2B5EF4-FFF2-40B4-BE49-F238E27FC236}">
-                <a16:creationId xmlns:a16="http://schemas.microsoft.com/office/drawing/2014/main" id="{8C9DE82D-8F9E-48CE-97D6-430581185EB6}"/>
+                <a16:creationId xmlns:a16="http://schemas.microsoft.com/office/drawing/2014/main" xmlns="" id="{8C9DE82D-8F9E-48CE-97D6-430581185EB6}"/>
               </a:ext>
             </a:extLst>
           </p:cNvPr>
@@ -14798,7 +15065,7 @@
           <p:cNvPr id="13" name="TextBox 12">
             <a:extLst>
               <a:ext uri="{FF2B5EF4-FFF2-40B4-BE49-F238E27FC236}">
-                <a16:creationId xmlns:a16="http://schemas.microsoft.com/office/drawing/2014/main" id="{09A509AC-5C23-4C52-9F93-4E76D03019D5}"/>
+                <a16:creationId xmlns:a16="http://schemas.microsoft.com/office/drawing/2014/main" xmlns="" id="{09A509AC-5C23-4C52-9F93-4E76D03019D5}"/>
               </a:ext>
             </a:extLst>
           </p:cNvPr>
@@ -14869,7 +15136,7 @@
           <p:cNvPr id="2" name="Content Placeholder 1">
             <a:extLst>
               <a:ext uri="{FF2B5EF4-FFF2-40B4-BE49-F238E27FC236}">
-                <a16:creationId xmlns:a16="http://schemas.microsoft.com/office/drawing/2014/main" id="{35E570DA-07C7-40A7-922A-A1DC1EBD0398}"/>
+                <a16:creationId xmlns:a16="http://schemas.microsoft.com/office/drawing/2014/main" xmlns="" id="{35E570DA-07C7-40A7-922A-A1DC1EBD0398}"/>
               </a:ext>
             </a:extLst>
           </p:cNvPr>
@@ -14929,7 +15196,7 @@
           <p:cNvPr id="4" name="Picture 3">
             <a:extLst>
               <a:ext uri="{FF2B5EF4-FFF2-40B4-BE49-F238E27FC236}">
-                <a16:creationId xmlns:a16="http://schemas.microsoft.com/office/drawing/2014/main" id="{B84A4987-9D1D-4AFD-B4FA-87902E9A2123}"/>
+                <a16:creationId xmlns:a16="http://schemas.microsoft.com/office/drawing/2014/main" xmlns="" id="{B84A4987-9D1D-4AFD-B4FA-87902E9A2123}"/>
               </a:ext>
             </a:extLst>
           </p:cNvPr>
@@ -14995,7 +15262,7 @@
           <p:cNvPr id="2" name="Content Placeholder 1">
             <a:extLst>
               <a:ext uri="{FF2B5EF4-FFF2-40B4-BE49-F238E27FC236}">
-                <a16:creationId xmlns:a16="http://schemas.microsoft.com/office/drawing/2014/main" id="{DD1BAE56-95ED-4683-ADFA-6D7CAABEA1FF}"/>
+                <a16:creationId xmlns:a16="http://schemas.microsoft.com/office/drawing/2014/main" xmlns="" id="{DD1BAE56-95ED-4683-ADFA-6D7CAABEA1FF}"/>
               </a:ext>
             </a:extLst>
           </p:cNvPr>
@@ -15148,14 +15415,14 @@
           <a:chExt cx="0" cy="0"/>
         </a:xfrm>
       </p:grpSpPr>
-      <mc:AlternateContent xmlns:mc="http://schemas.openxmlformats.org/markup-compatibility/2006">
-        <mc:Choice xmlns:a14="http://schemas.microsoft.com/office/drawing/2010/main" Requires="a14">
+      <mc:AlternateContent xmlns:mc="http://schemas.openxmlformats.org/markup-compatibility/2006" xmlns:a14="http://schemas.microsoft.com/office/drawing/2010/main">
+        <mc:Choice Requires="a14">
           <p:sp>
             <p:nvSpPr>
               <p:cNvPr id="2" name="Content Placeholder 1">
                 <a:extLst>
                   <a:ext uri="{FF2B5EF4-FFF2-40B4-BE49-F238E27FC236}">
-                    <a16:creationId xmlns:a16="http://schemas.microsoft.com/office/drawing/2014/main" id="{FE6F39BB-E5AC-4114-A3E9-9BDB888ACDFA}"/>
+                    <a16:creationId xmlns:a16="http://schemas.microsoft.com/office/drawing/2014/main" xmlns="" id="{FE6F39BB-E5AC-4114-A3E9-9BDB888ACDFA}"/>
                   </a:ext>
                 </a:extLst>
               </p:cNvPr>
@@ -15248,7 +15515,7 @@
                       <m:sSubPr>
                         <m:ctrlPr>
                           <a:rPr lang="en-US" i="1" smtClean="0">
-                            <a:latin typeface="Cambria Math" panose="02040503050406030204" pitchFamily="18" charset="0"/>
+                            <a:latin typeface="Cambria Math" charset="0"/>
                           </a:rPr>
                         </m:ctrlPr>
                       </m:sSubPr>
@@ -15287,7 +15554,7 @@
                       <m:sSubPr>
                         <m:ctrlPr>
                           <a:rPr lang="en-US" i="1" smtClean="0">
-                            <a:latin typeface="Cambria Math" panose="02040503050406030204" pitchFamily="18" charset="0"/>
+                            <a:latin typeface="Cambria Math" charset="0"/>
                           </a:rPr>
                         </m:ctrlPr>
                       </m:sSubPr>
@@ -15354,7 +15621,7 @@
             </p:txBody>
           </p:sp>
         </mc:Choice>
-        <mc:Fallback>
+        <mc:Fallback xmlns="">
           <p:sp>
             <p:nvSpPr>
               <p:cNvPr id="2" name="Content Placeholder 1">
@@ -15399,7 +15666,7 @@
           <p:cNvPr id="10" name="Group 9">
             <a:extLst>
               <a:ext uri="{FF2B5EF4-FFF2-40B4-BE49-F238E27FC236}">
-                <a16:creationId xmlns:a16="http://schemas.microsoft.com/office/drawing/2014/main" id="{E738625C-AA4B-404A-8CF2-14FB991DB683}"/>
+                <a16:creationId xmlns:a16="http://schemas.microsoft.com/office/drawing/2014/main" xmlns="" id="{E738625C-AA4B-404A-8CF2-14FB991DB683}"/>
               </a:ext>
             </a:extLst>
           </p:cNvPr>
@@ -15419,7 +15686,7 @@
             <p:cNvPr id="5" name="Picture 4">
               <a:extLst>
                 <a:ext uri="{FF2B5EF4-FFF2-40B4-BE49-F238E27FC236}">
-                  <a16:creationId xmlns:a16="http://schemas.microsoft.com/office/drawing/2014/main" id="{6AFFF668-9BA1-414C-9B3E-F5DB9A5D8EFF}"/>
+                  <a16:creationId xmlns:a16="http://schemas.microsoft.com/office/drawing/2014/main" xmlns="" id="{6AFFF668-9BA1-414C-9B3E-F5DB9A5D8EFF}"/>
                 </a:ext>
               </a:extLst>
             </p:cNvPr>
@@ -15449,7 +15716,7 @@
             <p:cNvPr id="6" name="Arrow: Down 5">
               <a:extLst>
                 <a:ext uri="{FF2B5EF4-FFF2-40B4-BE49-F238E27FC236}">
-                  <a16:creationId xmlns:a16="http://schemas.microsoft.com/office/drawing/2014/main" id="{95B3CE34-6BCB-43D2-B3D2-EB7E001A3030}"/>
+                  <a16:creationId xmlns:a16="http://schemas.microsoft.com/office/drawing/2014/main" xmlns="" id="{95B3CE34-6BCB-43D2-B3D2-EB7E001A3030}"/>
                 </a:ext>
               </a:extLst>
             </p:cNvPr>
@@ -15500,7 +15767,7 @@
             <p:cNvPr id="7" name="TextBox 6">
               <a:extLst>
                 <a:ext uri="{FF2B5EF4-FFF2-40B4-BE49-F238E27FC236}">
-                  <a16:creationId xmlns:a16="http://schemas.microsoft.com/office/drawing/2014/main" id="{FA33A31F-74CA-458C-B47B-249F867E650A}"/>
+                  <a16:creationId xmlns:a16="http://schemas.microsoft.com/office/drawing/2014/main" xmlns="" id="{FA33A31F-74CA-458C-B47B-249F867E650A}"/>
                 </a:ext>
               </a:extLst>
             </p:cNvPr>
